--- a/project_presentation.pptx
+++ b/project_presentation.pptx
@@ -11,14 +11,17 @@
     <p:sldId id="259" r:id="rId5"/>
     <p:sldId id="260" r:id="rId6"/>
     <p:sldId id="261" r:id="rId7"/>
-    <p:sldId id="262" r:id="rId8"/>
-    <p:sldId id="267" r:id="rId9"/>
-    <p:sldId id="263" r:id="rId10"/>
-    <p:sldId id="264" r:id="rId11"/>
-    <p:sldId id="265" r:id="rId12"/>
-    <p:sldId id="266" r:id="rId13"/>
-    <p:sldId id="268" r:id="rId14"/>
-    <p:sldId id="269" r:id="rId15"/>
+    <p:sldId id="270" r:id="rId8"/>
+    <p:sldId id="262" r:id="rId9"/>
+    <p:sldId id="267" r:id="rId10"/>
+    <p:sldId id="263" r:id="rId11"/>
+    <p:sldId id="264" r:id="rId12"/>
+    <p:sldId id="265" r:id="rId13"/>
+    <p:sldId id="266" r:id="rId14"/>
+    <p:sldId id="272" r:id="rId15"/>
+    <p:sldId id="271" r:id="rId16"/>
+    <p:sldId id="268" r:id="rId17"/>
+    <p:sldId id="269" r:id="rId18"/>
   </p:sldIdLst>
   <p:sldSz cx="12192000" cy="6858000"/>
   <p:notesSz cx="6858000" cy="9144000"/>
@@ -117,6 +120,11 @@
       </a:defRPr>
     </a:lvl9pPr>
   </p:defaultTextStyle>
+  <p:extLst>
+    <p:ext uri="{EFAFB233-063F-42B5-8137-9DF3F51BA10A}">
+      <p15:sldGuideLst xmlns:p15="http://schemas.microsoft.com/office/powerpoint/2012/main"/>
+    </p:ext>
+  </p:extLst>
 </p:presentation>
 </file>
 
@@ -269,7 +277,7 @@
           <a:p>
             <a:fld id="{E32783F9-8828-43B1-A8C0-F06DC9B21865}" type="datetimeFigureOut">
               <a:rPr lang="en-GB" smtClean="0"/>
-              <a:t>22/06/2022</a:t>
+              <a:t>09/07/2022</a:t>
             </a:fld>
             <a:endParaRPr lang="en-GB"/>
           </a:p>
@@ -469,7 +477,7 @@
           <a:p>
             <a:fld id="{E32783F9-8828-43B1-A8C0-F06DC9B21865}" type="datetimeFigureOut">
               <a:rPr lang="en-GB" smtClean="0"/>
-              <a:t>22/06/2022</a:t>
+              <a:t>09/07/2022</a:t>
             </a:fld>
             <a:endParaRPr lang="en-GB"/>
           </a:p>
@@ -679,7 +687,7 @@
           <a:p>
             <a:fld id="{E32783F9-8828-43B1-A8C0-F06DC9B21865}" type="datetimeFigureOut">
               <a:rPr lang="en-GB" smtClean="0"/>
-              <a:t>22/06/2022</a:t>
+              <a:t>09/07/2022</a:t>
             </a:fld>
             <a:endParaRPr lang="en-GB"/>
           </a:p>
@@ -879,7 +887,7 @@
           <a:p>
             <a:fld id="{E32783F9-8828-43B1-A8C0-F06DC9B21865}" type="datetimeFigureOut">
               <a:rPr lang="en-GB" smtClean="0"/>
-              <a:t>22/06/2022</a:t>
+              <a:t>09/07/2022</a:t>
             </a:fld>
             <a:endParaRPr lang="en-GB"/>
           </a:p>
@@ -1155,7 +1163,7 @@
           <a:p>
             <a:fld id="{E32783F9-8828-43B1-A8C0-F06DC9B21865}" type="datetimeFigureOut">
               <a:rPr lang="en-GB" smtClean="0"/>
-              <a:t>22/06/2022</a:t>
+              <a:t>09/07/2022</a:t>
             </a:fld>
             <a:endParaRPr lang="en-GB"/>
           </a:p>
@@ -1423,7 +1431,7 @@
           <a:p>
             <a:fld id="{E32783F9-8828-43B1-A8C0-F06DC9B21865}" type="datetimeFigureOut">
               <a:rPr lang="en-GB" smtClean="0"/>
-              <a:t>22/06/2022</a:t>
+              <a:t>09/07/2022</a:t>
             </a:fld>
             <a:endParaRPr lang="en-GB"/>
           </a:p>
@@ -1838,7 +1846,7 @@
           <a:p>
             <a:fld id="{E32783F9-8828-43B1-A8C0-F06DC9B21865}" type="datetimeFigureOut">
               <a:rPr lang="en-GB" smtClean="0"/>
-              <a:t>22/06/2022</a:t>
+              <a:t>09/07/2022</a:t>
             </a:fld>
             <a:endParaRPr lang="en-GB"/>
           </a:p>
@@ -1980,7 +1988,7 @@
           <a:p>
             <a:fld id="{E32783F9-8828-43B1-A8C0-F06DC9B21865}" type="datetimeFigureOut">
               <a:rPr lang="en-GB" smtClean="0"/>
-              <a:t>22/06/2022</a:t>
+              <a:t>09/07/2022</a:t>
             </a:fld>
             <a:endParaRPr lang="en-GB"/>
           </a:p>
@@ -2093,7 +2101,7 @@
           <a:p>
             <a:fld id="{E32783F9-8828-43B1-A8C0-F06DC9B21865}" type="datetimeFigureOut">
               <a:rPr lang="en-GB" smtClean="0"/>
-              <a:t>22/06/2022</a:t>
+              <a:t>09/07/2022</a:t>
             </a:fld>
             <a:endParaRPr lang="en-GB"/>
           </a:p>
@@ -2406,7 +2414,7 @@
           <a:p>
             <a:fld id="{E32783F9-8828-43B1-A8C0-F06DC9B21865}" type="datetimeFigureOut">
               <a:rPr lang="en-GB" smtClean="0"/>
-              <a:t>22/06/2022</a:t>
+              <a:t>09/07/2022</a:t>
             </a:fld>
             <a:endParaRPr lang="en-GB"/>
           </a:p>
@@ -2695,7 +2703,7 @@
           <a:p>
             <a:fld id="{E32783F9-8828-43B1-A8C0-F06DC9B21865}" type="datetimeFigureOut">
               <a:rPr lang="en-GB" smtClean="0"/>
-              <a:t>22/06/2022</a:t>
+              <a:t>09/07/2022</a:t>
             </a:fld>
             <a:endParaRPr lang="en-GB"/>
           </a:p>
@@ -2938,7 +2946,7 @@
           <a:p>
             <a:fld id="{E32783F9-8828-43B1-A8C0-F06DC9B21865}" type="datetimeFigureOut">
               <a:rPr lang="en-GB" smtClean="0"/>
-              <a:t>22/06/2022</a:t>
+              <a:t>09/07/2022</a:t>
             </a:fld>
             <a:endParaRPr lang="en-GB"/>
           </a:p>
@@ -3525,7 +3533,7 @@
           <p:cNvPr id="2" name="Titolo 1">
             <a:extLst>
               <a:ext uri="{FF2B5EF4-FFF2-40B4-BE49-F238E27FC236}">
-                <a16:creationId xmlns:a16="http://schemas.microsoft.com/office/drawing/2014/main" id="{4AF5A1CC-8159-A4B3-A662-5D4C135F4DB6}"/>
+                <a16:creationId xmlns:a16="http://schemas.microsoft.com/office/drawing/2014/main" id="{ED839FFE-EDC4-FEDB-8A9F-A8D1EF751E01}"/>
               </a:ext>
             </a:extLst>
           </p:cNvPr>
@@ -3542,29 +3550,25 @@
           <a:lstStyle/>
           <a:p>
             <a:r>
+              <a:rPr lang="it-IT" dirty="0"/>
+              <a:t>Core app </a:t>
+            </a:r>
+            <a:r>
               <a:rPr lang="it-IT" dirty="0" err="1"/>
-              <a:t>Original</a:t>
-            </a:r>
-            <a:r>
-              <a:rPr lang="it-IT" dirty="0"/>
-              <a:t> features</a:t>
+              <a:t>functionalities</a:t>
             </a:r>
             <a:br>
               <a:rPr lang="it-IT" dirty="0"/>
             </a:br>
             <a:r>
               <a:rPr lang="it-IT" sz="3600" dirty="0"/>
-              <a:t>Yoga and </a:t>
+              <a:t>Data </a:t>
             </a:r>
             <a:r>
               <a:rPr lang="it-IT" sz="3600" dirty="0" err="1"/>
-              <a:t>coins</a:t>
-            </a:r>
-            <a:r>
-              <a:rPr lang="it-IT" sz="3600" dirty="0"/>
-              <a:t>-by-steps</a:t>
-            </a:r>
-            <a:endParaRPr lang="en-GB" dirty="0"/>
+              <a:t>visualization</a:t>
+            </a:r>
+            <a:endParaRPr lang="en-GB" sz="3600" dirty="0"/>
           </a:p>
         </p:txBody>
       </p:sp>
@@ -3573,7 +3577,7 @@
           <p:cNvPr id="3" name="Segnaposto contenuto 2">
             <a:extLst>
               <a:ext uri="{FF2B5EF4-FFF2-40B4-BE49-F238E27FC236}">
-                <a16:creationId xmlns:a16="http://schemas.microsoft.com/office/drawing/2014/main" id="{F6853420-C874-F61D-677D-FC490587CF33}"/>
+                <a16:creationId xmlns:a16="http://schemas.microsoft.com/office/drawing/2014/main" id="{FF064A71-478F-8630-05F8-09E89DE3E584}"/>
               </a:ext>
             </a:extLst>
           </p:cNvPr>
@@ -3596,7 +3600,7 @@
     </p:spTree>
     <p:extLst>
       <p:ext uri="{BB962C8B-B14F-4D97-AF65-F5344CB8AC3E}">
-        <p14:creationId xmlns:p14="http://schemas.microsoft.com/office/powerpoint/2010/main" val="1550213581"/>
+        <p14:creationId xmlns:p14="http://schemas.microsoft.com/office/powerpoint/2010/main" val="1553957979"/>
       </p:ext>
     </p:extLst>
   </p:cSld>
@@ -3628,7 +3632,7 @@
           <p:cNvPr id="2" name="Titolo 1">
             <a:extLst>
               <a:ext uri="{FF2B5EF4-FFF2-40B4-BE49-F238E27FC236}">
-                <a16:creationId xmlns:a16="http://schemas.microsoft.com/office/drawing/2014/main" id="{F04104F0-144A-609D-DCCC-10BAD6CBB6ED}"/>
+                <a16:creationId xmlns:a16="http://schemas.microsoft.com/office/drawing/2014/main" id="{4AF5A1CC-8159-A4B3-A662-5D4C135F4DB6}"/>
               </a:ext>
             </a:extLst>
           </p:cNvPr>
@@ -3645,12 +3649,35 @@
           <a:lstStyle/>
           <a:p>
             <a:r>
+              <a:rPr lang="it-IT" dirty="0" err="1"/>
+              <a:t>Original</a:t>
+            </a:r>
+            <a:r>
               <a:rPr lang="it-IT" dirty="0"/>
-              <a:t>Project management </a:t>
-            </a:r>
-            <a:r>
-              <a:rPr lang="it-IT" dirty="0" err="1"/>
-              <a:t>flavours</a:t>
+              <a:t> features</a:t>
+            </a:r>
+            <a:br>
+              <a:rPr lang="it-IT" dirty="0"/>
+            </a:br>
+            <a:r>
+              <a:rPr lang="it-IT" sz="3600" dirty="0"/>
+              <a:t>Yoga and </a:t>
+            </a:r>
+            <a:r>
+              <a:rPr lang="it-IT" sz="3600" dirty="0" err="1"/>
+              <a:t>flower</a:t>
+            </a:r>
+            <a:r>
+              <a:rPr lang="it-IT" sz="3600" dirty="0"/>
+              <a:t>-</a:t>
+            </a:r>
+            <a:r>
+              <a:rPr lang="it-IT" sz="3600" dirty="0" err="1"/>
+              <a:t>growth</a:t>
+            </a:r>
+            <a:r>
+              <a:rPr lang="it-IT" sz="3600" dirty="0"/>
+              <a:t>-by-steps</a:t>
             </a:r>
             <a:endParaRPr lang="en-GB" dirty="0"/>
           </a:p>
@@ -3661,7 +3688,7 @@
           <p:cNvPr id="3" name="Segnaposto contenuto 2">
             <a:extLst>
               <a:ext uri="{FF2B5EF4-FFF2-40B4-BE49-F238E27FC236}">
-                <a16:creationId xmlns:a16="http://schemas.microsoft.com/office/drawing/2014/main" id="{1DD29EB4-C733-02BE-6720-937F777B89EA}"/>
+                <a16:creationId xmlns:a16="http://schemas.microsoft.com/office/drawing/2014/main" id="{F6853420-C874-F61D-677D-FC490587CF33}"/>
               </a:ext>
             </a:extLst>
           </p:cNvPr>
@@ -3684,7 +3711,7 @@
     </p:spTree>
     <p:extLst>
       <p:ext uri="{BB962C8B-B14F-4D97-AF65-F5344CB8AC3E}">
-        <p14:creationId xmlns:p14="http://schemas.microsoft.com/office/powerpoint/2010/main" val="2681769840"/>
+        <p14:creationId xmlns:p14="http://schemas.microsoft.com/office/powerpoint/2010/main" val="1550213581"/>
       </p:ext>
     </p:extLst>
   </p:cSld>
@@ -3716,7 +3743,7 @@
           <p:cNvPr id="2" name="Titolo 1">
             <a:extLst>
               <a:ext uri="{FF2B5EF4-FFF2-40B4-BE49-F238E27FC236}">
-                <a16:creationId xmlns:a16="http://schemas.microsoft.com/office/drawing/2014/main" id="{9283D416-79B6-BD00-66B2-635EB66A7587}"/>
+                <a16:creationId xmlns:a16="http://schemas.microsoft.com/office/drawing/2014/main" id="{F04104F0-144A-609D-DCCC-10BAD6CBB6ED}"/>
               </a:ext>
             </a:extLst>
           </p:cNvPr>
@@ -3734,28 +3761,13 @@
           <a:p>
             <a:r>
               <a:rPr lang="it-IT" dirty="0"/>
-              <a:t>Special </a:t>
+              <a:t>Project management </a:t>
             </a:r>
             <a:r>
               <a:rPr lang="it-IT" dirty="0" err="1"/>
-              <a:t>implementations</a:t>
-            </a:r>
-            <a:br>
-              <a:rPr lang="it-IT" dirty="0"/>
-            </a:br>
-            <a:r>
-              <a:rPr lang="it-IT" sz="3600" dirty="0" err="1"/>
-              <a:t>QueriesCounter</a:t>
-            </a:r>
-            <a:r>
-              <a:rPr lang="it-IT" sz="3600" dirty="0"/>
-              <a:t> and </a:t>
-            </a:r>
-            <a:r>
-              <a:rPr lang="it-IT" sz="3600" dirty="0" err="1"/>
-              <a:t>isTokenValid</a:t>
-            </a:r>
-            <a:endParaRPr lang="en-GB" sz="3600" dirty="0"/>
+              <a:t>flavours</a:t>
+            </a:r>
+            <a:endParaRPr lang="en-GB" dirty="0"/>
           </a:p>
         </p:txBody>
       </p:sp>
@@ -3764,7 +3776,7 @@
           <p:cNvPr id="3" name="Segnaposto contenuto 2">
             <a:extLst>
               <a:ext uri="{FF2B5EF4-FFF2-40B4-BE49-F238E27FC236}">
-                <a16:creationId xmlns:a16="http://schemas.microsoft.com/office/drawing/2014/main" id="{A77226B8-6A59-7287-2C34-4B788B4D7AC1}"/>
+                <a16:creationId xmlns:a16="http://schemas.microsoft.com/office/drawing/2014/main" id="{1DD29EB4-C733-02BE-6720-937F777B89EA}"/>
               </a:ext>
             </a:extLst>
           </p:cNvPr>
@@ -3787,7 +3799,7 @@
     </p:spTree>
     <p:extLst>
       <p:ext uri="{BB962C8B-B14F-4D97-AF65-F5344CB8AC3E}">
-        <p14:creationId xmlns:p14="http://schemas.microsoft.com/office/powerpoint/2010/main" val="787510580"/>
+        <p14:creationId xmlns:p14="http://schemas.microsoft.com/office/powerpoint/2010/main" val="2681769840"/>
       </p:ext>
     </p:extLst>
   </p:cSld>
@@ -3819,6 +3831,1300 @@
           <p:cNvPr id="2" name="Titolo 1">
             <a:extLst>
               <a:ext uri="{FF2B5EF4-FFF2-40B4-BE49-F238E27FC236}">
+                <a16:creationId xmlns:a16="http://schemas.microsoft.com/office/drawing/2014/main" id="{9283D416-79B6-BD00-66B2-635EB66A7587}"/>
+              </a:ext>
+            </a:extLst>
+          </p:cNvPr>
+          <p:cNvSpPr>
+            <a:spLocks noGrp="1"/>
+          </p:cNvSpPr>
+          <p:nvPr>
+            <p:ph type="title"/>
+          </p:nvPr>
+        </p:nvSpPr>
+        <p:spPr/>
+        <p:txBody>
+          <a:bodyPr/>
+          <a:lstStyle/>
+          <a:p>
+            <a:r>
+              <a:rPr lang="it-IT" dirty="0"/>
+              <a:t>Special </a:t>
+            </a:r>
+            <a:r>
+              <a:rPr lang="it-IT" dirty="0" err="1"/>
+              <a:t>implementations</a:t>
+            </a:r>
+            <a:br>
+              <a:rPr lang="it-IT" dirty="0"/>
+            </a:br>
+            <a:r>
+              <a:rPr lang="it-IT" sz="3600" dirty="0" err="1"/>
+              <a:t>QueriesCounter</a:t>
+            </a:r>
+            <a:r>
+              <a:rPr lang="it-IT" sz="3600" dirty="0"/>
+              <a:t> and </a:t>
+            </a:r>
+            <a:r>
+              <a:rPr lang="it-IT" sz="3600" dirty="0" err="1"/>
+              <a:t>isTokenValid</a:t>
+            </a:r>
+            <a:endParaRPr lang="en-GB" sz="3600" dirty="0"/>
+          </a:p>
+        </p:txBody>
+      </p:sp>
+      <p:sp>
+        <p:nvSpPr>
+          <p:cNvPr id="3" name="Segnaposto contenuto 2">
+            <a:extLst>
+              <a:ext uri="{FF2B5EF4-FFF2-40B4-BE49-F238E27FC236}">
+                <a16:creationId xmlns:a16="http://schemas.microsoft.com/office/drawing/2014/main" id="{A77226B8-6A59-7287-2C34-4B788B4D7AC1}"/>
+              </a:ext>
+            </a:extLst>
+          </p:cNvPr>
+          <p:cNvSpPr>
+            <a:spLocks noGrp="1"/>
+          </p:cNvSpPr>
+          <p:nvPr>
+            <p:ph idx="1"/>
+          </p:nvPr>
+        </p:nvSpPr>
+        <p:spPr/>
+        <p:txBody>
+          <a:bodyPr>
+            <a:normAutofit/>
+          </a:bodyPr>
+          <a:lstStyle/>
+          <a:p>
+            <a:pPr algn="just"/>
+            <a:r>
+              <a:rPr lang="it-IT" sz="2400" dirty="0"/>
+              <a:t>Two </a:t>
+            </a:r>
+            <a:r>
+              <a:rPr lang="it-IT" sz="2400" dirty="0" err="1"/>
+              <a:t>main</a:t>
+            </a:r>
+            <a:r>
+              <a:rPr lang="it-IT" sz="2400" dirty="0"/>
+              <a:t> </a:t>
+            </a:r>
+            <a:r>
+              <a:rPr lang="it-IT" sz="2400" dirty="0" err="1"/>
+              <a:t>problems</a:t>
+            </a:r>
+            <a:r>
+              <a:rPr lang="it-IT" sz="2400" dirty="0"/>
+              <a:t> are the refresh token </a:t>
+            </a:r>
+            <a:r>
+              <a:rPr lang="it-IT" sz="2400" dirty="0" err="1"/>
+              <a:t>expiring</a:t>
+            </a:r>
+            <a:r>
+              <a:rPr lang="it-IT" sz="2400" dirty="0"/>
+              <a:t> and the </a:t>
+            </a:r>
+            <a:r>
+              <a:rPr lang="it-IT" sz="2400" dirty="0" err="1"/>
+              <a:t>presence</a:t>
+            </a:r>
+            <a:r>
+              <a:rPr lang="it-IT" sz="2400" dirty="0"/>
+              <a:t> of a </a:t>
+            </a:r>
+            <a:r>
+              <a:rPr lang="it-IT" sz="2400" dirty="0" err="1"/>
+              <a:t>limit</a:t>
+            </a:r>
+            <a:r>
+              <a:rPr lang="it-IT" sz="2400" dirty="0"/>
+              <a:t> rate of queries </a:t>
+            </a:r>
+            <a:r>
+              <a:rPr lang="it-IT" sz="2400" dirty="0" err="1"/>
+              <a:t>that</a:t>
+            </a:r>
+            <a:r>
+              <a:rPr lang="it-IT" sz="2400" dirty="0"/>
+              <a:t> can be </a:t>
+            </a:r>
+            <a:r>
+              <a:rPr lang="it-IT" sz="2400" dirty="0" err="1"/>
+              <a:t>done</a:t>
+            </a:r>
+            <a:r>
+              <a:rPr lang="it-IT" sz="2400" dirty="0"/>
+              <a:t> to the </a:t>
+            </a:r>
+            <a:r>
+              <a:rPr lang="it-IT" sz="2400" dirty="0" err="1"/>
+              <a:t>Fitbit</a:t>
+            </a:r>
+            <a:r>
+              <a:rPr lang="it-IT" sz="2400" dirty="0"/>
+              <a:t> </a:t>
+            </a:r>
+            <a:r>
+              <a:rPr lang="it-IT" sz="2400" dirty="0" err="1"/>
+              <a:t>resource</a:t>
+            </a:r>
+            <a:r>
+              <a:rPr lang="it-IT" sz="2400" dirty="0"/>
+              <a:t> server (150 per hour).</a:t>
+            </a:r>
+          </a:p>
+          <a:p>
+            <a:pPr algn="just"/>
+            <a:r>
+              <a:rPr lang="it-IT" sz="2400" dirty="0"/>
+              <a:t>In order to investigate </a:t>
+            </a:r>
+            <a:r>
+              <a:rPr lang="it-IT" sz="2400" dirty="0" err="1"/>
+              <a:t>whether</a:t>
+            </a:r>
+            <a:r>
+              <a:rPr lang="it-IT" sz="2400" dirty="0"/>
+              <a:t> the refresh token </a:t>
+            </a:r>
+            <a:r>
+              <a:rPr lang="it-IT" sz="2400" dirty="0" err="1"/>
+              <a:t>is</a:t>
+            </a:r>
+            <a:r>
+              <a:rPr lang="it-IT" sz="2400" dirty="0"/>
+              <a:t> </a:t>
+            </a:r>
+            <a:r>
+              <a:rPr lang="it-IT" sz="2400" dirty="0" err="1"/>
+              <a:t>still</a:t>
+            </a:r>
+            <a:r>
+              <a:rPr lang="it-IT" sz="2400" dirty="0"/>
+              <a:t> </a:t>
+            </a:r>
+            <a:r>
+              <a:rPr lang="it-IT" sz="2400" dirty="0" err="1"/>
+              <a:t>valid</a:t>
+            </a:r>
+            <a:r>
+              <a:rPr lang="it-IT" sz="2400" dirty="0"/>
+              <a:t> or </a:t>
+            </a:r>
+            <a:r>
+              <a:rPr lang="it-IT" sz="2400" dirty="0" err="1"/>
+              <a:t>not</a:t>
+            </a:r>
+            <a:r>
+              <a:rPr lang="it-IT" sz="2400" dirty="0"/>
+              <a:t>, </a:t>
+            </a:r>
+            <a:r>
+              <a:rPr lang="it-IT" sz="2400" dirty="0" err="1"/>
+              <a:t>before</a:t>
+            </a:r>
+            <a:r>
+              <a:rPr lang="it-IT" sz="2400" dirty="0"/>
+              <a:t> </a:t>
+            </a:r>
+            <a:r>
+              <a:rPr lang="it-IT" sz="2400" dirty="0" err="1"/>
+              <a:t>doing</a:t>
+            </a:r>
+            <a:r>
+              <a:rPr lang="it-IT" sz="2400" dirty="0"/>
+              <a:t> </a:t>
+            </a:r>
+            <a:r>
+              <a:rPr lang="it-IT" sz="2400" dirty="0" err="1"/>
+              <a:t>any</a:t>
+            </a:r>
+            <a:r>
+              <a:rPr lang="it-IT" sz="2400" dirty="0"/>
+              <a:t> fetch, the </a:t>
+            </a:r>
+            <a:r>
+              <a:rPr lang="it-IT" sz="2400" dirty="0" err="1"/>
+              <a:t>method</a:t>
+            </a:r>
+            <a:r>
+              <a:rPr lang="it-IT" sz="2400" dirty="0"/>
+              <a:t> </a:t>
+            </a:r>
+            <a:r>
+              <a:rPr lang="it-IT" sz="2400" dirty="0" err="1"/>
+              <a:t>isTokenValid</a:t>
+            </a:r>
+            <a:r>
+              <a:rPr lang="it-IT" sz="2400" dirty="0"/>
+              <a:t>() of </a:t>
+            </a:r>
+            <a:r>
+              <a:rPr lang="it-IT" sz="2400" dirty="0" err="1"/>
+              <a:t>FitbitConnector</a:t>
+            </a:r>
+            <a:r>
+              <a:rPr lang="it-IT" sz="2400" dirty="0"/>
+              <a:t> </a:t>
+            </a:r>
+            <a:r>
+              <a:rPr lang="it-IT" sz="2400" dirty="0" err="1"/>
+              <a:t>is</a:t>
+            </a:r>
+            <a:r>
+              <a:rPr lang="it-IT" sz="2400" dirty="0"/>
+              <a:t> </a:t>
+            </a:r>
+            <a:r>
+              <a:rPr lang="it-IT" sz="2400" dirty="0" err="1"/>
+              <a:t>used</a:t>
+            </a:r>
+            <a:r>
+              <a:rPr lang="it-IT" sz="2400" dirty="0"/>
+              <a:t>.</a:t>
+            </a:r>
+          </a:p>
+          <a:p>
+            <a:pPr algn="just"/>
+            <a:r>
+              <a:rPr lang="it-IT" sz="2400" dirty="0" err="1"/>
+              <a:t>If</a:t>
+            </a:r>
+            <a:r>
+              <a:rPr lang="it-IT" sz="2400" dirty="0"/>
+              <a:t> </a:t>
+            </a:r>
+            <a:r>
+              <a:rPr lang="it-IT" sz="2400" dirty="0" err="1"/>
+              <a:t>it</a:t>
+            </a:r>
+            <a:r>
+              <a:rPr lang="it-IT" sz="2400" dirty="0"/>
+              <a:t> </a:t>
+            </a:r>
+            <a:r>
+              <a:rPr lang="it-IT" sz="2400" dirty="0" err="1"/>
+              <a:t>returns</a:t>
+            </a:r>
+            <a:r>
+              <a:rPr lang="it-IT" sz="2400" dirty="0"/>
+              <a:t> false, a </a:t>
+            </a:r>
+            <a:r>
+              <a:rPr lang="it-IT" sz="2400" dirty="0" err="1"/>
+              <a:t>button</a:t>
+            </a:r>
+            <a:r>
+              <a:rPr lang="it-IT" sz="2400" dirty="0"/>
+              <a:t> to go </a:t>
+            </a:r>
+            <a:r>
+              <a:rPr lang="it-IT" sz="2400" dirty="0" err="1"/>
+              <a:t>through</a:t>
+            </a:r>
+            <a:r>
+              <a:rPr lang="it-IT" sz="2400" dirty="0"/>
+              <a:t> the </a:t>
+            </a:r>
+            <a:r>
+              <a:rPr lang="it-IT" sz="2400" dirty="0" err="1"/>
+              <a:t>authorization</a:t>
+            </a:r>
+            <a:r>
+              <a:rPr lang="it-IT" sz="2400" dirty="0"/>
+              <a:t> procedure </a:t>
+            </a:r>
+            <a:r>
+              <a:rPr lang="it-IT" sz="2400" dirty="0" err="1"/>
+              <a:t>again</a:t>
+            </a:r>
+            <a:r>
+              <a:rPr lang="it-IT" sz="2400" dirty="0"/>
+              <a:t> </a:t>
+            </a:r>
+            <a:r>
+              <a:rPr lang="it-IT" sz="2400" dirty="0" err="1"/>
+              <a:t>is</a:t>
+            </a:r>
+            <a:r>
+              <a:rPr lang="it-IT" sz="2400" dirty="0"/>
+              <a:t> </a:t>
+            </a:r>
+            <a:r>
+              <a:rPr lang="it-IT" sz="2400" dirty="0" err="1"/>
+              <a:t>shown</a:t>
+            </a:r>
+            <a:r>
+              <a:rPr lang="it-IT" sz="2400" dirty="0"/>
+              <a:t>, in the data </a:t>
+            </a:r>
+            <a:r>
+              <a:rPr lang="it-IT" sz="2400" dirty="0" err="1"/>
+              <a:t>visualization</a:t>
+            </a:r>
+            <a:r>
+              <a:rPr lang="it-IT" sz="2400" dirty="0"/>
+              <a:t> pages.</a:t>
+            </a:r>
+          </a:p>
+          <a:p>
+            <a:pPr algn="just"/>
+            <a:r>
+              <a:rPr lang="it-IT" sz="2400" dirty="0"/>
+              <a:t>In order to </a:t>
+            </a:r>
+            <a:r>
+              <a:rPr lang="it-IT" sz="2400" dirty="0" err="1"/>
+              <a:t>avoid</a:t>
+            </a:r>
+            <a:r>
+              <a:rPr lang="it-IT" sz="2400" dirty="0"/>
+              <a:t> to </a:t>
+            </a:r>
+            <a:r>
+              <a:rPr lang="it-IT" sz="2400" dirty="0" err="1"/>
+              <a:t>exceed</a:t>
+            </a:r>
+            <a:r>
+              <a:rPr lang="it-IT" sz="2400" dirty="0"/>
+              <a:t> the </a:t>
+            </a:r>
+            <a:r>
+              <a:rPr lang="it-IT" sz="2400" dirty="0" err="1"/>
+              <a:t>limit</a:t>
+            </a:r>
+            <a:r>
+              <a:rPr lang="it-IT" sz="2400" dirty="0"/>
+              <a:t> rate of queries, the </a:t>
+            </a:r>
+            <a:r>
+              <a:rPr lang="it-IT" sz="2400" dirty="0" err="1"/>
+              <a:t>function</a:t>
+            </a:r>
+            <a:r>
+              <a:rPr lang="it-IT" sz="2400" dirty="0"/>
+              <a:t> check() of the singleton </a:t>
+            </a:r>
+            <a:r>
+              <a:rPr lang="it-IT" sz="2400" dirty="0" err="1"/>
+              <a:t>QueriesCounter</a:t>
+            </a:r>
+            <a:r>
+              <a:rPr lang="it-IT" sz="2400" dirty="0"/>
+              <a:t> </a:t>
+            </a:r>
+            <a:r>
+              <a:rPr lang="it-IT" sz="2400" dirty="0" err="1"/>
+              <a:t>is</a:t>
+            </a:r>
+            <a:r>
+              <a:rPr lang="it-IT" sz="2400" dirty="0"/>
+              <a:t> </a:t>
+            </a:r>
+            <a:r>
+              <a:rPr lang="it-IT" sz="2400" dirty="0" err="1"/>
+              <a:t>used</a:t>
+            </a:r>
+            <a:r>
+              <a:rPr lang="it-IT" sz="2400" dirty="0"/>
+              <a:t>.</a:t>
+            </a:r>
+          </a:p>
+          <a:p>
+            <a:pPr algn="just"/>
+            <a:r>
+              <a:rPr lang="it-IT" sz="2400" dirty="0"/>
+              <a:t>The core of </a:t>
+            </a:r>
+            <a:r>
+              <a:rPr lang="it-IT" sz="2400" dirty="0" err="1"/>
+              <a:t>this</a:t>
+            </a:r>
+            <a:r>
+              <a:rPr lang="it-IT" sz="2400" dirty="0"/>
+              <a:t> </a:t>
+            </a:r>
+            <a:r>
+              <a:rPr lang="it-IT" sz="2400" dirty="0" err="1"/>
+              <a:t>method</a:t>
+            </a:r>
+            <a:r>
+              <a:rPr lang="it-IT" sz="2400" dirty="0"/>
+              <a:t> are the </a:t>
+            </a:r>
+            <a:r>
+              <a:rPr lang="it-IT" sz="2400" dirty="0" err="1"/>
+              <a:t>two</a:t>
+            </a:r>
+            <a:r>
+              <a:rPr lang="it-IT" sz="2400" dirty="0"/>
+              <a:t> </a:t>
+            </a:r>
+            <a:r>
+              <a:rPr lang="it-IT" sz="2400" dirty="0" err="1"/>
+              <a:t>variables</a:t>
+            </a:r>
+            <a:r>
+              <a:rPr lang="it-IT" sz="2400" dirty="0"/>
+              <a:t> </a:t>
+            </a:r>
+            <a:r>
+              <a:rPr lang="it-IT" sz="2400" dirty="0" err="1"/>
+              <a:t>pastTime</a:t>
+            </a:r>
+            <a:r>
+              <a:rPr lang="it-IT" sz="2400" dirty="0"/>
+              <a:t> and counter, </a:t>
+            </a:r>
+            <a:r>
+              <a:rPr lang="it-IT" sz="2400" dirty="0" err="1"/>
+              <a:t>which</a:t>
+            </a:r>
+            <a:r>
+              <a:rPr lang="it-IT" sz="2400" dirty="0"/>
+              <a:t> are </a:t>
+            </a:r>
+            <a:r>
+              <a:rPr lang="it-IT" sz="2400" dirty="0" err="1"/>
+              <a:t>saved</a:t>
+            </a:r>
+            <a:r>
+              <a:rPr lang="it-IT" sz="2400" dirty="0"/>
+              <a:t> in the DB with </a:t>
+            </a:r>
+            <a:r>
+              <a:rPr lang="it-IT" sz="2400" dirty="0" err="1"/>
+              <a:t>SharedPreferences</a:t>
+            </a:r>
+            <a:r>
+              <a:rPr lang="it-IT" sz="2400" dirty="0"/>
+              <a:t>. </a:t>
+            </a:r>
+            <a:r>
+              <a:rPr lang="it-IT" sz="2400" dirty="0" err="1"/>
+              <a:t>They</a:t>
+            </a:r>
+            <a:r>
+              <a:rPr lang="it-IT" sz="2400" dirty="0"/>
+              <a:t> take </a:t>
+            </a:r>
+            <a:r>
+              <a:rPr lang="it-IT" sz="2400" dirty="0" err="1"/>
+              <a:t>into</a:t>
+            </a:r>
+            <a:r>
+              <a:rPr lang="it-IT" sz="2400" dirty="0"/>
+              <a:t> account of the time </a:t>
+            </a:r>
+            <a:r>
+              <a:rPr lang="it-IT" sz="2400" dirty="0" err="1"/>
+              <a:t>when</a:t>
+            </a:r>
+            <a:r>
+              <a:rPr lang="it-IT" sz="2400" dirty="0"/>
+              <a:t> a query </a:t>
+            </a:r>
+            <a:r>
+              <a:rPr lang="it-IT" sz="2400" dirty="0" err="1"/>
+              <a:t>is</a:t>
+            </a:r>
+            <a:r>
+              <a:rPr lang="it-IT" sz="2400" dirty="0"/>
+              <a:t> </a:t>
+            </a:r>
+            <a:r>
+              <a:rPr lang="it-IT" sz="2400" dirty="0" err="1"/>
+              <a:t>done</a:t>
+            </a:r>
+            <a:r>
+              <a:rPr lang="it-IT" sz="2400" dirty="0"/>
+              <a:t> and the </a:t>
+            </a:r>
+            <a:r>
+              <a:rPr lang="it-IT" sz="2400" dirty="0" err="1"/>
+              <a:t>number</a:t>
+            </a:r>
+            <a:r>
+              <a:rPr lang="it-IT" sz="2400" dirty="0"/>
+              <a:t> of queries </a:t>
+            </a:r>
+            <a:r>
+              <a:rPr lang="it-IT" sz="2400" dirty="0" err="1"/>
+              <a:t>executed</a:t>
+            </a:r>
+            <a:r>
+              <a:rPr lang="it-IT" sz="2400" dirty="0"/>
+              <a:t>, </a:t>
+            </a:r>
+            <a:r>
+              <a:rPr lang="it-IT" sz="2400" dirty="0" err="1"/>
+              <a:t>respectively</a:t>
+            </a:r>
+            <a:r>
+              <a:rPr lang="it-IT" sz="2400" dirty="0"/>
+              <a:t>.</a:t>
+            </a:r>
+          </a:p>
+        </p:txBody>
+      </p:sp>
+    </p:spTree>
+    <p:extLst>
+      <p:ext uri="{BB962C8B-B14F-4D97-AF65-F5344CB8AC3E}">
+        <p14:creationId xmlns:p14="http://schemas.microsoft.com/office/powerpoint/2010/main" val="787510580"/>
+      </p:ext>
+    </p:extLst>
+  </p:cSld>
+  <p:clrMapOvr>
+    <a:masterClrMapping/>
+  </p:clrMapOvr>
+</p:sld>
+</file>
+
+<file path=ppt/slides/slide14.xml><?xml version="1.0" encoding="utf-8"?>
+<p:sld xmlns:a="http://schemas.openxmlformats.org/drawingml/2006/main" xmlns:r="http://schemas.openxmlformats.org/officeDocument/2006/relationships" xmlns:p="http://schemas.openxmlformats.org/presentationml/2006/main">
+  <p:cSld>
+    <p:spTree>
+      <p:nvGrpSpPr>
+        <p:cNvPr id="1" name=""/>
+        <p:cNvGrpSpPr/>
+        <p:nvPr/>
+      </p:nvGrpSpPr>
+      <p:grpSpPr>
+        <a:xfrm>
+          <a:off x="0" y="0"/>
+          <a:ext cx="0" cy="0"/>
+          <a:chOff x="0" y="0"/>
+          <a:chExt cx="0" cy="0"/>
+        </a:xfrm>
+      </p:grpSpPr>
+      <p:sp>
+        <p:nvSpPr>
+          <p:cNvPr id="2" name="Titolo 1">
+            <a:extLst>
+              <a:ext uri="{FF2B5EF4-FFF2-40B4-BE49-F238E27FC236}">
+                <a16:creationId xmlns:a16="http://schemas.microsoft.com/office/drawing/2014/main" id="{909996F1-756D-0233-4E9F-9C5DEEED7C41}"/>
+              </a:ext>
+            </a:extLst>
+          </p:cNvPr>
+          <p:cNvSpPr>
+            <a:spLocks noGrp="1"/>
+          </p:cNvSpPr>
+          <p:nvPr>
+            <p:ph type="title"/>
+          </p:nvPr>
+        </p:nvSpPr>
+        <p:spPr/>
+        <p:txBody>
+          <a:bodyPr/>
+          <a:lstStyle/>
+          <a:p>
+            <a:r>
+              <a:rPr lang="it-IT" dirty="0"/>
+              <a:t>Special </a:t>
+            </a:r>
+            <a:r>
+              <a:rPr lang="it-IT" dirty="0" err="1"/>
+              <a:t>implementations</a:t>
+            </a:r>
+            <a:br>
+              <a:rPr lang="it-IT" dirty="0"/>
+            </a:br>
+            <a:r>
+              <a:rPr lang="it-IT" sz="3600" dirty="0" err="1"/>
+              <a:t>QueriesCounter</a:t>
+            </a:r>
+            <a:r>
+              <a:rPr lang="it-IT" sz="3600" dirty="0"/>
+              <a:t> and </a:t>
+            </a:r>
+            <a:r>
+              <a:rPr lang="it-IT" sz="3600" dirty="0" err="1"/>
+              <a:t>isTokenValid</a:t>
+            </a:r>
+            <a:endParaRPr lang="en-GB" sz="3600" dirty="0"/>
+          </a:p>
+        </p:txBody>
+      </p:sp>
+      <p:sp>
+        <p:nvSpPr>
+          <p:cNvPr id="3" name="Segnaposto contenuto 2">
+            <a:extLst>
+              <a:ext uri="{FF2B5EF4-FFF2-40B4-BE49-F238E27FC236}">
+                <a16:creationId xmlns:a16="http://schemas.microsoft.com/office/drawing/2014/main" id="{39D0A3A8-A09B-3C5C-3241-E2FF393AF7D4}"/>
+              </a:ext>
+            </a:extLst>
+          </p:cNvPr>
+          <p:cNvSpPr>
+            <a:spLocks noGrp="1"/>
+          </p:cNvSpPr>
+          <p:nvPr>
+            <p:ph idx="1"/>
+          </p:nvPr>
+        </p:nvSpPr>
+        <p:spPr/>
+        <p:txBody>
+          <a:bodyPr>
+            <a:normAutofit/>
+          </a:bodyPr>
+          <a:lstStyle/>
+          <a:p>
+            <a:pPr algn="just"/>
+            <a:r>
+              <a:rPr lang="it-IT" sz="2400" dirty="0"/>
+              <a:t>counter </a:t>
+            </a:r>
+            <a:r>
+              <a:rPr lang="it-IT" sz="2400" dirty="0" err="1"/>
+              <a:t>is</a:t>
+            </a:r>
+            <a:r>
+              <a:rPr lang="it-IT" sz="2400" dirty="0"/>
+              <a:t> </a:t>
+            </a:r>
+            <a:r>
+              <a:rPr lang="it-IT" sz="2400" dirty="0" err="1"/>
+              <a:t>incremented</a:t>
+            </a:r>
+            <a:r>
+              <a:rPr lang="it-IT" sz="2400" dirty="0"/>
+              <a:t> of 1 </a:t>
+            </a:r>
+            <a:r>
+              <a:rPr lang="it-IT" sz="2400" dirty="0" err="1"/>
+              <a:t>unit</a:t>
+            </a:r>
+            <a:r>
+              <a:rPr lang="it-IT" sz="2400" dirty="0"/>
+              <a:t> </a:t>
+            </a:r>
+            <a:r>
+              <a:rPr lang="it-IT" sz="2400" dirty="0" err="1"/>
+              <a:t>every</a:t>
+            </a:r>
+            <a:r>
+              <a:rPr lang="it-IT" sz="2400" dirty="0"/>
+              <a:t> time a query </a:t>
+            </a:r>
+            <a:r>
+              <a:rPr lang="it-IT" sz="2400" dirty="0" err="1"/>
+              <a:t>is</a:t>
+            </a:r>
+            <a:r>
+              <a:rPr lang="it-IT" sz="2400" dirty="0"/>
+              <a:t> </a:t>
+            </a:r>
+            <a:r>
+              <a:rPr lang="it-IT" sz="2400" dirty="0" err="1"/>
+              <a:t>done</a:t>
+            </a:r>
+            <a:r>
+              <a:rPr lang="it-IT" sz="2400" dirty="0"/>
+              <a:t>. </a:t>
+            </a:r>
+            <a:r>
+              <a:rPr lang="it-IT" sz="2400" dirty="0" err="1"/>
+              <a:t>Only</a:t>
+            </a:r>
+            <a:r>
+              <a:rPr lang="it-IT" sz="2400" dirty="0"/>
+              <a:t> </a:t>
+            </a:r>
+            <a:r>
+              <a:rPr lang="it-IT" sz="2400" dirty="0" err="1"/>
+              <a:t>when</a:t>
+            </a:r>
+            <a:r>
+              <a:rPr lang="it-IT" sz="2400" dirty="0"/>
+              <a:t> a query </a:t>
+            </a:r>
+            <a:r>
+              <a:rPr lang="it-IT" sz="2400" dirty="0" err="1"/>
+              <a:t>is</a:t>
+            </a:r>
+            <a:r>
+              <a:rPr lang="it-IT" sz="2400" dirty="0"/>
+              <a:t> </a:t>
+            </a:r>
+            <a:r>
+              <a:rPr lang="it-IT" sz="2400" dirty="0" err="1"/>
+              <a:t>performed</a:t>
+            </a:r>
+            <a:r>
+              <a:rPr lang="it-IT" sz="2400" dirty="0"/>
+              <a:t> and </a:t>
+            </a:r>
+            <a:r>
+              <a:rPr lang="it-IT" sz="2400" dirty="0" err="1"/>
+              <a:t>at</a:t>
+            </a:r>
+            <a:r>
+              <a:rPr lang="it-IT" sz="2400" dirty="0"/>
+              <a:t> </a:t>
+            </a:r>
+            <a:r>
+              <a:rPr lang="it-IT" sz="2400" dirty="0" err="1"/>
+              <a:t>least</a:t>
+            </a:r>
+            <a:r>
+              <a:rPr lang="it-IT" sz="2400" dirty="0"/>
+              <a:t> one hour </a:t>
+            </a:r>
+            <a:r>
+              <a:rPr lang="it-IT" sz="2400" dirty="0" err="1"/>
+              <a:t>has</a:t>
+            </a:r>
+            <a:r>
+              <a:rPr lang="it-IT" sz="2400" dirty="0"/>
+              <a:t> </a:t>
+            </a:r>
+            <a:r>
+              <a:rPr lang="it-IT" sz="2400" dirty="0" err="1"/>
+              <a:t>passed</a:t>
+            </a:r>
+            <a:r>
+              <a:rPr lang="it-IT" sz="2400" dirty="0"/>
+              <a:t>, counter </a:t>
+            </a:r>
+            <a:r>
+              <a:rPr lang="it-IT" sz="2400" dirty="0" err="1"/>
+              <a:t>is</a:t>
+            </a:r>
+            <a:r>
+              <a:rPr lang="it-IT" sz="2400" dirty="0"/>
+              <a:t> reset (to 1) and </a:t>
+            </a:r>
+            <a:r>
+              <a:rPr lang="it-IT" sz="2400" dirty="0" err="1"/>
+              <a:t>pastTime</a:t>
+            </a:r>
+            <a:r>
+              <a:rPr lang="it-IT" sz="2400" dirty="0"/>
+              <a:t> </a:t>
+            </a:r>
+            <a:r>
+              <a:rPr lang="it-IT" sz="2400" dirty="0" err="1"/>
+              <a:t>is</a:t>
+            </a:r>
+            <a:r>
+              <a:rPr lang="it-IT" sz="2400" dirty="0"/>
+              <a:t> </a:t>
+            </a:r>
+            <a:r>
+              <a:rPr lang="it-IT" sz="2400" dirty="0" err="1"/>
+              <a:t>updated</a:t>
+            </a:r>
+            <a:r>
+              <a:rPr lang="it-IT" sz="2400" dirty="0"/>
+              <a:t>. The </a:t>
+            </a:r>
+            <a:r>
+              <a:rPr lang="it-IT" sz="2400" dirty="0" err="1"/>
+              <a:t>elapsed</a:t>
+            </a:r>
+            <a:r>
+              <a:rPr lang="it-IT" sz="2400" dirty="0"/>
+              <a:t> time </a:t>
+            </a:r>
+            <a:r>
+              <a:rPr lang="it-IT" sz="2400" dirty="0" err="1"/>
+              <a:t>is</a:t>
+            </a:r>
+            <a:r>
+              <a:rPr lang="it-IT" sz="2400" dirty="0"/>
+              <a:t> </a:t>
+            </a:r>
+            <a:r>
+              <a:rPr lang="it-IT" sz="2400" dirty="0" err="1"/>
+              <a:t>retrieved</a:t>
+            </a:r>
+            <a:r>
+              <a:rPr lang="it-IT" sz="2400" dirty="0"/>
+              <a:t> by </a:t>
+            </a:r>
+            <a:r>
+              <a:rPr lang="it-IT" sz="2400" dirty="0" err="1"/>
+              <a:t>comparing</a:t>
+            </a:r>
+            <a:r>
+              <a:rPr lang="it-IT" sz="2400" dirty="0"/>
+              <a:t> </a:t>
+            </a:r>
+            <a:r>
+              <a:rPr lang="it-IT" sz="2400" dirty="0" err="1"/>
+              <a:t>pastTime</a:t>
+            </a:r>
+            <a:r>
+              <a:rPr lang="it-IT" sz="2400" dirty="0"/>
+              <a:t> and the </a:t>
+            </a:r>
+            <a:r>
+              <a:rPr lang="it-IT" sz="2400" dirty="0" err="1"/>
+              <a:t>current</a:t>
+            </a:r>
+            <a:r>
+              <a:rPr lang="it-IT" sz="2400" dirty="0"/>
+              <a:t> time (</a:t>
+            </a:r>
+            <a:r>
+              <a:rPr lang="it-IT" sz="2400" dirty="0" err="1"/>
+              <a:t>when</a:t>
+            </a:r>
+            <a:r>
+              <a:rPr lang="it-IT" sz="2400" dirty="0"/>
+              <a:t> a query </a:t>
+            </a:r>
+            <a:r>
+              <a:rPr lang="it-IT" sz="2400" dirty="0" err="1"/>
+              <a:t>is</a:t>
+            </a:r>
+            <a:r>
+              <a:rPr lang="it-IT" sz="2400" dirty="0"/>
+              <a:t> </a:t>
+            </a:r>
+            <a:r>
+              <a:rPr lang="it-IT" sz="2400" dirty="0" err="1"/>
+              <a:t>done</a:t>
+            </a:r>
+            <a:r>
+              <a:rPr lang="it-IT" sz="2400" dirty="0"/>
+              <a:t>).</a:t>
+            </a:r>
+          </a:p>
+          <a:p>
+            <a:pPr algn="just"/>
+            <a:r>
+              <a:rPr lang="it-IT" sz="2400" dirty="0" err="1"/>
+              <a:t>If</a:t>
+            </a:r>
+            <a:r>
+              <a:rPr lang="it-IT" sz="2400" dirty="0"/>
+              <a:t> counter </a:t>
+            </a:r>
+            <a:r>
+              <a:rPr lang="it-IT" sz="2400" dirty="0" err="1"/>
+              <a:t>is</a:t>
+            </a:r>
+            <a:r>
+              <a:rPr lang="it-IT" sz="2400" dirty="0"/>
+              <a:t> </a:t>
+            </a:r>
+            <a:r>
+              <a:rPr lang="it-IT" sz="2400" dirty="0" err="1"/>
+              <a:t>smaller</a:t>
+            </a:r>
+            <a:r>
+              <a:rPr lang="it-IT" sz="2400" dirty="0"/>
+              <a:t> </a:t>
+            </a:r>
+            <a:r>
+              <a:rPr lang="it-IT" sz="2400" dirty="0" err="1"/>
+              <a:t>than</a:t>
+            </a:r>
+            <a:r>
+              <a:rPr lang="it-IT" sz="2400" dirty="0"/>
+              <a:t> the maximum rate of queries, check() </a:t>
+            </a:r>
+            <a:r>
+              <a:rPr lang="it-IT" sz="2400" dirty="0" err="1"/>
+              <a:t>returns</a:t>
+            </a:r>
+            <a:r>
+              <a:rPr lang="it-IT" sz="2400" dirty="0"/>
+              <a:t> false, </a:t>
+            </a:r>
+            <a:r>
+              <a:rPr lang="it-IT" sz="2400" dirty="0" err="1"/>
+              <a:t>otherwise</a:t>
+            </a:r>
+            <a:r>
+              <a:rPr lang="it-IT" sz="2400" dirty="0"/>
+              <a:t> </a:t>
+            </a:r>
+            <a:r>
+              <a:rPr lang="it-IT" sz="2400" dirty="0" err="1"/>
+              <a:t>true</a:t>
+            </a:r>
+            <a:r>
+              <a:rPr lang="it-IT" sz="2400" dirty="0"/>
+              <a:t>. </a:t>
+            </a:r>
+            <a:r>
+              <a:rPr lang="it-IT" sz="2400" dirty="0" err="1"/>
+              <a:t>If</a:t>
+            </a:r>
+            <a:r>
+              <a:rPr lang="it-IT" sz="2400" dirty="0"/>
+              <a:t> </a:t>
+            </a:r>
+            <a:r>
+              <a:rPr lang="it-IT" sz="2400" dirty="0" err="1"/>
+              <a:t>true</a:t>
+            </a:r>
+            <a:r>
+              <a:rPr lang="it-IT" sz="2400" dirty="0"/>
+              <a:t> </a:t>
+            </a:r>
+            <a:r>
+              <a:rPr lang="it-IT" sz="2400" dirty="0" err="1"/>
+              <a:t>is</a:t>
+            </a:r>
+            <a:r>
+              <a:rPr lang="it-IT" sz="2400" dirty="0"/>
+              <a:t> </a:t>
+            </a:r>
+            <a:r>
+              <a:rPr lang="it-IT" sz="2400" dirty="0" err="1"/>
+              <a:t>returned</a:t>
+            </a:r>
+            <a:r>
+              <a:rPr lang="it-IT" sz="2400" dirty="0"/>
+              <a:t>, no more queries can be </a:t>
+            </a:r>
+            <a:r>
+              <a:rPr lang="it-IT" sz="2400" dirty="0" err="1"/>
+              <a:t>done</a:t>
+            </a:r>
+            <a:r>
+              <a:rPr lang="it-IT" sz="2400" dirty="0"/>
+              <a:t>, </a:t>
+            </a:r>
+            <a:r>
+              <a:rPr lang="it-IT" sz="2400" dirty="0" err="1"/>
+              <a:t>until</a:t>
+            </a:r>
+            <a:r>
+              <a:rPr lang="it-IT" sz="2400" dirty="0"/>
+              <a:t> counter resets, and a </a:t>
+            </a:r>
+            <a:r>
+              <a:rPr lang="it-IT" sz="2400" dirty="0" err="1"/>
+              <a:t>message</a:t>
+            </a:r>
+            <a:r>
+              <a:rPr lang="it-IT" sz="2400" dirty="0"/>
+              <a:t> reporting </a:t>
+            </a:r>
+            <a:r>
+              <a:rPr lang="it-IT" sz="2400" dirty="0" err="1"/>
+              <a:t>that</a:t>
+            </a:r>
+            <a:r>
+              <a:rPr lang="it-IT" sz="2400" dirty="0"/>
+              <a:t> </a:t>
+            </a:r>
+            <a:r>
+              <a:rPr lang="it-IT" sz="2400" dirty="0" err="1"/>
+              <a:t>is</a:t>
+            </a:r>
+            <a:r>
+              <a:rPr lang="it-IT" sz="2400" dirty="0"/>
+              <a:t> </a:t>
+            </a:r>
+            <a:r>
+              <a:rPr lang="it-IT" sz="2400" dirty="0" err="1"/>
+              <a:t>shown</a:t>
+            </a:r>
+            <a:r>
+              <a:rPr lang="it-IT" sz="2400" dirty="0"/>
+              <a:t>, in the data </a:t>
+            </a:r>
+            <a:r>
+              <a:rPr lang="it-IT" sz="2400" dirty="0" err="1"/>
+              <a:t>visualization</a:t>
+            </a:r>
+            <a:r>
+              <a:rPr lang="it-IT" sz="2400" dirty="0"/>
+              <a:t> pages.</a:t>
+            </a:r>
+          </a:p>
+          <a:p>
+            <a:pPr algn="just"/>
+            <a:r>
+              <a:rPr lang="it-IT" sz="2400" dirty="0" err="1"/>
+              <a:t>Differently</a:t>
+            </a:r>
+            <a:r>
+              <a:rPr lang="it-IT" sz="2400" dirty="0"/>
+              <a:t> from the </a:t>
+            </a:r>
+            <a:r>
+              <a:rPr lang="it-IT" sz="2400" dirty="0" err="1"/>
+              <a:t>other</a:t>
+            </a:r>
+            <a:r>
+              <a:rPr lang="it-IT" sz="2400" dirty="0"/>
+              <a:t> data </a:t>
+            </a:r>
+            <a:r>
+              <a:rPr lang="it-IT" sz="2400" dirty="0" err="1"/>
+              <a:t>present</a:t>
+            </a:r>
+            <a:r>
+              <a:rPr lang="it-IT" sz="2400" dirty="0"/>
+              <a:t> in the DB, counter and </a:t>
+            </a:r>
+            <a:r>
+              <a:rPr lang="it-IT" sz="2400" dirty="0" err="1"/>
+              <a:t>pastTime</a:t>
+            </a:r>
+            <a:r>
+              <a:rPr lang="it-IT" sz="2400" dirty="0"/>
+              <a:t> are </a:t>
+            </a:r>
+            <a:r>
+              <a:rPr lang="it-IT" sz="2400" dirty="0" err="1"/>
+              <a:t>not</a:t>
+            </a:r>
+            <a:r>
+              <a:rPr lang="it-IT" sz="2400" dirty="0"/>
+              <a:t> </a:t>
+            </a:r>
+            <a:r>
+              <a:rPr lang="it-IT" sz="2400" dirty="0" err="1"/>
+              <a:t>deleted</a:t>
+            </a:r>
+            <a:r>
+              <a:rPr lang="it-IT" sz="2400" dirty="0"/>
+              <a:t> once the user logs out.</a:t>
+            </a:r>
+          </a:p>
+        </p:txBody>
+      </p:sp>
+    </p:spTree>
+    <p:extLst>
+      <p:ext uri="{BB962C8B-B14F-4D97-AF65-F5344CB8AC3E}">
+        <p14:creationId xmlns:p14="http://schemas.microsoft.com/office/powerpoint/2010/main" val="737630922"/>
+      </p:ext>
+    </p:extLst>
+  </p:cSld>
+  <p:clrMapOvr>
+    <a:masterClrMapping/>
+  </p:clrMapOvr>
+</p:sld>
+</file>
+
+<file path=ppt/slides/slide15.xml><?xml version="1.0" encoding="utf-8"?>
+<p:sld xmlns:a="http://schemas.openxmlformats.org/drawingml/2006/main" xmlns:r="http://schemas.openxmlformats.org/officeDocument/2006/relationships" xmlns:p="http://schemas.openxmlformats.org/presentationml/2006/main">
+  <p:cSld>
+    <p:spTree>
+      <p:nvGrpSpPr>
+        <p:cNvPr id="1" name=""/>
+        <p:cNvGrpSpPr/>
+        <p:nvPr/>
+      </p:nvGrpSpPr>
+      <p:grpSpPr>
+        <a:xfrm>
+          <a:off x="0" y="0"/>
+          <a:ext cx="0" cy="0"/>
+          <a:chOff x="0" y="0"/>
+          <a:chExt cx="0" cy="0"/>
+        </a:xfrm>
+      </p:grpSpPr>
+      <p:sp>
+        <p:nvSpPr>
+          <p:cNvPr id="2" name="Titolo 1">
+            <a:extLst>
+              <a:ext uri="{FF2B5EF4-FFF2-40B4-BE49-F238E27FC236}">
+                <a16:creationId xmlns:a16="http://schemas.microsoft.com/office/drawing/2014/main" id="{1D1FE642-F6CE-A1C7-6F8F-CD71BE7B3724}"/>
+              </a:ext>
+            </a:extLst>
+          </p:cNvPr>
+          <p:cNvSpPr>
+            <a:spLocks noGrp="1"/>
+          </p:cNvSpPr>
+          <p:nvPr>
+            <p:ph type="title"/>
+          </p:nvPr>
+        </p:nvSpPr>
+        <p:spPr/>
+        <p:txBody>
+          <a:bodyPr/>
+          <a:lstStyle/>
+          <a:p>
+            <a:r>
+              <a:rPr lang="it-IT" dirty="0"/>
+              <a:t>Compliance with the GDPR</a:t>
+            </a:r>
+            <a:endParaRPr lang="en-GB" dirty="0"/>
+          </a:p>
+        </p:txBody>
+      </p:sp>
+      <p:sp>
+        <p:nvSpPr>
+          <p:cNvPr id="3" name="Segnaposto contenuto 2">
+            <a:extLst>
+              <a:ext uri="{FF2B5EF4-FFF2-40B4-BE49-F238E27FC236}">
+                <a16:creationId xmlns:a16="http://schemas.microsoft.com/office/drawing/2014/main" id="{A734356B-A484-0398-BEC6-2698876A8EC0}"/>
+              </a:ext>
+            </a:extLst>
+          </p:cNvPr>
+          <p:cNvSpPr>
+            <a:spLocks noGrp="1"/>
+          </p:cNvSpPr>
+          <p:nvPr>
+            <p:ph idx="1"/>
+          </p:nvPr>
+        </p:nvSpPr>
+        <p:spPr/>
+        <p:txBody>
+          <a:bodyPr/>
+          <a:lstStyle/>
+          <a:p>
+            <a:r>
+              <a:rPr lang="it-IT" dirty="0" err="1"/>
+              <a:t>Lawfulness</a:t>
+            </a:r>
+            <a:r>
+              <a:rPr lang="it-IT" dirty="0"/>
+              <a:t>, </a:t>
+            </a:r>
+            <a:r>
+              <a:rPr lang="it-IT" dirty="0" err="1"/>
+              <a:t>fairness</a:t>
+            </a:r>
+            <a:r>
+              <a:rPr lang="it-IT" dirty="0"/>
+              <a:t> and </a:t>
+            </a:r>
+            <a:r>
+              <a:rPr lang="it-IT" dirty="0" err="1"/>
+              <a:t>transparency</a:t>
+            </a:r>
+            <a:r>
+              <a:rPr lang="it-IT" dirty="0"/>
+              <a:t> </a:t>
+            </a:r>
+            <a:r>
+              <a:rPr lang="it-IT" dirty="0">
+                <a:sym typeface="Wingdings" panose="05000000000000000000" pitchFamily="2" charset="2"/>
+              </a:rPr>
+              <a:t></a:t>
+            </a:r>
+            <a:endParaRPr lang="it-IT" dirty="0"/>
+          </a:p>
+          <a:p>
+            <a:r>
+              <a:rPr lang="en-GB" dirty="0"/>
+              <a:t>Purpose limitation </a:t>
+            </a:r>
+            <a:r>
+              <a:rPr lang="it-IT" dirty="0">
+                <a:sym typeface="Wingdings" panose="05000000000000000000" pitchFamily="2" charset="2"/>
+              </a:rPr>
+              <a:t></a:t>
+            </a:r>
+            <a:endParaRPr lang="en-GB" dirty="0"/>
+          </a:p>
+          <a:p>
+            <a:r>
+              <a:rPr lang="en-GB" dirty="0"/>
+              <a:t>Data minimization </a:t>
+            </a:r>
+            <a:r>
+              <a:rPr lang="it-IT" dirty="0">
+                <a:sym typeface="Wingdings" panose="05000000000000000000" pitchFamily="2" charset="2"/>
+              </a:rPr>
+              <a:t></a:t>
+            </a:r>
+            <a:endParaRPr lang="en-GB" dirty="0"/>
+          </a:p>
+          <a:p>
+            <a:r>
+              <a:rPr lang="en-GB" dirty="0"/>
+              <a:t>Accuracy </a:t>
+            </a:r>
+            <a:r>
+              <a:rPr lang="it-IT" dirty="0">
+                <a:sym typeface="Wingdings" panose="05000000000000000000" pitchFamily="2" charset="2"/>
+              </a:rPr>
+              <a:t></a:t>
+            </a:r>
+            <a:endParaRPr lang="en-GB" dirty="0"/>
+          </a:p>
+          <a:p>
+            <a:r>
+              <a:rPr lang="en-GB" dirty="0"/>
+              <a:t>Storage limitation </a:t>
+            </a:r>
+            <a:r>
+              <a:rPr lang="it-IT" sz="2400" dirty="0">
+                <a:effectLst/>
+                <a:latin typeface="Calibri" panose="020F0502020204030204" pitchFamily="34" charset="0"/>
+                <a:ea typeface="Calibri" panose="020F0502020204030204" pitchFamily="34" charset="0"/>
+                <a:cs typeface="Calibri Light" panose="020F0302020204030204" pitchFamily="34" charset="0"/>
+              </a:rPr>
+              <a:t>–</a:t>
+            </a:r>
+            <a:endParaRPr lang="en-GB" sz="2400" dirty="0"/>
+          </a:p>
+          <a:p>
+            <a:r>
+              <a:rPr lang="en-GB" dirty="0"/>
+              <a:t>Integrity and confidentiality </a:t>
+            </a:r>
+            <a:r>
+              <a:rPr lang="it-IT" sz="2400" dirty="0">
+                <a:effectLst/>
+                <a:latin typeface="Calibri" panose="020F0502020204030204" pitchFamily="34" charset="0"/>
+                <a:ea typeface="Calibri" panose="020F0502020204030204" pitchFamily="34" charset="0"/>
+                <a:cs typeface="Calibri Light" panose="020F0302020204030204" pitchFamily="34" charset="0"/>
+              </a:rPr>
+              <a:t>–</a:t>
+            </a:r>
+            <a:endParaRPr lang="en-GB" sz="2400" dirty="0"/>
+          </a:p>
+          <a:p>
+            <a:r>
+              <a:rPr lang="en-GB" dirty="0"/>
+              <a:t>Accountability </a:t>
+            </a:r>
+            <a:r>
+              <a:rPr lang="it-IT" dirty="0">
+                <a:sym typeface="Wingdings" panose="05000000000000000000" pitchFamily="2" charset="2"/>
+              </a:rPr>
+              <a:t></a:t>
+            </a:r>
+            <a:endParaRPr lang="en-GB" dirty="0"/>
+          </a:p>
+        </p:txBody>
+      </p:sp>
+    </p:spTree>
+    <p:extLst>
+      <p:ext uri="{BB962C8B-B14F-4D97-AF65-F5344CB8AC3E}">
+        <p14:creationId xmlns:p14="http://schemas.microsoft.com/office/powerpoint/2010/main" val="2478939469"/>
+      </p:ext>
+    </p:extLst>
+  </p:cSld>
+  <p:clrMapOvr>
+    <a:masterClrMapping/>
+  </p:clrMapOvr>
+</p:sld>
+</file>
+
+<file path=ppt/slides/slide16.xml><?xml version="1.0" encoding="utf-8"?>
+<p:sld xmlns:a="http://schemas.openxmlformats.org/drawingml/2006/main" xmlns:r="http://schemas.openxmlformats.org/officeDocument/2006/relationships" xmlns:p="http://schemas.openxmlformats.org/presentationml/2006/main">
+  <p:cSld>
+    <p:spTree>
+      <p:nvGrpSpPr>
+        <p:cNvPr id="1" name=""/>
+        <p:cNvGrpSpPr/>
+        <p:nvPr/>
+      </p:nvGrpSpPr>
+      <p:grpSpPr>
+        <a:xfrm>
+          <a:off x="0" y="0"/>
+          <a:ext cx="0" cy="0"/>
+          <a:chOff x="0" y="0"/>
+          <a:chExt cx="0" cy="0"/>
+        </a:xfrm>
+      </p:grpSpPr>
+      <p:sp>
+        <p:nvSpPr>
+          <p:cNvPr id="2" name="Titolo 1">
+            <a:extLst>
+              <a:ext uri="{FF2B5EF4-FFF2-40B4-BE49-F238E27FC236}">
                 <a16:creationId xmlns:a16="http://schemas.microsoft.com/office/drawing/2014/main" id="{81EDDDBC-F98B-4C66-F335-7DDA94E2C967}"/>
               </a:ext>
             </a:extLst>
@@ -3865,10 +5171,189 @@
         </p:nvSpPr>
         <p:spPr/>
         <p:txBody>
-          <a:bodyPr/>
-          <a:lstStyle/>
-          <a:p>
-            <a:endParaRPr lang="en-GB"/>
+          <a:bodyPr>
+            <a:normAutofit lnSpcReduction="10000"/>
+          </a:bodyPr>
+          <a:lstStyle/>
+          <a:p>
+            <a:pPr algn="just"/>
+            <a:r>
+              <a:rPr lang="it-IT" sz="2400" dirty="0" err="1"/>
+              <a:t>Presence</a:t>
+            </a:r>
+            <a:r>
+              <a:rPr lang="it-IT" sz="2400" dirty="0"/>
+              <a:t> of the </a:t>
+            </a:r>
+            <a:r>
+              <a:rPr lang="it-IT" sz="2400" dirty="0" err="1"/>
+              <a:t>sign</a:t>
+            </a:r>
+            <a:r>
+              <a:rPr lang="it-IT" sz="2400" dirty="0"/>
+              <a:t> up and the </a:t>
+            </a:r>
+            <a:r>
+              <a:rPr lang="it-IT" sz="2400" dirty="0" err="1"/>
+              <a:t>possibility</a:t>
+            </a:r>
+            <a:r>
+              <a:rPr lang="it-IT" sz="2400" dirty="0"/>
+              <a:t> to </a:t>
+            </a:r>
+            <a:r>
+              <a:rPr lang="it-IT" sz="2400" dirty="0" err="1"/>
+              <a:t>have</a:t>
+            </a:r>
+            <a:r>
+              <a:rPr lang="it-IT" sz="2400" dirty="0"/>
+              <a:t> more users </a:t>
+            </a:r>
+            <a:r>
+              <a:rPr lang="it-IT" sz="2400" dirty="0" err="1"/>
+              <a:t>logged</a:t>
+            </a:r>
+            <a:r>
+              <a:rPr lang="it-IT" sz="2400" dirty="0"/>
+              <a:t> in </a:t>
+            </a:r>
+            <a:r>
+              <a:rPr lang="it-IT" sz="2400" dirty="0" err="1"/>
+              <a:t>at</a:t>
+            </a:r>
+            <a:r>
+              <a:rPr lang="it-IT" sz="2400" dirty="0"/>
+              <a:t> the </a:t>
+            </a:r>
+            <a:r>
+              <a:rPr lang="it-IT" sz="2400" dirty="0" err="1"/>
+              <a:t>same</a:t>
+            </a:r>
+            <a:r>
+              <a:rPr lang="it-IT" sz="2400" dirty="0"/>
+              <a:t> time.</a:t>
+            </a:r>
+          </a:p>
+          <a:p>
+            <a:pPr algn="just"/>
+            <a:r>
+              <a:rPr lang="it-IT" sz="2400" dirty="0" err="1"/>
+              <a:t>Possibility</a:t>
+            </a:r>
+            <a:r>
+              <a:rPr lang="it-IT" sz="2400" dirty="0"/>
+              <a:t> for the user to </a:t>
+            </a:r>
+            <a:r>
+              <a:rPr lang="it-IT" sz="2400" dirty="0" err="1"/>
+              <a:t>save</a:t>
+            </a:r>
+            <a:r>
+              <a:rPr lang="it-IT" sz="2400" dirty="0"/>
+              <a:t> </a:t>
+            </a:r>
+            <a:r>
+              <a:rPr lang="it-IT" sz="2400" dirty="0" err="1"/>
+              <a:t>their</a:t>
+            </a:r>
+            <a:r>
+              <a:rPr lang="it-IT" sz="2400" dirty="0"/>
+              <a:t> </a:t>
+            </a:r>
+            <a:r>
+              <a:rPr lang="it-IT" sz="2400" dirty="0" err="1"/>
+              <a:t>favourites</a:t>
+            </a:r>
+            <a:r>
+              <a:rPr lang="it-IT" sz="2400" dirty="0"/>
+              <a:t> yoga positions.</a:t>
+            </a:r>
+          </a:p>
+          <a:p>
+            <a:pPr algn="just"/>
+            <a:r>
+              <a:rPr lang="it-IT" sz="2400" dirty="0"/>
+              <a:t>To make the </a:t>
+            </a:r>
+            <a:r>
+              <a:rPr lang="it-IT" sz="2400" dirty="0" err="1"/>
+              <a:t>very</a:t>
+            </a:r>
+            <a:r>
+              <a:rPr lang="it-IT" sz="2400" dirty="0"/>
+              <a:t> </a:t>
+            </a:r>
+            <a:r>
+              <a:rPr lang="it-IT" sz="2400" dirty="0" err="1"/>
+              <a:t>old</a:t>
+            </a:r>
+            <a:r>
+              <a:rPr lang="it-IT" sz="2400" dirty="0"/>
+              <a:t> data to be </a:t>
+            </a:r>
+            <a:r>
+              <a:rPr lang="it-IT" sz="2400" dirty="0" err="1"/>
+              <a:t>deleted</a:t>
+            </a:r>
+            <a:r>
+              <a:rPr lang="it-IT" sz="2400" dirty="0"/>
+              <a:t> from the DB, in order to </a:t>
+            </a:r>
+            <a:r>
+              <a:rPr lang="it-IT" sz="2400" dirty="0" err="1"/>
+              <a:t>get</a:t>
+            </a:r>
+            <a:r>
+              <a:rPr lang="it-IT" sz="2400" dirty="0"/>
+              <a:t> more compliance with the storage </a:t>
+            </a:r>
+            <a:r>
+              <a:rPr lang="it-IT" sz="2400" dirty="0" err="1"/>
+              <a:t>limitation</a:t>
+            </a:r>
+            <a:r>
+              <a:rPr lang="it-IT" sz="2400" dirty="0"/>
+              <a:t> </a:t>
+            </a:r>
+            <a:r>
+              <a:rPr lang="it-IT" sz="2400" dirty="0" err="1"/>
+              <a:t>principle</a:t>
+            </a:r>
+            <a:r>
+              <a:rPr lang="it-IT" sz="2400" dirty="0"/>
+              <a:t> of the GDPR.</a:t>
+            </a:r>
+            <a:endParaRPr lang="en-GB" sz="2400" dirty="0"/>
+          </a:p>
+          <a:p>
+            <a:pPr algn="just"/>
+            <a:r>
+              <a:rPr lang="en-GB" sz="2400" dirty="0"/>
+              <a:t>When starting the app, to do a single fetch of (possibly all) the data referred to the period of time from the last fetch from the Fitbit resource server to the current day, if that period of time is large (e.g. one month). This could be helpful to avoid more the problem coming from the presence of a limit rate of queries.</a:t>
+            </a:r>
+          </a:p>
+          <a:p>
+            <a:pPr algn="just"/>
+            <a:r>
+              <a:rPr lang="en-GB" sz="2400" dirty="0"/>
+              <a:t>To implement cryptography for the locally stored data.</a:t>
+            </a:r>
+          </a:p>
+          <a:p>
+            <a:pPr algn="just"/>
+            <a:r>
+              <a:rPr lang="en-GB" sz="2400" dirty="0"/>
+              <a:t>If possible, to add a method to fetch </a:t>
+            </a:r>
+            <a:r>
+              <a:rPr lang="en-GB" sz="2400" dirty="0" err="1"/>
+              <a:t>FitbitActivityData</a:t>
+            </a:r>
+            <a:r>
+              <a:rPr lang="en-GB" sz="2400" dirty="0"/>
+              <a:t> for more days with a single query.</a:t>
+            </a:r>
+            <a:endParaRPr lang="it-IT" sz="2400" dirty="0"/>
           </a:p>
         </p:txBody>
       </p:sp>
@@ -3885,7 +5370,7 @@
 </p:sld>
 </file>
 
-<file path=ppt/slides/slide14.xml><?xml version="1.0" encoding="utf-8"?>
+<file path=ppt/slides/slide17.xml><?xml version="1.0" encoding="utf-8"?>
 <p:sld xmlns:a="http://schemas.openxmlformats.org/drawingml/2006/main" xmlns:r="http://schemas.openxmlformats.org/officeDocument/2006/relationships" xmlns:p="http://schemas.openxmlformats.org/presentationml/2006/main">
   <p:cSld>
     <p:spTree>
@@ -4350,7 +5835,12 @@
             <p:ph type="title"/>
           </p:nvPr>
         </p:nvSpPr>
-        <p:spPr/>
+        <p:spPr>
+          <a:xfrm>
+            <a:off x="838200" y="348296"/>
+            <a:ext cx="10515600" cy="1325563"/>
+          </a:xfrm>
+        </p:spPr>
         <p:txBody>
           <a:bodyPr/>
           <a:lstStyle/>
@@ -4392,10 +5882,253 @@
         </p:nvSpPr>
         <p:spPr/>
         <p:txBody>
-          <a:bodyPr/>
-          <a:lstStyle/>
-          <a:p>
-            <a:endParaRPr lang="en-GB"/>
+          <a:bodyPr>
+            <a:normAutofit/>
+          </a:bodyPr>
+          <a:lstStyle/>
+          <a:p>
+            <a:pPr algn="just"/>
+            <a:r>
+              <a:rPr lang="it-IT" sz="2400" dirty="0"/>
+              <a:t>The user must go </a:t>
+            </a:r>
+            <a:r>
+              <a:rPr lang="it-IT" sz="2400" dirty="0" err="1"/>
+              <a:t>through</a:t>
+            </a:r>
+            <a:r>
+              <a:rPr lang="it-IT" sz="2400" dirty="0"/>
+              <a:t> a (fake) login procedure, </a:t>
+            </a:r>
+            <a:r>
+              <a:rPr lang="it-IT" sz="2400" dirty="0" err="1"/>
+              <a:t>if</a:t>
+            </a:r>
+            <a:r>
+              <a:rPr lang="it-IT" sz="2400" dirty="0"/>
+              <a:t> </a:t>
+            </a:r>
+            <a:r>
+              <a:rPr lang="it-IT" sz="2400" dirty="0" err="1"/>
+              <a:t>not</a:t>
+            </a:r>
+            <a:r>
+              <a:rPr lang="it-IT" sz="2400" dirty="0"/>
+              <a:t> </a:t>
+            </a:r>
+            <a:r>
+              <a:rPr lang="it-IT" sz="2400" dirty="0" err="1"/>
+              <a:t>already</a:t>
+            </a:r>
+            <a:r>
+              <a:rPr lang="it-IT" sz="2400" dirty="0"/>
+              <a:t> </a:t>
+            </a:r>
+            <a:r>
+              <a:rPr lang="it-IT" sz="2400" dirty="0" err="1"/>
+              <a:t>logged</a:t>
+            </a:r>
+            <a:r>
+              <a:rPr lang="it-IT" sz="2400" dirty="0"/>
+              <a:t> in, by </a:t>
+            </a:r>
+            <a:r>
+              <a:rPr lang="it-IT" sz="2400" dirty="0" err="1"/>
+              <a:t>inserting</a:t>
+            </a:r>
+            <a:r>
+              <a:rPr lang="it-IT" sz="2400" dirty="0"/>
+              <a:t> a </a:t>
+            </a:r>
+            <a:r>
+              <a:rPr lang="it-IT" sz="2400" dirty="0" err="1"/>
+              <a:t>valid</a:t>
+            </a:r>
+            <a:r>
+              <a:rPr lang="it-IT" sz="2400" dirty="0"/>
+              <a:t> username and the </a:t>
+            </a:r>
+            <a:r>
+              <a:rPr lang="it-IT" sz="2400" dirty="0" err="1"/>
+              <a:t>correspondent</a:t>
+            </a:r>
+            <a:r>
+              <a:rPr lang="it-IT" sz="2400" dirty="0"/>
+              <a:t> password.</a:t>
+            </a:r>
+          </a:p>
+          <a:p>
+            <a:pPr algn="just"/>
+            <a:r>
+              <a:rPr lang="it-IT" sz="2400" dirty="0" err="1"/>
+              <a:t>If</a:t>
+            </a:r>
+            <a:r>
+              <a:rPr lang="it-IT" sz="2400" dirty="0"/>
+              <a:t> the </a:t>
+            </a:r>
+            <a:r>
+              <a:rPr lang="it-IT" sz="2400" dirty="0" err="1"/>
+              <a:t>inserted</a:t>
+            </a:r>
+            <a:r>
+              <a:rPr lang="it-IT" sz="2400" dirty="0"/>
+              <a:t> </a:t>
+            </a:r>
+            <a:r>
+              <a:rPr lang="it-IT" sz="2400" dirty="0" err="1"/>
+              <a:t>credentials</a:t>
+            </a:r>
+            <a:r>
+              <a:rPr lang="it-IT" sz="2400" dirty="0"/>
+              <a:t> are </a:t>
+            </a:r>
+            <a:r>
+              <a:rPr lang="it-IT" sz="2400" dirty="0" err="1"/>
+              <a:t>correct</a:t>
+            </a:r>
+            <a:r>
+              <a:rPr lang="it-IT" sz="2400" dirty="0"/>
+              <a:t>, the username </a:t>
+            </a:r>
+            <a:r>
+              <a:rPr lang="it-IT" sz="2400" dirty="0" err="1"/>
+              <a:t>is</a:t>
+            </a:r>
+            <a:r>
+              <a:rPr lang="it-IT" sz="2400" dirty="0"/>
+              <a:t> </a:t>
+            </a:r>
+            <a:r>
+              <a:rPr lang="it-IT" sz="2400" dirty="0" err="1"/>
+              <a:t>saved</a:t>
+            </a:r>
+            <a:r>
+              <a:rPr lang="it-IT" sz="2400" dirty="0"/>
+              <a:t> in the DB, </a:t>
+            </a:r>
+            <a:r>
+              <a:rPr lang="it-IT" sz="2400" dirty="0" err="1"/>
+              <a:t>using</a:t>
+            </a:r>
+            <a:r>
+              <a:rPr lang="it-IT" sz="2400" dirty="0"/>
+              <a:t> </a:t>
+            </a:r>
+            <a:r>
+              <a:rPr lang="it-IT" sz="2400" dirty="0" err="1"/>
+              <a:t>SharedPreferences</a:t>
+            </a:r>
+            <a:r>
+              <a:rPr lang="it-IT" sz="2400" dirty="0"/>
+              <a:t>.</a:t>
+            </a:r>
+          </a:p>
+          <a:p>
+            <a:pPr algn="just"/>
+            <a:r>
+              <a:rPr lang="it-IT" sz="2400" dirty="0" err="1"/>
+              <a:t>When</a:t>
+            </a:r>
+            <a:r>
+              <a:rPr lang="it-IT" sz="2400" dirty="0"/>
+              <a:t> </a:t>
+            </a:r>
+            <a:r>
+              <a:rPr lang="it-IT" sz="2400" dirty="0" err="1"/>
+              <a:t>starting</a:t>
+            </a:r>
+            <a:r>
+              <a:rPr lang="it-IT" sz="2400" dirty="0"/>
+              <a:t> the app, the DB </a:t>
+            </a:r>
+            <a:r>
+              <a:rPr lang="it-IT" sz="2400" dirty="0" err="1"/>
+              <a:t>is</a:t>
+            </a:r>
+            <a:r>
+              <a:rPr lang="it-IT" sz="2400" dirty="0"/>
+              <a:t> </a:t>
+            </a:r>
+            <a:r>
+              <a:rPr lang="it-IT" sz="2400" dirty="0" err="1"/>
+              <a:t>queried</a:t>
+            </a:r>
+            <a:r>
+              <a:rPr lang="it-IT" sz="2400" dirty="0"/>
+              <a:t> and </a:t>
+            </a:r>
+            <a:r>
+              <a:rPr lang="it-IT" sz="2400" dirty="0" err="1"/>
+              <a:t>if</a:t>
+            </a:r>
+            <a:r>
+              <a:rPr lang="it-IT" sz="2400" dirty="0"/>
+              <a:t> no username </a:t>
+            </a:r>
+            <a:r>
+              <a:rPr lang="it-IT" sz="2400" dirty="0" err="1"/>
+              <a:t>is</a:t>
+            </a:r>
+            <a:r>
+              <a:rPr lang="it-IT" sz="2400" dirty="0"/>
+              <a:t> </a:t>
+            </a:r>
+            <a:r>
+              <a:rPr lang="it-IT" sz="2400" dirty="0" err="1"/>
+              <a:t>present</a:t>
+            </a:r>
+            <a:r>
+              <a:rPr lang="it-IT" sz="2400" dirty="0"/>
+              <a:t>, the login page </a:t>
+            </a:r>
+            <a:r>
+              <a:rPr lang="it-IT" sz="2400" dirty="0" err="1"/>
+              <a:t>is</a:t>
+            </a:r>
+            <a:r>
+              <a:rPr lang="it-IT" sz="2400" dirty="0"/>
+              <a:t> </a:t>
+            </a:r>
+            <a:r>
+              <a:rPr lang="it-IT" sz="2400" dirty="0" err="1"/>
+              <a:t>shown</a:t>
+            </a:r>
+            <a:r>
+              <a:rPr lang="it-IT" sz="2400" dirty="0"/>
+              <a:t>, </a:t>
+            </a:r>
+            <a:r>
+              <a:rPr lang="it-IT" sz="2400" dirty="0" err="1"/>
+              <a:t>otherwise</a:t>
+            </a:r>
+            <a:r>
+              <a:rPr lang="it-IT" sz="2400" dirty="0"/>
+              <a:t> the homepage </a:t>
+            </a:r>
+            <a:r>
+              <a:rPr lang="it-IT" sz="2400" dirty="0" err="1"/>
+              <a:t>is</a:t>
+            </a:r>
+            <a:r>
+              <a:rPr lang="it-IT" sz="2400" dirty="0"/>
+              <a:t> </a:t>
+            </a:r>
+            <a:r>
+              <a:rPr lang="it-IT" sz="2400" dirty="0" err="1"/>
+              <a:t>visualized</a:t>
+            </a:r>
+            <a:r>
+              <a:rPr lang="it-IT" sz="2400" dirty="0"/>
+              <a:t>.</a:t>
+            </a:r>
+          </a:p>
+          <a:p>
+            <a:pPr algn="just"/>
+            <a:r>
+              <a:rPr lang="en-GB" sz="2400" dirty="0"/>
+              <a:t>When the user logs out, the stored username is deleted.</a:t>
+            </a:r>
           </a:p>
         </p:txBody>
       </p:sp>
@@ -4434,7 +6167,7 @@
           <p:cNvPr id="2" name="Titolo 1">
             <a:extLst>
               <a:ext uri="{FF2B5EF4-FFF2-40B4-BE49-F238E27FC236}">
-                <a16:creationId xmlns:a16="http://schemas.microsoft.com/office/drawing/2014/main" id="{E090FCED-6A28-387F-AA2C-053E0FBB02A3}"/>
+                <a16:creationId xmlns:a16="http://schemas.microsoft.com/office/drawing/2014/main" id="{7363F90A-CA96-D5B9-3432-25A61E721BF4}"/>
               </a:ext>
             </a:extLst>
           </p:cNvPr>
@@ -4463,19 +6196,15 @@
             </a:br>
             <a:r>
               <a:rPr lang="it-IT" sz="3600" dirty="0"/>
-              <a:t>Data </a:t>
+              <a:t>User </a:t>
             </a:r>
             <a:r>
               <a:rPr lang="it-IT" sz="3600" dirty="0" err="1"/>
-              <a:t>collection</a:t>
+              <a:t>authorization</a:t>
             </a:r>
             <a:r>
               <a:rPr lang="it-IT" sz="3600" dirty="0"/>
-              <a:t> and </a:t>
-            </a:r>
-            <a:r>
-              <a:rPr lang="it-IT" sz="3600" dirty="0" err="1"/>
-              <a:t>persistence</a:t>
+              <a:t> and management</a:t>
             </a:r>
             <a:endParaRPr lang="en-GB" dirty="0"/>
           </a:p>
@@ -4486,7 +6215,7 @@
           <p:cNvPr id="3" name="Segnaposto contenuto 2">
             <a:extLst>
               <a:ext uri="{FF2B5EF4-FFF2-40B4-BE49-F238E27FC236}">
-                <a16:creationId xmlns:a16="http://schemas.microsoft.com/office/drawing/2014/main" id="{CDD9E4D9-BF44-08E9-CECF-4BEA62844CDB}"/>
+                <a16:creationId xmlns:a16="http://schemas.microsoft.com/office/drawing/2014/main" id="{033F56B8-A534-403E-C357-CF6DD7ABA79A}"/>
               </a:ext>
             </a:extLst>
           </p:cNvPr>
@@ -4499,17 +6228,352 @@
         </p:nvSpPr>
         <p:spPr/>
         <p:txBody>
-          <a:bodyPr/>
-          <a:lstStyle/>
-          <a:p>
-            <a:endParaRPr lang="en-GB"/>
+          <a:bodyPr>
+            <a:normAutofit/>
+          </a:bodyPr>
+          <a:lstStyle/>
+          <a:p>
+            <a:pPr algn="just"/>
+            <a:r>
+              <a:rPr lang="it-IT" sz="2400" dirty="0"/>
+              <a:t>Once </a:t>
+            </a:r>
+            <a:r>
+              <a:rPr lang="it-IT" sz="2400" dirty="0" err="1"/>
+              <a:t>logged</a:t>
+            </a:r>
+            <a:r>
+              <a:rPr lang="it-IT" sz="2400" dirty="0"/>
+              <a:t> in, the user must </a:t>
+            </a:r>
+            <a:r>
+              <a:rPr lang="it-IT" sz="2400" dirty="0" err="1"/>
+              <a:t>authorize</a:t>
+            </a:r>
+            <a:r>
+              <a:rPr lang="it-IT" sz="2400" dirty="0"/>
+              <a:t> (</a:t>
+            </a:r>
+            <a:r>
+              <a:rPr lang="it-IT" sz="2400" dirty="0" err="1"/>
+              <a:t>otherwise</a:t>
+            </a:r>
+            <a:r>
+              <a:rPr lang="it-IT" sz="2400" dirty="0"/>
+              <a:t> </a:t>
+            </a:r>
+            <a:r>
+              <a:rPr lang="it-IT" sz="2400" dirty="0" err="1"/>
+              <a:t>they</a:t>
+            </a:r>
+            <a:r>
+              <a:rPr lang="it-IT" sz="2400" dirty="0"/>
+              <a:t> </a:t>
+            </a:r>
+            <a:r>
+              <a:rPr lang="it-IT" sz="2400" dirty="0" err="1"/>
+              <a:t>cannot</a:t>
+            </a:r>
+            <a:r>
+              <a:rPr lang="it-IT" sz="2400" dirty="0"/>
+              <a:t> go on). </a:t>
+            </a:r>
+            <a:r>
+              <a:rPr lang="it-IT" sz="2400" dirty="0" err="1"/>
+              <a:t>Before</a:t>
+            </a:r>
+            <a:r>
+              <a:rPr lang="it-IT" sz="2400" dirty="0"/>
+              <a:t> </a:t>
+            </a:r>
+            <a:r>
+              <a:rPr lang="it-IT" sz="2400" dirty="0" err="1"/>
+              <a:t>doing</a:t>
+            </a:r>
+            <a:r>
+              <a:rPr lang="it-IT" sz="2400" dirty="0"/>
+              <a:t> </a:t>
+            </a:r>
+            <a:r>
+              <a:rPr lang="it-IT" sz="2400" dirty="0" err="1"/>
+              <a:t>that</a:t>
+            </a:r>
+            <a:r>
+              <a:rPr lang="it-IT" sz="2400" dirty="0"/>
+              <a:t>, an informative </a:t>
+            </a:r>
+            <a:r>
+              <a:rPr lang="it-IT" sz="2400" dirty="0" err="1"/>
+              <a:t>message</a:t>
+            </a:r>
+            <a:r>
+              <a:rPr lang="it-IT" sz="2400" dirty="0"/>
+              <a:t> </a:t>
+            </a:r>
+            <a:r>
+              <a:rPr lang="it-IT" sz="2400" dirty="0" err="1"/>
+              <a:t>is</a:t>
+            </a:r>
+            <a:r>
+              <a:rPr lang="it-IT" sz="2400" dirty="0"/>
+              <a:t> </a:t>
+            </a:r>
+            <a:r>
+              <a:rPr lang="it-IT" sz="2400" dirty="0" err="1"/>
+              <a:t>shown</a:t>
+            </a:r>
+            <a:r>
+              <a:rPr lang="it-IT" sz="2400" dirty="0"/>
+              <a:t>.</a:t>
+            </a:r>
+          </a:p>
+          <a:p>
+            <a:pPr algn="just"/>
+            <a:r>
+              <a:rPr lang="en-GB" sz="2400" dirty="0"/>
+              <a:t>If the authorization goes successfully, t</a:t>
+            </a:r>
+            <a:r>
+              <a:rPr lang="it-IT" sz="2400" dirty="0"/>
+              <a:t>he </a:t>
+            </a:r>
+            <a:r>
+              <a:rPr lang="it-IT" sz="2400" dirty="0" err="1"/>
+              <a:t>ciphered</a:t>
+            </a:r>
+            <a:r>
+              <a:rPr lang="it-IT" sz="2400" dirty="0"/>
+              <a:t> </a:t>
+            </a:r>
+            <a:r>
+              <a:rPr lang="it-IT" sz="2400" dirty="0" err="1"/>
+              <a:t>Fitbit</a:t>
+            </a:r>
+            <a:r>
+              <a:rPr lang="it-IT" sz="2400" dirty="0"/>
+              <a:t> user ID </a:t>
+            </a:r>
+            <a:r>
+              <a:rPr lang="it-IT" sz="2400" dirty="0" err="1"/>
+              <a:t>is</a:t>
+            </a:r>
+            <a:r>
+              <a:rPr lang="it-IT" sz="2400" dirty="0"/>
+              <a:t> </a:t>
+            </a:r>
+            <a:r>
+              <a:rPr lang="it-IT" sz="2400" dirty="0" err="1"/>
+              <a:t>saved</a:t>
+            </a:r>
+            <a:r>
+              <a:rPr lang="it-IT" sz="2400" dirty="0"/>
+              <a:t> in the DB, </a:t>
+            </a:r>
+            <a:r>
+              <a:rPr lang="it-IT" sz="2400" dirty="0" err="1"/>
+              <a:t>using</a:t>
+            </a:r>
+            <a:r>
+              <a:rPr lang="it-IT" sz="2400" dirty="0"/>
+              <a:t> </a:t>
+            </a:r>
+            <a:r>
+              <a:rPr lang="it-IT" sz="2400" dirty="0" err="1"/>
+              <a:t>SharedPreferences</a:t>
+            </a:r>
+            <a:r>
+              <a:rPr lang="it-IT" sz="2400" dirty="0"/>
+              <a:t>, in order to be </a:t>
+            </a:r>
+            <a:r>
+              <a:rPr lang="it-IT" sz="2400" dirty="0" err="1"/>
+              <a:t>used</a:t>
+            </a:r>
+            <a:r>
+              <a:rPr lang="it-IT" sz="2400" dirty="0"/>
+              <a:t> to fetch data.</a:t>
+            </a:r>
+          </a:p>
+          <a:p>
+            <a:pPr algn="just"/>
+            <a:r>
+              <a:rPr lang="it-IT" sz="2400" dirty="0" err="1"/>
+              <a:t>If</a:t>
+            </a:r>
+            <a:r>
+              <a:rPr lang="it-IT" sz="2400" dirty="0"/>
+              <a:t> the user </a:t>
+            </a:r>
+            <a:r>
+              <a:rPr lang="it-IT" sz="2400" dirty="0" err="1"/>
+              <a:t>is</a:t>
+            </a:r>
+            <a:r>
+              <a:rPr lang="it-IT" sz="2400" dirty="0"/>
+              <a:t> </a:t>
+            </a:r>
+            <a:r>
+              <a:rPr lang="it-IT" sz="2400" dirty="0" err="1"/>
+              <a:t>logged</a:t>
+            </a:r>
+            <a:r>
+              <a:rPr lang="it-IT" sz="2400" dirty="0"/>
+              <a:t> in </a:t>
+            </a:r>
+            <a:r>
+              <a:rPr lang="it-IT" sz="2400" dirty="0" err="1"/>
+              <a:t>but</a:t>
+            </a:r>
+            <a:r>
+              <a:rPr lang="it-IT" sz="2400" dirty="0"/>
+              <a:t> the refresh token </a:t>
+            </a:r>
+            <a:r>
+              <a:rPr lang="it-IT" sz="2400" dirty="0" err="1"/>
+              <a:t>is</a:t>
+            </a:r>
+            <a:r>
+              <a:rPr lang="it-IT" sz="2400" dirty="0"/>
+              <a:t> </a:t>
+            </a:r>
+            <a:r>
+              <a:rPr lang="it-IT" sz="2400" dirty="0" err="1"/>
+              <a:t>expired</a:t>
+            </a:r>
+            <a:r>
+              <a:rPr lang="it-IT" sz="2400" dirty="0"/>
+              <a:t>, </a:t>
+            </a:r>
+            <a:r>
+              <a:rPr lang="it-IT" sz="2400" dirty="0" err="1"/>
+              <a:t>there</a:t>
+            </a:r>
+            <a:r>
+              <a:rPr lang="it-IT" sz="2400" dirty="0"/>
+              <a:t> </a:t>
+            </a:r>
+            <a:r>
+              <a:rPr lang="it-IT" sz="2400" dirty="0" err="1"/>
+              <a:t>is</a:t>
+            </a:r>
+            <a:r>
+              <a:rPr lang="it-IT" sz="2400" dirty="0"/>
+              <a:t> the </a:t>
+            </a:r>
+            <a:r>
+              <a:rPr lang="it-IT" sz="2400" dirty="0" err="1"/>
+              <a:t>possibility</a:t>
+            </a:r>
+            <a:r>
+              <a:rPr lang="it-IT" sz="2400" dirty="0"/>
+              <a:t> for the user to </a:t>
+            </a:r>
+            <a:r>
+              <a:rPr lang="it-IT" sz="2400" dirty="0" err="1"/>
+              <a:t>authorize</a:t>
+            </a:r>
+            <a:r>
+              <a:rPr lang="it-IT" sz="2400" dirty="0"/>
+              <a:t> </a:t>
+            </a:r>
+            <a:r>
+              <a:rPr lang="it-IT" sz="2400" dirty="0" err="1"/>
+              <a:t>again</a:t>
+            </a:r>
+            <a:r>
+              <a:rPr lang="it-IT" sz="2400" dirty="0"/>
+              <a:t>, in the data </a:t>
+            </a:r>
+            <a:r>
+              <a:rPr lang="it-IT" sz="2400" dirty="0" err="1"/>
+              <a:t>visualization</a:t>
+            </a:r>
+            <a:r>
+              <a:rPr lang="it-IT" sz="2400" dirty="0"/>
+              <a:t> pages.</a:t>
+            </a:r>
+          </a:p>
+          <a:p>
+            <a:pPr algn="just"/>
+            <a:r>
+              <a:rPr lang="it-IT" sz="2400" dirty="0" err="1"/>
+              <a:t>When</a:t>
+            </a:r>
+            <a:r>
+              <a:rPr lang="it-IT" sz="2400" dirty="0"/>
+              <a:t> the user logs out, the </a:t>
+            </a:r>
+            <a:r>
+              <a:rPr lang="it-IT" sz="2400" dirty="0" err="1"/>
+              <a:t>stored</a:t>
+            </a:r>
+            <a:r>
+              <a:rPr lang="it-IT" sz="2400" dirty="0"/>
+              <a:t> user ID </a:t>
+            </a:r>
+            <a:r>
+              <a:rPr lang="it-IT" sz="2400" dirty="0" err="1"/>
+              <a:t>is</a:t>
+            </a:r>
+            <a:r>
+              <a:rPr lang="it-IT" sz="2400" dirty="0"/>
+              <a:t> </a:t>
+            </a:r>
+            <a:r>
+              <a:rPr lang="it-IT" sz="2400" dirty="0" err="1"/>
+              <a:t>deleted</a:t>
+            </a:r>
+            <a:r>
+              <a:rPr lang="it-IT" sz="2400" dirty="0"/>
+              <a:t> and the </a:t>
+            </a:r>
+            <a:r>
+              <a:rPr lang="it-IT" sz="2400" dirty="0" err="1"/>
+              <a:t>method</a:t>
+            </a:r>
+            <a:r>
+              <a:rPr lang="it-IT" sz="2400" dirty="0"/>
+              <a:t> </a:t>
+            </a:r>
+            <a:r>
+              <a:rPr lang="it-IT" sz="2400" dirty="0" err="1"/>
+              <a:t>unauthorize</a:t>
+            </a:r>
+            <a:r>
+              <a:rPr lang="it-IT" sz="2400" dirty="0"/>
+              <a:t>() of </a:t>
+            </a:r>
+            <a:r>
+              <a:rPr lang="it-IT" sz="2400" dirty="0" err="1"/>
+              <a:t>FitbitConnector</a:t>
+            </a:r>
+            <a:r>
+              <a:rPr lang="it-IT" sz="2400" dirty="0"/>
+              <a:t> </a:t>
+            </a:r>
+            <a:r>
+              <a:rPr lang="it-IT" sz="2400" dirty="0" err="1"/>
+              <a:t>is</a:t>
+            </a:r>
+            <a:r>
+              <a:rPr lang="it-IT" sz="2400" dirty="0"/>
+              <a:t> </a:t>
+            </a:r>
+            <a:r>
+              <a:rPr lang="it-IT" sz="2400" dirty="0" err="1"/>
+              <a:t>used</a:t>
+            </a:r>
+            <a:r>
+              <a:rPr lang="it-IT" sz="2400" dirty="0"/>
+              <a:t>.</a:t>
+            </a:r>
           </a:p>
         </p:txBody>
       </p:sp>
     </p:spTree>
     <p:extLst>
       <p:ext uri="{BB962C8B-B14F-4D97-AF65-F5344CB8AC3E}">
-        <p14:creationId xmlns:p14="http://schemas.microsoft.com/office/powerpoint/2010/main" val="3263084659"/>
+        <p14:creationId xmlns:p14="http://schemas.microsoft.com/office/powerpoint/2010/main" val="770510982"/>
       </p:ext>
     </p:extLst>
   </p:cSld>
@@ -4606,17 +6670,158 @@
         </p:nvSpPr>
         <p:spPr/>
         <p:txBody>
-          <a:bodyPr/>
-          <a:lstStyle/>
-          <a:p>
-            <a:endParaRPr lang="en-GB"/>
+          <a:bodyPr>
+            <a:normAutofit/>
+          </a:bodyPr>
+          <a:lstStyle/>
+          <a:p>
+            <a:pPr algn="just"/>
+            <a:r>
+              <a:rPr lang="it-IT" sz="2400" dirty="0" err="1"/>
+              <a:t>Immediately</a:t>
+            </a:r>
+            <a:r>
+              <a:rPr lang="it-IT" sz="2400" dirty="0"/>
+              <a:t> after the login, </a:t>
+            </a:r>
+            <a:r>
+              <a:rPr lang="it-IT" sz="2400" dirty="0" err="1"/>
+              <a:t>if</a:t>
+            </a:r>
+            <a:r>
+              <a:rPr lang="it-IT" sz="2400" dirty="0"/>
+              <a:t> the user </a:t>
+            </a:r>
+            <a:r>
+              <a:rPr lang="it-IT" sz="2400" dirty="0" err="1"/>
+              <a:t>authorizes</a:t>
+            </a:r>
+            <a:r>
+              <a:rPr lang="it-IT" sz="2400" dirty="0"/>
+              <a:t>, an </a:t>
+            </a:r>
+            <a:r>
+              <a:rPr lang="it-IT" sz="2400" dirty="0" err="1"/>
+              <a:t>initial</a:t>
+            </a:r>
+            <a:r>
+              <a:rPr lang="it-IT" sz="2400" dirty="0"/>
+              <a:t> fetch of a </a:t>
+            </a:r>
+            <a:r>
+              <a:rPr lang="it-IT" sz="2400" dirty="0" err="1"/>
+              <a:t>possibly</a:t>
+            </a:r>
+            <a:r>
+              <a:rPr lang="it-IT" sz="2400" dirty="0"/>
+              <a:t> large </a:t>
+            </a:r>
+            <a:r>
+              <a:rPr lang="it-IT" sz="2400" dirty="0" err="1"/>
+              <a:t>quantity</a:t>
+            </a:r>
+            <a:r>
+              <a:rPr lang="it-IT" sz="2400" dirty="0"/>
+              <a:t> of data </a:t>
+            </a:r>
+            <a:r>
+              <a:rPr lang="it-IT" sz="2400" dirty="0" err="1"/>
+              <a:t>is</a:t>
+            </a:r>
+            <a:r>
+              <a:rPr lang="it-IT" sz="2400" dirty="0"/>
+              <a:t> </a:t>
+            </a:r>
+            <a:r>
+              <a:rPr lang="it-IT" sz="2400" dirty="0" err="1"/>
+              <a:t>done</a:t>
+            </a:r>
+            <a:r>
+              <a:rPr lang="it-IT" sz="2400" dirty="0"/>
+              <a:t>. </a:t>
+            </a:r>
+            <a:r>
+              <a:rPr lang="it-IT" sz="2400" dirty="0" err="1"/>
+              <a:t>Then</a:t>
+            </a:r>
+            <a:r>
+              <a:rPr lang="it-IT" sz="2400" dirty="0"/>
+              <a:t>, the </a:t>
+            </a:r>
+            <a:r>
+              <a:rPr lang="it-IT" sz="2400" dirty="0" err="1"/>
+              <a:t>collected</a:t>
+            </a:r>
+            <a:r>
+              <a:rPr lang="it-IT" sz="2400" dirty="0"/>
+              <a:t> data are </a:t>
+            </a:r>
+            <a:r>
+              <a:rPr lang="it-IT" sz="2400" dirty="0" err="1"/>
+              <a:t>saved</a:t>
+            </a:r>
+            <a:r>
+              <a:rPr lang="it-IT" sz="2400" dirty="0"/>
+              <a:t> in the </a:t>
+            </a:r>
+            <a:r>
+              <a:rPr lang="it-IT" sz="2400" dirty="0" err="1"/>
+              <a:t>local</a:t>
+            </a:r>
+            <a:r>
+              <a:rPr lang="it-IT" sz="2400" dirty="0"/>
+              <a:t> DB.</a:t>
+            </a:r>
+          </a:p>
+          <a:p>
+            <a:pPr algn="just"/>
+            <a:r>
+              <a:rPr lang="en-GB" sz="2400" dirty="0"/>
+              <a:t>The rest of the data can be fetched on a daily basis: if no data are present in the local storage for the selected day, they are fetched from Fitbit (otherwise from the DB).</a:t>
+            </a:r>
+          </a:p>
+          <a:p>
+            <a:pPr algn="just"/>
+            <a:r>
+              <a:rPr lang="en-GB" sz="2400" dirty="0"/>
+              <a:t>The local most recent activity and heart data are possibly partial. In order to be kept up to date, they are deleted from the DB. This is done when they are referred to a past day and, only for the activity data, also if the selected day is the current one, with a maximum frequency of </a:t>
+            </a:r>
+            <a:r>
+              <a:rPr lang="it-IT" sz="2400" dirty="0">
+                <a:effectLst/>
+                <a:latin typeface="Calibri" panose="020F0502020204030204" pitchFamily="34" charset="0"/>
+                <a:ea typeface="Calibri" panose="020F0502020204030204" pitchFamily="34" charset="0"/>
+                <a:cs typeface="Times New Roman" panose="02020603050405020304" pitchFamily="18" charset="0"/>
+              </a:rPr>
+              <a:t>1/15 min</a:t>
+            </a:r>
+            <a:r>
+              <a:rPr lang="it-IT" sz="2400" baseline="30000" dirty="0">
+                <a:effectLst/>
+                <a:latin typeface="Calibri" panose="020F0502020204030204" pitchFamily="34" charset="0"/>
+                <a:ea typeface="Calibri" panose="020F0502020204030204" pitchFamily="34" charset="0"/>
+                <a:cs typeface="Times New Roman" panose="02020603050405020304" pitchFamily="18" charset="0"/>
+              </a:rPr>
+              <a:t>-1</a:t>
+            </a:r>
+            <a:r>
+              <a:rPr lang="en-GB" sz="2400" dirty="0"/>
+              <a:t>.</a:t>
+            </a:r>
+          </a:p>
+          <a:p>
+            <a:pPr algn="just"/>
+            <a:r>
+              <a:rPr lang="en-GB" sz="2400" dirty="0"/>
+              <a:t>When the user logs out, all the locally stored data are deleted. Before doing that, an informative message is shown.</a:t>
+            </a:r>
           </a:p>
         </p:txBody>
       </p:sp>
     </p:spTree>
     <p:extLst>
       <p:ext uri="{BB962C8B-B14F-4D97-AF65-F5344CB8AC3E}">
-        <p14:creationId xmlns:p14="http://schemas.microsoft.com/office/powerpoint/2010/main" val="1300862016"/>
+        <p14:creationId xmlns:p14="http://schemas.microsoft.com/office/powerpoint/2010/main" val="3263084659"/>
       </p:ext>
     </p:extLst>
   </p:cSld>
@@ -4648,7 +6853,7 @@
           <p:cNvPr id="2" name="Titolo 1">
             <a:extLst>
               <a:ext uri="{FF2B5EF4-FFF2-40B4-BE49-F238E27FC236}">
-                <a16:creationId xmlns:a16="http://schemas.microsoft.com/office/drawing/2014/main" id="{ED839FFE-EDC4-FEDB-8A9F-A8D1EF751E01}"/>
+                <a16:creationId xmlns:a16="http://schemas.microsoft.com/office/drawing/2014/main" id="{E090FCED-6A28-387F-AA2C-053E0FBB02A3}"/>
               </a:ext>
             </a:extLst>
           </p:cNvPr>
@@ -4671,10 +6876,6 @@
             <a:r>
               <a:rPr lang="it-IT" dirty="0" err="1"/>
               <a:t>functionalities</a:t>
-            </a:r>
-            <a:r>
-              <a:rPr lang="it-IT" dirty="0"/>
-              <a:t>:</a:t>
             </a:r>
             <a:br>
               <a:rPr lang="it-IT" dirty="0"/>
@@ -4685,9 +6886,17 @@
             </a:r>
             <a:r>
               <a:rPr lang="it-IT" sz="3600" dirty="0" err="1"/>
-              <a:t>visualization</a:t>
-            </a:r>
-            <a:endParaRPr lang="en-GB" sz="3600" dirty="0"/>
+              <a:t>collection</a:t>
+            </a:r>
+            <a:r>
+              <a:rPr lang="it-IT" sz="3600" dirty="0"/>
+              <a:t> and </a:t>
+            </a:r>
+            <a:r>
+              <a:rPr lang="it-IT" sz="3600" dirty="0" err="1"/>
+              <a:t>persistence</a:t>
+            </a:r>
+            <a:endParaRPr lang="en-GB" dirty="0"/>
           </a:p>
         </p:txBody>
       </p:sp>
@@ -4696,7 +6905,7 @@
           <p:cNvPr id="3" name="Segnaposto contenuto 2">
             <a:extLst>
               <a:ext uri="{FF2B5EF4-FFF2-40B4-BE49-F238E27FC236}">
-                <a16:creationId xmlns:a16="http://schemas.microsoft.com/office/drawing/2014/main" id="{FF064A71-478F-8630-05F8-09E89DE3E584}"/>
+                <a16:creationId xmlns:a16="http://schemas.microsoft.com/office/drawing/2014/main" id="{CDD9E4D9-BF44-08E9-CECF-4BEA62844CDB}"/>
               </a:ext>
             </a:extLst>
           </p:cNvPr>
@@ -4719,7 +6928,7 @@
     </p:spTree>
     <p:extLst>
       <p:ext uri="{BB962C8B-B14F-4D97-AF65-F5344CB8AC3E}">
-        <p14:creationId xmlns:p14="http://schemas.microsoft.com/office/powerpoint/2010/main" val="1553957979"/>
+        <p14:creationId xmlns:p14="http://schemas.microsoft.com/office/powerpoint/2010/main" val="1300862016"/>
       </p:ext>
     </p:extLst>
   </p:cSld>

--- a/project_presentation.pptx
+++ b/project_presentation.pptx
@@ -4,6 +4,9 @@
   <p:sldMasterIdLst>
     <p:sldMasterId id="2147483648" r:id="rId1"/>
   </p:sldMasterIdLst>
+  <p:notesMasterIdLst>
+    <p:notesMasterId r:id="rId19"/>
+  </p:notesMasterIdLst>
   <p:sldIdLst>
     <p:sldId id="256" r:id="rId2"/>
     <p:sldId id="257" r:id="rId3"/>
@@ -126,6 +129,608 @@
     </p:ext>
   </p:extLst>
 </p:presentation>
+</file>
+
+<file path=ppt/notesMasters/notesMaster1.xml><?xml version="1.0" encoding="utf-8"?>
+<p:notesMaster xmlns:a="http://schemas.openxmlformats.org/drawingml/2006/main" xmlns:r="http://schemas.openxmlformats.org/officeDocument/2006/relationships" xmlns:p="http://schemas.openxmlformats.org/presentationml/2006/main">
+  <p:cSld>
+    <p:bg>
+      <p:bgRef idx="1001">
+        <a:schemeClr val="bg1"/>
+      </p:bgRef>
+    </p:bg>
+    <p:spTree>
+      <p:nvGrpSpPr>
+        <p:cNvPr id="1" name=""/>
+        <p:cNvGrpSpPr/>
+        <p:nvPr/>
+      </p:nvGrpSpPr>
+      <p:grpSpPr>
+        <a:xfrm>
+          <a:off x="0" y="0"/>
+          <a:ext cx="0" cy="0"/>
+          <a:chOff x="0" y="0"/>
+          <a:chExt cx="0" cy="0"/>
+        </a:xfrm>
+      </p:grpSpPr>
+      <p:sp>
+        <p:nvSpPr>
+          <p:cNvPr id="2" name="Segnaposto intestazione 1"/>
+          <p:cNvSpPr>
+            <a:spLocks noGrp="1"/>
+          </p:cNvSpPr>
+          <p:nvPr>
+            <p:ph type="hdr" sz="quarter"/>
+          </p:nvPr>
+        </p:nvSpPr>
+        <p:spPr>
+          <a:xfrm>
+            <a:off x="0" y="0"/>
+            <a:ext cx="2971800" cy="458788"/>
+          </a:xfrm>
+          <a:prstGeom prst="rect">
+            <a:avLst/>
+          </a:prstGeom>
+        </p:spPr>
+        <p:txBody>
+          <a:bodyPr vert="horz" lIns="91440" tIns="45720" rIns="91440" bIns="45720" rtlCol="0"/>
+          <a:lstStyle>
+            <a:lvl1pPr algn="l">
+              <a:defRPr sz="1200"/>
+            </a:lvl1pPr>
+          </a:lstStyle>
+          <a:p>
+            <a:endParaRPr lang="en-GB"/>
+          </a:p>
+        </p:txBody>
+      </p:sp>
+      <p:sp>
+        <p:nvSpPr>
+          <p:cNvPr id="3" name="Segnaposto data 2"/>
+          <p:cNvSpPr>
+            <a:spLocks noGrp="1"/>
+          </p:cNvSpPr>
+          <p:nvPr>
+            <p:ph type="dt" idx="1"/>
+          </p:nvPr>
+        </p:nvSpPr>
+        <p:spPr>
+          <a:xfrm>
+            <a:off x="3884613" y="0"/>
+            <a:ext cx="2971800" cy="458788"/>
+          </a:xfrm>
+          <a:prstGeom prst="rect">
+            <a:avLst/>
+          </a:prstGeom>
+        </p:spPr>
+        <p:txBody>
+          <a:bodyPr vert="horz" lIns="91440" tIns="45720" rIns="91440" bIns="45720" rtlCol="0"/>
+          <a:lstStyle>
+            <a:lvl1pPr algn="r">
+              <a:defRPr sz="1200"/>
+            </a:lvl1pPr>
+          </a:lstStyle>
+          <a:p>
+            <a:fld id="{CA2D1284-C320-4BB7-BDDB-23C33052D6A1}" type="datetimeFigureOut">
+              <a:rPr lang="en-GB" smtClean="0"/>
+              <a:t>09/07/2022</a:t>
+            </a:fld>
+            <a:endParaRPr lang="en-GB"/>
+          </a:p>
+        </p:txBody>
+      </p:sp>
+      <p:sp>
+        <p:nvSpPr>
+          <p:cNvPr id="4" name="Segnaposto immagine diapositiva 3"/>
+          <p:cNvSpPr>
+            <a:spLocks noGrp="1" noRot="1" noChangeAspect="1"/>
+          </p:cNvSpPr>
+          <p:nvPr>
+            <p:ph type="sldImg" idx="2"/>
+          </p:nvPr>
+        </p:nvSpPr>
+        <p:spPr>
+          <a:xfrm>
+            <a:off x="685800" y="1143000"/>
+            <a:ext cx="5486400" cy="3086100"/>
+          </a:xfrm>
+          <a:prstGeom prst="rect">
+            <a:avLst/>
+          </a:prstGeom>
+          <a:noFill/>
+          <a:ln w="12700">
+            <a:solidFill>
+              <a:prstClr val="black"/>
+            </a:solidFill>
+          </a:ln>
+        </p:spPr>
+        <p:txBody>
+          <a:bodyPr vert="horz" lIns="91440" tIns="45720" rIns="91440" bIns="45720" rtlCol="0" anchor="ctr"/>
+          <a:lstStyle/>
+          <a:p>
+            <a:endParaRPr lang="en-GB"/>
+          </a:p>
+        </p:txBody>
+      </p:sp>
+      <p:sp>
+        <p:nvSpPr>
+          <p:cNvPr id="5" name="Segnaposto note 4"/>
+          <p:cNvSpPr>
+            <a:spLocks noGrp="1"/>
+          </p:cNvSpPr>
+          <p:nvPr>
+            <p:ph type="body" sz="quarter" idx="3"/>
+          </p:nvPr>
+        </p:nvSpPr>
+        <p:spPr>
+          <a:xfrm>
+            <a:off x="685800" y="4400550"/>
+            <a:ext cx="5486400" cy="3600450"/>
+          </a:xfrm>
+          <a:prstGeom prst="rect">
+            <a:avLst/>
+          </a:prstGeom>
+        </p:spPr>
+        <p:txBody>
+          <a:bodyPr vert="horz" lIns="91440" tIns="45720" rIns="91440" bIns="45720" rtlCol="0"/>
+          <a:lstStyle/>
+          <a:p>
+            <a:pPr lvl="0"/>
+            <a:r>
+              <a:rPr lang="it-IT"/>
+              <a:t>Fare clic per modificare gli stili del testo dello schema</a:t>
+            </a:r>
+          </a:p>
+          <a:p>
+            <a:pPr lvl="1"/>
+            <a:r>
+              <a:rPr lang="it-IT"/>
+              <a:t>Secondo livello</a:t>
+            </a:r>
+          </a:p>
+          <a:p>
+            <a:pPr lvl="2"/>
+            <a:r>
+              <a:rPr lang="it-IT"/>
+              <a:t>Terzo livello</a:t>
+            </a:r>
+          </a:p>
+          <a:p>
+            <a:pPr lvl="3"/>
+            <a:r>
+              <a:rPr lang="it-IT"/>
+              <a:t>Quarto livello</a:t>
+            </a:r>
+          </a:p>
+          <a:p>
+            <a:pPr lvl="4"/>
+            <a:r>
+              <a:rPr lang="it-IT"/>
+              <a:t>Quinto livello</a:t>
+            </a:r>
+            <a:endParaRPr lang="en-GB"/>
+          </a:p>
+        </p:txBody>
+      </p:sp>
+      <p:sp>
+        <p:nvSpPr>
+          <p:cNvPr id="6" name="Segnaposto piè di pagina 5"/>
+          <p:cNvSpPr>
+            <a:spLocks noGrp="1"/>
+          </p:cNvSpPr>
+          <p:nvPr>
+            <p:ph type="ftr" sz="quarter" idx="4"/>
+          </p:nvPr>
+        </p:nvSpPr>
+        <p:spPr>
+          <a:xfrm>
+            <a:off x="0" y="8685213"/>
+            <a:ext cx="2971800" cy="458787"/>
+          </a:xfrm>
+          <a:prstGeom prst="rect">
+            <a:avLst/>
+          </a:prstGeom>
+        </p:spPr>
+        <p:txBody>
+          <a:bodyPr vert="horz" lIns="91440" tIns="45720" rIns="91440" bIns="45720" rtlCol="0" anchor="b"/>
+          <a:lstStyle>
+            <a:lvl1pPr algn="l">
+              <a:defRPr sz="1200"/>
+            </a:lvl1pPr>
+          </a:lstStyle>
+          <a:p>
+            <a:endParaRPr lang="en-GB"/>
+          </a:p>
+        </p:txBody>
+      </p:sp>
+      <p:sp>
+        <p:nvSpPr>
+          <p:cNvPr id="7" name="Segnaposto numero diapositiva 6"/>
+          <p:cNvSpPr>
+            <a:spLocks noGrp="1"/>
+          </p:cNvSpPr>
+          <p:nvPr>
+            <p:ph type="sldNum" sz="quarter" idx="5"/>
+          </p:nvPr>
+        </p:nvSpPr>
+        <p:spPr>
+          <a:xfrm>
+            <a:off x="3884613" y="8685213"/>
+            <a:ext cx="2971800" cy="458787"/>
+          </a:xfrm>
+          <a:prstGeom prst="rect">
+            <a:avLst/>
+          </a:prstGeom>
+        </p:spPr>
+        <p:txBody>
+          <a:bodyPr vert="horz" lIns="91440" tIns="45720" rIns="91440" bIns="45720" rtlCol="0" anchor="b"/>
+          <a:lstStyle>
+            <a:lvl1pPr algn="r">
+              <a:defRPr sz="1200"/>
+            </a:lvl1pPr>
+          </a:lstStyle>
+          <a:p>
+            <a:fld id="{9BEEC1D6-8780-449A-8BE9-B9EE756E6C63}" type="slidenum">
+              <a:rPr lang="en-GB" smtClean="0"/>
+              <a:t>‹N›</a:t>
+            </a:fld>
+            <a:endParaRPr lang="en-GB"/>
+          </a:p>
+        </p:txBody>
+      </p:sp>
+    </p:spTree>
+    <p:extLst>
+      <p:ext uri="{BB962C8B-B14F-4D97-AF65-F5344CB8AC3E}">
+        <p14:creationId xmlns:p14="http://schemas.microsoft.com/office/powerpoint/2010/main" val="3622179667"/>
+      </p:ext>
+    </p:extLst>
+  </p:cSld>
+  <p:clrMap bg1="lt1" tx1="dk1" bg2="lt2" tx2="dk2" accent1="accent1" accent2="accent2" accent3="accent3" accent4="accent4" accent5="accent5" accent6="accent6" hlink="hlink" folHlink="folHlink"/>
+  <p:notesStyle>
+    <a:lvl1pPr marL="0" algn="l" defTabSz="914400" rtl="0" eaLnBrk="1" latinLnBrk="0" hangingPunct="1">
+      <a:defRPr sz="1200" kern="1200">
+        <a:solidFill>
+          <a:schemeClr val="tx1"/>
+        </a:solidFill>
+        <a:latin typeface="+mn-lt"/>
+        <a:ea typeface="+mn-ea"/>
+        <a:cs typeface="+mn-cs"/>
+      </a:defRPr>
+    </a:lvl1pPr>
+    <a:lvl2pPr marL="457200" algn="l" defTabSz="914400" rtl="0" eaLnBrk="1" latinLnBrk="0" hangingPunct="1">
+      <a:defRPr sz="1200" kern="1200">
+        <a:solidFill>
+          <a:schemeClr val="tx1"/>
+        </a:solidFill>
+        <a:latin typeface="+mn-lt"/>
+        <a:ea typeface="+mn-ea"/>
+        <a:cs typeface="+mn-cs"/>
+      </a:defRPr>
+    </a:lvl2pPr>
+    <a:lvl3pPr marL="914400" algn="l" defTabSz="914400" rtl="0" eaLnBrk="1" latinLnBrk="0" hangingPunct="1">
+      <a:defRPr sz="1200" kern="1200">
+        <a:solidFill>
+          <a:schemeClr val="tx1"/>
+        </a:solidFill>
+        <a:latin typeface="+mn-lt"/>
+        <a:ea typeface="+mn-ea"/>
+        <a:cs typeface="+mn-cs"/>
+      </a:defRPr>
+    </a:lvl3pPr>
+    <a:lvl4pPr marL="1371600" algn="l" defTabSz="914400" rtl="0" eaLnBrk="1" latinLnBrk="0" hangingPunct="1">
+      <a:defRPr sz="1200" kern="1200">
+        <a:solidFill>
+          <a:schemeClr val="tx1"/>
+        </a:solidFill>
+        <a:latin typeface="+mn-lt"/>
+        <a:ea typeface="+mn-ea"/>
+        <a:cs typeface="+mn-cs"/>
+      </a:defRPr>
+    </a:lvl4pPr>
+    <a:lvl5pPr marL="1828800" algn="l" defTabSz="914400" rtl="0" eaLnBrk="1" latinLnBrk="0" hangingPunct="1">
+      <a:defRPr sz="1200" kern="1200">
+        <a:solidFill>
+          <a:schemeClr val="tx1"/>
+        </a:solidFill>
+        <a:latin typeface="+mn-lt"/>
+        <a:ea typeface="+mn-ea"/>
+        <a:cs typeface="+mn-cs"/>
+      </a:defRPr>
+    </a:lvl5pPr>
+    <a:lvl6pPr marL="2286000" algn="l" defTabSz="914400" rtl="0" eaLnBrk="1" latinLnBrk="0" hangingPunct="1">
+      <a:defRPr sz="1200" kern="1200">
+        <a:solidFill>
+          <a:schemeClr val="tx1"/>
+        </a:solidFill>
+        <a:latin typeface="+mn-lt"/>
+        <a:ea typeface="+mn-ea"/>
+        <a:cs typeface="+mn-cs"/>
+      </a:defRPr>
+    </a:lvl6pPr>
+    <a:lvl7pPr marL="2743200" algn="l" defTabSz="914400" rtl="0" eaLnBrk="1" latinLnBrk="0" hangingPunct="1">
+      <a:defRPr sz="1200" kern="1200">
+        <a:solidFill>
+          <a:schemeClr val="tx1"/>
+        </a:solidFill>
+        <a:latin typeface="+mn-lt"/>
+        <a:ea typeface="+mn-ea"/>
+        <a:cs typeface="+mn-cs"/>
+      </a:defRPr>
+    </a:lvl7pPr>
+    <a:lvl8pPr marL="3200400" algn="l" defTabSz="914400" rtl="0" eaLnBrk="1" latinLnBrk="0" hangingPunct="1">
+      <a:defRPr sz="1200" kern="1200">
+        <a:solidFill>
+          <a:schemeClr val="tx1"/>
+        </a:solidFill>
+        <a:latin typeface="+mn-lt"/>
+        <a:ea typeface="+mn-ea"/>
+        <a:cs typeface="+mn-cs"/>
+      </a:defRPr>
+    </a:lvl8pPr>
+    <a:lvl9pPr marL="3657600" algn="l" defTabSz="914400" rtl="0" eaLnBrk="1" latinLnBrk="0" hangingPunct="1">
+      <a:defRPr sz="1200" kern="1200">
+        <a:solidFill>
+          <a:schemeClr val="tx1"/>
+        </a:solidFill>
+        <a:latin typeface="+mn-lt"/>
+        <a:ea typeface="+mn-ea"/>
+        <a:cs typeface="+mn-cs"/>
+      </a:defRPr>
+    </a:lvl9pPr>
+  </p:notesStyle>
+</p:notesMaster>
+</file>
+
+<file path=ppt/notesSlides/notesSlide1.xml><?xml version="1.0" encoding="utf-8"?>
+<p:notes xmlns:a="http://schemas.openxmlformats.org/drawingml/2006/main" xmlns:r="http://schemas.openxmlformats.org/officeDocument/2006/relationships" xmlns:p="http://schemas.openxmlformats.org/presentationml/2006/main">
+  <p:cSld>
+    <p:spTree>
+      <p:nvGrpSpPr>
+        <p:cNvPr id="1" name=""/>
+        <p:cNvGrpSpPr/>
+        <p:nvPr/>
+      </p:nvGrpSpPr>
+      <p:grpSpPr>
+        <a:xfrm>
+          <a:off x="0" y="0"/>
+          <a:ext cx="0" cy="0"/>
+          <a:chOff x="0" y="0"/>
+          <a:chExt cx="0" cy="0"/>
+        </a:xfrm>
+      </p:grpSpPr>
+      <p:sp>
+        <p:nvSpPr>
+          <p:cNvPr id="2" name="Segnaposto immagine diapositiva 1"/>
+          <p:cNvSpPr>
+            <a:spLocks noGrp="1" noRot="1" noChangeAspect="1"/>
+          </p:cNvSpPr>
+          <p:nvPr>
+            <p:ph type="sldImg"/>
+          </p:nvPr>
+        </p:nvSpPr>
+        <p:spPr/>
+      </p:sp>
+      <p:sp>
+        <p:nvSpPr>
+          <p:cNvPr id="3" name="Segnaposto note 2"/>
+          <p:cNvSpPr>
+            <a:spLocks noGrp="1"/>
+          </p:cNvSpPr>
+          <p:nvPr>
+            <p:ph type="body" idx="1"/>
+          </p:nvPr>
+        </p:nvSpPr>
+        <p:spPr/>
+        <p:txBody>
+          <a:bodyPr/>
+          <a:lstStyle/>
+          <a:p>
+            <a:endParaRPr lang="en-GB" dirty="0"/>
+          </a:p>
+        </p:txBody>
+      </p:sp>
+      <p:sp>
+        <p:nvSpPr>
+          <p:cNvPr id="4" name="Segnaposto numero diapositiva 3"/>
+          <p:cNvSpPr>
+            <a:spLocks noGrp="1"/>
+          </p:cNvSpPr>
+          <p:nvPr>
+            <p:ph type="sldNum" sz="quarter" idx="5"/>
+          </p:nvPr>
+        </p:nvSpPr>
+        <p:spPr/>
+        <p:txBody>
+          <a:bodyPr/>
+          <a:lstStyle/>
+          <a:p>
+            <a:fld id="{9BEEC1D6-8780-449A-8BE9-B9EE756E6C63}" type="slidenum">
+              <a:rPr lang="en-GB" smtClean="0"/>
+              <a:t>8</a:t>
+            </a:fld>
+            <a:endParaRPr lang="en-GB"/>
+          </a:p>
+        </p:txBody>
+      </p:sp>
+    </p:spTree>
+    <p:extLst>
+      <p:ext uri="{BB962C8B-B14F-4D97-AF65-F5344CB8AC3E}">
+        <p14:creationId xmlns:p14="http://schemas.microsoft.com/office/powerpoint/2010/main" val="3720807500"/>
+      </p:ext>
+    </p:extLst>
+  </p:cSld>
+  <p:clrMapOvr>
+    <a:masterClrMapping/>
+  </p:clrMapOvr>
+</p:notes>
+</file>
+
+<file path=ppt/notesSlides/notesSlide2.xml><?xml version="1.0" encoding="utf-8"?>
+<p:notes xmlns:a="http://schemas.openxmlformats.org/drawingml/2006/main" xmlns:r="http://schemas.openxmlformats.org/officeDocument/2006/relationships" xmlns:p="http://schemas.openxmlformats.org/presentationml/2006/main">
+  <p:cSld>
+    <p:spTree>
+      <p:nvGrpSpPr>
+        <p:cNvPr id="1" name=""/>
+        <p:cNvGrpSpPr/>
+        <p:nvPr/>
+      </p:nvGrpSpPr>
+      <p:grpSpPr>
+        <a:xfrm>
+          <a:off x="0" y="0"/>
+          <a:ext cx="0" cy="0"/>
+          <a:chOff x="0" y="0"/>
+          <a:chExt cx="0" cy="0"/>
+        </a:xfrm>
+      </p:grpSpPr>
+      <p:sp>
+        <p:nvSpPr>
+          <p:cNvPr id="2" name="Segnaposto immagine diapositiva 1"/>
+          <p:cNvSpPr>
+            <a:spLocks noGrp="1" noRot="1" noChangeAspect="1"/>
+          </p:cNvSpPr>
+          <p:nvPr>
+            <p:ph type="sldImg"/>
+          </p:nvPr>
+        </p:nvSpPr>
+        <p:spPr/>
+      </p:sp>
+      <p:sp>
+        <p:nvSpPr>
+          <p:cNvPr id="3" name="Segnaposto note 2"/>
+          <p:cNvSpPr>
+            <a:spLocks noGrp="1"/>
+          </p:cNvSpPr>
+          <p:nvPr>
+            <p:ph type="body" idx="1"/>
+          </p:nvPr>
+        </p:nvSpPr>
+        <p:spPr/>
+        <p:txBody>
+          <a:bodyPr/>
+          <a:lstStyle/>
+          <a:p>
+            <a:endParaRPr lang="en-GB" dirty="0"/>
+          </a:p>
+        </p:txBody>
+      </p:sp>
+      <p:sp>
+        <p:nvSpPr>
+          <p:cNvPr id="4" name="Segnaposto numero diapositiva 3"/>
+          <p:cNvSpPr>
+            <a:spLocks noGrp="1"/>
+          </p:cNvSpPr>
+          <p:nvPr>
+            <p:ph type="sldNum" sz="quarter" idx="5"/>
+          </p:nvPr>
+        </p:nvSpPr>
+        <p:spPr/>
+        <p:txBody>
+          <a:bodyPr/>
+          <a:lstStyle/>
+          <a:p>
+            <a:fld id="{9BEEC1D6-8780-449A-8BE9-B9EE756E6C63}" type="slidenum">
+              <a:rPr lang="en-GB" smtClean="0"/>
+              <a:t>14</a:t>
+            </a:fld>
+            <a:endParaRPr lang="en-GB"/>
+          </a:p>
+        </p:txBody>
+      </p:sp>
+    </p:spTree>
+    <p:extLst>
+      <p:ext uri="{BB962C8B-B14F-4D97-AF65-F5344CB8AC3E}">
+        <p14:creationId xmlns:p14="http://schemas.microsoft.com/office/powerpoint/2010/main" val="4196539152"/>
+      </p:ext>
+    </p:extLst>
+  </p:cSld>
+  <p:clrMapOvr>
+    <a:masterClrMapping/>
+  </p:clrMapOvr>
+</p:notes>
+</file>
+
+<file path=ppt/notesSlides/notesSlide3.xml><?xml version="1.0" encoding="utf-8"?>
+<p:notes xmlns:a="http://schemas.openxmlformats.org/drawingml/2006/main" xmlns:r="http://schemas.openxmlformats.org/officeDocument/2006/relationships" xmlns:p="http://schemas.openxmlformats.org/presentationml/2006/main">
+  <p:cSld>
+    <p:spTree>
+      <p:nvGrpSpPr>
+        <p:cNvPr id="1" name=""/>
+        <p:cNvGrpSpPr/>
+        <p:nvPr/>
+      </p:nvGrpSpPr>
+      <p:grpSpPr>
+        <a:xfrm>
+          <a:off x="0" y="0"/>
+          <a:ext cx="0" cy="0"/>
+          <a:chOff x="0" y="0"/>
+          <a:chExt cx="0" cy="0"/>
+        </a:xfrm>
+      </p:grpSpPr>
+      <p:sp>
+        <p:nvSpPr>
+          <p:cNvPr id="2" name="Segnaposto immagine diapositiva 1"/>
+          <p:cNvSpPr>
+            <a:spLocks noGrp="1" noRot="1" noChangeAspect="1"/>
+          </p:cNvSpPr>
+          <p:nvPr>
+            <p:ph type="sldImg"/>
+          </p:nvPr>
+        </p:nvSpPr>
+        <p:spPr/>
+      </p:sp>
+      <p:sp>
+        <p:nvSpPr>
+          <p:cNvPr id="3" name="Segnaposto note 2"/>
+          <p:cNvSpPr>
+            <a:spLocks noGrp="1"/>
+          </p:cNvSpPr>
+          <p:nvPr>
+            <p:ph type="body" idx="1"/>
+          </p:nvPr>
+        </p:nvSpPr>
+        <p:spPr/>
+        <p:txBody>
+          <a:bodyPr/>
+          <a:lstStyle/>
+          <a:p>
+            <a:endParaRPr lang="en-GB" dirty="0"/>
+          </a:p>
+        </p:txBody>
+      </p:sp>
+      <p:sp>
+        <p:nvSpPr>
+          <p:cNvPr id="4" name="Segnaposto numero diapositiva 3"/>
+          <p:cNvSpPr>
+            <a:spLocks noGrp="1"/>
+          </p:cNvSpPr>
+          <p:nvPr>
+            <p:ph type="sldNum" sz="quarter" idx="5"/>
+          </p:nvPr>
+        </p:nvSpPr>
+        <p:spPr/>
+        <p:txBody>
+          <a:bodyPr/>
+          <a:lstStyle/>
+          <a:p>
+            <a:fld id="{9BEEC1D6-8780-449A-8BE9-B9EE756E6C63}" type="slidenum">
+              <a:rPr lang="en-GB" smtClean="0"/>
+              <a:t>15</a:t>
+            </a:fld>
+            <a:endParaRPr lang="en-GB"/>
+          </a:p>
+        </p:txBody>
+      </p:sp>
+    </p:spTree>
+    <p:extLst>
+      <p:ext uri="{BB962C8B-B14F-4D97-AF65-F5344CB8AC3E}">
+        <p14:creationId xmlns:p14="http://schemas.microsoft.com/office/powerpoint/2010/main" val="753882630"/>
+      </p:ext>
+    </p:extLst>
+  </p:cSld>
+  <p:clrMapOvr>
+    <a:masterClrMapping/>
+  </p:clrMapOvr>
+</p:notes>
 </file>
 
 <file path=ppt/slideLayouts/slideLayout1.xml><?xml version="1.0" encoding="utf-8"?>
@@ -3860,14 +4465,6 @@
             </a:br>
             <a:r>
               <a:rPr lang="it-IT" sz="3600" dirty="0" err="1"/>
-              <a:t>QueriesCounter</a:t>
-            </a:r>
-            <a:r>
-              <a:rPr lang="it-IT" sz="3600" dirty="0"/>
-              <a:t> and </a:t>
-            </a:r>
-            <a:r>
-              <a:rPr lang="it-IT" sz="3600" dirty="0" err="1"/>
               <a:t>isTokenValid</a:t>
             </a:r>
             <a:endParaRPr lang="en-GB" sz="3600" dirty="0"/>
@@ -3890,7 +4487,12 @@
             <p:ph idx="1"/>
           </p:nvPr>
         </p:nvSpPr>
-        <p:spPr/>
+        <p:spPr>
+          <a:xfrm>
+            <a:off x="838199" y="1825625"/>
+            <a:ext cx="10515601" cy="4351338"/>
+          </a:xfrm>
+        </p:spPr>
         <p:txBody>
           <a:bodyPr>
             <a:normAutofit/>
@@ -4167,204 +4769,6 @@
             <a:r>
               <a:rPr lang="it-IT" sz="2400" dirty="0"/>
               <a:t> pages.</a:t>
-            </a:r>
-          </a:p>
-          <a:p>
-            <a:pPr algn="just"/>
-            <a:r>
-              <a:rPr lang="it-IT" sz="2400" dirty="0"/>
-              <a:t>In order to </a:t>
-            </a:r>
-            <a:r>
-              <a:rPr lang="it-IT" sz="2400" dirty="0" err="1"/>
-              <a:t>avoid</a:t>
-            </a:r>
-            <a:r>
-              <a:rPr lang="it-IT" sz="2400" dirty="0"/>
-              <a:t> to </a:t>
-            </a:r>
-            <a:r>
-              <a:rPr lang="it-IT" sz="2400" dirty="0" err="1"/>
-              <a:t>exceed</a:t>
-            </a:r>
-            <a:r>
-              <a:rPr lang="it-IT" sz="2400" dirty="0"/>
-              <a:t> the </a:t>
-            </a:r>
-            <a:r>
-              <a:rPr lang="it-IT" sz="2400" dirty="0" err="1"/>
-              <a:t>limit</a:t>
-            </a:r>
-            <a:r>
-              <a:rPr lang="it-IT" sz="2400" dirty="0"/>
-              <a:t> rate of queries, the </a:t>
-            </a:r>
-            <a:r>
-              <a:rPr lang="it-IT" sz="2400" dirty="0" err="1"/>
-              <a:t>function</a:t>
-            </a:r>
-            <a:r>
-              <a:rPr lang="it-IT" sz="2400" dirty="0"/>
-              <a:t> check() of the singleton </a:t>
-            </a:r>
-            <a:r>
-              <a:rPr lang="it-IT" sz="2400" dirty="0" err="1"/>
-              <a:t>QueriesCounter</a:t>
-            </a:r>
-            <a:r>
-              <a:rPr lang="it-IT" sz="2400" dirty="0"/>
-              <a:t> </a:t>
-            </a:r>
-            <a:r>
-              <a:rPr lang="it-IT" sz="2400" dirty="0" err="1"/>
-              <a:t>is</a:t>
-            </a:r>
-            <a:r>
-              <a:rPr lang="it-IT" sz="2400" dirty="0"/>
-              <a:t> </a:t>
-            </a:r>
-            <a:r>
-              <a:rPr lang="it-IT" sz="2400" dirty="0" err="1"/>
-              <a:t>used</a:t>
-            </a:r>
-            <a:r>
-              <a:rPr lang="it-IT" sz="2400" dirty="0"/>
-              <a:t>.</a:t>
-            </a:r>
-          </a:p>
-          <a:p>
-            <a:pPr algn="just"/>
-            <a:r>
-              <a:rPr lang="it-IT" sz="2400" dirty="0"/>
-              <a:t>The core of </a:t>
-            </a:r>
-            <a:r>
-              <a:rPr lang="it-IT" sz="2400" dirty="0" err="1"/>
-              <a:t>this</a:t>
-            </a:r>
-            <a:r>
-              <a:rPr lang="it-IT" sz="2400" dirty="0"/>
-              <a:t> </a:t>
-            </a:r>
-            <a:r>
-              <a:rPr lang="it-IT" sz="2400" dirty="0" err="1"/>
-              <a:t>method</a:t>
-            </a:r>
-            <a:r>
-              <a:rPr lang="it-IT" sz="2400" dirty="0"/>
-              <a:t> are the </a:t>
-            </a:r>
-            <a:r>
-              <a:rPr lang="it-IT" sz="2400" dirty="0" err="1"/>
-              <a:t>two</a:t>
-            </a:r>
-            <a:r>
-              <a:rPr lang="it-IT" sz="2400" dirty="0"/>
-              <a:t> </a:t>
-            </a:r>
-            <a:r>
-              <a:rPr lang="it-IT" sz="2400" dirty="0" err="1"/>
-              <a:t>variables</a:t>
-            </a:r>
-            <a:r>
-              <a:rPr lang="it-IT" sz="2400" dirty="0"/>
-              <a:t> </a:t>
-            </a:r>
-            <a:r>
-              <a:rPr lang="it-IT" sz="2400" dirty="0" err="1"/>
-              <a:t>pastTime</a:t>
-            </a:r>
-            <a:r>
-              <a:rPr lang="it-IT" sz="2400" dirty="0"/>
-              <a:t> and counter, </a:t>
-            </a:r>
-            <a:r>
-              <a:rPr lang="it-IT" sz="2400" dirty="0" err="1"/>
-              <a:t>which</a:t>
-            </a:r>
-            <a:r>
-              <a:rPr lang="it-IT" sz="2400" dirty="0"/>
-              <a:t> are </a:t>
-            </a:r>
-            <a:r>
-              <a:rPr lang="it-IT" sz="2400" dirty="0" err="1"/>
-              <a:t>saved</a:t>
-            </a:r>
-            <a:r>
-              <a:rPr lang="it-IT" sz="2400" dirty="0"/>
-              <a:t> in the DB with </a:t>
-            </a:r>
-            <a:r>
-              <a:rPr lang="it-IT" sz="2400" dirty="0" err="1"/>
-              <a:t>SharedPreferences</a:t>
-            </a:r>
-            <a:r>
-              <a:rPr lang="it-IT" sz="2400" dirty="0"/>
-              <a:t>. </a:t>
-            </a:r>
-            <a:r>
-              <a:rPr lang="it-IT" sz="2400" dirty="0" err="1"/>
-              <a:t>They</a:t>
-            </a:r>
-            <a:r>
-              <a:rPr lang="it-IT" sz="2400" dirty="0"/>
-              <a:t> take </a:t>
-            </a:r>
-            <a:r>
-              <a:rPr lang="it-IT" sz="2400" dirty="0" err="1"/>
-              <a:t>into</a:t>
-            </a:r>
-            <a:r>
-              <a:rPr lang="it-IT" sz="2400" dirty="0"/>
-              <a:t> account of the time </a:t>
-            </a:r>
-            <a:r>
-              <a:rPr lang="it-IT" sz="2400" dirty="0" err="1"/>
-              <a:t>when</a:t>
-            </a:r>
-            <a:r>
-              <a:rPr lang="it-IT" sz="2400" dirty="0"/>
-              <a:t> a query </a:t>
-            </a:r>
-            <a:r>
-              <a:rPr lang="it-IT" sz="2400" dirty="0" err="1"/>
-              <a:t>is</a:t>
-            </a:r>
-            <a:r>
-              <a:rPr lang="it-IT" sz="2400" dirty="0"/>
-              <a:t> </a:t>
-            </a:r>
-            <a:r>
-              <a:rPr lang="it-IT" sz="2400" dirty="0" err="1"/>
-              <a:t>done</a:t>
-            </a:r>
-            <a:r>
-              <a:rPr lang="it-IT" sz="2400" dirty="0"/>
-              <a:t> and the </a:t>
-            </a:r>
-            <a:r>
-              <a:rPr lang="it-IT" sz="2400" dirty="0" err="1"/>
-              <a:t>number</a:t>
-            </a:r>
-            <a:r>
-              <a:rPr lang="it-IT" sz="2400" dirty="0"/>
-              <a:t> of queries </a:t>
-            </a:r>
-            <a:r>
-              <a:rPr lang="it-IT" sz="2400" dirty="0" err="1"/>
-              <a:t>executed</a:t>
-            </a:r>
-            <a:r>
-              <a:rPr lang="it-IT" sz="2400" dirty="0"/>
-              <a:t>, </a:t>
-            </a:r>
-            <a:r>
-              <a:rPr lang="it-IT" sz="2400" dirty="0" err="1"/>
-              <a:t>respectively</a:t>
-            </a:r>
-            <a:r>
-              <a:rPr lang="it-IT" sz="2400" dirty="0"/>
-              <a:t>.</a:t>
             </a:r>
           </a:p>
         </p:txBody>
@@ -4435,189 +4839,386 @@
               <a:rPr lang="it-IT" sz="3600" dirty="0" err="1"/>
               <a:t>QueriesCounter</a:t>
             </a:r>
-            <a:r>
-              <a:rPr lang="it-IT" sz="3600" dirty="0"/>
+            <a:endParaRPr lang="en-GB" sz="3600" dirty="0"/>
+          </a:p>
+        </p:txBody>
+      </p:sp>
+      <p:sp>
+        <p:nvSpPr>
+          <p:cNvPr id="3" name="Segnaposto contenuto 2">
+            <a:extLst>
+              <a:ext uri="{FF2B5EF4-FFF2-40B4-BE49-F238E27FC236}">
+                <a16:creationId xmlns:a16="http://schemas.microsoft.com/office/drawing/2014/main" id="{39D0A3A8-A09B-3C5C-3241-E2FF393AF7D4}"/>
+              </a:ext>
+            </a:extLst>
+          </p:cNvPr>
+          <p:cNvSpPr>
+            <a:spLocks noGrp="1"/>
+          </p:cNvSpPr>
+          <p:nvPr>
+            <p:ph idx="1"/>
+          </p:nvPr>
+        </p:nvSpPr>
+        <p:spPr/>
+        <p:txBody>
+          <a:bodyPr>
+            <a:normAutofit fontScale="92500" lnSpcReduction="20000"/>
+          </a:bodyPr>
+          <a:lstStyle/>
+          <a:p>
+            <a:pPr algn="just"/>
+            <a:r>
+              <a:rPr lang="it-IT" sz="2400" dirty="0"/>
+              <a:t>In order to </a:t>
+            </a:r>
+            <a:r>
+              <a:rPr lang="it-IT" sz="2400" dirty="0" err="1"/>
+              <a:t>avoid</a:t>
+            </a:r>
+            <a:r>
+              <a:rPr lang="it-IT" sz="2400" dirty="0"/>
+              <a:t> to </a:t>
+            </a:r>
+            <a:r>
+              <a:rPr lang="it-IT" sz="2400" dirty="0" err="1"/>
+              <a:t>exceed</a:t>
+            </a:r>
+            <a:r>
+              <a:rPr lang="it-IT" sz="2400" dirty="0"/>
+              <a:t> the </a:t>
+            </a:r>
+            <a:r>
+              <a:rPr lang="it-IT" sz="2400" dirty="0" err="1"/>
+              <a:t>limit</a:t>
+            </a:r>
+            <a:r>
+              <a:rPr lang="it-IT" sz="2400" dirty="0"/>
+              <a:t> rate of queries, the </a:t>
+            </a:r>
+            <a:r>
+              <a:rPr lang="it-IT" sz="2400" dirty="0" err="1"/>
+              <a:t>function</a:t>
+            </a:r>
+            <a:r>
+              <a:rPr lang="it-IT" sz="2400" dirty="0"/>
+              <a:t> check() of the singleton </a:t>
+            </a:r>
+            <a:r>
+              <a:rPr lang="it-IT" sz="2400" dirty="0" err="1"/>
+              <a:t>QueriesCounter</a:t>
+            </a:r>
+            <a:r>
+              <a:rPr lang="it-IT" sz="2400" dirty="0"/>
+              <a:t> </a:t>
+            </a:r>
+            <a:r>
+              <a:rPr lang="it-IT" sz="2400" dirty="0" err="1"/>
+              <a:t>is</a:t>
+            </a:r>
+            <a:r>
+              <a:rPr lang="it-IT" sz="2400" dirty="0"/>
+              <a:t> </a:t>
+            </a:r>
+            <a:r>
+              <a:rPr lang="it-IT" sz="2400" dirty="0" err="1"/>
+              <a:t>used</a:t>
+            </a:r>
+            <a:r>
+              <a:rPr lang="it-IT" sz="2400" dirty="0"/>
+              <a:t>.</a:t>
+            </a:r>
+          </a:p>
+          <a:p>
+            <a:pPr algn="just"/>
+            <a:r>
+              <a:rPr lang="it-IT" sz="2400" dirty="0"/>
+              <a:t>The core of </a:t>
+            </a:r>
+            <a:r>
+              <a:rPr lang="it-IT" sz="2400" dirty="0" err="1"/>
+              <a:t>this</a:t>
+            </a:r>
+            <a:r>
+              <a:rPr lang="it-IT" sz="2400" dirty="0"/>
+              <a:t> </a:t>
+            </a:r>
+            <a:r>
+              <a:rPr lang="it-IT" sz="2400" dirty="0" err="1"/>
+              <a:t>method</a:t>
+            </a:r>
+            <a:r>
+              <a:rPr lang="it-IT" sz="2400" dirty="0"/>
+              <a:t> are the </a:t>
+            </a:r>
+            <a:r>
+              <a:rPr lang="it-IT" sz="2400" dirty="0" err="1"/>
+              <a:t>two</a:t>
+            </a:r>
+            <a:r>
+              <a:rPr lang="it-IT" sz="2400" dirty="0"/>
+              <a:t> </a:t>
+            </a:r>
+            <a:r>
+              <a:rPr lang="it-IT" sz="2400" dirty="0" err="1"/>
+              <a:t>variables</a:t>
+            </a:r>
+            <a:r>
+              <a:rPr lang="it-IT" sz="2400" dirty="0"/>
+              <a:t> </a:t>
+            </a:r>
+            <a:r>
+              <a:rPr lang="it-IT" sz="2400" dirty="0" err="1"/>
+              <a:t>pastTime</a:t>
+            </a:r>
+            <a:r>
+              <a:rPr lang="it-IT" sz="2400" dirty="0"/>
+              <a:t> and counter, </a:t>
+            </a:r>
+            <a:r>
+              <a:rPr lang="it-IT" sz="2400" dirty="0" err="1"/>
+              <a:t>which</a:t>
+            </a:r>
+            <a:r>
+              <a:rPr lang="it-IT" sz="2400" dirty="0"/>
+              <a:t> are </a:t>
+            </a:r>
+            <a:r>
+              <a:rPr lang="it-IT" sz="2400" dirty="0" err="1"/>
+              <a:t>saved</a:t>
+            </a:r>
+            <a:r>
+              <a:rPr lang="it-IT" sz="2400" dirty="0"/>
+              <a:t> in the DB with </a:t>
+            </a:r>
+            <a:r>
+              <a:rPr lang="it-IT" sz="2400" dirty="0" err="1"/>
+              <a:t>SharedPreferences</a:t>
+            </a:r>
+            <a:r>
+              <a:rPr lang="it-IT" sz="2400" dirty="0"/>
+              <a:t>. </a:t>
+            </a:r>
+            <a:r>
+              <a:rPr lang="it-IT" sz="2400" dirty="0" err="1"/>
+              <a:t>They</a:t>
+            </a:r>
+            <a:r>
+              <a:rPr lang="it-IT" sz="2400" dirty="0"/>
+              <a:t> take </a:t>
+            </a:r>
+            <a:r>
+              <a:rPr lang="it-IT" sz="2400" dirty="0" err="1"/>
+              <a:t>into</a:t>
+            </a:r>
+            <a:r>
+              <a:rPr lang="it-IT" sz="2400" dirty="0"/>
+              <a:t> account of the time </a:t>
+            </a:r>
+            <a:r>
+              <a:rPr lang="it-IT" sz="2400" dirty="0" err="1"/>
+              <a:t>when</a:t>
+            </a:r>
+            <a:r>
+              <a:rPr lang="it-IT" sz="2400" dirty="0"/>
+              <a:t> a query </a:t>
+            </a:r>
+            <a:r>
+              <a:rPr lang="it-IT" sz="2400" dirty="0" err="1"/>
+              <a:t>is</a:t>
+            </a:r>
+            <a:r>
+              <a:rPr lang="it-IT" sz="2400" dirty="0"/>
+              <a:t> </a:t>
+            </a:r>
+            <a:r>
+              <a:rPr lang="it-IT" sz="2400" dirty="0" err="1"/>
+              <a:t>done</a:t>
+            </a:r>
+            <a:r>
+              <a:rPr lang="it-IT" sz="2400" dirty="0"/>
+              <a:t> and the </a:t>
+            </a:r>
+            <a:r>
+              <a:rPr lang="it-IT" sz="2400" dirty="0" err="1"/>
+              <a:t>number</a:t>
+            </a:r>
+            <a:r>
+              <a:rPr lang="it-IT" sz="2400" dirty="0"/>
+              <a:t> of queries </a:t>
+            </a:r>
+            <a:r>
+              <a:rPr lang="it-IT" sz="2400" dirty="0" err="1"/>
+              <a:t>executed</a:t>
+            </a:r>
+            <a:r>
+              <a:rPr lang="it-IT" sz="2400" dirty="0"/>
+              <a:t>, </a:t>
+            </a:r>
+            <a:r>
+              <a:rPr lang="it-IT" sz="2400" dirty="0" err="1"/>
+              <a:t>respectively</a:t>
+            </a:r>
+            <a:r>
+              <a:rPr lang="it-IT" sz="2400" dirty="0"/>
+              <a:t>.</a:t>
+            </a:r>
+          </a:p>
+          <a:p>
+            <a:pPr algn="just"/>
+            <a:r>
+              <a:rPr lang="it-IT" sz="2400" dirty="0"/>
+              <a:t>counter </a:t>
+            </a:r>
+            <a:r>
+              <a:rPr lang="it-IT" sz="2400" dirty="0" err="1"/>
+              <a:t>is</a:t>
+            </a:r>
+            <a:r>
+              <a:rPr lang="it-IT" sz="2400" dirty="0"/>
+              <a:t> </a:t>
+            </a:r>
+            <a:r>
+              <a:rPr lang="it-IT" sz="2400" dirty="0" err="1"/>
+              <a:t>incremented</a:t>
+            </a:r>
+            <a:r>
+              <a:rPr lang="it-IT" sz="2400" dirty="0"/>
+              <a:t> of 1 </a:t>
+            </a:r>
+            <a:r>
+              <a:rPr lang="it-IT" sz="2400" dirty="0" err="1"/>
+              <a:t>unit</a:t>
+            </a:r>
+            <a:r>
+              <a:rPr lang="it-IT" sz="2400" dirty="0"/>
+              <a:t> </a:t>
+            </a:r>
+            <a:r>
+              <a:rPr lang="it-IT" sz="2400" dirty="0" err="1"/>
+              <a:t>every</a:t>
+            </a:r>
+            <a:r>
+              <a:rPr lang="it-IT" sz="2400" dirty="0"/>
+              <a:t> time a query </a:t>
+            </a:r>
+            <a:r>
+              <a:rPr lang="it-IT" sz="2400" dirty="0" err="1"/>
+              <a:t>is</a:t>
+            </a:r>
+            <a:r>
+              <a:rPr lang="it-IT" sz="2400" dirty="0"/>
+              <a:t> </a:t>
+            </a:r>
+            <a:r>
+              <a:rPr lang="it-IT" sz="2400" dirty="0" err="1"/>
+              <a:t>done</a:t>
+            </a:r>
+            <a:r>
+              <a:rPr lang="it-IT" sz="2400" dirty="0"/>
+              <a:t>. </a:t>
+            </a:r>
+            <a:r>
+              <a:rPr lang="it-IT" sz="2400" dirty="0" err="1"/>
+              <a:t>Only</a:t>
+            </a:r>
+            <a:r>
+              <a:rPr lang="it-IT" sz="2400" dirty="0"/>
+              <a:t> </a:t>
+            </a:r>
+            <a:r>
+              <a:rPr lang="it-IT" sz="2400" dirty="0" err="1"/>
+              <a:t>when</a:t>
+            </a:r>
+            <a:r>
+              <a:rPr lang="it-IT" sz="2400" dirty="0"/>
+              <a:t> a query </a:t>
+            </a:r>
+            <a:r>
+              <a:rPr lang="it-IT" sz="2400" dirty="0" err="1"/>
+              <a:t>is</a:t>
+            </a:r>
+            <a:r>
+              <a:rPr lang="it-IT" sz="2400" dirty="0"/>
+              <a:t> </a:t>
+            </a:r>
+            <a:r>
+              <a:rPr lang="it-IT" sz="2400" dirty="0" err="1"/>
+              <a:t>performed</a:t>
+            </a:r>
+            <a:r>
+              <a:rPr lang="it-IT" sz="2400" dirty="0"/>
               <a:t> and </a:t>
             </a:r>
             <a:r>
-              <a:rPr lang="it-IT" sz="3600" dirty="0" err="1"/>
-              <a:t>isTokenValid</a:t>
-            </a:r>
-            <a:endParaRPr lang="en-GB" sz="3600" dirty="0"/>
-          </a:p>
-        </p:txBody>
-      </p:sp>
-      <p:sp>
-        <p:nvSpPr>
-          <p:cNvPr id="3" name="Segnaposto contenuto 2">
-            <a:extLst>
-              <a:ext uri="{FF2B5EF4-FFF2-40B4-BE49-F238E27FC236}">
-                <a16:creationId xmlns:a16="http://schemas.microsoft.com/office/drawing/2014/main" id="{39D0A3A8-A09B-3C5C-3241-E2FF393AF7D4}"/>
-              </a:ext>
-            </a:extLst>
-          </p:cNvPr>
-          <p:cNvSpPr>
-            <a:spLocks noGrp="1"/>
-          </p:cNvSpPr>
-          <p:nvPr>
-            <p:ph idx="1"/>
-          </p:nvPr>
-        </p:nvSpPr>
-        <p:spPr/>
-        <p:txBody>
-          <a:bodyPr>
-            <a:normAutofit/>
-          </a:bodyPr>
-          <a:lstStyle/>
+              <a:rPr lang="it-IT" sz="2400" dirty="0" err="1"/>
+              <a:t>at</a:t>
+            </a:r>
+            <a:r>
+              <a:rPr lang="it-IT" sz="2400" dirty="0"/>
+              <a:t> </a:t>
+            </a:r>
+            <a:r>
+              <a:rPr lang="it-IT" sz="2400" dirty="0" err="1"/>
+              <a:t>least</a:t>
+            </a:r>
+            <a:r>
+              <a:rPr lang="it-IT" sz="2400" dirty="0"/>
+              <a:t> one hour </a:t>
+            </a:r>
+            <a:r>
+              <a:rPr lang="it-IT" sz="2400" dirty="0" err="1"/>
+              <a:t>has</a:t>
+            </a:r>
+            <a:r>
+              <a:rPr lang="it-IT" sz="2400" dirty="0"/>
+              <a:t> </a:t>
+            </a:r>
+            <a:r>
+              <a:rPr lang="it-IT" sz="2400" dirty="0" err="1"/>
+              <a:t>passed</a:t>
+            </a:r>
+            <a:r>
+              <a:rPr lang="it-IT" sz="2400" dirty="0"/>
+              <a:t>, counter </a:t>
+            </a:r>
+            <a:r>
+              <a:rPr lang="it-IT" sz="2400" dirty="0" err="1"/>
+              <a:t>is</a:t>
+            </a:r>
+            <a:r>
+              <a:rPr lang="it-IT" sz="2400" dirty="0"/>
+              <a:t> reset (to 1) and </a:t>
+            </a:r>
+            <a:r>
+              <a:rPr lang="it-IT" sz="2400" dirty="0" err="1"/>
+              <a:t>pastTime</a:t>
+            </a:r>
+            <a:r>
+              <a:rPr lang="it-IT" sz="2400" dirty="0"/>
+              <a:t> </a:t>
+            </a:r>
+            <a:r>
+              <a:rPr lang="it-IT" sz="2400" dirty="0" err="1"/>
+              <a:t>is</a:t>
+            </a:r>
+            <a:r>
+              <a:rPr lang="it-IT" sz="2400" dirty="0"/>
+              <a:t> </a:t>
+            </a:r>
+            <a:r>
+              <a:rPr lang="it-IT" sz="2400" dirty="0" err="1"/>
+              <a:t>updated</a:t>
+            </a:r>
+            <a:r>
+              <a:rPr lang="it-IT" sz="2400" dirty="0"/>
+              <a:t>.</a:t>
+            </a:r>
+          </a:p>
           <a:p>
             <a:pPr algn="just"/>
             <a:r>
               <a:rPr lang="it-IT" sz="2400" dirty="0"/>
-              <a:t>counter </a:t>
-            </a:r>
-            <a:r>
-              <a:rPr lang="it-IT" sz="2400" dirty="0" err="1"/>
-              <a:t>is</a:t>
-            </a:r>
-            <a:r>
-              <a:rPr lang="it-IT" sz="2400" dirty="0"/>
-              <a:t> </a:t>
-            </a:r>
-            <a:r>
-              <a:rPr lang="it-IT" sz="2400" dirty="0" err="1"/>
-              <a:t>incremented</a:t>
-            </a:r>
-            <a:r>
-              <a:rPr lang="it-IT" sz="2400" dirty="0"/>
-              <a:t> of 1 </a:t>
-            </a:r>
-            <a:r>
-              <a:rPr lang="it-IT" sz="2400" dirty="0" err="1"/>
-              <a:t>unit</a:t>
-            </a:r>
-            <a:r>
-              <a:rPr lang="it-IT" sz="2400" dirty="0"/>
-              <a:t> </a:t>
-            </a:r>
-            <a:r>
-              <a:rPr lang="it-IT" sz="2400" dirty="0" err="1"/>
-              <a:t>every</a:t>
-            </a:r>
-            <a:r>
-              <a:rPr lang="it-IT" sz="2400" dirty="0"/>
-              <a:t> time a query </a:t>
-            </a:r>
-            <a:r>
-              <a:rPr lang="it-IT" sz="2400" dirty="0" err="1"/>
-              <a:t>is</a:t>
-            </a:r>
-            <a:r>
-              <a:rPr lang="it-IT" sz="2400" dirty="0"/>
-              <a:t> </a:t>
-            </a:r>
-            <a:r>
-              <a:rPr lang="it-IT" sz="2400" dirty="0" err="1"/>
-              <a:t>done</a:t>
-            </a:r>
-            <a:r>
-              <a:rPr lang="it-IT" sz="2400" dirty="0"/>
-              <a:t>. </a:t>
-            </a:r>
-            <a:r>
-              <a:rPr lang="it-IT" sz="2400" dirty="0" err="1"/>
-              <a:t>Only</a:t>
-            </a:r>
-            <a:r>
-              <a:rPr lang="it-IT" sz="2400" dirty="0"/>
-              <a:t> </a:t>
-            </a:r>
-            <a:r>
-              <a:rPr lang="it-IT" sz="2400" dirty="0" err="1"/>
-              <a:t>when</a:t>
-            </a:r>
-            <a:r>
-              <a:rPr lang="it-IT" sz="2400" dirty="0"/>
-              <a:t> a query </a:t>
-            </a:r>
-            <a:r>
-              <a:rPr lang="it-IT" sz="2400" dirty="0" err="1"/>
-              <a:t>is</a:t>
-            </a:r>
-            <a:r>
-              <a:rPr lang="it-IT" sz="2400" dirty="0"/>
-              <a:t> </a:t>
-            </a:r>
-            <a:r>
-              <a:rPr lang="it-IT" sz="2400" dirty="0" err="1"/>
-              <a:t>performed</a:t>
-            </a:r>
-            <a:r>
-              <a:rPr lang="it-IT" sz="2400" dirty="0"/>
-              <a:t> and </a:t>
-            </a:r>
-            <a:r>
-              <a:rPr lang="it-IT" sz="2400" dirty="0" err="1"/>
-              <a:t>at</a:t>
-            </a:r>
-            <a:r>
-              <a:rPr lang="it-IT" sz="2400" dirty="0"/>
-              <a:t> </a:t>
-            </a:r>
-            <a:r>
-              <a:rPr lang="it-IT" sz="2400" dirty="0" err="1"/>
-              <a:t>least</a:t>
-            </a:r>
-            <a:r>
-              <a:rPr lang="it-IT" sz="2400" dirty="0"/>
-              <a:t> one hour </a:t>
-            </a:r>
-            <a:r>
-              <a:rPr lang="it-IT" sz="2400" dirty="0" err="1"/>
-              <a:t>has</a:t>
-            </a:r>
-            <a:r>
-              <a:rPr lang="it-IT" sz="2400" dirty="0"/>
-              <a:t> </a:t>
-            </a:r>
-            <a:r>
-              <a:rPr lang="it-IT" sz="2400" dirty="0" err="1"/>
-              <a:t>passed</a:t>
-            </a:r>
-            <a:r>
-              <a:rPr lang="it-IT" sz="2400" dirty="0"/>
-              <a:t>, counter </a:t>
-            </a:r>
-            <a:r>
-              <a:rPr lang="it-IT" sz="2400" dirty="0" err="1"/>
-              <a:t>is</a:t>
-            </a:r>
-            <a:r>
-              <a:rPr lang="it-IT" sz="2400" dirty="0"/>
-              <a:t> reset (to 1) and </a:t>
-            </a:r>
-            <a:r>
-              <a:rPr lang="it-IT" sz="2400" dirty="0" err="1"/>
-              <a:t>pastTime</a:t>
-            </a:r>
-            <a:r>
-              <a:rPr lang="it-IT" sz="2400" dirty="0"/>
-              <a:t> </a:t>
-            </a:r>
-            <a:r>
-              <a:rPr lang="it-IT" sz="2400" dirty="0" err="1"/>
-              <a:t>is</a:t>
-            </a:r>
-            <a:r>
-              <a:rPr lang="it-IT" sz="2400" dirty="0"/>
-              <a:t> </a:t>
-            </a:r>
-            <a:r>
-              <a:rPr lang="it-IT" sz="2400" dirty="0" err="1"/>
-              <a:t>updated</a:t>
-            </a:r>
-            <a:r>
-              <a:rPr lang="it-IT" sz="2400" dirty="0"/>
-              <a:t>. The </a:t>
+              <a:t>The </a:t>
             </a:r>
             <a:r>
               <a:rPr lang="it-IT" sz="2400" dirty="0" err="1"/>
@@ -4967,126 +5568,205 @@
             <p:ph idx="1"/>
           </p:nvPr>
         </p:nvSpPr>
-        <p:spPr/>
-        <p:txBody>
-          <a:bodyPr/>
-          <a:lstStyle/>
-          <a:p>
-            <a:r>
-              <a:rPr lang="it-IT" dirty="0" err="1"/>
+        <p:spPr>
+          <a:xfrm>
+            <a:off x="838199" y="1690688"/>
+            <a:ext cx="10961637" cy="4486275"/>
+          </a:xfrm>
+        </p:spPr>
+        <p:txBody>
+          <a:bodyPr>
+            <a:normAutofit lnSpcReduction="10000"/>
+          </a:bodyPr>
+          <a:lstStyle/>
+          <a:p>
+            <a:pPr algn="just"/>
+            <a:r>
+              <a:rPr lang="it-IT" sz="2400" dirty="0" err="1"/>
               <a:t>Lawfulness</a:t>
             </a:r>
             <a:r>
-              <a:rPr lang="it-IT" dirty="0"/>
+              <a:rPr lang="it-IT" sz="2400" dirty="0"/>
               <a:t>, </a:t>
             </a:r>
             <a:r>
-              <a:rPr lang="it-IT" dirty="0" err="1"/>
+              <a:rPr lang="it-IT" sz="2400" dirty="0" err="1"/>
               <a:t>fairness</a:t>
             </a:r>
             <a:r>
-              <a:rPr lang="it-IT" dirty="0"/>
+              <a:rPr lang="it-IT" sz="2400" dirty="0"/>
               <a:t> and </a:t>
             </a:r>
             <a:r>
-              <a:rPr lang="it-IT" dirty="0" err="1"/>
+              <a:rPr lang="it-IT" sz="2400" dirty="0" err="1"/>
               <a:t>transparency</a:t>
             </a:r>
             <a:r>
-              <a:rPr lang="it-IT" dirty="0"/>
+              <a:rPr lang="it-IT" sz="2400" dirty="0"/>
+              <a:t>: the processing </a:t>
+            </a:r>
+            <a:r>
+              <a:rPr lang="it-IT" sz="2400" dirty="0" err="1"/>
+              <a:t>is</a:t>
+            </a:r>
+            <a:r>
+              <a:rPr lang="it-IT" sz="2400" dirty="0"/>
               <a:t> </a:t>
             </a:r>
             <a:r>
-              <a:rPr lang="it-IT" dirty="0">
+              <a:rPr lang="it-IT" sz="2400" dirty="0" err="1"/>
+              <a:t>sufficiently</a:t>
+            </a:r>
+            <a:r>
+              <a:rPr lang="it-IT" sz="2400" dirty="0"/>
+              <a:t> </a:t>
+            </a:r>
+            <a:r>
+              <a:rPr lang="it-IT" sz="2400" dirty="0" err="1"/>
+              <a:t>transparent</a:t>
+            </a:r>
+            <a:r>
+              <a:rPr lang="it-IT" sz="2400" dirty="0"/>
+              <a:t> and, </a:t>
+            </a:r>
+            <a:r>
+              <a:rPr lang="it-IT" sz="2400" dirty="0" err="1"/>
+              <a:t>since</a:t>
+            </a:r>
+            <a:r>
+              <a:rPr lang="it-IT" sz="2400" dirty="0"/>
+              <a:t> </a:t>
+            </a:r>
+            <a:r>
+              <a:rPr lang="it-IT" sz="2400" dirty="0" err="1"/>
+              <a:t>allowed</a:t>
+            </a:r>
+            <a:r>
+              <a:rPr lang="it-IT" sz="2400" dirty="0"/>
+              <a:t> by the </a:t>
+            </a:r>
+            <a:r>
+              <a:rPr lang="it-IT" sz="2400" dirty="0" err="1"/>
+              <a:t>user’s</a:t>
+            </a:r>
+            <a:r>
+              <a:rPr lang="it-IT" sz="2400" dirty="0"/>
+              <a:t> </a:t>
+            </a:r>
+            <a:r>
+              <a:rPr lang="it-IT" sz="2400" dirty="0" err="1"/>
+              <a:t>consent</a:t>
+            </a:r>
+            <a:r>
+              <a:rPr lang="it-IT" sz="2400" dirty="0"/>
+              <a:t>, </a:t>
+            </a:r>
+            <a:r>
+              <a:rPr lang="it-IT" sz="2400" dirty="0" err="1"/>
+              <a:t>also</a:t>
+            </a:r>
+            <a:r>
+              <a:rPr lang="it-IT" sz="2400" dirty="0"/>
+              <a:t> </a:t>
+            </a:r>
+            <a:r>
+              <a:rPr lang="it-IT" sz="2400" dirty="0" err="1"/>
+              <a:t>lawful</a:t>
+            </a:r>
+            <a:r>
+              <a:rPr lang="it-IT" sz="2400" dirty="0"/>
+              <a:t>. </a:t>
+            </a:r>
+            <a:r>
+              <a:rPr lang="it-IT" sz="2400" dirty="0">
                 <a:sym typeface="Wingdings" panose="05000000000000000000" pitchFamily="2" charset="2"/>
               </a:rPr>
               <a:t></a:t>
             </a:r>
-            <a:endParaRPr lang="it-IT" dirty="0"/>
-          </a:p>
-          <a:p>
-            <a:r>
-              <a:rPr lang="en-GB" dirty="0"/>
-              <a:t>Purpose limitation </a:t>
-            </a:r>
-            <a:r>
-              <a:rPr lang="it-IT" dirty="0">
+            <a:endParaRPr lang="it-IT" sz="2400" dirty="0"/>
+          </a:p>
+          <a:p>
+            <a:pPr algn="just"/>
+            <a:r>
+              <a:rPr lang="en-GB" sz="2400" dirty="0"/>
+              <a:t>Purpose limitation: the purposes of the processing are clear from the start. </a:t>
+            </a:r>
+            <a:r>
+              <a:rPr lang="it-IT" sz="2400" dirty="0">
                 <a:sym typeface="Wingdings" panose="05000000000000000000" pitchFamily="2" charset="2"/>
               </a:rPr>
               <a:t></a:t>
             </a:r>
-            <a:endParaRPr lang="en-GB" dirty="0"/>
-          </a:p>
-          <a:p>
-            <a:r>
-              <a:rPr lang="en-GB" dirty="0"/>
-              <a:t>Data minimization </a:t>
-            </a:r>
-            <a:r>
-              <a:rPr lang="it-IT" dirty="0">
+            <a:endParaRPr lang="en-GB" sz="2400" dirty="0"/>
+          </a:p>
+          <a:p>
+            <a:pPr algn="just"/>
+            <a:r>
+              <a:rPr lang="en-GB" sz="2400" dirty="0"/>
+              <a:t>Data minimization: only the needed data are used and stored in the DB. </a:t>
+            </a:r>
+            <a:r>
+              <a:rPr lang="it-IT" sz="2400" dirty="0">
                 <a:sym typeface="Wingdings" panose="05000000000000000000" pitchFamily="2" charset="2"/>
               </a:rPr>
               <a:t></a:t>
             </a:r>
-            <a:endParaRPr lang="en-GB" dirty="0"/>
-          </a:p>
-          <a:p>
-            <a:r>
-              <a:rPr lang="en-GB" dirty="0"/>
-              <a:t>Accuracy </a:t>
-            </a:r>
-            <a:r>
-              <a:rPr lang="it-IT" dirty="0">
+            <a:endParaRPr lang="en-GB" sz="2400" dirty="0"/>
+          </a:p>
+          <a:p>
+            <a:pPr algn="just"/>
+            <a:r>
+              <a:rPr lang="en-GB" sz="2400" dirty="0"/>
+              <a:t>Accuracy: the data are kept up to date. </a:t>
+            </a:r>
+            <a:r>
+              <a:rPr lang="it-IT" sz="2400" dirty="0">
                 <a:sym typeface="Wingdings" panose="05000000000000000000" pitchFamily="2" charset="2"/>
               </a:rPr>
               <a:t></a:t>
             </a:r>
-            <a:endParaRPr lang="en-GB" dirty="0"/>
-          </a:p>
-          <a:p>
-            <a:r>
-              <a:rPr lang="en-GB" dirty="0"/>
-              <a:t>Storage limitation </a:t>
+            <a:endParaRPr lang="en-GB" sz="2400" dirty="0"/>
+          </a:p>
+          <a:p>
+            <a:pPr algn="just"/>
+            <a:r>
+              <a:rPr lang="en-GB" sz="2400" dirty="0"/>
+              <a:t>Storage limitation: assuming that the user possibly could be not interested in visualizing too old data, more compliance with this principle could be got limiting the period of </a:t>
+            </a:r>
+            <a:r>
+              <a:rPr lang="en-GB" sz="2400" dirty="0" err="1"/>
+              <a:t>storaging</a:t>
+            </a:r>
+            <a:r>
+              <a:rPr lang="en-GB" sz="2400" dirty="0"/>
+              <a:t> (e.g. to one year).</a:t>
+            </a:r>
+          </a:p>
+          <a:p>
+            <a:pPr algn="just"/>
+            <a:r>
+              <a:rPr lang="en-GB" sz="2400" dirty="0"/>
+              <a:t>Integrity and confidentiality: the integrity of data is ensured, since they are saved on the Fitbit resource server and they could be fetched from there anyway, while the security of data not, since the stored data are not ciphered</a:t>
+            </a:r>
+            <a:r>
+              <a:rPr lang="it-IT" sz="2400" dirty="0"/>
+              <a:t>.</a:t>
+            </a:r>
+            <a:endParaRPr lang="en-GB" sz="2400" dirty="0"/>
+          </a:p>
+          <a:p>
+            <a:pPr algn="just"/>
+            <a:r>
+              <a:rPr lang="en-GB" sz="2400" dirty="0"/>
+              <a:t>Accountability </a:t>
             </a:r>
             <a:r>
               <a:rPr lang="it-IT" sz="2400" dirty="0">
-                <a:effectLst/>
-                <a:latin typeface="Calibri" panose="020F0502020204030204" pitchFamily="34" charset="0"/>
-                <a:ea typeface="Calibri" panose="020F0502020204030204" pitchFamily="34" charset="0"/>
-                <a:cs typeface="Calibri Light" panose="020F0302020204030204" pitchFamily="34" charset="0"/>
-              </a:rPr>
-              <a:t>–</a:t>
-            </a:r>
-            <a:endParaRPr lang="en-GB" sz="2400" dirty="0"/>
-          </a:p>
-          <a:p>
-            <a:r>
-              <a:rPr lang="en-GB" dirty="0"/>
-              <a:t>Integrity and confidentiality </a:t>
-            </a:r>
-            <a:r>
-              <a:rPr lang="it-IT" sz="2400" dirty="0">
-                <a:effectLst/>
-                <a:latin typeface="Calibri" panose="020F0502020204030204" pitchFamily="34" charset="0"/>
-                <a:ea typeface="Calibri" panose="020F0502020204030204" pitchFamily="34" charset="0"/>
-                <a:cs typeface="Calibri Light" panose="020F0302020204030204" pitchFamily="34" charset="0"/>
-              </a:rPr>
-              <a:t>–</a:t>
-            </a:r>
-            <a:endParaRPr lang="en-GB" sz="2400" dirty="0"/>
-          </a:p>
-          <a:p>
-            <a:r>
-              <a:rPr lang="en-GB" dirty="0"/>
-              <a:t>Accountability </a:t>
-            </a:r>
-            <a:r>
-              <a:rPr lang="it-IT" dirty="0">
                 <a:sym typeface="Wingdings" panose="05000000000000000000" pitchFamily="2" charset="2"/>
               </a:rPr>
               <a:t></a:t>
             </a:r>
-            <a:endParaRPr lang="en-GB" dirty="0"/>
+            <a:endParaRPr lang="en-GB" sz="2400" dirty="0"/>
           </a:p>
         </p:txBody>
       </p:sp>
@@ -6671,7 +7351,7 @@
         <p:spPr/>
         <p:txBody>
           <a:bodyPr>
-            <a:normAutofit/>
+            <a:normAutofit fontScale="92500" lnSpcReduction="20000"/>
           </a:bodyPr>
           <a:lstStyle/>
           <a:p>
@@ -6706,7 +7386,7 @@
             </a:r>
             <a:r>
               <a:rPr lang="it-IT" sz="2400" dirty="0"/>
-              <a:t> fetch of a </a:t>
+              <a:t> fetch of a (</a:t>
             </a:r>
             <a:r>
               <a:rPr lang="it-IT" sz="2400" dirty="0" err="1"/>
@@ -6714,7 +7394,7 @@
             </a:r>
             <a:r>
               <a:rPr lang="it-IT" sz="2400" dirty="0"/>
-              <a:t> large </a:t>
+              <a:t>) large </a:t>
             </a:r>
             <a:r>
               <a:rPr lang="it-IT" sz="2400" dirty="0" err="1"/>
@@ -6777,8 +7457,20 @@
             <a:pPr algn="just"/>
             <a:r>
               <a:rPr lang="en-GB" sz="2400" dirty="0"/>
-              <a:t>The rest of the data can be fetched on a daily basis: if no data are present in the local storage for the selected day, they are fetched from Fitbit (otherwise from the DB).</a:t>
-            </a:r>
+              <a:t>The rest of the data can be fetched on a daily basis: if no data are present in the local storage for the selected day, they are fetched from Fitbit, then saved in the DB (otherwise they are fetched directly from the DB). This is true for the data visualization pages and the yoga page.</a:t>
+            </a:r>
+          </a:p>
+          <a:p>
+            <a:pPr algn="just"/>
+            <a:r>
+              <a:rPr lang="en-GB" sz="2400" dirty="0"/>
+              <a:t>As for the flower-growth-by-steps page and the profile page, the needed data are always fetched from </a:t>
+            </a:r>
+            <a:r>
+              <a:rPr lang="it-IT" sz="2400" dirty="0"/>
+              <a:t>the DB.</a:t>
+            </a:r>
+            <a:endParaRPr lang="en-GB" sz="2400" dirty="0"/>
           </a:p>
           <a:p>
             <a:pPr algn="just"/>
@@ -7231,4 +7923,299 @@
     </a:ext>
   </a:extLst>
 </a:theme>
+</file>
+
+<file path=ppt/theme/theme2.xml><?xml version="1.0" encoding="utf-8"?>
+<a:theme xmlns:a="http://schemas.openxmlformats.org/drawingml/2006/main" name="Tema di Office">
+  <a:themeElements>
+    <a:clrScheme name="Office">
+      <a:dk1>
+        <a:sysClr val="windowText" lastClr="000000"/>
+      </a:dk1>
+      <a:lt1>
+        <a:sysClr val="window" lastClr="FFFFFF"/>
+      </a:lt1>
+      <a:dk2>
+        <a:srgbClr val="44546A"/>
+      </a:dk2>
+      <a:lt2>
+        <a:srgbClr val="E7E6E6"/>
+      </a:lt2>
+      <a:accent1>
+        <a:srgbClr val="4472C4"/>
+      </a:accent1>
+      <a:accent2>
+        <a:srgbClr val="ED7D31"/>
+      </a:accent2>
+      <a:accent3>
+        <a:srgbClr val="A5A5A5"/>
+      </a:accent3>
+      <a:accent4>
+        <a:srgbClr val="FFC000"/>
+      </a:accent4>
+      <a:accent5>
+        <a:srgbClr val="5B9BD5"/>
+      </a:accent5>
+      <a:accent6>
+        <a:srgbClr val="70AD47"/>
+      </a:accent6>
+      <a:hlink>
+        <a:srgbClr val="0563C1"/>
+      </a:hlink>
+      <a:folHlink>
+        <a:srgbClr val="954F72"/>
+      </a:folHlink>
+    </a:clrScheme>
+    <a:fontScheme name="Office">
+      <a:majorFont>
+        <a:latin typeface="Calibri Light" panose="020F0302020204030204"/>
+        <a:ea typeface=""/>
+        <a:cs typeface=""/>
+        <a:font script="Jpan" typeface="游ゴシック Light"/>
+        <a:font script="Hang" typeface="맑은 고딕"/>
+        <a:font script="Hans" typeface="等线 Light"/>
+        <a:font script="Hant" typeface="新細明體"/>
+        <a:font script="Arab" typeface="Times New Roman"/>
+        <a:font script="Hebr" typeface="Times New Roman"/>
+        <a:font script="Thai" typeface="Angsana New"/>
+        <a:font script="Ethi" typeface="Nyala"/>
+        <a:font script="Beng" typeface="Vrinda"/>
+        <a:font script="Gujr" typeface="Shruti"/>
+        <a:font script="Khmr" typeface="MoolBoran"/>
+        <a:font script="Knda" typeface="Tunga"/>
+        <a:font script="Guru" typeface="Raavi"/>
+        <a:font script="Cans" typeface="Euphemia"/>
+        <a:font script="Cher" typeface="Plantagenet Cherokee"/>
+        <a:font script="Yiii" typeface="Microsoft Yi Baiti"/>
+        <a:font script="Tibt" typeface="Microsoft Himalaya"/>
+        <a:font script="Thaa" typeface="MV Boli"/>
+        <a:font script="Deva" typeface="Mangal"/>
+        <a:font script="Telu" typeface="Gautami"/>
+        <a:font script="Taml" typeface="Latha"/>
+        <a:font script="Syrc" typeface="Estrangelo Edessa"/>
+        <a:font script="Orya" typeface="Kalinga"/>
+        <a:font script="Mlym" typeface="Kartika"/>
+        <a:font script="Laoo" typeface="DokChampa"/>
+        <a:font script="Sinh" typeface="Iskoola Pota"/>
+        <a:font script="Mong" typeface="Mongolian Baiti"/>
+        <a:font script="Viet" typeface="Times New Roman"/>
+        <a:font script="Uigh" typeface="Microsoft Uighur"/>
+        <a:font script="Geor" typeface="Sylfaen"/>
+        <a:font script="Armn" typeface="Arial"/>
+        <a:font script="Bugi" typeface="Leelawadee UI"/>
+        <a:font script="Bopo" typeface="Microsoft JhengHei"/>
+        <a:font script="Java" typeface="Javanese Text"/>
+        <a:font script="Lisu" typeface="Segoe UI"/>
+        <a:font script="Mymr" typeface="Myanmar Text"/>
+        <a:font script="Nkoo" typeface="Ebrima"/>
+        <a:font script="Olck" typeface="Nirmala UI"/>
+        <a:font script="Osma" typeface="Ebrima"/>
+        <a:font script="Phag" typeface="Phagspa"/>
+        <a:font script="Syrn" typeface="Estrangelo Edessa"/>
+        <a:font script="Syrj" typeface="Estrangelo Edessa"/>
+        <a:font script="Syre" typeface="Estrangelo Edessa"/>
+        <a:font script="Sora" typeface="Nirmala UI"/>
+        <a:font script="Tale" typeface="Microsoft Tai Le"/>
+        <a:font script="Talu" typeface="Microsoft New Tai Lue"/>
+        <a:font script="Tfng" typeface="Ebrima"/>
+      </a:majorFont>
+      <a:minorFont>
+        <a:latin typeface="Calibri" panose="020F0502020204030204"/>
+        <a:ea typeface=""/>
+        <a:cs typeface=""/>
+        <a:font script="Jpan" typeface="游ゴシック"/>
+        <a:font script="Hang" typeface="맑은 고딕"/>
+        <a:font script="Hans" typeface="等线"/>
+        <a:font script="Hant" typeface="新細明體"/>
+        <a:font script="Arab" typeface="Arial"/>
+        <a:font script="Hebr" typeface="Arial"/>
+        <a:font script="Thai" typeface="Cordia New"/>
+        <a:font script="Ethi" typeface="Nyala"/>
+        <a:font script="Beng" typeface="Vrinda"/>
+        <a:font script="Gujr" typeface="Shruti"/>
+        <a:font script="Khmr" typeface="DaunPenh"/>
+        <a:font script="Knda" typeface="Tunga"/>
+        <a:font script="Guru" typeface="Raavi"/>
+        <a:font script="Cans" typeface="Euphemia"/>
+        <a:font script="Cher" typeface="Plantagenet Cherokee"/>
+        <a:font script="Yiii" typeface="Microsoft Yi Baiti"/>
+        <a:font script="Tibt" typeface="Microsoft Himalaya"/>
+        <a:font script="Thaa" typeface="MV Boli"/>
+        <a:font script="Deva" typeface="Mangal"/>
+        <a:font script="Telu" typeface="Gautami"/>
+        <a:font script="Taml" typeface="Latha"/>
+        <a:font script="Syrc" typeface="Estrangelo Edessa"/>
+        <a:font script="Orya" typeface="Kalinga"/>
+        <a:font script="Mlym" typeface="Kartika"/>
+        <a:font script="Laoo" typeface="DokChampa"/>
+        <a:font script="Sinh" typeface="Iskoola Pota"/>
+        <a:font script="Mong" typeface="Mongolian Baiti"/>
+        <a:font script="Viet" typeface="Arial"/>
+        <a:font script="Uigh" typeface="Microsoft Uighur"/>
+        <a:font script="Geor" typeface="Sylfaen"/>
+        <a:font script="Armn" typeface="Arial"/>
+        <a:font script="Bugi" typeface="Leelawadee UI"/>
+        <a:font script="Bopo" typeface="Microsoft JhengHei"/>
+        <a:font script="Java" typeface="Javanese Text"/>
+        <a:font script="Lisu" typeface="Segoe UI"/>
+        <a:font script="Mymr" typeface="Myanmar Text"/>
+        <a:font script="Nkoo" typeface="Ebrima"/>
+        <a:font script="Olck" typeface="Nirmala UI"/>
+        <a:font script="Osma" typeface="Ebrima"/>
+        <a:font script="Phag" typeface="Phagspa"/>
+        <a:font script="Syrn" typeface="Estrangelo Edessa"/>
+        <a:font script="Syrj" typeface="Estrangelo Edessa"/>
+        <a:font script="Syre" typeface="Estrangelo Edessa"/>
+        <a:font script="Sora" typeface="Nirmala UI"/>
+        <a:font script="Tale" typeface="Microsoft Tai Le"/>
+        <a:font script="Talu" typeface="Microsoft New Tai Lue"/>
+        <a:font script="Tfng" typeface="Ebrima"/>
+      </a:minorFont>
+    </a:fontScheme>
+    <a:fmtScheme name="Office">
+      <a:fillStyleLst>
+        <a:solidFill>
+          <a:schemeClr val="phClr"/>
+        </a:solidFill>
+        <a:gradFill rotWithShape="1">
+          <a:gsLst>
+            <a:gs pos="0">
+              <a:schemeClr val="phClr">
+                <a:lumMod val="110000"/>
+                <a:satMod val="105000"/>
+                <a:tint val="67000"/>
+              </a:schemeClr>
+            </a:gs>
+            <a:gs pos="50000">
+              <a:schemeClr val="phClr">
+                <a:lumMod val="105000"/>
+                <a:satMod val="103000"/>
+                <a:tint val="73000"/>
+              </a:schemeClr>
+            </a:gs>
+            <a:gs pos="100000">
+              <a:schemeClr val="phClr">
+                <a:lumMod val="105000"/>
+                <a:satMod val="109000"/>
+                <a:tint val="81000"/>
+              </a:schemeClr>
+            </a:gs>
+          </a:gsLst>
+          <a:lin ang="5400000" scaled="0"/>
+        </a:gradFill>
+        <a:gradFill rotWithShape="1">
+          <a:gsLst>
+            <a:gs pos="0">
+              <a:schemeClr val="phClr">
+                <a:satMod val="103000"/>
+                <a:lumMod val="102000"/>
+                <a:tint val="94000"/>
+              </a:schemeClr>
+            </a:gs>
+            <a:gs pos="50000">
+              <a:schemeClr val="phClr">
+                <a:satMod val="110000"/>
+                <a:lumMod val="100000"/>
+                <a:shade val="100000"/>
+              </a:schemeClr>
+            </a:gs>
+            <a:gs pos="100000">
+              <a:schemeClr val="phClr">
+                <a:lumMod val="99000"/>
+                <a:satMod val="120000"/>
+                <a:shade val="78000"/>
+              </a:schemeClr>
+            </a:gs>
+          </a:gsLst>
+          <a:lin ang="5400000" scaled="0"/>
+        </a:gradFill>
+      </a:fillStyleLst>
+      <a:lnStyleLst>
+        <a:ln w="6350" cap="flat" cmpd="sng" algn="ctr">
+          <a:solidFill>
+            <a:schemeClr val="phClr"/>
+          </a:solidFill>
+          <a:prstDash val="solid"/>
+          <a:miter lim="800000"/>
+        </a:ln>
+        <a:ln w="12700" cap="flat" cmpd="sng" algn="ctr">
+          <a:solidFill>
+            <a:schemeClr val="phClr"/>
+          </a:solidFill>
+          <a:prstDash val="solid"/>
+          <a:miter lim="800000"/>
+        </a:ln>
+        <a:ln w="19050" cap="flat" cmpd="sng" algn="ctr">
+          <a:solidFill>
+            <a:schemeClr val="phClr"/>
+          </a:solidFill>
+          <a:prstDash val="solid"/>
+          <a:miter lim="800000"/>
+        </a:ln>
+      </a:lnStyleLst>
+      <a:effectStyleLst>
+        <a:effectStyle>
+          <a:effectLst/>
+        </a:effectStyle>
+        <a:effectStyle>
+          <a:effectLst/>
+        </a:effectStyle>
+        <a:effectStyle>
+          <a:effectLst>
+            <a:outerShdw blurRad="57150" dist="19050" dir="5400000" algn="ctr" rotWithShape="0">
+              <a:srgbClr val="000000">
+                <a:alpha val="63000"/>
+              </a:srgbClr>
+            </a:outerShdw>
+          </a:effectLst>
+        </a:effectStyle>
+      </a:effectStyleLst>
+      <a:bgFillStyleLst>
+        <a:solidFill>
+          <a:schemeClr val="phClr"/>
+        </a:solidFill>
+        <a:solidFill>
+          <a:schemeClr val="phClr">
+            <a:tint val="95000"/>
+            <a:satMod val="170000"/>
+          </a:schemeClr>
+        </a:solidFill>
+        <a:gradFill rotWithShape="1">
+          <a:gsLst>
+            <a:gs pos="0">
+              <a:schemeClr val="phClr">
+                <a:tint val="93000"/>
+                <a:satMod val="150000"/>
+                <a:shade val="98000"/>
+                <a:lumMod val="102000"/>
+              </a:schemeClr>
+            </a:gs>
+            <a:gs pos="50000">
+              <a:schemeClr val="phClr">
+                <a:tint val="98000"/>
+                <a:satMod val="130000"/>
+                <a:shade val="90000"/>
+                <a:lumMod val="103000"/>
+              </a:schemeClr>
+            </a:gs>
+            <a:gs pos="100000">
+              <a:schemeClr val="phClr">
+                <a:shade val="63000"/>
+                <a:satMod val="120000"/>
+              </a:schemeClr>
+            </a:gs>
+          </a:gsLst>
+          <a:lin ang="5400000" scaled="0"/>
+        </a:gradFill>
+      </a:bgFillStyleLst>
+    </a:fmtScheme>
+  </a:themeElements>
+  <a:objectDefaults/>
+  <a:extraClrSchemeLst/>
+  <a:extLst>
+    <a:ext uri="{05A4C25C-085E-4340-85A3-A5531E510DB2}">
+      <thm15:themeFamily xmlns:thm15="http://schemas.microsoft.com/office/thememl/2012/main" name="Office Theme" id="{62F939B6-93AF-4DB8-9C6B-D6C7DFDC589F}" vid="{4A3C46E8-61CC-4603-A589-7422A47A8E4A}"/>
+    </a:ext>
+  </a:extLst>
+</a:theme>
 </file>
--- a/project_presentation.pptx
+++ b/project_presentation.pptx
@@ -2,8 +2,11 @@
 <file path=ppt/presentation.xml><?xml version="1.0" encoding="utf-8"?>
 <p:presentation xmlns:a="http://schemas.openxmlformats.org/drawingml/2006/main" xmlns:r="http://schemas.openxmlformats.org/officeDocument/2006/relationships" xmlns:p="http://schemas.openxmlformats.org/presentationml/2006/main" saveSubsetFonts="1">
   <p:sldMasterIdLst>
-    <p:sldMasterId id="2147483648" r:id="rId1"/>
+    <p:sldMasterId id="2147483739" r:id="rId1"/>
   </p:sldMasterIdLst>
+  <p:notesMasterIdLst>
+    <p:notesMasterId r:id="rId19"/>
+  </p:notesMasterIdLst>
   <p:sldIdLst>
     <p:sldId id="256" r:id="rId2"/>
     <p:sldId id="257" r:id="rId3"/>
@@ -29,7 +32,7 @@
     <a:defPPr>
       <a:defRPr lang="en-US"/>
     </a:defPPr>
-    <a:lvl1pPr marL="0" algn="l" defTabSz="914400" rtl="0" eaLnBrk="1" latinLnBrk="0" hangingPunct="1">
+    <a:lvl1pPr marL="0" algn="l" defTabSz="457200" rtl="0" eaLnBrk="1" latinLnBrk="0" hangingPunct="1">
       <a:defRPr sz="1800" kern="1200">
         <a:solidFill>
           <a:schemeClr val="tx1"/>
@@ -39,7 +42,7 @@
         <a:cs typeface="+mn-cs"/>
       </a:defRPr>
     </a:lvl1pPr>
-    <a:lvl2pPr marL="457200" algn="l" defTabSz="914400" rtl="0" eaLnBrk="1" latinLnBrk="0" hangingPunct="1">
+    <a:lvl2pPr marL="457200" algn="l" defTabSz="457200" rtl="0" eaLnBrk="1" latinLnBrk="0" hangingPunct="1">
       <a:defRPr sz="1800" kern="1200">
         <a:solidFill>
           <a:schemeClr val="tx1"/>
@@ -49,7 +52,7 @@
         <a:cs typeface="+mn-cs"/>
       </a:defRPr>
     </a:lvl2pPr>
-    <a:lvl3pPr marL="914400" algn="l" defTabSz="914400" rtl="0" eaLnBrk="1" latinLnBrk="0" hangingPunct="1">
+    <a:lvl3pPr marL="914400" algn="l" defTabSz="457200" rtl="0" eaLnBrk="1" latinLnBrk="0" hangingPunct="1">
       <a:defRPr sz="1800" kern="1200">
         <a:solidFill>
           <a:schemeClr val="tx1"/>
@@ -59,7 +62,7 @@
         <a:cs typeface="+mn-cs"/>
       </a:defRPr>
     </a:lvl3pPr>
-    <a:lvl4pPr marL="1371600" algn="l" defTabSz="914400" rtl="0" eaLnBrk="1" latinLnBrk="0" hangingPunct="1">
+    <a:lvl4pPr marL="1371600" algn="l" defTabSz="457200" rtl="0" eaLnBrk="1" latinLnBrk="0" hangingPunct="1">
       <a:defRPr sz="1800" kern="1200">
         <a:solidFill>
           <a:schemeClr val="tx1"/>
@@ -69,7 +72,7 @@
         <a:cs typeface="+mn-cs"/>
       </a:defRPr>
     </a:lvl4pPr>
-    <a:lvl5pPr marL="1828800" algn="l" defTabSz="914400" rtl="0" eaLnBrk="1" latinLnBrk="0" hangingPunct="1">
+    <a:lvl5pPr marL="1828800" algn="l" defTabSz="457200" rtl="0" eaLnBrk="1" latinLnBrk="0" hangingPunct="1">
       <a:defRPr sz="1800" kern="1200">
         <a:solidFill>
           <a:schemeClr val="tx1"/>
@@ -79,7 +82,7 @@
         <a:cs typeface="+mn-cs"/>
       </a:defRPr>
     </a:lvl5pPr>
-    <a:lvl6pPr marL="2286000" algn="l" defTabSz="914400" rtl="0" eaLnBrk="1" latinLnBrk="0" hangingPunct="1">
+    <a:lvl6pPr marL="2286000" algn="l" defTabSz="457200" rtl="0" eaLnBrk="1" latinLnBrk="0" hangingPunct="1">
       <a:defRPr sz="1800" kern="1200">
         <a:solidFill>
           <a:schemeClr val="tx1"/>
@@ -89,7 +92,7 @@
         <a:cs typeface="+mn-cs"/>
       </a:defRPr>
     </a:lvl6pPr>
-    <a:lvl7pPr marL="2743200" algn="l" defTabSz="914400" rtl="0" eaLnBrk="1" latinLnBrk="0" hangingPunct="1">
+    <a:lvl7pPr marL="2743200" algn="l" defTabSz="457200" rtl="0" eaLnBrk="1" latinLnBrk="0" hangingPunct="1">
       <a:defRPr sz="1800" kern="1200">
         <a:solidFill>
           <a:schemeClr val="tx1"/>
@@ -99,7 +102,7 @@
         <a:cs typeface="+mn-cs"/>
       </a:defRPr>
     </a:lvl7pPr>
-    <a:lvl8pPr marL="3200400" algn="l" defTabSz="914400" rtl="0" eaLnBrk="1" latinLnBrk="0" hangingPunct="1">
+    <a:lvl8pPr marL="3200400" algn="l" defTabSz="457200" rtl="0" eaLnBrk="1" latinLnBrk="0" hangingPunct="1">
       <a:defRPr sz="1800" kern="1200">
         <a:solidFill>
           <a:schemeClr val="tx1"/>
@@ -109,7 +112,7 @@
         <a:cs typeface="+mn-cs"/>
       </a:defRPr>
     </a:lvl8pPr>
-    <a:lvl9pPr marL="3657600" algn="l" defTabSz="914400" rtl="0" eaLnBrk="1" latinLnBrk="0" hangingPunct="1">
+    <a:lvl9pPr marL="3657600" algn="l" defTabSz="457200" rtl="0" eaLnBrk="1" latinLnBrk="0" hangingPunct="1">
       <a:defRPr sz="1800" kern="1200">
         <a:solidFill>
           <a:schemeClr val="tx1"/>
@@ -128,9 +131,4917 @@
 </p:presentation>
 </file>
 
-<file path=ppt/slideLayouts/slideLayout1.xml><?xml version="1.0" encoding="utf-8"?>
-<p:sldLayout xmlns:a="http://schemas.openxmlformats.org/drawingml/2006/main" xmlns:r="http://schemas.openxmlformats.org/officeDocument/2006/relationships" xmlns:p="http://schemas.openxmlformats.org/presentationml/2006/main" type="title" preserve="1">
-  <p:cSld name="Diapositiva titolo">
+<file path=ppt/diagrams/colors1.xml><?xml version="1.0" encoding="utf-8"?>
+<dgm:colorsDef xmlns:dgm="http://schemas.openxmlformats.org/drawingml/2006/diagram" xmlns:a="http://schemas.openxmlformats.org/drawingml/2006/main" uniqueId="urn:microsoft.com/office/officeart/2005/8/colors/colorful1">
+  <dgm:title val=""/>
+  <dgm:desc val=""/>
+  <dgm:catLst>
+    <dgm:cat type="colorful" pri="10100"/>
+  </dgm:catLst>
+  <dgm:styleLbl name="node0">
+    <dgm:fillClrLst meth="repeat">
+      <a:schemeClr val="accent1"/>
+    </dgm:fillClrLst>
+    <dgm:linClrLst meth="repeat">
+      <a:schemeClr val="lt1"/>
+    </dgm:linClrLst>
+    <dgm:effectClrLst/>
+    <dgm:txLinClrLst/>
+    <dgm:txFillClrLst/>
+    <dgm:txEffectClrLst/>
+  </dgm:styleLbl>
+  <dgm:styleLbl name="node1">
+    <dgm:fillClrLst meth="repeat">
+      <a:schemeClr val="accent2"/>
+      <a:schemeClr val="accent3"/>
+      <a:schemeClr val="accent4"/>
+      <a:schemeClr val="accent5"/>
+      <a:schemeClr val="accent6"/>
+    </dgm:fillClrLst>
+    <dgm:linClrLst meth="repeat">
+      <a:schemeClr val="lt1"/>
+    </dgm:linClrLst>
+    <dgm:effectClrLst/>
+    <dgm:txLinClrLst/>
+    <dgm:txFillClrLst/>
+    <dgm:txEffectClrLst/>
+  </dgm:styleLbl>
+  <dgm:styleLbl name="alignNode1">
+    <dgm:fillClrLst meth="repeat">
+      <a:schemeClr val="accent2"/>
+      <a:schemeClr val="accent3"/>
+      <a:schemeClr val="accent4"/>
+      <a:schemeClr val="accent5"/>
+      <a:schemeClr val="accent6"/>
+    </dgm:fillClrLst>
+    <dgm:linClrLst meth="repeat">
+      <a:schemeClr val="accent2"/>
+      <a:schemeClr val="accent3"/>
+      <a:schemeClr val="accent4"/>
+      <a:schemeClr val="accent5"/>
+      <a:schemeClr val="accent6"/>
+    </dgm:linClrLst>
+    <dgm:effectClrLst/>
+    <dgm:txLinClrLst/>
+    <dgm:txFillClrLst/>
+    <dgm:txEffectClrLst/>
+  </dgm:styleLbl>
+  <dgm:styleLbl name="lnNode1">
+    <dgm:fillClrLst meth="repeat">
+      <a:schemeClr val="accent2"/>
+      <a:schemeClr val="accent3"/>
+      <a:schemeClr val="accent4"/>
+      <a:schemeClr val="accent5"/>
+      <a:schemeClr val="accent6"/>
+    </dgm:fillClrLst>
+    <dgm:linClrLst meth="repeat">
+      <a:schemeClr val="lt1"/>
+    </dgm:linClrLst>
+    <dgm:effectClrLst/>
+    <dgm:txLinClrLst/>
+    <dgm:txFillClrLst/>
+    <dgm:txEffectClrLst/>
+  </dgm:styleLbl>
+  <dgm:styleLbl name="vennNode1">
+    <dgm:fillClrLst meth="repeat">
+      <a:schemeClr val="accent2">
+        <a:alpha val="50000"/>
+      </a:schemeClr>
+      <a:schemeClr val="accent3">
+        <a:alpha val="50000"/>
+      </a:schemeClr>
+      <a:schemeClr val="accent4">
+        <a:alpha val="50000"/>
+      </a:schemeClr>
+      <a:schemeClr val="accent5">
+        <a:alpha val="50000"/>
+      </a:schemeClr>
+      <a:schemeClr val="accent6">
+        <a:alpha val="50000"/>
+      </a:schemeClr>
+    </dgm:fillClrLst>
+    <dgm:linClrLst meth="repeat">
+      <a:schemeClr val="lt1"/>
+    </dgm:linClrLst>
+    <dgm:effectClrLst/>
+    <dgm:txLinClrLst/>
+    <dgm:txFillClrLst/>
+    <dgm:txEffectClrLst/>
+  </dgm:styleLbl>
+  <dgm:styleLbl name="node2">
+    <dgm:fillClrLst>
+      <a:schemeClr val="accent2"/>
+    </dgm:fillClrLst>
+    <dgm:linClrLst meth="repeat">
+      <a:schemeClr val="lt1"/>
+    </dgm:linClrLst>
+    <dgm:effectClrLst/>
+    <dgm:txLinClrLst/>
+    <dgm:txFillClrLst/>
+    <dgm:txEffectClrLst/>
+  </dgm:styleLbl>
+  <dgm:styleLbl name="node3">
+    <dgm:fillClrLst>
+      <a:schemeClr val="accent3"/>
+    </dgm:fillClrLst>
+    <dgm:linClrLst meth="repeat">
+      <a:schemeClr val="lt1"/>
+    </dgm:linClrLst>
+    <dgm:effectClrLst/>
+    <dgm:txLinClrLst/>
+    <dgm:txFillClrLst/>
+    <dgm:txEffectClrLst/>
+  </dgm:styleLbl>
+  <dgm:styleLbl name="node4">
+    <dgm:fillClrLst>
+      <a:schemeClr val="accent4"/>
+    </dgm:fillClrLst>
+    <dgm:linClrLst meth="repeat">
+      <a:schemeClr val="lt1"/>
+    </dgm:linClrLst>
+    <dgm:effectClrLst/>
+    <dgm:txLinClrLst/>
+    <dgm:txFillClrLst/>
+    <dgm:txEffectClrLst/>
+  </dgm:styleLbl>
+  <dgm:styleLbl name="fgImgPlace1">
+    <dgm:fillClrLst meth="repeat">
+      <a:schemeClr val="accent2">
+        <a:tint val="50000"/>
+      </a:schemeClr>
+      <a:schemeClr val="accent3">
+        <a:tint val="50000"/>
+      </a:schemeClr>
+      <a:schemeClr val="accent4">
+        <a:tint val="50000"/>
+      </a:schemeClr>
+      <a:schemeClr val="accent5">
+        <a:tint val="50000"/>
+      </a:schemeClr>
+      <a:schemeClr val="accent6">
+        <a:tint val="50000"/>
+      </a:schemeClr>
+    </dgm:fillClrLst>
+    <dgm:linClrLst meth="repeat">
+      <a:schemeClr val="lt1"/>
+    </dgm:linClrLst>
+    <dgm:effectClrLst/>
+    <dgm:txLinClrLst/>
+    <dgm:txFillClrLst meth="repeat">
+      <a:schemeClr val="lt1"/>
+    </dgm:txFillClrLst>
+    <dgm:txEffectClrLst/>
+  </dgm:styleLbl>
+  <dgm:styleLbl name="alignImgPlace1">
+    <dgm:fillClrLst>
+      <a:schemeClr val="accent1">
+        <a:tint val="50000"/>
+      </a:schemeClr>
+      <a:schemeClr val="accent2">
+        <a:tint val="20000"/>
+      </a:schemeClr>
+    </dgm:fillClrLst>
+    <dgm:linClrLst meth="repeat">
+      <a:schemeClr val="lt1"/>
+    </dgm:linClrLst>
+    <dgm:effectClrLst/>
+    <dgm:txLinClrLst/>
+    <dgm:txFillClrLst meth="repeat">
+      <a:schemeClr val="lt1"/>
+    </dgm:txFillClrLst>
+    <dgm:txEffectClrLst/>
+  </dgm:styleLbl>
+  <dgm:styleLbl name="bgImgPlace1">
+    <dgm:fillClrLst>
+      <a:schemeClr val="accent1">
+        <a:tint val="50000"/>
+      </a:schemeClr>
+      <a:schemeClr val="accent2">
+        <a:tint val="20000"/>
+      </a:schemeClr>
+    </dgm:fillClrLst>
+    <dgm:linClrLst meth="repeat">
+      <a:schemeClr val="lt1"/>
+    </dgm:linClrLst>
+    <dgm:effectClrLst/>
+    <dgm:txLinClrLst/>
+    <dgm:txFillClrLst meth="repeat">
+      <a:schemeClr val="lt1"/>
+    </dgm:txFillClrLst>
+    <dgm:txEffectClrLst/>
+  </dgm:styleLbl>
+  <dgm:styleLbl name="sibTrans2D1">
+    <dgm:fillClrLst meth="repeat">
+      <a:schemeClr val="accent2"/>
+      <a:schemeClr val="accent3"/>
+      <a:schemeClr val="accent4"/>
+      <a:schemeClr val="accent5"/>
+      <a:schemeClr val="accent6"/>
+    </dgm:fillClrLst>
+    <dgm:linClrLst meth="cycle">
+      <a:schemeClr val="lt1"/>
+    </dgm:linClrLst>
+    <dgm:effectClrLst/>
+    <dgm:txLinClrLst/>
+    <dgm:txFillClrLst/>
+    <dgm:txEffectClrLst/>
+  </dgm:styleLbl>
+  <dgm:styleLbl name="fgSibTrans2D1">
+    <dgm:fillClrLst meth="repeat">
+      <a:schemeClr val="accent2"/>
+      <a:schemeClr val="accent3"/>
+      <a:schemeClr val="accent4"/>
+      <a:schemeClr val="accent5"/>
+      <a:schemeClr val="accent6"/>
+    </dgm:fillClrLst>
+    <dgm:linClrLst meth="cycle">
+      <a:schemeClr val="lt1"/>
+    </dgm:linClrLst>
+    <dgm:effectClrLst/>
+    <dgm:txLinClrLst/>
+    <dgm:txFillClrLst meth="repeat">
+      <a:schemeClr val="lt1"/>
+    </dgm:txFillClrLst>
+    <dgm:txEffectClrLst/>
+  </dgm:styleLbl>
+  <dgm:styleLbl name="bgSibTrans2D1">
+    <dgm:fillClrLst meth="repeat">
+      <a:schemeClr val="accent2"/>
+      <a:schemeClr val="accent3"/>
+      <a:schemeClr val="accent4"/>
+      <a:schemeClr val="accent5"/>
+      <a:schemeClr val="accent6"/>
+    </dgm:fillClrLst>
+    <dgm:linClrLst meth="cycle">
+      <a:schemeClr val="lt1"/>
+    </dgm:linClrLst>
+    <dgm:effectClrLst/>
+    <dgm:txLinClrLst/>
+    <dgm:txFillClrLst meth="repeat">
+      <a:schemeClr val="lt1"/>
+    </dgm:txFillClrLst>
+    <dgm:txEffectClrLst/>
+  </dgm:styleLbl>
+  <dgm:styleLbl name="sibTrans1D1">
+    <dgm:fillClrLst meth="repeat">
+      <a:schemeClr val="accent2"/>
+      <a:schemeClr val="accent3"/>
+      <a:schemeClr val="accent4"/>
+      <a:schemeClr val="accent5"/>
+      <a:schemeClr val="accent6"/>
+    </dgm:fillClrLst>
+    <dgm:linClrLst meth="repeat">
+      <a:schemeClr val="accent2"/>
+      <a:schemeClr val="accent3"/>
+      <a:schemeClr val="accent4"/>
+      <a:schemeClr val="accent5"/>
+      <a:schemeClr val="accent6"/>
+    </dgm:linClrLst>
+    <dgm:effectClrLst/>
+    <dgm:txLinClrLst/>
+    <dgm:txFillClrLst meth="repeat">
+      <a:schemeClr val="tx1"/>
+    </dgm:txFillClrLst>
+    <dgm:txEffectClrLst/>
+  </dgm:styleLbl>
+  <dgm:styleLbl name="callout">
+    <dgm:fillClrLst meth="repeat">
+      <a:schemeClr val="accent2"/>
+    </dgm:fillClrLst>
+    <dgm:linClrLst meth="repeat">
+      <a:schemeClr val="accent2">
+        <a:tint val="50000"/>
+      </a:schemeClr>
+    </dgm:linClrLst>
+    <dgm:effectClrLst/>
+    <dgm:txLinClrLst/>
+    <dgm:txFillClrLst meth="repeat">
+      <a:schemeClr val="tx1"/>
+    </dgm:txFillClrLst>
+    <dgm:txEffectClrLst/>
+  </dgm:styleLbl>
+  <dgm:styleLbl name="asst0">
+    <dgm:fillClrLst meth="repeat">
+      <a:schemeClr val="accent1"/>
+    </dgm:fillClrLst>
+    <dgm:linClrLst meth="repeat">
+      <a:schemeClr val="lt1"/>
+    </dgm:linClrLst>
+    <dgm:effectClrLst/>
+    <dgm:txLinClrLst/>
+    <dgm:txFillClrLst/>
+    <dgm:txEffectClrLst/>
+  </dgm:styleLbl>
+  <dgm:styleLbl name="asst1">
+    <dgm:fillClrLst meth="repeat">
+      <a:schemeClr val="accent2"/>
+    </dgm:fillClrLst>
+    <dgm:linClrLst meth="repeat">
+      <a:schemeClr val="lt1"/>
+    </dgm:linClrLst>
+    <dgm:effectClrLst/>
+    <dgm:txLinClrLst/>
+    <dgm:txFillClrLst/>
+    <dgm:txEffectClrLst/>
+  </dgm:styleLbl>
+  <dgm:styleLbl name="asst2">
+    <dgm:fillClrLst>
+      <a:schemeClr val="accent3"/>
+    </dgm:fillClrLst>
+    <dgm:linClrLst meth="repeat">
+      <a:schemeClr val="lt1"/>
+    </dgm:linClrLst>
+    <dgm:effectClrLst/>
+    <dgm:txLinClrLst/>
+    <dgm:txFillClrLst/>
+    <dgm:txEffectClrLst/>
+  </dgm:styleLbl>
+  <dgm:styleLbl name="asst3">
+    <dgm:fillClrLst>
+      <a:schemeClr val="accent4"/>
+    </dgm:fillClrLst>
+    <dgm:linClrLst meth="repeat">
+      <a:schemeClr val="lt1"/>
+    </dgm:linClrLst>
+    <dgm:effectClrLst/>
+    <dgm:txLinClrLst/>
+    <dgm:txFillClrLst/>
+    <dgm:txEffectClrLst/>
+  </dgm:styleLbl>
+  <dgm:styleLbl name="asst4">
+    <dgm:fillClrLst>
+      <a:schemeClr val="accent5"/>
+    </dgm:fillClrLst>
+    <dgm:linClrLst meth="repeat">
+      <a:schemeClr val="lt1"/>
+    </dgm:linClrLst>
+    <dgm:effectClrLst/>
+    <dgm:txLinClrLst/>
+    <dgm:txFillClrLst/>
+    <dgm:txEffectClrLst/>
+  </dgm:styleLbl>
+  <dgm:styleLbl name="parChTrans2D1">
+    <dgm:fillClrLst meth="repeat">
+      <a:schemeClr val="accent2"/>
+    </dgm:fillClrLst>
+    <dgm:linClrLst meth="repeat">
+      <a:schemeClr val="lt1"/>
+    </dgm:linClrLst>
+    <dgm:effectClrLst/>
+    <dgm:txLinClrLst/>
+    <dgm:txFillClrLst meth="repeat">
+      <a:schemeClr val="lt1"/>
+    </dgm:txFillClrLst>
+    <dgm:txEffectClrLst/>
+  </dgm:styleLbl>
+  <dgm:styleLbl name="parChTrans2D2">
+    <dgm:fillClrLst meth="repeat">
+      <a:schemeClr val="accent3"/>
+    </dgm:fillClrLst>
+    <dgm:linClrLst meth="repeat">
+      <a:schemeClr val="lt1"/>
+    </dgm:linClrLst>
+    <dgm:effectClrLst/>
+    <dgm:txLinClrLst/>
+    <dgm:txFillClrLst/>
+    <dgm:txEffectClrLst/>
+  </dgm:styleLbl>
+  <dgm:styleLbl name="parChTrans2D3">
+    <dgm:fillClrLst meth="repeat">
+      <a:schemeClr val="accent4"/>
+    </dgm:fillClrLst>
+    <dgm:linClrLst meth="repeat">
+      <a:schemeClr val="lt1"/>
+    </dgm:linClrLst>
+    <dgm:effectClrLst/>
+    <dgm:txLinClrLst/>
+    <dgm:txFillClrLst/>
+    <dgm:txEffectClrLst/>
+  </dgm:styleLbl>
+  <dgm:styleLbl name="parChTrans2D4">
+    <dgm:fillClrLst meth="repeat">
+      <a:schemeClr val="accent5"/>
+    </dgm:fillClrLst>
+    <dgm:linClrLst meth="repeat">
+      <a:schemeClr val="lt1"/>
+    </dgm:linClrLst>
+    <dgm:effectClrLst/>
+    <dgm:txLinClrLst/>
+    <dgm:txFillClrLst meth="repeat">
+      <a:schemeClr val="lt1"/>
+    </dgm:txFillClrLst>
+    <dgm:txEffectClrLst/>
+  </dgm:styleLbl>
+  <dgm:styleLbl name="parChTrans1D1">
+    <dgm:fillClrLst meth="repeat">
+      <a:schemeClr val="accent2"/>
+    </dgm:fillClrLst>
+    <dgm:linClrLst meth="repeat">
+      <a:schemeClr val="accent1"/>
+    </dgm:linClrLst>
+    <dgm:effectClrLst/>
+    <dgm:txLinClrLst/>
+    <dgm:txFillClrLst meth="repeat">
+      <a:schemeClr val="tx1"/>
+    </dgm:txFillClrLst>
+    <dgm:txEffectClrLst/>
+  </dgm:styleLbl>
+  <dgm:styleLbl name="parChTrans1D2">
+    <dgm:fillClrLst meth="repeat">
+      <a:schemeClr val="accent3">
+        <a:tint val="90000"/>
+      </a:schemeClr>
+    </dgm:fillClrLst>
+    <dgm:linClrLst meth="repeat">
+      <a:schemeClr val="accent2"/>
+    </dgm:linClrLst>
+    <dgm:effectClrLst/>
+    <dgm:txLinClrLst/>
+    <dgm:txFillClrLst meth="repeat">
+      <a:schemeClr val="tx1"/>
+    </dgm:txFillClrLst>
+    <dgm:txEffectClrLst/>
+  </dgm:styleLbl>
+  <dgm:styleLbl name="parChTrans1D3">
+    <dgm:fillClrLst meth="repeat">
+      <a:schemeClr val="accent4">
+        <a:tint val="70000"/>
+      </a:schemeClr>
+    </dgm:fillClrLst>
+    <dgm:linClrLst meth="repeat">
+      <a:schemeClr val="accent3"/>
+    </dgm:linClrLst>
+    <dgm:effectClrLst/>
+    <dgm:txLinClrLst/>
+    <dgm:txFillClrLst meth="repeat">
+      <a:schemeClr val="tx1"/>
+    </dgm:txFillClrLst>
+    <dgm:txEffectClrLst/>
+  </dgm:styleLbl>
+  <dgm:styleLbl name="parChTrans1D4">
+    <dgm:fillClrLst meth="repeat">
+      <a:schemeClr val="accent5">
+        <a:tint val="50000"/>
+      </a:schemeClr>
+    </dgm:fillClrLst>
+    <dgm:linClrLst meth="repeat">
+      <a:schemeClr val="accent4"/>
+    </dgm:linClrLst>
+    <dgm:effectClrLst/>
+    <dgm:txLinClrLst/>
+    <dgm:txFillClrLst meth="repeat">
+      <a:schemeClr val="tx1"/>
+    </dgm:txFillClrLst>
+    <dgm:txEffectClrLst/>
+  </dgm:styleLbl>
+  <dgm:styleLbl name="fgAcc1">
+    <dgm:fillClrLst meth="repeat">
+      <a:schemeClr val="lt1">
+        <a:alpha val="90000"/>
+      </a:schemeClr>
+    </dgm:fillClrLst>
+    <dgm:linClrLst meth="repeat">
+      <a:schemeClr val="accent2"/>
+      <a:schemeClr val="accent3"/>
+      <a:schemeClr val="accent4"/>
+      <a:schemeClr val="accent5"/>
+      <a:schemeClr val="accent6"/>
+    </dgm:linClrLst>
+    <dgm:effectClrLst/>
+    <dgm:txLinClrLst/>
+    <dgm:txFillClrLst meth="repeat">
+      <a:schemeClr val="dk1"/>
+    </dgm:txFillClrLst>
+    <dgm:txEffectClrLst/>
+  </dgm:styleLbl>
+  <dgm:styleLbl name="conFgAcc1">
+    <dgm:fillClrLst meth="repeat">
+      <a:schemeClr val="lt1">
+        <a:alpha val="90000"/>
+      </a:schemeClr>
+    </dgm:fillClrLst>
+    <dgm:linClrLst meth="repeat">
+      <a:schemeClr val="accent2"/>
+      <a:schemeClr val="accent3"/>
+      <a:schemeClr val="accent4"/>
+      <a:schemeClr val="accent5"/>
+      <a:schemeClr val="accent6"/>
+    </dgm:linClrLst>
+    <dgm:effectClrLst/>
+    <dgm:txLinClrLst/>
+    <dgm:txFillClrLst meth="repeat">
+      <a:schemeClr val="dk1"/>
+    </dgm:txFillClrLst>
+    <dgm:txEffectClrLst/>
+  </dgm:styleLbl>
+  <dgm:styleLbl name="alignAcc1">
+    <dgm:fillClrLst meth="repeat">
+      <a:schemeClr val="lt1">
+        <a:alpha val="90000"/>
+      </a:schemeClr>
+    </dgm:fillClrLst>
+    <dgm:linClrLst meth="repeat">
+      <a:schemeClr val="accent2"/>
+      <a:schemeClr val="accent3"/>
+      <a:schemeClr val="accent4"/>
+      <a:schemeClr val="accent5"/>
+      <a:schemeClr val="accent6"/>
+    </dgm:linClrLst>
+    <dgm:effectClrLst/>
+    <dgm:txLinClrLst/>
+    <dgm:txFillClrLst meth="repeat">
+      <a:schemeClr val="dk1"/>
+    </dgm:txFillClrLst>
+    <dgm:txEffectClrLst/>
+  </dgm:styleLbl>
+  <dgm:styleLbl name="trAlignAcc1">
+    <dgm:fillClrLst meth="repeat">
+      <a:schemeClr val="lt1">
+        <a:alpha val="40000"/>
+      </a:schemeClr>
+    </dgm:fillClrLst>
+    <dgm:linClrLst meth="repeat">
+      <a:schemeClr val="accent1"/>
+    </dgm:linClrLst>
+    <dgm:effectClrLst/>
+    <dgm:txLinClrLst/>
+    <dgm:txFillClrLst meth="repeat">
+      <a:schemeClr val="dk1"/>
+    </dgm:txFillClrLst>
+    <dgm:txEffectClrLst/>
+  </dgm:styleLbl>
+  <dgm:styleLbl name="bgAcc1">
+    <dgm:fillClrLst meth="repeat">
+      <a:schemeClr val="lt1">
+        <a:alpha val="90000"/>
+      </a:schemeClr>
+    </dgm:fillClrLst>
+    <dgm:linClrLst meth="repeat">
+      <a:schemeClr val="accent2"/>
+      <a:schemeClr val="accent3"/>
+      <a:schemeClr val="accent4"/>
+      <a:schemeClr val="accent5"/>
+      <a:schemeClr val="accent6"/>
+    </dgm:linClrLst>
+    <dgm:effectClrLst/>
+    <dgm:txLinClrLst/>
+    <dgm:txFillClrLst meth="repeat">
+      <a:schemeClr val="dk1"/>
+    </dgm:txFillClrLst>
+    <dgm:txEffectClrLst/>
+  </dgm:styleLbl>
+  <dgm:styleLbl name="solidFgAcc1">
+    <dgm:fillClrLst meth="repeat">
+      <a:schemeClr val="lt1"/>
+    </dgm:fillClrLst>
+    <dgm:linClrLst meth="repeat">
+      <a:schemeClr val="accent2"/>
+      <a:schemeClr val="accent3"/>
+      <a:schemeClr val="accent4"/>
+      <a:schemeClr val="accent5"/>
+      <a:schemeClr val="accent6"/>
+    </dgm:linClrLst>
+    <dgm:effectClrLst/>
+    <dgm:txLinClrLst/>
+    <dgm:txFillClrLst meth="repeat">
+      <a:schemeClr val="dk1"/>
+    </dgm:txFillClrLst>
+    <dgm:txEffectClrLst/>
+  </dgm:styleLbl>
+  <dgm:styleLbl name="solidAlignAcc1">
+    <dgm:fillClrLst meth="repeat">
+      <a:schemeClr val="lt1"/>
+    </dgm:fillClrLst>
+    <dgm:linClrLst meth="repeat">
+      <a:schemeClr val="accent2"/>
+      <a:schemeClr val="accent3"/>
+      <a:schemeClr val="accent4"/>
+      <a:schemeClr val="accent5"/>
+      <a:schemeClr val="accent6"/>
+    </dgm:linClrLst>
+    <dgm:effectClrLst/>
+    <dgm:txLinClrLst/>
+    <dgm:txFillClrLst meth="repeat">
+      <a:schemeClr val="dk1"/>
+    </dgm:txFillClrLst>
+    <dgm:txEffectClrLst/>
+  </dgm:styleLbl>
+  <dgm:styleLbl name="solidBgAcc1">
+    <dgm:fillClrLst meth="repeat">
+      <a:schemeClr val="lt1"/>
+    </dgm:fillClrLst>
+    <dgm:linClrLst meth="repeat">
+      <a:schemeClr val="accent2"/>
+      <a:schemeClr val="accent3"/>
+      <a:schemeClr val="accent4"/>
+      <a:schemeClr val="accent5"/>
+      <a:schemeClr val="accent6"/>
+    </dgm:linClrLst>
+    <dgm:effectClrLst/>
+    <dgm:txLinClrLst/>
+    <dgm:txFillClrLst meth="repeat">
+      <a:schemeClr val="dk1"/>
+    </dgm:txFillClrLst>
+    <dgm:txEffectClrLst/>
+  </dgm:styleLbl>
+  <dgm:styleLbl name="fgAccFollowNode1">
+    <dgm:fillClrLst meth="repeat">
+      <a:schemeClr val="accent2">
+        <a:tint val="40000"/>
+        <a:alpha val="90000"/>
+      </a:schemeClr>
+      <a:schemeClr val="accent3">
+        <a:tint val="40000"/>
+        <a:alpha val="90000"/>
+      </a:schemeClr>
+      <a:schemeClr val="accent4">
+        <a:tint val="40000"/>
+        <a:alpha val="90000"/>
+      </a:schemeClr>
+      <a:schemeClr val="accent5">
+        <a:tint val="40000"/>
+        <a:alpha val="90000"/>
+      </a:schemeClr>
+      <a:schemeClr val="accent6">
+        <a:tint val="40000"/>
+        <a:alpha val="90000"/>
+      </a:schemeClr>
+    </dgm:fillClrLst>
+    <dgm:linClrLst meth="repeat">
+      <a:schemeClr val="accent2">
+        <a:tint val="40000"/>
+        <a:alpha val="90000"/>
+      </a:schemeClr>
+      <a:schemeClr val="accent3">
+        <a:tint val="40000"/>
+        <a:alpha val="90000"/>
+      </a:schemeClr>
+      <a:schemeClr val="accent4">
+        <a:tint val="40000"/>
+        <a:alpha val="90000"/>
+      </a:schemeClr>
+      <a:schemeClr val="accent5">
+        <a:tint val="40000"/>
+        <a:alpha val="90000"/>
+      </a:schemeClr>
+      <a:schemeClr val="accent6">
+        <a:tint val="40000"/>
+        <a:alpha val="90000"/>
+      </a:schemeClr>
+    </dgm:linClrLst>
+    <dgm:effectClrLst/>
+    <dgm:txLinClrLst/>
+    <dgm:txFillClrLst meth="repeat">
+      <a:schemeClr val="dk1"/>
+    </dgm:txFillClrLst>
+    <dgm:txEffectClrLst/>
+  </dgm:styleLbl>
+  <dgm:styleLbl name="alignAccFollowNode1">
+    <dgm:fillClrLst meth="repeat">
+      <a:schemeClr val="accent2">
+        <a:tint val="40000"/>
+        <a:alpha val="90000"/>
+      </a:schemeClr>
+      <a:schemeClr val="accent3">
+        <a:tint val="40000"/>
+        <a:alpha val="90000"/>
+      </a:schemeClr>
+      <a:schemeClr val="accent4">
+        <a:tint val="40000"/>
+        <a:alpha val="90000"/>
+      </a:schemeClr>
+      <a:schemeClr val="accent5">
+        <a:tint val="40000"/>
+        <a:alpha val="90000"/>
+      </a:schemeClr>
+      <a:schemeClr val="accent6">
+        <a:tint val="40000"/>
+        <a:alpha val="90000"/>
+      </a:schemeClr>
+    </dgm:fillClrLst>
+    <dgm:linClrLst meth="repeat">
+      <a:schemeClr val="accent2">
+        <a:tint val="40000"/>
+        <a:alpha val="90000"/>
+      </a:schemeClr>
+      <a:schemeClr val="accent3">
+        <a:tint val="40000"/>
+        <a:alpha val="90000"/>
+      </a:schemeClr>
+      <a:schemeClr val="accent4">
+        <a:tint val="40000"/>
+        <a:alpha val="90000"/>
+      </a:schemeClr>
+      <a:schemeClr val="accent5">
+        <a:tint val="40000"/>
+        <a:alpha val="90000"/>
+      </a:schemeClr>
+      <a:schemeClr val="accent6">
+        <a:tint val="40000"/>
+        <a:alpha val="90000"/>
+      </a:schemeClr>
+    </dgm:linClrLst>
+    <dgm:effectClrLst/>
+    <dgm:txLinClrLst/>
+    <dgm:txFillClrLst meth="repeat">
+      <a:schemeClr val="dk1"/>
+    </dgm:txFillClrLst>
+    <dgm:txEffectClrLst/>
+  </dgm:styleLbl>
+  <dgm:styleLbl name="bgAccFollowNode1">
+    <dgm:fillClrLst meth="repeat">
+      <a:schemeClr val="accent2">
+        <a:tint val="40000"/>
+        <a:alpha val="90000"/>
+      </a:schemeClr>
+      <a:schemeClr val="accent3">
+        <a:tint val="40000"/>
+        <a:alpha val="90000"/>
+      </a:schemeClr>
+      <a:schemeClr val="accent4">
+        <a:tint val="40000"/>
+        <a:alpha val="90000"/>
+      </a:schemeClr>
+      <a:schemeClr val="accent5">
+        <a:tint val="40000"/>
+        <a:alpha val="90000"/>
+      </a:schemeClr>
+      <a:schemeClr val="accent6">
+        <a:tint val="40000"/>
+        <a:alpha val="90000"/>
+      </a:schemeClr>
+    </dgm:fillClrLst>
+    <dgm:linClrLst meth="repeat">
+      <a:schemeClr val="accent2">
+        <a:tint val="40000"/>
+        <a:alpha val="90000"/>
+      </a:schemeClr>
+      <a:schemeClr val="accent3">
+        <a:tint val="40000"/>
+        <a:alpha val="90000"/>
+      </a:schemeClr>
+      <a:schemeClr val="accent4">
+        <a:tint val="40000"/>
+        <a:alpha val="90000"/>
+      </a:schemeClr>
+      <a:schemeClr val="accent5">
+        <a:tint val="40000"/>
+        <a:alpha val="90000"/>
+      </a:schemeClr>
+      <a:schemeClr val="accent6">
+        <a:tint val="40000"/>
+        <a:alpha val="90000"/>
+      </a:schemeClr>
+    </dgm:linClrLst>
+    <dgm:effectClrLst/>
+    <dgm:txLinClrLst/>
+    <dgm:txFillClrLst meth="repeat">
+      <a:schemeClr val="dk1"/>
+    </dgm:txFillClrLst>
+    <dgm:txEffectClrLst/>
+  </dgm:styleLbl>
+  <dgm:styleLbl name="fgAcc0">
+    <dgm:fillClrLst meth="repeat">
+      <a:schemeClr val="lt1">
+        <a:alpha val="90000"/>
+      </a:schemeClr>
+    </dgm:fillClrLst>
+    <dgm:linClrLst>
+      <a:schemeClr val="accent1"/>
+    </dgm:linClrLst>
+    <dgm:effectClrLst/>
+    <dgm:txLinClrLst/>
+    <dgm:txFillClrLst meth="repeat">
+      <a:schemeClr val="dk1"/>
+    </dgm:txFillClrLst>
+    <dgm:txEffectClrLst/>
+  </dgm:styleLbl>
+  <dgm:styleLbl name="fgAcc2">
+    <dgm:fillClrLst meth="repeat">
+      <a:schemeClr val="lt1">
+        <a:alpha val="90000"/>
+      </a:schemeClr>
+    </dgm:fillClrLst>
+    <dgm:linClrLst>
+      <a:schemeClr val="accent2"/>
+    </dgm:linClrLst>
+    <dgm:effectClrLst/>
+    <dgm:txLinClrLst/>
+    <dgm:txFillClrLst meth="repeat">
+      <a:schemeClr val="dk1"/>
+    </dgm:txFillClrLst>
+    <dgm:txEffectClrLst/>
+  </dgm:styleLbl>
+  <dgm:styleLbl name="fgAcc3">
+    <dgm:fillClrLst meth="repeat">
+      <a:schemeClr val="lt1">
+        <a:alpha val="90000"/>
+      </a:schemeClr>
+    </dgm:fillClrLst>
+    <dgm:linClrLst>
+      <a:schemeClr val="accent3"/>
+    </dgm:linClrLst>
+    <dgm:effectClrLst/>
+    <dgm:txLinClrLst/>
+    <dgm:txFillClrLst meth="repeat">
+      <a:schemeClr val="dk1"/>
+    </dgm:txFillClrLst>
+    <dgm:txEffectClrLst/>
+  </dgm:styleLbl>
+  <dgm:styleLbl name="fgAcc4">
+    <dgm:fillClrLst meth="repeat">
+      <a:schemeClr val="lt1">
+        <a:alpha val="90000"/>
+      </a:schemeClr>
+    </dgm:fillClrLst>
+    <dgm:linClrLst>
+      <a:schemeClr val="accent4"/>
+    </dgm:linClrLst>
+    <dgm:effectClrLst/>
+    <dgm:txLinClrLst/>
+    <dgm:txFillClrLst meth="repeat">
+      <a:schemeClr val="dk1"/>
+    </dgm:txFillClrLst>
+    <dgm:txEffectClrLst/>
+  </dgm:styleLbl>
+  <dgm:styleLbl name="bgShp">
+    <dgm:fillClrLst meth="repeat">
+      <a:schemeClr val="accent2">
+        <a:tint val="40000"/>
+      </a:schemeClr>
+    </dgm:fillClrLst>
+    <dgm:linClrLst meth="repeat">
+      <a:schemeClr val="dk1"/>
+    </dgm:linClrLst>
+    <dgm:effectClrLst/>
+    <dgm:txLinClrLst/>
+    <dgm:txFillClrLst meth="repeat">
+      <a:schemeClr val="dk1"/>
+    </dgm:txFillClrLst>
+    <dgm:txEffectClrLst/>
+  </dgm:styleLbl>
+  <dgm:styleLbl name="dkBgShp">
+    <dgm:fillClrLst meth="repeat">
+      <a:schemeClr val="accent2">
+        <a:shade val="90000"/>
+      </a:schemeClr>
+    </dgm:fillClrLst>
+    <dgm:linClrLst meth="repeat">
+      <a:schemeClr val="dk1"/>
+    </dgm:linClrLst>
+    <dgm:effectClrLst/>
+    <dgm:txLinClrLst/>
+    <dgm:txFillClrLst meth="repeat">
+      <a:schemeClr val="lt1"/>
+    </dgm:txFillClrLst>
+    <dgm:txEffectClrLst/>
+  </dgm:styleLbl>
+  <dgm:styleLbl name="trBgShp">
+    <dgm:fillClrLst meth="repeat">
+      <a:schemeClr val="accent1">
+        <a:tint val="50000"/>
+        <a:alpha val="40000"/>
+      </a:schemeClr>
+    </dgm:fillClrLst>
+    <dgm:linClrLst meth="repeat">
+      <a:schemeClr val="accent2"/>
+    </dgm:linClrLst>
+    <dgm:effectClrLst/>
+    <dgm:txLinClrLst/>
+    <dgm:txFillClrLst meth="repeat">
+      <a:schemeClr val="lt1"/>
+    </dgm:txFillClrLst>
+    <dgm:txEffectClrLst/>
+  </dgm:styleLbl>
+  <dgm:styleLbl name="fgShp">
+    <dgm:fillClrLst meth="repeat">
+      <a:schemeClr val="accent2">
+        <a:tint val="40000"/>
+      </a:schemeClr>
+    </dgm:fillClrLst>
+    <dgm:linClrLst meth="repeat">
+      <a:schemeClr val="lt1"/>
+    </dgm:linClrLst>
+    <dgm:effectClrLst/>
+    <dgm:txLinClrLst/>
+    <dgm:txFillClrLst meth="repeat">
+      <a:schemeClr val="dk1"/>
+    </dgm:txFillClrLst>
+    <dgm:txEffectClrLst/>
+  </dgm:styleLbl>
+  <dgm:styleLbl name="revTx">
+    <dgm:fillClrLst meth="repeat">
+      <a:schemeClr val="lt1">
+        <a:alpha val="0"/>
+      </a:schemeClr>
+    </dgm:fillClrLst>
+    <dgm:linClrLst meth="repeat">
+      <a:schemeClr val="dk1">
+        <a:alpha val="0"/>
+      </a:schemeClr>
+    </dgm:linClrLst>
+    <dgm:effectClrLst/>
+    <dgm:txLinClrLst/>
+    <dgm:txFillClrLst meth="repeat">
+      <a:schemeClr val="tx1"/>
+    </dgm:txFillClrLst>
+    <dgm:txEffectClrLst/>
+  </dgm:styleLbl>
+</dgm:colorsDef>
+</file>
+
+<file path=ppt/diagrams/data1.xml><?xml version="1.0" encoding="utf-8"?>
+<dgm:dataModel xmlns:dgm="http://schemas.openxmlformats.org/drawingml/2006/diagram" xmlns:a="http://schemas.openxmlformats.org/drawingml/2006/main">
+  <dgm:ptLst>
+    <dgm:pt modelId="{D88E20CE-1613-4EF8-AF02-0E9661195A0F}" type="doc">
+      <dgm:prSet loTypeId="urn:microsoft.com/office/officeart/2005/8/layout/hierarchy2" loCatId="hierarchy" qsTypeId="urn:microsoft.com/office/officeart/2005/8/quickstyle/simple1" qsCatId="simple" csTypeId="urn:microsoft.com/office/officeart/2005/8/colors/colorful1" csCatId="colorful" phldr="1"/>
+      <dgm:spPr/>
+      <dgm:t>
+        <a:bodyPr/>
+        <a:lstStyle/>
+        <a:p>
+          <a:endParaRPr lang="it-IT"/>
+        </a:p>
+      </dgm:t>
+    </dgm:pt>
+    <dgm:pt modelId="{6A890133-FB7E-4A97-9500-B8C251BA8224}">
+      <dgm:prSet phldrT="[Testo]"/>
+      <dgm:spPr/>
+      <dgm:t>
+        <a:bodyPr/>
+        <a:lstStyle/>
+        <a:p>
+          <a:r>
+            <a:rPr lang="it-IT" dirty="0"/>
+            <a:t>Login Page</a:t>
+          </a:r>
+        </a:p>
+      </dgm:t>
+    </dgm:pt>
+    <dgm:pt modelId="{352490CA-EDF0-43CE-88E3-9BEAA008F01A}" type="parTrans" cxnId="{436FB92B-8CC3-4889-9775-06FD63A6A3C0}">
+      <dgm:prSet/>
+      <dgm:spPr/>
+      <dgm:t>
+        <a:bodyPr/>
+        <a:lstStyle/>
+        <a:p>
+          <a:endParaRPr lang="it-IT"/>
+        </a:p>
+      </dgm:t>
+    </dgm:pt>
+    <dgm:pt modelId="{5F9CD82A-B327-4FF7-BDC7-775C128A1B3A}" type="sibTrans" cxnId="{436FB92B-8CC3-4889-9775-06FD63A6A3C0}">
+      <dgm:prSet/>
+      <dgm:spPr/>
+      <dgm:t>
+        <a:bodyPr/>
+        <a:lstStyle/>
+        <a:p>
+          <a:endParaRPr lang="it-IT"/>
+        </a:p>
+      </dgm:t>
+    </dgm:pt>
+    <dgm:pt modelId="{047FCCA2-CB3F-4DFE-B019-91DC668D8018}" type="asst">
+      <dgm:prSet phldrT="[Testo]"/>
+      <dgm:spPr/>
+      <dgm:t>
+        <a:bodyPr/>
+        <a:lstStyle/>
+        <a:p>
+          <a:r>
+            <a:rPr lang="it-IT" dirty="0"/>
+            <a:t>Heart Page</a:t>
+          </a:r>
+        </a:p>
+      </dgm:t>
+    </dgm:pt>
+    <dgm:pt modelId="{87525F32-C7B3-4325-A36A-C861D9B7FC3B}" type="parTrans" cxnId="{862A0977-1595-4C96-AEB6-47C4542CC875}">
+      <dgm:prSet/>
+      <dgm:spPr/>
+      <dgm:t>
+        <a:bodyPr/>
+        <a:lstStyle/>
+        <a:p>
+          <a:endParaRPr lang="it-IT"/>
+        </a:p>
+      </dgm:t>
+    </dgm:pt>
+    <dgm:pt modelId="{76CDE7DE-0F39-477E-871B-C6AA371068EE}" type="sibTrans" cxnId="{862A0977-1595-4C96-AEB6-47C4542CC875}">
+      <dgm:prSet/>
+      <dgm:spPr/>
+      <dgm:t>
+        <a:bodyPr/>
+        <a:lstStyle/>
+        <a:p>
+          <a:endParaRPr lang="it-IT"/>
+        </a:p>
+      </dgm:t>
+    </dgm:pt>
+    <dgm:pt modelId="{A6EE88DF-3B08-4B27-8B87-BCB65C211FFA}" type="asst">
+      <dgm:prSet phldrT="[Testo]"/>
+      <dgm:spPr/>
+      <dgm:t>
+        <a:bodyPr/>
+        <a:lstStyle/>
+        <a:p>
+          <a:r>
+            <a:rPr lang="it-IT" dirty="0" err="1"/>
+            <a:t>Sleep</a:t>
+          </a:r>
+          <a:r>
+            <a:rPr lang="it-IT" dirty="0"/>
+            <a:t> Page</a:t>
+          </a:r>
+        </a:p>
+      </dgm:t>
+    </dgm:pt>
+    <dgm:pt modelId="{C33AA512-47E3-428D-BCAE-159ACA6B98E4}" type="parTrans" cxnId="{423A09D1-F510-4FE2-B6CC-EDE15302F3DC}">
+      <dgm:prSet/>
+      <dgm:spPr/>
+      <dgm:t>
+        <a:bodyPr/>
+        <a:lstStyle/>
+        <a:p>
+          <a:endParaRPr lang="it-IT"/>
+        </a:p>
+      </dgm:t>
+    </dgm:pt>
+    <dgm:pt modelId="{3F877D12-DE17-48D7-B923-E76B9384E6EE}" type="sibTrans" cxnId="{423A09D1-F510-4FE2-B6CC-EDE15302F3DC}">
+      <dgm:prSet/>
+      <dgm:spPr/>
+      <dgm:t>
+        <a:bodyPr/>
+        <a:lstStyle/>
+        <a:p>
+          <a:endParaRPr lang="it-IT"/>
+        </a:p>
+      </dgm:t>
+    </dgm:pt>
+    <dgm:pt modelId="{CEDADFCE-B737-4AB3-ADB9-8896E5CAD176}" type="asst">
+      <dgm:prSet phldrT="[Testo]"/>
+      <dgm:spPr/>
+      <dgm:t>
+        <a:bodyPr/>
+        <a:lstStyle/>
+        <a:p>
+          <a:r>
+            <a:rPr lang="it-IT" dirty="0"/>
+            <a:t>Activity Page</a:t>
+          </a:r>
+        </a:p>
+      </dgm:t>
+    </dgm:pt>
+    <dgm:pt modelId="{E6A759D3-300C-44B6-A475-D6204D116C57}" type="parTrans" cxnId="{3B668DF5-52EB-4136-A451-21FFCFB52549}">
+      <dgm:prSet/>
+      <dgm:spPr/>
+      <dgm:t>
+        <a:bodyPr/>
+        <a:lstStyle/>
+        <a:p>
+          <a:endParaRPr lang="it-IT"/>
+        </a:p>
+      </dgm:t>
+    </dgm:pt>
+    <dgm:pt modelId="{C5169A0B-38C1-4CFD-825B-4C2B0915169C}" type="sibTrans" cxnId="{3B668DF5-52EB-4136-A451-21FFCFB52549}">
+      <dgm:prSet/>
+      <dgm:spPr/>
+      <dgm:t>
+        <a:bodyPr/>
+        <a:lstStyle/>
+        <a:p>
+          <a:endParaRPr lang="it-IT"/>
+        </a:p>
+      </dgm:t>
+    </dgm:pt>
+    <dgm:pt modelId="{B5FCBDB4-C777-4339-82AB-58E42986F74F}">
+      <dgm:prSet phldrT="[Testo]"/>
+      <dgm:spPr/>
+      <dgm:t>
+        <a:bodyPr/>
+        <a:lstStyle/>
+        <a:p>
+          <a:r>
+            <a:rPr lang="it-IT" dirty="0"/>
+            <a:t>Home page</a:t>
+          </a:r>
+        </a:p>
+      </dgm:t>
+    </dgm:pt>
+    <dgm:pt modelId="{FFDDBEFA-2284-455F-A7AC-6B31BC58CC4A}" type="parTrans" cxnId="{22756ADB-335C-4F3C-9783-3AA1D038931C}">
+      <dgm:prSet/>
+      <dgm:spPr/>
+      <dgm:t>
+        <a:bodyPr/>
+        <a:lstStyle/>
+        <a:p>
+          <a:endParaRPr lang="it-IT"/>
+        </a:p>
+      </dgm:t>
+    </dgm:pt>
+    <dgm:pt modelId="{A66D158F-EBEC-474E-A3AD-3850887F0BC0}" type="sibTrans" cxnId="{22756ADB-335C-4F3C-9783-3AA1D038931C}">
+      <dgm:prSet/>
+      <dgm:spPr/>
+      <dgm:t>
+        <a:bodyPr/>
+        <a:lstStyle/>
+        <a:p>
+          <a:endParaRPr lang="it-IT"/>
+        </a:p>
+      </dgm:t>
+    </dgm:pt>
+    <dgm:pt modelId="{5D382158-4CCC-443F-B999-5244E3DAF983}" type="asst">
+      <dgm:prSet phldrT="[Testo]"/>
+      <dgm:spPr/>
+      <dgm:t>
+        <a:bodyPr/>
+        <a:lstStyle/>
+        <a:p>
+          <a:r>
+            <a:rPr lang="it-IT" dirty="0"/>
+            <a:t>Yoga Page</a:t>
+          </a:r>
+        </a:p>
+      </dgm:t>
+    </dgm:pt>
+    <dgm:pt modelId="{9D128B2C-88DB-4E23-A074-47D7EEEAFF04}" type="parTrans" cxnId="{6CAB80DC-B752-4080-9D38-572F4908D67D}">
+      <dgm:prSet/>
+      <dgm:spPr/>
+      <dgm:t>
+        <a:bodyPr/>
+        <a:lstStyle/>
+        <a:p>
+          <a:endParaRPr lang="it-IT"/>
+        </a:p>
+      </dgm:t>
+    </dgm:pt>
+    <dgm:pt modelId="{2CFECC15-8A99-469F-B5C6-E16B79A4241C}" type="sibTrans" cxnId="{6CAB80DC-B752-4080-9D38-572F4908D67D}">
+      <dgm:prSet/>
+      <dgm:spPr/>
+      <dgm:t>
+        <a:bodyPr/>
+        <a:lstStyle/>
+        <a:p>
+          <a:endParaRPr lang="it-IT"/>
+        </a:p>
+      </dgm:t>
+    </dgm:pt>
+    <dgm:pt modelId="{8CC9CCF6-93E8-49CA-920F-92B19B8223B6}" type="asst">
+      <dgm:prSet phldrT="[Testo]"/>
+      <dgm:spPr/>
+      <dgm:t>
+        <a:bodyPr/>
+        <a:lstStyle/>
+        <a:p>
+          <a:r>
+            <a:rPr lang="it-IT" dirty="0"/>
+            <a:t>Bottom </a:t>
+          </a:r>
+          <a:r>
+            <a:rPr lang="it-IT" dirty="0" err="1"/>
+            <a:t>Navigation</a:t>
+          </a:r>
+          <a:r>
+            <a:rPr lang="it-IT" dirty="0"/>
+            <a:t> Bar</a:t>
+          </a:r>
+        </a:p>
+      </dgm:t>
+    </dgm:pt>
+    <dgm:pt modelId="{3D2B0656-7F87-44C2-A3DB-FEB668C6205E}" type="parTrans" cxnId="{42CD626A-DDFF-4204-A377-A38DAC704BE2}">
+      <dgm:prSet/>
+      <dgm:spPr/>
+      <dgm:t>
+        <a:bodyPr/>
+        <a:lstStyle/>
+        <a:p>
+          <a:endParaRPr lang="it-IT"/>
+        </a:p>
+      </dgm:t>
+    </dgm:pt>
+    <dgm:pt modelId="{514F4A7F-72E6-483A-B6CC-6A1BA8B86995}" type="sibTrans" cxnId="{42CD626A-DDFF-4204-A377-A38DAC704BE2}">
+      <dgm:prSet/>
+      <dgm:spPr/>
+      <dgm:t>
+        <a:bodyPr/>
+        <a:lstStyle/>
+        <a:p>
+          <a:endParaRPr lang="it-IT"/>
+        </a:p>
+      </dgm:t>
+    </dgm:pt>
+    <dgm:pt modelId="{BB239AB4-0D20-422F-A6EF-9A9BBB65E084}">
+      <dgm:prSet/>
+      <dgm:spPr/>
+      <dgm:t>
+        <a:bodyPr/>
+        <a:lstStyle/>
+        <a:p>
+          <a:r>
+            <a:rPr lang="it-IT" dirty="0" err="1"/>
+            <a:t>Profile</a:t>
+          </a:r>
+          <a:r>
+            <a:rPr lang="it-IT" dirty="0"/>
+            <a:t> Page</a:t>
+          </a:r>
+        </a:p>
+      </dgm:t>
+    </dgm:pt>
+    <dgm:pt modelId="{97B1EEFF-85C2-4BB8-8C86-2136CFADE772}" type="parTrans" cxnId="{7DF5FD8D-99D9-4429-91A5-099976F0A8E8}">
+      <dgm:prSet/>
+      <dgm:spPr/>
+      <dgm:t>
+        <a:bodyPr/>
+        <a:lstStyle/>
+        <a:p>
+          <a:endParaRPr lang="it-IT"/>
+        </a:p>
+      </dgm:t>
+    </dgm:pt>
+    <dgm:pt modelId="{E3AB7BB4-E2CC-4E00-893B-11554C99B7AD}" type="sibTrans" cxnId="{7DF5FD8D-99D9-4429-91A5-099976F0A8E8}">
+      <dgm:prSet/>
+      <dgm:spPr/>
+      <dgm:t>
+        <a:bodyPr/>
+        <a:lstStyle/>
+        <a:p>
+          <a:endParaRPr lang="it-IT"/>
+        </a:p>
+      </dgm:t>
+    </dgm:pt>
+    <dgm:pt modelId="{EEC8D565-909D-4E99-8911-C315FC23BFC5}">
+      <dgm:prSet/>
+      <dgm:spPr/>
+      <dgm:t>
+        <a:bodyPr/>
+        <a:lstStyle/>
+        <a:p>
+          <a:r>
+            <a:rPr lang="it-IT" dirty="0"/>
+            <a:t>Flower Page</a:t>
+          </a:r>
+        </a:p>
+      </dgm:t>
+    </dgm:pt>
+    <dgm:pt modelId="{ACEF0E30-DE7B-4FFE-9CD7-832C0141678E}" type="parTrans" cxnId="{6C5DBD2B-A329-4E09-A2FD-F7854DD346CC}">
+      <dgm:prSet/>
+      <dgm:spPr/>
+      <dgm:t>
+        <a:bodyPr/>
+        <a:lstStyle/>
+        <a:p>
+          <a:endParaRPr lang="it-IT"/>
+        </a:p>
+      </dgm:t>
+    </dgm:pt>
+    <dgm:pt modelId="{409D0FC5-AE2E-498A-B335-2C358548E782}" type="sibTrans" cxnId="{6C5DBD2B-A329-4E09-A2FD-F7854DD346CC}">
+      <dgm:prSet/>
+      <dgm:spPr/>
+      <dgm:t>
+        <a:bodyPr/>
+        <a:lstStyle/>
+        <a:p>
+          <a:endParaRPr lang="it-IT"/>
+        </a:p>
+      </dgm:t>
+    </dgm:pt>
+    <dgm:pt modelId="{4D47A9DC-1F49-4672-9F80-C53FE53137D7}">
+      <dgm:prSet/>
+      <dgm:spPr/>
+      <dgm:t>
+        <a:bodyPr/>
+        <a:lstStyle/>
+        <a:p>
+          <a:r>
+            <a:rPr lang="it-IT" dirty="0" err="1"/>
+            <a:t>HomePage</a:t>
+          </a:r>
+          <a:endParaRPr lang="it-IT" dirty="0"/>
+        </a:p>
+      </dgm:t>
+    </dgm:pt>
+    <dgm:pt modelId="{F8467BAC-A44D-4F5A-AAAE-54AE0676F18C}" type="parTrans" cxnId="{1D4AF95C-4BF7-42E0-AEBC-1D2B72BEDA90}">
+      <dgm:prSet/>
+      <dgm:spPr/>
+      <dgm:t>
+        <a:bodyPr/>
+        <a:lstStyle/>
+        <a:p>
+          <a:endParaRPr lang="it-IT"/>
+        </a:p>
+      </dgm:t>
+    </dgm:pt>
+    <dgm:pt modelId="{46596A72-3EA2-4CCF-B6CB-7A609D36462C}" type="sibTrans" cxnId="{1D4AF95C-4BF7-42E0-AEBC-1D2B72BEDA90}">
+      <dgm:prSet/>
+      <dgm:spPr/>
+      <dgm:t>
+        <a:bodyPr/>
+        <a:lstStyle/>
+        <a:p>
+          <a:endParaRPr lang="it-IT"/>
+        </a:p>
+      </dgm:t>
+    </dgm:pt>
+    <dgm:pt modelId="{C7471181-4FC1-41A1-AF83-EB52D7332301}">
+      <dgm:prSet/>
+      <dgm:spPr/>
+      <dgm:t>
+        <a:bodyPr/>
+        <a:lstStyle/>
+        <a:p>
+          <a:r>
+            <a:rPr lang="it-IT" dirty="0" err="1"/>
+            <a:t>LogOut</a:t>
+          </a:r>
+          <a:endParaRPr lang="it-IT" dirty="0"/>
+        </a:p>
+      </dgm:t>
+    </dgm:pt>
+    <dgm:pt modelId="{04B8F96A-9C91-4A7C-94FC-0B0919FFA216}" type="parTrans" cxnId="{9A0755BD-879F-4AF4-8539-5D4EF7A6ABAD}">
+      <dgm:prSet/>
+      <dgm:spPr/>
+      <dgm:t>
+        <a:bodyPr/>
+        <a:lstStyle/>
+        <a:p>
+          <a:endParaRPr lang="it-IT"/>
+        </a:p>
+      </dgm:t>
+    </dgm:pt>
+    <dgm:pt modelId="{67757193-D884-46FF-B77C-A161D52A0E91}" type="sibTrans" cxnId="{9A0755BD-879F-4AF4-8539-5D4EF7A6ABAD}">
+      <dgm:prSet/>
+      <dgm:spPr/>
+      <dgm:t>
+        <a:bodyPr/>
+        <a:lstStyle/>
+        <a:p>
+          <a:endParaRPr lang="it-IT"/>
+        </a:p>
+      </dgm:t>
+    </dgm:pt>
+    <dgm:pt modelId="{749DEDB9-479A-4C1B-A8AD-07722B0D7F27}">
+      <dgm:prSet/>
+      <dgm:spPr/>
+      <dgm:t>
+        <a:bodyPr/>
+        <a:lstStyle/>
+        <a:p>
+          <a:r>
+            <a:rPr lang="it-IT" dirty="0"/>
+            <a:t>Activity Settings</a:t>
+          </a:r>
+        </a:p>
+      </dgm:t>
+    </dgm:pt>
+    <dgm:pt modelId="{332AAA0F-7E60-4C44-A604-2F8D7E75F406}" type="parTrans" cxnId="{19F09E9D-32A6-4D6A-BB8A-549FCFE083AF}">
+      <dgm:prSet/>
+      <dgm:spPr/>
+      <dgm:t>
+        <a:bodyPr/>
+        <a:lstStyle/>
+        <a:p>
+          <a:endParaRPr lang="it-IT"/>
+        </a:p>
+      </dgm:t>
+    </dgm:pt>
+    <dgm:pt modelId="{C8772A65-EBC8-46A1-96E0-C6DE9943A81B}" type="sibTrans" cxnId="{19F09E9D-32A6-4D6A-BB8A-549FCFE083AF}">
+      <dgm:prSet/>
+      <dgm:spPr/>
+      <dgm:t>
+        <a:bodyPr/>
+        <a:lstStyle/>
+        <a:p>
+          <a:endParaRPr lang="it-IT"/>
+        </a:p>
+      </dgm:t>
+    </dgm:pt>
+    <dgm:pt modelId="{8873A971-3F58-4EB1-883D-A281944A5AAA}" type="pres">
+      <dgm:prSet presAssocID="{D88E20CE-1613-4EF8-AF02-0E9661195A0F}" presName="diagram" presStyleCnt="0">
+        <dgm:presLayoutVars>
+          <dgm:chPref val="1"/>
+          <dgm:dir/>
+          <dgm:animOne val="branch"/>
+          <dgm:animLvl val="lvl"/>
+          <dgm:resizeHandles val="exact"/>
+        </dgm:presLayoutVars>
+      </dgm:prSet>
+      <dgm:spPr/>
+    </dgm:pt>
+    <dgm:pt modelId="{439E2093-323A-4A45-8754-14815898F5F4}" type="pres">
+      <dgm:prSet presAssocID="{6A890133-FB7E-4A97-9500-B8C251BA8224}" presName="root1" presStyleCnt="0"/>
+      <dgm:spPr/>
+    </dgm:pt>
+    <dgm:pt modelId="{3347B779-B562-4482-8E2B-B4B648897D63}" type="pres">
+      <dgm:prSet presAssocID="{6A890133-FB7E-4A97-9500-B8C251BA8224}" presName="LevelOneTextNode" presStyleLbl="node0" presStyleIdx="0" presStyleCnt="2" custLinFactX="-44093" custLinFactY="19615" custLinFactNeighborX="-100000" custLinFactNeighborY="100000">
+        <dgm:presLayoutVars>
+          <dgm:chPref val="3"/>
+        </dgm:presLayoutVars>
+      </dgm:prSet>
+      <dgm:spPr/>
+    </dgm:pt>
+    <dgm:pt modelId="{8E106726-6013-44EE-A233-7DEAB76F1256}" type="pres">
+      <dgm:prSet presAssocID="{6A890133-FB7E-4A97-9500-B8C251BA8224}" presName="level2hierChild" presStyleCnt="0"/>
+      <dgm:spPr/>
+    </dgm:pt>
+    <dgm:pt modelId="{28FE31A4-7024-4D18-9509-ACB619088EE6}" type="pres">
+      <dgm:prSet presAssocID="{B5FCBDB4-C777-4339-82AB-58E42986F74F}" presName="root1" presStyleCnt="0"/>
+      <dgm:spPr/>
+    </dgm:pt>
+    <dgm:pt modelId="{E982291D-9467-4511-B638-08547C662A15}" type="pres">
+      <dgm:prSet presAssocID="{B5FCBDB4-C777-4339-82AB-58E42986F74F}" presName="LevelOneTextNode" presStyleLbl="node0" presStyleIdx="1" presStyleCnt="2" custLinFactNeighborX="20425" custLinFactNeighborY="6216">
+        <dgm:presLayoutVars>
+          <dgm:chPref val="3"/>
+        </dgm:presLayoutVars>
+      </dgm:prSet>
+      <dgm:spPr/>
+    </dgm:pt>
+    <dgm:pt modelId="{CD8A426F-B774-4E60-B938-22A7BB4C88ED}" type="pres">
+      <dgm:prSet presAssocID="{B5FCBDB4-C777-4339-82AB-58E42986F74F}" presName="level2hierChild" presStyleCnt="0"/>
+      <dgm:spPr/>
+    </dgm:pt>
+    <dgm:pt modelId="{FE0471D6-0E53-4FC1-B98D-17F4B7A1E61A}" type="pres">
+      <dgm:prSet presAssocID="{87525F32-C7B3-4325-A36A-C861D9B7FC3B}" presName="conn2-1" presStyleLbl="parChTrans1D2" presStyleIdx="0" presStyleCnt="5"/>
+      <dgm:spPr/>
+    </dgm:pt>
+    <dgm:pt modelId="{4987DB8E-3A76-4E7F-A88D-A887099D0B6D}" type="pres">
+      <dgm:prSet presAssocID="{87525F32-C7B3-4325-A36A-C861D9B7FC3B}" presName="connTx" presStyleLbl="parChTrans1D2" presStyleIdx="0" presStyleCnt="5"/>
+      <dgm:spPr/>
+    </dgm:pt>
+    <dgm:pt modelId="{F9018ECA-249D-493D-BDFA-E1E619969674}" type="pres">
+      <dgm:prSet presAssocID="{047FCCA2-CB3F-4DFE-B019-91DC668D8018}" presName="root2" presStyleCnt="0"/>
+      <dgm:spPr/>
+    </dgm:pt>
+    <dgm:pt modelId="{DF5F351E-A61B-47EF-8D93-4F8798B86F8C}" type="pres">
+      <dgm:prSet presAssocID="{047FCCA2-CB3F-4DFE-B019-91DC668D8018}" presName="LevelTwoTextNode" presStyleLbl="asst1" presStyleIdx="0" presStyleCnt="5" custLinFactNeighborX="8809" custLinFactNeighborY="11833">
+        <dgm:presLayoutVars>
+          <dgm:chPref val="3"/>
+        </dgm:presLayoutVars>
+      </dgm:prSet>
+      <dgm:spPr/>
+    </dgm:pt>
+    <dgm:pt modelId="{4DD713F6-F93A-435B-A292-5D87825D99F9}" type="pres">
+      <dgm:prSet presAssocID="{047FCCA2-CB3F-4DFE-B019-91DC668D8018}" presName="level3hierChild" presStyleCnt="0"/>
+      <dgm:spPr/>
+    </dgm:pt>
+    <dgm:pt modelId="{FA45FE39-6407-4583-AAB4-3EB59B21EFAB}" type="pres">
+      <dgm:prSet presAssocID="{C33AA512-47E3-428D-BCAE-159ACA6B98E4}" presName="conn2-1" presStyleLbl="parChTrans1D2" presStyleIdx="1" presStyleCnt="5"/>
+      <dgm:spPr/>
+    </dgm:pt>
+    <dgm:pt modelId="{35A61E68-0D26-4DFE-8635-138D651FF1FA}" type="pres">
+      <dgm:prSet presAssocID="{C33AA512-47E3-428D-BCAE-159ACA6B98E4}" presName="connTx" presStyleLbl="parChTrans1D2" presStyleIdx="1" presStyleCnt="5"/>
+      <dgm:spPr/>
+    </dgm:pt>
+    <dgm:pt modelId="{45766637-D329-4292-9CB0-A6897B120D35}" type="pres">
+      <dgm:prSet presAssocID="{A6EE88DF-3B08-4B27-8B87-BCB65C211FFA}" presName="root2" presStyleCnt="0"/>
+      <dgm:spPr/>
+    </dgm:pt>
+    <dgm:pt modelId="{B869B81D-8267-451F-B293-126220B81920}" type="pres">
+      <dgm:prSet presAssocID="{A6EE88DF-3B08-4B27-8B87-BCB65C211FFA}" presName="LevelTwoTextNode" presStyleLbl="asst1" presStyleIdx="1" presStyleCnt="5" custLinFactNeighborX="10411" custLinFactNeighborY="17619">
+        <dgm:presLayoutVars>
+          <dgm:chPref val="3"/>
+        </dgm:presLayoutVars>
+      </dgm:prSet>
+      <dgm:spPr/>
+    </dgm:pt>
+    <dgm:pt modelId="{2BF40EE5-B1F2-45C9-BC34-10BE722F6F15}" type="pres">
+      <dgm:prSet presAssocID="{A6EE88DF-3B08-4B27-8B87-BCB65C211FFA}" presName="level3hierChild" presStyleCnt="0"/>
+      <dgm:spPr/>
+    </dgm:pt>
+    <dgm:pt modelId="{4DACBDAB-0261-42D4-93BF-A716D6A36959}" type="pres">
+      <dgm:prSet presAssocID="{E6A759D3-300C-44B6-A475-D6204D116C57}" presName="conn2-1" presStyleLbl="parChTrans1D2" presStyleIdx="2" presStyleCnt="5"/>
+      <dgm:spPr/>
+    </dgm:pt>
+    <dgm:pt modelId="{2588CD2B-2128-45DC-924B-43730B2FC4DB}" type="pres">
+      <dgm:prSet presAssocID="{E6A759D3-300C-44B6-A475-D6204D116C57}" presName="connTx" presStyleLbl="parChTrans1D2" presStyleIdx="2" presStyleCnt="5"/>
+      <dgm:spPr/>
+    </dgm:pt>
+    <dgm:pt modelId="{6BCDB5B8-9BA2-4498-ACC2-38D7B07792F2}" type="pres">
+      <dgm:prSet presAssocID="{CEDADFCE-B737-4AB3-ADB9-8896E5CAD176}" presName="root2" presStyleCnt="0"/>
+      <dgm:spPr/>
+    </dgm:pt>
+    <dgm:pt modelId="{98444552-61F2-4BC3-AAC8-ABDC64193ED8}" type="pres">
+      <dgm:prSet presAssocID="{CEDADFCE-B737-4AB3-ADB9-8896E5CAD176}" presName="LevelTwoTextNode" presStyleLbl="asst1" presStyleIdx="2" presStyleCnt="5" custLinFactNeighborX="11213" custLinFactNeighborY="21009">
+        <dgm:presLayoutVars>
+          <dgm:chPref val="3"/>
+        </dgm:presLayoutVars>
+      </dgm:prSet>
+      <dgm:spPr/>
+    </dgm:pt>
+    <dgm:pt modelId="{77899EC6-E003-4D4A-A55A-C3ED53EBC689}" type="pres">
+      <dgm:prSet presAssocID="{CEDADFCE-B737-4AB3-ADB9-8896E5CAD176}" presName="level3hierChild" presStyleCnt="0"/>
+      <dgm:spPr/>
+    </dgm:pt>
+    <dgm:pt modelId="{15E189E6-4673-4FF2-BD5A-C43D690DECAC}" type="pres">
+      <dgm:prSet presAssocID="{9D128B2C-88DB-4E23-A074-47D7EEEAFF04}" presName="conn2-1" presStyleLbl="parChTrans1D2" presStyleIdx="3" presStyleCnt="5"/>
+      <dgm:spPr/>
+    </dgm:pt>
+    <dgm:pt modelId="{32131C0E-09A1-47A6-8064-F868AB07461E}" type="pres">
+      <dgm:prSet presAssocID="{9D128B2C-88DB-4E23-A074-47D7EEEAFF04}" presName="connTx" presStyleLbl="parChTrans1D2" presStyleIdx="3" presStyleCnt="5"/>
+      <dgm:spPr/>
+    </dgm:pt>
+    <dgm:pt modelId="{8B490048-F2B2-4AC9-85F9-A8D2FC161843}" type="pres">
+      <dgm:prSet presAssocID="{5D382158-4CCC-443F-B999-5244E3DAF983}" presName="root2" presStyleCnt="0"/>
+      <dgm:spPr/>
+    </dgm:pt>
+    <dgm:pt modelId="{8B237A88-C289-4BDA-8C25-5C750CDAA3D2}" type="pres">
+      <dgm:prSet presAssocID="{5D382158-4CCC-443F-B999-5244E3DAF983}" presName="LevelTwoTextNode" presStyleLbl="asst1" presStyleIdx="3" presStyleCnt="5" custLinFactNeighborX="9610" custLinFactNeighborY="19220">
+        <dgm:presLayoutVars>
+          <dgm:chPref val="3"/>
+        </dgm:presLayoutVars>
+      </dgm:prSet>
+      <dgm:spPr/>
+    </dgm:pt>
+    <dgm:pt modelId="{A6C24A6C-1529-4A7D-8C2B-88DC57263CFB}" type="pres">
+      <dgm:prSet presAssocID="{5D382158-4CCC-443F-B999-5244E3DAF983}" presName="level3hierChild" presStyleCnt="0"/>
+      <dgm:spPr/>
+    </dgm:pt>
+    <dgm:pt modelId="{32F9B824-49C2-4F98-86BE-35F033690C80}" type="pres">
+      <dgm:prSet presAssocID="{3D2B0656-7F87-44C2-A3DB-FEB668C6205E}" presName="conn2-1" presStyleLbl="parChTrans1D2" presStyleIdx="4" presStyleCnt="5"/>
+      <dgm:spPr/>
+    </dgm:pt>
+    <dgm:pt modelId="{59A2D10D-95FF-47A2-9AC6-1ED8AF095F3A}" type="pres">
+      <dgm:prSet presAssocID="{3D2B0656-7F87-44C2-A3DB-FEB668C6205E}" presName="connTx" presStyleLbl="parChTrans1D2" presStyleIdx="4" presStyleCnt="5"/>
+      <dgm:spPr/>
+    </dgm:pt>
+    <dgm:pt modelId="{C187EF84-ACD3-4140-A0ED-AB6518161722}" type="pres">
+      <dgm:prSet presAssocID="{8CC9CCF6-93E8-49CA-920F-92B19B8223B6}" presName="root2" presStyleCnt="0"/>
+      <dgm:spPr/>
+    </dgm:pt>
+    <dgm:pt modelId="{6F4AB7BD-C2CF-4228-A4A5-A0312E37E89C}" type="pres">
+      <dgm:prSet presAssocID="{8CC9CCF6-93E8-49CA-920F-92B19B8223B6}" presName="LevelTwoTextNode" presStyleLbl="asst1" presStyleIdx="4" presStyleCnt="5" custLinFactNeighborY="56059">
+        <dgm:presLayoutVars>
+          <dgm:chPref val="3"/>
+        </dgm:presLayoutVars>
+      </dgm:prSet>
+      <dgm:spPr/>
+    </dgm:pt>
+    <dgm:pt modelId="{D0B1DAD3-1F6D-4F18-BDDC-26A0C655B3F7}" type="pres">
+      <dgm:prSet presAssocID="{8CC9CCF6-93E8-49CA-920F-92B19B8223B6}" presName="level3hierChild" presStyleCnt="0"/>
+      <dgm:spPr/>
+    </dgm:pt>
+    <dgm:pt modelId="{036ED208-E040-4D98-AE0C-719A5151D53A}" type="pres">
+      <dgm:prSet presAssocID="{97B1EEFF-85C2-4BB8-8C86-2136CFADE772}" presName="conn2-1" presStyleLbl="parChTrans1D3" presStyleIdx="0" presStyleCnt="3"/>
+      <dgm:spPr/>
+    </dgm:pt>
+    <dgm:pt modelId="{A92C484A-51BA-41F6-B31D-987D5C05BD22}" type="pres">
+      <dgm:prSet presAssocID="{97B1EEFF-85C2-4BB8-8C86-2136CFADE772}" presName="connTx" presStyleLbl="parChTrans1D3" presStyleIdx="0" presStyleCnt="3"/>
+      <dgm:spPr/>
+    </dgm:pt>
+    <dgm:pt modelId="{F43D454F-B0DF-42A9-884F-744867EF6181}" type="pres">
+      <dgm:prSet presAssocID="{BB239AB4-0D20-422F-A6EF-9A9BBB65E084}" presName="root2" presStyleCnt="0"/>
+      <dgm:spPr/>
+    </dgm:pt>
+    <dgm:pt modelId="{6AC23471-1F44-4A52-87C0-AF75190E28C3}" type="pres">
+      <dgm:prSet presAssocID="{BB239AB4-0D20-422F-A6EF-9A9BBB65E084}" presName="LevelTwoTextNode" presStyleLbl="node3" presStyleIdx="0" presStyleCnt="3" custLinFactNeighborX="72876" custLinFactNeighborY="-46448">
+        <dgm:presLayoutVars>
+          <dgm:chPref val="3"/>
+        </dgm:presLayoutVars>
+      </dgm:prSet>
+      <dgm:spPr/>
+    </dgm:pt>
+    <dgm:pt modelId="{0A367C02-A5A4-4390-9E16-43715BEAB8FA}" type="pres">
+      <dgm:prSet presAssocID="{BB239AB4-0D20-422F-A6EF-9A9BBB65E084}" presName="level3hierChild" presStyleCnt="0"/>
+      <dgm:spPr/>
+    </dgm:pt>
+    <dgm:pt modelId="{0D959FD1-5F77-4811-9588-963BCBDCF043}" type="pres">
+      <dgm:prSet presAssocID="{04B8F96A-9C91-4A7C-94FC-0B0919FFA216}" presName="conn2-1" presStyleLbl="parChTrans1D4" presStyleIdx="0" presStyleCnt="2"/>
+      <dgm:spPr/>
+    </dgm:pt>
+    <dgm:pt modelId="{8229761F-F48C-4F11-9085-4DB97F4BE1B4}" type="pres">
+      <dgm:prSet presAssocID="{04B8F96A-9C91-4A7C-94FC-0B0919FFA216}" presName="connTx" presStyleLbl="parChTrans1D4" presStyleIdx="0" presStyleCnt="2"/>
+      <dgm:spPr/>
+    </dgm:pt>
+    <dgm:pt modelId="{1B73E6EC-E250-4AD4-9897-3B90CF367659}" type="pres">
+      <dgm:prSet presAssocID="{C7471181-4FC1-41A1-AF83-EB52D7332301}" presName="root2" presStyleCnt="0"/>
+      <dgm:spPr/>
+    </dgm:pt>
+    <dgm:pt modelId="{F856CBB8-7E4C-4FBA-8AFC-CF15AAD4974F}" type="pres">
+      <dgm:prSet presAssocID="{C7471181-4FC1-41A1-AF83-EB52D7332301}" presName="LevelTwoTextNode" presStyleLbl="node4" presStyleIdx="0" presStyleCnt="2" custLinFactNeighborX="72876" custLinFactNeighborY="-76080">
+        <dgm:presLayoutVars>
+          <dgm:chPref val="3"/>
+        </dgm:presLayoutVars>
+      </dgm:prSet>
+      <dgm:spPr/>
+    </dgm:pt>
+    <dgm:pt modelId="{7B549431-2880-4A5B-A0A2-8DBF781AF9BF}" type="pres">
+      <dgm:prSet presAssocID="{C7471181-4FC1-41A1-AF83-EB52D7332301}" presName="level3hierChild" presStyleCnt="0"/>
+      <dgm:spPr/>
+    </dgm:pt>
+    <dgm:pt modelId="{7ECADCB6-FDD4-4F75-B163-D6946D6CE5E8}" type="pres">
+      <dgm:prSet presAssocID="{332AAA0F-7E60-4C44-A604-2F8D7E75F406}" presName="conn2-1" presStyleLbl="parChTrans1D4" presStyleIdx="1" presStyleCnt="2"/>
+      <dgm:spPr/>
+    </dgm:pt>
+    <dgm:pt modelId="{D65EF431-9E13-42CB-A953-46C62FB2217B}" type="pres">
+      <dgm:prSet presAssocID="{332AAA0F-7E60-4C44-A604-2F8D7E75F406}" presName="connTx" presStyleLbl="parChTrans1D4" presStyleIdx="1" presStyleCnt="2"/>
+      <dgm:spPr/>
+    </dgm:pt>
+    <dgm:pt modelId="{D7A4ABB6-0B85-4ED7-8424-D8710889F1A5}" type="pres">
+      <dgm:prSet presAssocID="{749DEDB9-479A-4C1B-A8AD-07722B0D7F27}" presName="root2" presStyleCnt="0"/>
+      <dgm:spPr/>
+    </dgm:pt>
+    <dgm:pt modelId="{03E8C37B-C1FC-4898-ABC1-B94601628523}" type="pres">
+      <dgm:prSet presAssocID="{749DEDB9-479A-4C1B-A8AD-07722B0D7F27}" presName="LevelTwoTextNode" presStyleLbl="node4" presStyleIdx="1" presStyleCnt="2" custLinFactNeighborX="75279">
+        <dgm:presLayoutVars>
+          <dgm:chPref val="3"/>
+        </dgm:presLayoutVars>
+      </dgm:prSet>
+      <dgm:spPr/>
+    </dgm:pt>
+    <dgm:pt modelId="{6C7BDC8A-6910-499A-9973-F3A989836E05}" type="pres">
+      <dgm:prSet presAssocID="{749DEDB9-479A-4C1B-A8AD-07722B0D7F27}" presName="level3hierChild" presStyleCnt="0"/>
+      <dgm:spPr/>
+    </dgm:pt>
+    <dgm:pt modelId="{5BB4F091-27E6-43A2-828B-A16DDF7F70FE}" type="pres">
+      <dgm:prSet presAssocID="{ACEF0E30-DE7B-4FFE-9CD7-832C0141678E}" presName="conn2-1" presStyleLbl="parChTrans1D3" presStyleIdx="1" presStyleCnt="3"/>
+      <dgm:spPr/>
+    </dgm:pt>
+    <dgm:pt modelId="{2ADF14BD-CAFD-460F-8C9C-790443217700}" type="pres">
+      <dgm:prSet presAssocID="{ACEF0E30-DE7B-4FFE-9CD7-832C0141678E}" presName="connTx" presStyleLbl="parChTrans1D3" presStyleIdx="1" presStyleCnt="3"/>
+      <dgm:spPr/>
+    </dgm:pt>
+    <dgm:pt modelId="{A31E14CC-327A-49DD-BB29-F4D524E3D1BA}" type="pres">
+      <dgm:prSet presAssocID="{EEC8D565-909D-4E99-8911-C315FC23BFC5}" presName="root2" presStyleCnt="0"/>
+      <dgm:spPr/>
+    </dgm:pt>
+    <dgm:pt modelId="{7CE4650C-024F-4E1D-B2DD-C4037C2B0E3B}" type="pres">
+      <dgm:prSet presAssocID="{EEC8D565-909D-4E99-8911-C315FC23BFC5}" presName="LevelTwoTextNode" presStyleLbl="node3" presStyleIdx="1" presStyleCnt="3" custLinFactNeighborX="72876" custLinFactNeighborY="-22424">
+        <dgm:presLayoutVars>
+          <dgm:chPref val="3"/>
+        </dgm:presLayoutVars>
+      </dgm:prSet>
+      <dgm:spPr/>
+    </dgm:pt>
+    <dgm:pt modelId="{CAE41CEB-D61F-4E95-B6E8-D23BF306192A}" type="pres">
+      <dgm:prSet presAssocID="{EEC8D565-909D-4E99-8911-C315FC23BFC5}" presName="level3hierChild" presStyleCnt="0"/>
+      <dgm:spPr/>
+    </dgm:pt>
+    <dgm:pt modelId="{5808CC36-A6A4-4726-A060-CED3CED6F365}" type="pres">
+      <dgm:prSet presAssocID="{F8467BAC-A44D-4F5A-AAAE-54AE0676F18C}" presName="conn2-1" presStyleLbl="parChTrans1D3" presStyleIdx="2" presStyleCnt="3"/>
+      <dgm:spPr/>
+    </dgm:pt>
+    <dgm:pt modelId="{A17968CA-336D-40DE-8571-A15F3D8A0313}" type="pres">
+      <dgm:prSet presAssocID="{F8467BAC-A44D-4F5A-AAAE-54AE0676F18C}" presName="connTx" presStyleLbl="parChTrans1D3" presStyleIdx="2" presStyleCnt="3"/>
+      <dgm:spPr/>
+    </dgm:pt>
+    <dgm:pt modelId="{713CF1B8-5292-47DB-8F3E-1D794A2D652E}" type="pres">
+      <dgm:prSet presAssocID="{4D47A9DC-1F49-4672-9F80-C53FE53137D7}" presName="root2" presStyleCnt="0"/>
+      <dgm:spPr/>
+    </dgm:pt>
+    <dgm:pt modelId="{772ECC2A-CE42-479C-ABA6-8C07D94AD420}" type="pres">
+      <dgm:prSet presAssocID="{4D47A9DC-1F49-4672-9F80-C53FE53137D7}" presName="LevelTwoTextNode" presStyleLbl="node3" presStyleIdx="2" presStyleCnt="3" custLinFactNeighborX="72876" custLinFactNeighborY="-9156">
+        <dgm:presLayoutVars>
+          <dgm:chPref val="3"/>
+        </dgm:presLayoutVars>
+      </dgm:prSet>
+      <dgm:spPr/>
+    </dgm:pt>
+    <dgm:pt modelId="{31C56487-6C8A-4112-95CC-BD2E2CE674EF}" type="pres">
+      <dgm:prSet presAssocID="{4D47A9DC-1F49-4672-9F80-C53FE53137D7}" presName="level3hierChild" presStyleCnt="0"/>
+      <dgm:spPr/>
+    </dgm:pt>
+  </dgm:ptLst>
+  <dgm:cxnLst>
+    <dgm:cxn modelId="{2EE55B01-89BD-4724-9333-5748D0F5B3CF}" type="presOf" srcId="{C33AA512-47E3-428D-BCAE-159ACA6B98E4}" destId="{FA45FE39-6407-4583-AAB4-3EB59B21EFAB}" srcOrd="0" destOrd="0" presId="urn:microsoft.com/office/officeart/2005/8/layout/hierarchy2"/>
+    <dgm:cxn modelId="{7B9C5914-93F8-4018-B64C-C718A7702579}" type="presOf" srcId="{ACEF0E30-DE7B-4FFE-9CD7-832C0141678E}" destId="{2ADF14BD-CAFD-460F-8C9C-790443217700}" srcOrd="1" destOrd="0" presId="urn:microsoft.com/office/officeart/2005/8/layout/hierarchy2"/>
+    <dgm:cxn modelId="{B5D68120-DA05-4CFC-9524-C011BCB42A7D}" type="presOf" srcId="{332AAA0F-7E60-4C44-A604-2F8D7E75F406}" destId="{7ECADCB6-FDD4-4F75-B163-D6946D6CE5E8}" srcOrd="0" destOrd="0" presId="urn:microsoft.com/office/officeart/2005/8/layout/hierarchy2"/>
+    <dgm:cxn modelId="{B85BE122-60C1-4593-AD20-32B67D27B0E1}" type="presOf" srcId="{749DEDB9-479A-4C1B-A8AD-07722B0D7F27}" destId="{03E8C37B-C1FC-4898-ABC1-B94601628523}" srcOrd="0" destOrd="0" presId="urn:microsoft.com/office/officeart/2005/8/layout/hierarchy2"/>
+    <dgm:cxn modelId="{6415E82A-0076-4BAB-9C2D-5764F3893EE9}" type="presOf" srcId="{BB239AB4-0D20-422F-A6EF-9A9BBB65E084}" destId="{6AC23471-1F44-4A52-87C0-AF75190E28C3}" srcOrd="0" destOrd="0" presId="urn:microsoft.com/office/officeart/2005/8/layout/hierarchy2"/>
+    <dgm:cxn modelId="{436FB92B-8CC3-4889-9775-06FD63A6A3C0}" srcId="{D88E20CE-1613-4EF8-AF02-0E9661195A0F}" destId="{6A890133-FB7E-4A97-9500-B8C251BA8224}" srcOrd="0" destOrd="0" parTransId="{352490CA-EDF0-43CE-88E3-9BEAA008F01A}" sibTransId="{5F9CD82A-B327-4FF7-BDC7-775C128A1B3A}"/>
+    <dgm:cxn modelId="{6C5DBD2B-A329-4E09-A2FD-F7854DD346CC}" srcId="{8CC9CCF6-93E8-49CA-920F-92B19B8223B6}" destId="{EEC8D565-909D-4E99-8911-C315FC23BFC5}" srcOrd="1" destOrd="0" parTransId="{ACEF0E30-DE7B-4FFE-9CD7-832C0141678E}" sibTransId="{409D0FC5-AE2E-498A-B335-2C358548E782}"/>
+    <dgm:cxn modelId="{0313CB2B-1AA9-49DE-BDA3-C116FCC32F46}" type="presOf" srcId="{CEDADFCE-B737-4AB3-ADB9-8896E5CAD176}" destId="{98444552-61F2-4BC3-AAC8-ABDC64193ED8}" srcOrd="0" destOrd="0" presId="urn:microsoft.com/office/officeart/2005/8/layout/hierarchy2"/>
+    <dgm:cxn modelId="{4B2DDD2C-28E1-4541-AD07-C4B2086600E6}" type="presOf" srcId="{ACEF0E30-DE7B-4FFE-9CD7-832C0141678E}" destId="{5BB4F091-27E6-43A2-828B-A16DDF7F70FE}" srcOrd="0" destOrd="0" presId="urn:microsoft.com/office/officeart/2005/8/layout/hierarchy2"/>
+    <dgm:cxn modelId="{DCCA8832-6079-41F2-94B9-628BD878AE28}" type="presOf" srcId="{D88E20CE-1613-4EF8-AF02-0E9661195A0F}" destId="{8873A971-3F58-4EB1-883D-A281944A5AAA}" srcOrd="0" destOrd="0" presId="urn:microsoft.com/office/officeart/2005/8/layout/hierarchy2"/>
+    <dgm:cxn modelId="{13D8993A-7578-446F-83E7-E4E8D648B2FB}" type="presOf" srcId="{5D382158-4CCC-443F-B999-5244E3DAF983}" destId="{8B237A88-C289-4BDA-8C25-5C750CDAA3D2}" srcOrd="0" destOrd="0" presId="urn:microsoft.com/office/officeart/2005/8/layout/hierarchy2"/>
+    <dgm:cxn modelId="{1D4AF95C-4BF7-42E0-AEBC-1D2B72BEDA90}" srcId="{8CC9CCF6-93E8-49CA-920F-92B19B8223B6}" destId="{4D47A9DC-1F49-4672-9F80-C53FE53137D7}" srcOrd="2" destOrd="0" parTransId="{F8467BAC-A44D-4F5A-AAAE-54AE0676F18C}" sibTransId="{46596A72-3EA2-4CCF-B6CB-7A609D36462C}"/>
+    <dgm:cxn modelId="{E6A33E61-E1C4-426E-A9A1-659C1EE7628B}" type="presOf" srcId="{6A890133-FB7E-4A97-9500-B8C251BA8224}" destId="{3347B779-B562-4482-8E2B-B4B648897D63}" srcOrd="0" destOrd="0" presId="urn:microsoft.com/office/officeart/2005/8/layout/hierarchy2"/>
+    <dgm:cxn modelId="{3B8BDF62-62AA-4750-A4BC-D4A8B91E5CE7}" type="presOf" srcId="{E6A759D3-300C-44B6-A475-D6204D116C57}" destId="{4DACBDAB-0261-42D4-93BF-A716D6A36959}" srcOrd="0" destOrd="0" presId="urn:microsoft.com/office/officeart/2005/8/layout/hierarchy2"/>
+    <dgm:cxn modelId="{196C6045-8682-463B-BC7B-16FCEA31DEBC}" type="presOf" srcId="{F8467BAC-A44D-4F5A-AAAE-54AE0676F18C}" destId="{5808CC36-A6A4-4726-A060-CED3CED6F365}" srcOrd="0" destOrd="0" presId="urn:microsoft.com/office/officeart/2005/8/layout/hierarchy2"/>
+    <dgm:cxn modelId="{8049B145-5CD7-439E-95BF-016939905535}" type="presOf" srcId="{87525F32-C7B3-4325-A36A-C861D9B7FC3B}" destId="{4987DB8E-3A76-4E7F-A88D-A887099D0B6D}" srcOrd="1" destOrd="0" presId="urn:microsoft.com/office/officeart/2005/8/layout/hierarchy2"/>
+    <dgm:cxn modelId="{42CD626A-DDFF-4204-A377-A38DAC704BE2}" srcId="{B5FCBDB4-C777-4339-82AB-58E42986F74F}" destId="{8CC9CCF6-93E8-49CA-920F-92B19B8223B6}" srcOrd="4" destOrd="0" parTransId="{3D2B0656-7F87-44C2-A3DB-FEB668C6205E}" sibTransId="{514F4A7F-72E6-483A-B6CC-6A1BA8B86995}"/>
+    <dgm:cxn modelId="{E8DFAA4B-FA9A-4D28-B6CF-6BD08FD1873B}" type="presOf" srcId="{F8467BAC-A44D-4F5A-AAAE-54AE0676F18C}" destId="{A17968CA-336D-40DE-8571-A15F3D8A0313}" srcOrd="1" destOrd="0" presId="urn:microsoft.com/office/officeart/2005/8/layout/hierarchy2"/>
+    <dgm:cxn modelId="{8267CE6B-A283-444D-B6DB-92B4B7C05958}" type="presOf" srcId="{E6A759D3-300C-44B6-A475-D6204D116C57}" destId="{2588CD2B-2128-45DC-924B-43730B2FC4DB}" srcOrd="1" destOrd="0" presId="urn:microsoft.com/office/officeart/2005/8/layout/hierarchy2"/>
+    <dgm:cxn modelId="{654ABD51-D39B-463D-A8B0-B915693CFFAB}" type="presOf" srcId="{9D128B2C-88DB-4E23-A074-47D7EEEAFF04}" destId="{32131C0E-09A1-47A6-8064-F868AB07461E}" srcOrd="1" destOrd="0" presId="urn:microsoft.com/office/officeart/2005/8/layout/hierarchy2"/>
+    <dgm:cxn modelId="{65B7DC71-831C-4D57-BBA3-E90F3BD452AE}" type="presOf" srcId="{047FCCA2-CB3F-4DFE-B019-91DC668D8018}" destId="{DF5F351E-A61B-47EF-8D93-4F8798B86F8C}" srcOrd="0" destOrd="0" presId="urn:microsoft.com/office/officeart/2005/8/layout/hierarchy2"/>
+    <dgm:cxn modelId="{2B0DFC53-B7A2-4D1A-88D9-A5812C1696FB}" type="presOf" srcId="{9D128B2C-88DB-4E23-A074-47D7EEEAFF04}" destId="{15E189E6-4673-4FF2-BD5A-C43D690DECAC}" srcOrd="0" destOrd="0" presId="urn:microsoft.com/office/officeart/2005/8/layout/hierarchy2"/>
+    <dgm:cxn modelId="{93BB0875-4671-49A1-A85D-A583366DEDD9}" type="presOf" srcId="{8CC9CCF6-93E8-49CA-920F-92B19B8223B6}" destId="{6F4AB7BD-C2CF-4228-A4A5-A0312E37E89C}" srcOrd="0" destOrd="0" presId="urn:microsoft.com/office/officeart/2005/8/layout/hierarchy2"/>
+    <dgm:cxn modelId="{862A0977-1595-4C96-AEB6-47C4542CC875}" srcId="{B5FCBDB4-C777-4339-82AB-58E42986F74F}" destId="{047FCCA2-CB3F-4DFE-B019-91DC668D8018}" srcOrd="0" destOrd="0" parTransId="{87525F32-C7B3-4325-A36A-C861D9B7FC3B}" sibTransId="{76CDE7DE-0F39-477E-871B-C6AA371068EE}"/>
+    <dgm:cxn modelId="{4037D582-6FE3-41E4-A921-B1032EC72C90}" type="presOf" srcId="{4D47A9DC-1F49-4672-9F80-C53FE53137D7}" destId="{772ECC2A-CE42-479C-ABA6-8C07D94AD420}" srcOrd="0" destOrd="0" presId="urn:microsoft.com/office/officeart/2005/8/layout/hierarchy2"/>
+    <dgm:cxn modelId="{B2951983-FE7D-417A-BA23-25DB98DF619B}" type="presOf" srcId="{97B1EEFF-85C2-4BB8-8C86-2136CFADE772}" destId="{036ED208-E040-4D98-AE0C-719A5151D53A}" srcOrd="0" destOrd="0" presId="urn:microsoft.com/office/officeart/2005/8/layout/hierarchy2"/>
+    <dgm:cxn modelId="{7DF5FD8D-99D9-4429-91A5-099976F0A8E8}" srcId="{8CC9CCF6-93E8-49CA-920F-92B19B8223B6}" destId="{BB239AB4-0D20-422F-A6EF-9A9BBB65E084}" srcOrd="0" destOrd="0" parTransId="{97B1EEFF-85C2-4BB8-8C86-2136CFADE772}" sibTransId="{E3AB7BB4-E2CC-4E00-893B-11554C99B7AD}"/>
+    <dgm:cxn modelId="{DC033F94-F266-4284-A016-31070EF60D2F}" type="presOf" srcId="{332AAA0F-7E60-4C44-A604-2F8D7E75F406}" destId="{D65EF431-9E13-42CB-A953-46C62FB2217B}" srcOrd="1" destOrd="0" presId="urn:microsoft.com/office/officeart/2005/8/layout/hierarchy2"/>
+    <dgm:cxn modelId="{48AC5398-DA8D-465F-9641-1DE9653CABE2}" type="presOf" srcId="{3D2B0656-7F87-44C2-A3DB-FEB668C6205E}" destId="{32F9B824-49C2-4F98-86BE-35F033690C80}" srcOrd="0" destOrd="0" presId="urn:microsoft.com/office/officeart/2005/8/layout/hierarchy2"/>
+    <dgm:cxn modelId="{19F09E9D-32A6-4D6A-BB8A-549FCFE083AF}" srcId="{BB239AB4-0D20-422F-A6EF-9A9BBB65E084}" destId="{749DEDB9-479A-4C1B-A8AD-07722B0D7F27}" srcOrd="1" destOrd="0" parTransId="{332AAA0F-7E60-4C44-A604-2F8D7E75F406}" sibTransId="{C8772A65-EBC8-46A1-96E0-C6DE9943A81B}"/>
+    <dgm:cxn modelId="{95E046A4-9B3E-4E49-81A1-A162ACF604DB}" type="presOf" srcId="{04B8F96A-9C91-4A7C-94FC-0B0919FFA216}" destId="{8229761F-F48C-4F11-9085-4DB97F4BE1B4}" srcOrd="1" destOrd="0" presId="urn:microsoft.com/office/officeart/2005/8/layout/hierarchy2"/>
+    <dgm:cxn modelId="{C0B081A5-9C8D-4333-B3FA-1C4AE47B8A4B}" type="presOf" srcId="{C33AA512-47E3-428D-BCAE-159ACA6B98E4}" destId="{35A61E68-0D26-4DFE-8635-138D651FF1FA}" srcOrd="1" destOrd="0" presId="urn:microsoft.com/office/officeart/2005/8/layout/hierarchy2"/>
+    <dgm:cxn modelId="{28C68EAC-200E-406B-BC50-F283DE3B1CE4}" type="presOf" srcId="{C7471181-4FC1-41A1-AF83-EB52D7332301}" destId="{F856CBB8-7E4C-4FBA-8AFC-CF15AAD4974F}" srcOrd="0" destOrd="0" presId="urn:microsoft.com/office/officeart/2005/8/layout/hierarchy2"/>
+    <dgm:cxn modelId="{63484BB0-7842-4CE4-B38D-EBE842F65AAA}" type="presOf" srcId="{04B8F96A-9C91-4A7C-94FC-0B0919FFA216}" destId="{0D959FD1-5F77-4811-9588-963BCBDCF043}" srcOrd="0" destOrd="0" presId="urn:microsoft.com/office/officeart/2005/8/layout/hierarchy2"/>
+    <dgm:cxn modelId="{7067B6B4-735E-459F-B711-93F91DCCA25E}" type="presOf" srcId="{B5FCBDB4-C777-4339-82AB-58E42986F74F}" destId="{E982291D-9467-4511-B638-08547C662A15}" srcOrd="0" destOrd="0" presId="urn:microsoft.com/office/officeart/2005/8/layout/hierarchy2"/>
+    <dgm:cxn modelId="{9A0755BD-879F-4AF4-8539-5D4EF7A6ABAD}" srcId="{BB239AB4-0D20-422F-A6EF-9A9BBB65E084}" destId="{C7471181-4FC1-41A1-AF83-EB52D7332301}" srcOrd="0" destOrd="0" parTransId="{04B8F96A-9C91-4A7C-94FC-0B0919FFA216}" sibTransId="{67757193-D884-46FF-B77C-A161D52A0E91}"/>
+    <dgm:cxn modelId="{25CEEDC2-956C-4260-8C98-17A9976BBF8B}" type="presOf" srcId="{A6EE88DF-3B08-4B27-8B87-BCB65C211FFA}" destId="{B869B81D-8267-451F-B293-126220B81920}" srcOrd="0" destOrd="0" presId="urn:microsoft.com/office/officeart/2005/8/layout/hierarchy2"/>
+    <dgm:cxn modelId="{678AC5D0-8AE8-475A-BD04-E5D006049397}" type="presOf" srcId="{87525F32-C7B3-4325-A36A-C861D9B7FC3B}" destId="{FE0471D6-0E53-4FC1-B98D-17F4B7A1E61A}" srcOrd="0" destOrd="0" presId="urn:microsoft.com/office/officeart/2005/8/layout/hierarchy2"/>
+    <dgm:cxn modelId="{423A09D1-F510-4FE2-B6CC-EDE15302F3DC}" srcId="{B5FCBDB4-C777-4339-82AB-58E42986F74F}" destId="{A6EE88DF-3B08-4B27-8B87-BCB65C211FFA}" srcOrd="1" destOrd="0" parTransId="{C33AA512-47E3-428D-BCAE-159ACA6B98E4}" sibTransId="{3F877D12-DE17-48D7-B923-E76B9384E6EE}"/>
+    <dgm:cxn modelId="{6A0946DB-98C5-4BAE-85DC-55B3268F9A6D}" type="presOf" srcId="{97B1EEFF-85C2-4BB8-8C86-2136CFADE772}" destId="{A92C484A-51BA-41F6-B31D-987D5C05BD22}" srcOrd="1" destOrd="0" presId="urn:microsoft.com/office/officeart/2005/8/layout/hierarchy2"/>
+    <dgm:cxn modelId="{22756ADB-335C-4F3C-9783-3AA1D038931C}" srcId="{D88E20CE-1613-4EF8-AF02-0E9661195A0F}" destId="{B5FCBDB4-C777-4339-82AB-58E42986F74F}" srcOrd="1" destOrd="0" parTransId="{FFDDBEFA-2284-455F-A7AC-6B31BC58CC4A}" sibTransId="{A66D158F-EBEC-474E-A3AD-3850887F0BC0}"/>
+    <dgm:cxn modelId="{6CAB80DC-B752-4080-9D38-572F4908D67D}" srcId="{B5FCBDB4-C777-4339-82AB-58E42986F74F}" destId="{5D382158-4CCC-443F-B999-5244E3DAF983}" srcOrd="3" destOrd="0" parTransId="{9D128B2C-88DB-4E23-A074-47D7EEEAFF04}" sibTransId="{2CFECC15-8A99-469F-B5C6-E16B79A4241C}"/>
+    <dgm:cxn modelId="{3B668DF5-52EB-4136-A451-21FFCFB52549}" srcId="{B5FCBDB4-C777-4339-82AB-58E42986F74F}" destId="{CEDADFCE-B737-4AB3-ADB9-8896E5CAD176}" srcOrd="2" destOrd="0" parTransId="{E6A759D3-300C-44B6-A475-D6204D116C57}" sibTransId="{C5169A0B-38C1-4CFD-825B-4C2B0915169C}"/>
+    <dgm:cxn modelId="{15DC0DF7-06BB-45CD-BAD3-2C5FAEBB1D63}" type="presOf" srcId="{3D2B0656-7F87-44C2-A3DB-FEB668C6205E}" destId="{59A2D10D-95FF-47A2-9AC6-1ED8AF095F3A}" srcOrd="1" destOrd="0" presId="urn:microsoft.com/office/officeart/2005/8/layout/hierarchy2"/>
+    <dgm:cxn modelId="{131C7BFF-6311-4091-AB97-3CF340D2B47B}" type="presOf" srcId="{EEC8D565-909D-4E99-8911-C315FC23BFC5}" destId="{7CE4650C-024F-4E1D-B2DD-C4037C2B0E3B}" srcOrd="0" destOrd="0" presId="urn:microsoft.com/office/officeart/2005/8/layout/hierarchy2"/>
+    <dgm:cxn modelId="{C55467A7-7DA0-49D3-99E4-0254E5D1E477}" type="presParOf" srcId="{8873A971-3F58-4EB1-883D-A281944A5AAA}" destId="{439E2093-323A-4A45-8754-14815898F5F4}" srcOrd="0" destOrd="0" presId="urn:microsoft.com/office/officeart/2005/8/layout/hierarchy2"/>
+    <dgm:cxn modelId="{826BA4B9-1292-4E87-9832-EBA7D793F4D2}" type="presParOf" srcId="{439E2093-323A-4A45-8754-14815898F5F4}" destId="{3347B779-B562-4482-8E2B-B4B648897D63}" srcOrd="0" destOrd="0" presId="urn:microsoft.com/office/officeart/2005/8/layout/hierarchy2"/>
+    <dgm:cxn modelId="{596F5A60-5AE5-41AA-83A0-27B719722734}" type="presParOf" srcId="{439E2093-323A-4A45-8754-14815898F5F4}" destId="{8E106726-6013-44EE-A233-7DEAB76F1256}" srcOrd="1" destOrd="0" presId="urn:microsoft.com/office/officeart/2005/8/layout/hierarchy2"/>
+    <dgm:cxn modelId="{62930867-6B91-4ABE-B083-8A768CFA0CE8}" type="presParOf" srcId="{8873A971-3F58-4EB1-883D-A281944A5AAA}" destId="{28FE31A4-7024-4D18-9509-ACB619088EE6}" srcOrd="1" destOrd="0" presId="urn:microsoft.com/office/officeart/2005/8/layout/hierarchy2"/>
+    <dgm:cxn modelId="{2048E630-D87A-4039-B5F7-F56CF155014B}" type="presParOf" srcId="{28FE31A4-7024-4D18-9509-ACB619088EE6}" destId="{E982291D-9467-4511-B638-08547C662A15}" srcOrd="0" destOrd="0" presId="urn:microsoft.com/office/officeart/2005/8/layout/hierarchy2"/>
+    <dgm:cxn modelId="{D1B1D014-14BD-4C38-8FE1-C148853A8C36}" type="presParOf" srcId="{28FE31A4-7024-4D18-9509-ACB619088EE6}" destId="{CD8A426F-B774-4E60-B938-22A7BB4C88ED}" srcOrd="1" destOrd="0" presId="urn:microsoft.com/office/officeart/2005/8/layout/hierarchy2"/>
+    <dgm:cxn modelId="{364A2915-E514-45C5-865B-B01659950E5F}" type="presParOf" srcId="{CD8A426F-B774-4E60-B938-22A7BB4C88ED}" destId="{FE0471D6-0E53-4FC1-B98D-17F4B7A1E61A}" srcOrd="0" destOrd="0" presId="urn:microsoft.com/office/officeart/2005/8/layout/hierarchy2"/>
+    <dgm:cxn modelId="{1E64CC3D-687E-44AA-AED6-732E3CF4CD94}" type="presParOf" srcId="{FE0471D6-0E53-4FC1-B98D-17F4B7A1E61A}" destId="{4987DB8E-3A76-4E7F-A88D-A887099D0B6D}" srcOrd="0" destOrd="0" presId="urn:microsoft.com/office/officeart/2005/8/layout/hierarchy2"/>
+    <dgm:cxn modelId="{8845E9BE-C650-4052-9A4C-31ADEEF82DF8}" type="presParOf" srcId="{CD8A426F-B774-4E60-B938-22A7BB4C88ED}" destId="{F9018ECA-249D-493D-BDFA-E1E619969674}" srcOrd="1" destOrd="0" presId="urn:microsoft.com/office/officeart/2005/8/layout/hierarchy2"/>
+    <dgm:cxn modelId="{21BBF9A7-8DF2-490A-87D8-8958D0D248F6}" type="presParOf" srcId="{F9018ECA-249D-493D-BDFA-E1E619969674}" destId="{DF5F351E-A61B-47EF-8D93-4F8798B86F8C}" srcOrd="0" destOrd="0" presId="urn:microsoft.com/office/officeart/2005/8/layout/hierarchy2"/>
+    <dgm:cxn modelId="{7F4A4FC6-A46D-413E-A4BD-A85D3A427184}" type="presParOf" srcId="{F9018ECA-249D-493D-BDFA-E1E619969674}" destId="{4DD713F6-F93A-435B-A292-5D87825D99F9}" srcOrd="1" destOrd="0" presId="urn:microsoft.com/office/officeart/2005/8/layout/hierarchy2"/>
+    <dgm:cxn modelId="{3C8F79D7-F268-4A87-820A-CEFC0F1AF8F2}" type="presParOf" srcId="{CD8A426F-B774-4E60-B938-22A7BB4C88ED}" destId="{FA45FE39-6407-4583-AAB4-3EB59B21EFAB}" srcOrd="2" destOrd="0" presId="urn:microsoft.com/office/officeart/2005/8/layout/hierarchy2"/>
+    <dgm:cxn modelId="{FE232F12-7E87-4D05-84A0-1EE5160957F4}" type="presParOf" srcId="{FA45FE39-6407-4583-AAB4-3EB59B21EFAB}" destId="{35A61E68-0D26-4DFE-8635-138D651FF1FA}" srcOrd="0" destOrd="0" presId="urn:microsoft.com/office/officeart/2005/8/layout/hierarchy2"/>
+    <dgm:cxn modelId="{4CA97A8A-6319-457C-9822-7F8C98A0EE64}" type="presParOf" srcId="{CD8A426F-B774-4E60-B938-22A7BB4C88ED}" destId="{45766637-D329-4292-9CB0-A6897B120D35}" srcOrd="3" destOrd="0" presId="urn:microsoft.com/office/officeart/2005/8/layout/hierarchy2"/>
+    <dgm:cxn modelId="{3295CF8C-70E0-42CC-99A1-37CA06D453D4}" type="presParOf" srcId="{45766637-D329-4292-9CB0-A6897B120D35}" destId="{B869B81D-8267-451F-B293-126220B81920}" srcOrd="0" destOrd="0" presId="urn:microsoft.com/office/officeart/2005/8/layout/hierarchy2"/>
+    <dgm:cxn modelId="{18EFC799-8084-4928-B870-E2608435F548}" type="presParOf" srcId="{45766637-D329-4292-9CB0-A6897B120D35}" destId="{2BF40EE5-B1F2-45C9-BC34-10BE722F6F15}" srcOrd="1" destOrd="0" presId="urn:microsoft.com/office/officeart/2005/8/layout/hierarchy2"/>
+    <dgm:cxn modelId="{83C5690B-4BE0-4820-9C3F-95DA05C6A466}" type="presParOf" srcId="{CD8A426F-B774-4E60-B938-22A7BB4C88ED}" destId="{4DACBDAB-0261-42D4-93BF-A716D6A36959}" srcOrd="4" destOrd="0" presId="urn:microsoft.com/office/officeart/2005/8/layout/hierarchy2"/>
+    <dgm:cxn modelId="{C1AEEE21-FA5C-4A79-A36B-4331B6BC2695}" type="presParOf" srcId="{4DACBDAB-0261-42D4-93BF-A716D6A36959}" destId="{2588CD2B-2128-45DC-924B-43730B2FC4DB}" srcOrd="0" destOrd="0" presId="urn:microsoft.com/office/officeart/2005/8/layout/hierarchy2"/>
+    <dgm:cxn modelId="{5555ED21-9379-4445-9C55-ED21ED635BB0}" type="presParOf" srcId="{CD8A426F-B774-4E60-B938-22A7BB4C88ED}" destId="{6BCDB5B8-9BA2-4498-ACC2-38D7B07792F2}" srcOrd="5" destOrd="0" presId="urn:microsoft.com/office/officeart/2005/8/layout/hierarchy2"/>
+    <dgm:cxn modelId="{2951D2FE-C2DF-44B9-9E14-94A0863D7035}" type="presParOf" srcId="{6BCDB5B8-9BA2-4498-ACC2-38D7B07792F2}" destId="{98444552-61F2-4BC3-AAC8-ABDC64193ED8}" srcOrd="0" destOrd="0" presId="urn:microsoft.com/office/officeart/2005/8/layout/hierarchy2"/>
+    <dgm:cxn modelId="{2ECE3A8D-F9AE-4CB1-A5C9-4146120BE724}" type="presParOf" srcId="{6BCDB5B8-9BA2-4498-ACC2-38D7B07792F2}" destId="{77899EC6-E003-4D4A-A55A-C3ED53EBC689}" srcOrd="1" destOrd="0" presId="urn:microsoft.com/office/officeart/2005/8/layout/hierarchy2"/>
+    <dgm:cxn modelId="{CA0AD7D2-39E1-4D28-9DFB-A65D7E27893F}" type="presParOf" srcId="{CD8A426F-B774-4E60-B938-22A7BB4C88ED}" destId="{15E189E6-4673-4FF2-BD5A-C43D690DECAC}" srcOrd="6" destOrd="0" presId="urn:microsoft.com/office/officeart/2005/8/layout/hierarchy2"/>
+    <dgm:cxn modelId="{515F8981-7C0E-4EAE-9D51-929E191B8DD5}" type="presParOf" srcId="{15E189E6-4673-4FF2-BD5A-C43D690DECAC}" destId="{32131C0E-09A1-47A6-8064-F868AB07461E}" srcOrd="0" destOrd="0" presId="urn:microsoft.com/office/officeart/2005/8/layout/hierarchy2"/>
+    <dgm:cxn modelId="{7C14A0C6-092B-4172-AE2C-4B19C00F5285}" type="presParOf" srcId="{CD8A426F-B774-4E60-B938-22A7BB4C88ED}" destId="{8B490048-F2B2-4AC9-85F9-A8D2FC161843}" srcOrd="7" destOrd="0" presId="urn:microsoft.com/office/officeart/2005/8/layout/hierarchy2"/>
+    <dgm:cxn modelId="{48289278-4893-4584-9D89-A56609899E96}" type="presParOf" srcId="{8B490048-F2B2-4AC9-85F9-A8D2FC161843}" destId="{8B237A88-C289-4BDA-8C25-5C750CDAA3D2}" srcOrd="0" destOrd="0" presId="urn:microsoft.com/office/officeart/2005/8/layout/hierarchy2"/>
+    <dgm:cxn modelId="{62F1FBAF-FBE6-443B-913A-82E179B576A2}" type="presParOf" srcId="{8B490048-F2B2-4AC9-85F9-A8D2FC161843}" destId="{A6C24A6C-1529-4A7D-8C2B-88DC57263CFB}" srcOrd="1" destOrd="0" presId="urn:microsoft.com/office/officeart/2005/8/layout/hierarchy2"/>
+    <dgm:cxn modelId="{E200673F-B72C-45B8-910A-693F543681E5}" type="presParOf" srcId="{CD8A426F-B774-4E60-B938-22A7BB4C88ED}" destId="{32F9B824-49C2-4F98-86BE-35F033690C80}" srcOrd="8" destOrd="0" presId="urn:microsoft.com/office/officeart/2005/8/layout/hierarchy2"/>
+    <dgm:cxn modelId="{BB90FFAA-17D4-4E3F-AA63-79DE288D62DE}" type="presParOf" srcId="{32F9B824-49C2-4F98-86BE-35F033690C80}" destId="{59A2D10D-95FF-47A2-9AC6-1ED8AF095F3A}" srcOrd="0" destOrd="0" presId="urn:microsoft.com/office/officeart/2005/8/layout/hierarchy2"/>
+    <dgm:cxn modelId="{E37B3503-28CB-4E79-98F7-7C758EE7D574}" type="presParOf" srcId="{CD8A426F-B774-4E60-B938-22A7BB4C88ED}" destId="{C187EF84-ACD3-4140-A0ED-AB6518161722}" srcOrd="9" destOrd="0" presId="urn:microsoft.com/office/officeart/2005/8/layout/hierarchy2"/>
+    <dgm:cxn modelId="{139F1B55-FB6F-47FA-B201-2728EE030950}" type="presParOf" srcId="{C187EF84-ACD3-4140-A0ED-AB6518161722}" destId="{6F4AB7BD-C2CF-4228-A4A5-A0312E37E89C}" srcOrd="0" destOrd="0" presId="urn:microsoft.com/office/officeart/2005/8/layout/hierarchy2"/>
+    <dgm:cxn modelId="{B1E9350D-817E-4E34-A4BF-E2E60CDE4976}" type="presParOf" srcId="{C187EF84-ACD3-4140-A0ED-AB6518161722}" destId="{D0B1DAD3-1F6D-4F18-BDDC-26A0C655B3F7}" srcOrd="1" destOrd="0" presId="urn:microsoft.com/office/officeart/2005/8/layout/hierarchy2"/>
+    <dgm:cxn modelId="{3CF63B18-9E30-4541-9AFC-421BED146EB5}" type="presParOf" srcId="{D0B1DAD3-1F6D-4F18-BDDC-26A0C655B3F7}" destId="{036ED208-E040-4D98-AE0C-719A5151D53A}" srcOrd="0" destOrd="0" presId="urn:microsoft.com/office/officeart/2005/8/layout/hierarchy2"/>
+    <dgm:cxn modelId="{E185C9D0-9212-4B80-A8A4-482B257A940C}" type="presParOf" srcId="{036ED208-E040-4D98-AE0C-719A5151D53A}" destId="{A92C484A-51BA-41F6-B31D-987D5C05BD22}" srcOrd="0" destOrd="0" presId="urn:microsoft.com/office/officeart/2005/8/layout/hierarchy2"/>
+    <dgm:cxn modelId="{068FFD51-3E58-4C3D-ADF2-E34D2326BF88}" type="presParOf" srcId="{D0B1DAD3-1F6D-4F18-BDDC-26A0C655B3F7}" destId="{F43D454F-B0DF-42A9-884F-744867EF6181}" srcOrd="1" destOrd="0" presId="urn:microsoft.com/office/officeart/2005/8/layout/hierarchy2"/>
+    <dgm:cxn modelId="{5DC2D300-2852-4BC5-844E-5A70DEF448A8}" type="presParOf" srcId="{F43D454F-B0DF-42A9-884F-744867EF6181}" destId="{6AC23471-1F44-4A52-87C0-AF75190E28C3}" srcOrd="0" destOrd="0" presId="urn:microsoft.com/office/officeart/2005/8/layout/hierarchy2"/>
+    <dgm:cxn modelId="{AF890260-F930-42F1-9430-C74BD152B81D}" type="presParOf" srcId="{F43D454F-B0DF-42A9-884F-744867EF6181}" destId="{0A367C02-A5A4-4390-9E16-43715BEAB8FA}" srcOrd="1" destOrd="0" presId="urn:microsoft.com/office/officeart/2005/8/layout/hierarchy2"/>
+    <dgm:cxn modelId="{DB464790-7783-4E10-B2A1-B385C66518AC}" type="presParOf" srcId="{0A367C02-A5A4-4390-9E16-43715BEAB8FA}" destId="{0D959FD1-5F77-4811-9588-963BCBDCF043}" srcOrd="0" destOrd="0" presId="urn:microsoft.com/office/officeart/2005/8/layout/hierarchy2"/>
+    <dgm:cxn modelId="{762E8077-FA75-4B38-9261-46980E36FFBA}" type="presParOf" srcId="{0D959FD1-5F77-4811-9588-963BCBDCF043}" destId="{8229761F-F48C-4F11-9085-4DB97F4BE1B4}" srcOrd="0" destOrd="0" presId="urn:microsoft.com/office/officeart/2005/8/layout/hierarchy2"/>
+    <dgm:cxn modelId="{D93FD51F-FFBB-4B95-B898-F1F858CE8CC1}" type="presParOf" srcId="{0A367C02-A5A4-4390-9E16-43715BEAB8FA}" destId="{1B73E6EC-E250-4AD4-9897-3B90CF367659}" srcOrd="1" destOrd="0" presId="urn:microsoft.com/office/officeart/2005/8/layout/hierarchy2"/>
+    <dgm:cxn modelId="{068FD8A2-7854-4368-B16F-231E0D14B440}" type="presParOf" srcId="{1B73E6EC-E250-4AD4-9897-3B90CF367659}" destId="{F856CBB8-7E4C-4FBA-8AFC-CF15AAD4974F}" srcOrd="0" destOrd="0" presId="urn:microsoft.com/office/officeart/2005/8/layout/hierarchy2"/>
+    <dgm:cxn modelId="{972AF43E-30B2-4105-B8D4-8B36DBBF88DC}" type="presParOf" srcId="{1B73E6EC-E250-4AD4-9897-3B90CF367659}" destId="{7B549431-2880-4A5B-A0A2-8DBF781AF9BF}" srcOrd="1" destOrd="0" presId="urn:microsoft.com/office/officeart/2005/8/layout/hierarchy2"/>
+    <dgm:cxn modelId="{E0428DF6-5C66-4521-B7BD-AC7924563D71}" type="presParOf" srcId="{0A367C02-A5A4-4390-9E16-43715BEAB8FA}" destId="{7ECADCB6-FDD4-4F75-B163-D6946D6CE5E8}" srcOrd="2" destOrd="0" presId="urn:microsoft.com/office/officeart/2005/8/layout/hierarchy2"/>
+    <dgm:cxn modelId="{736722AA-B05F-4ABE-9459-0F42AFF7DACE}" type="presParOf" srcId="{7ECADCB6-FDD4-4F75-B163-D6946D6CE5E8}" destId="{D65EF431-9E13-42CB-A953-46C62FB2217B}" srcOrd="0" destOrd="0" presId="urn:microsoft.com/office/officeart/2005/8/layout/hierarchy2"/>
+    <dgm:cxn modelId="{A164896B-BD7D-4632-BC9A-BBFB5EFEEA95}" type="presParOf" srcId="{0A367C02-A5A4-4390-9E16-43715BEAB8FA}" destId="{D7A4ABB6-0B85-4ED7-8424-D8710889F1A5}" srcOrd="3" destOrd="0" presId="urn:microsoft.com/office/officeart/2005/8/layout/hierarchy2"/>
+    <dgm:cxn modelId="{252C3644-7DC3-40FE-BA93-A02A35250A7A}" type="presParOf" srcId="{D7A4ABB6-0B85-4ED7-8424-D8710889F1A5}" destId="{03E8C37B-C1FC-4898-ABC1-B94601628523}" srcOrd="0" destOrd="0" presId="urn:microsoft.com/office/officeart/2005/8/layout/hierarchy2"/>
+    <dgm:cxn modelId="{ACB807D5-64F3-49CA-B5B2-4FD1447FDAD8}" type="presParOf" srcId="{D7A4ABB6-0B85-4ED7-8424-D8710889F1A5}" destId="{6C7BDC8A-6910-499A-9973-F3A989836E05}" srcOrd="1" destOrd="0" presId="urn:microsoft.com/office/officeart/2005/8/layout/hierarchy2"/>
+    <dgm:cxn modelId="{02EB18D3-6575-44D9-BA83-AEC7D00DEA14}" type="presParOf" srcId="{D0B1DAD3-1F6D-4F18-BDDC-26A0C655B3F7}" destId="{5BB4F091-27E6-43A2-828B-A16DDF7F70FE}" srcOrd="2" destOrd="0" presId="urn:microsoft.com/office/officeart/2005/8/layout/hierarchy2"/>
+    <dgm:cxn modelId="{5876B807-CDA5-4A6F-BE54-21F47EECAB99}" type="presParOf" srcId="{5BB4F091-27E6-43A2-828B-A16DDF7F70FE}" destId="{2ADF14BD-CAFD-460F-8C9C-790443217700}" srcOrd="0" destOrd="0" presId="urn:microsoft.com/office/officeart/2005/8/layout/hierarchy2"/>
+    <dgm:cxn modelId="{C12916DB-E121-4D82-B8A4-7715E844E235}" type="presParOf" srcId="{D0B1DAD3-1F6D-4F18-BDDC-26A0C655B3F7}" destId="{A31E14CC-327A-49DD-BB29-F4D524E3D1BA}" srcOrd="3" destOrd="0" presId="urn:microsoft.com/office/officeart/2005/8/layout/hierarchy2"/>
+    <dgm:cxn modelId="{005D511E-CECB-4087-83FA-000D2F92D1C1}" type="presParOf" srcId="{A31E14CC-327A-49DD-BB29-F4D524E3D1BA}" destId="{7CE4650C-024F-4E1D-B2DD-C4037C2B0E3B}" srcOrd="0" destOrd="0" presId="urn:microsoft.com/office/officeart/2005/8/layout/hierarchy2"/>
+    <dgm:cxn modelId="{3636FEE9-6AD1-4F57-B2C7-7E59CF31BB71}" type="presParOf" srcId="{A31E14CC-327A-49DD-BB29-F4D524E3D1BA}" destId="{CAE41CEB-D61F-4E95-B6E8-D23BF306192A}" srcOrd="1" destOrd="0" presId="urn:microsoft.com/office/officeart/2005/8/layout/hierarchy2"/>
+    <dgm:cxn modelId="{7DF9BA16-68DF-41FC-9E94-E9B257389BE2}" type="presParOf" srcId="{D0B1DAD3-1F6D-4F18-BDDC-26A0C655B3F7}" destId="{5808CC36-A6A4-4726-A060-CED3CED6F365}" srcOrd="4" destOrd="0" presId="urn:microsoft.com/office/officeart/2005/8/layout/hierarchy2"/>
+    <dgm:cxn modelId="{0B479FD0-6B7B-4BE6-BB71-4D2E7A0526C9}" type="presParOf" srcId="{5808CC36-A6A4-4726-A060-CED3CED6F365}" destId="{A17968CA-336D-40DE-8571-A15F3D8A0313}" srcOrd="0" destOrd="0" presId="urn:microsoft.com/office/officeart/2005/8/layout/hierarchy2"/>
+    <dgm:cxn modelId="{73833B53-9A41-48C2-B1B0-1C1A972359CB}" type="presParOf" srcId="{D0B1DAD3-1F6D-4F18-BDDC-26A0C655B3F7}" destId="{713CF1B8-5292-47DB-8F3E-1D794A2D652E}" srcOrd="5" destOrd="0" presId="urn:microsoft.com/office/officeart/2005/8/layout/hierarchy2"/>
+    <dgm:cxn modelId="{7088072A-A044-46C6-8A25-0857D04E105D}" type="presParOf" srcId="{713CF1B8-5292-47DB-8F3E-1D794A2D652E}" destId="{772ECC2A-CE42-479C-ABA6-8C07D94AD420}" srcOrd="0" destOrd="0" presId="urn:microsoft.com/office/officeart/2005/8/layout/hierarchy2"/>
+    <dgm:cxn modelId="{738C764C-E2A0-4FDE-BB75-2D96D5315723}" type="presParOf" srcId="{713CF1B8-5292-47DB-8F3E-1D794A2D652E}" destId="{31C56487-6C8A-4112-95CC-BD2E2CE674EF}" srcOrd="1" destOrd="0" presId="urn:microsoft.com/office/officeart/2005/8/layout/hierarchy2"/>
+  </dgm:cxnLst>
+  <dgm:bg/>
+  <dgm:whole/>
+  <dgm:extLst>
+    <a:ext uri="http://schemas.microsoft.com/office/drawing/2008/diagram">
+      <dsp:dataModelExt xmlns:dsp="http://schemas.microsoft.com/office/drawing/2008/diagram" relId="rId6" minVer="http://schemas.openxmlformats.org/drawingml/2006/diagram"/>
+    </a:ext>
+  </dgm:extLst>
+</dgm:dataModel>
+</file>
+
+<file path=ppt/diagrams/drawing1.xml><?xml version="1.0" encoding="utf-8"?>
+<dsp:drawing xmlns:dgm="http://schemas.openxmlformats.org/drawingml/2006/diagram" xmlns:dsp="http://schemas.microsoft.com/office/drawing/2008/diagram" xmlns:a="http://schemas.openxmlformats.org/drawingml/2006/main">
+  <dsp:spTree>
+    <dsp:nvGrpSpPr>
+      <dsp:cNvPr id="0" name=""/>
+      <dsp:cNvGrpSpPr/>
+    </dsp:nvGrpSpPr>
+    <dsp:grpSpPr/>
+    <dsp:sp modelId="{3347B779-B562-4482-8E2B-B4B648897D63}">
+      <dsp:nvSpPr>
+        <dsp:cNvPr id="0" name=""/>
+        <dsp:cNvSpPr/>
+      </dsp:nvSpPr>
+      <dsp:spPr>
+        <a:xfrm>
+          <a:off x="0" y="1636599"/>
+          <a:ext cx="1392443" cy="696221"/>
+        </a:xfrm>
+        <a:prstGeom prst="roundRect">
+          <a:avLst>
+            <a:gd name="adj" fmla="val 10000"/>
+          </a:avLst>
+        </a:prstGeom>
+        <a:solidFill>
+          <a:schemeClr val="accent1">
+            <a:hueOff val="0"/>
+            <a:satOff val="0"/>
+            <a:lumOff val="0"/>
+            <a:alphaOff val="0"/>
+          </a:schemeClr>
+        </a:solidFill>
+        <a:ln w="13970" cap="flat" cmpd="sng" algn="ctr">
+          <a:solidFill>
+            <a:schemeClr val="lt1">
+              <a:hueOff val="0"/>
+              <a:satOff val="0"/>
+              <a:lumOff val="0"/>
+              <a:alphaOff val="0"/>
+            </a:schemeClr>
+          </a:solidFill>
+          <a:prstDash val="solid"/>
+        </a:ln>
+        <a:effectLst/>
+      </dsp:spPr>
+      <dsp:style>
+        <a:lnRef idx="2">
+          <a:scrgbClr r="0" g="0" b="0"/>
+        </a:lnRef>
+        <a:fillRef idx="1">
+          <a:scrgbClr r="0" g="0" b="0"/>
+        </a:fillRef>
+        <a:effectRef idx="0">
+          <a:scrgbClr r="0" g="0" b="0"/>
+        </a:effectRef>
+        <a:fontRef idx="minor">
+          <a:schemeClr val="lt1"/>
+        </a:fontRef>
+      </dsp:style>
+      <dsp:txBody>
+        <a:bodyPr spcFirstLastPara="0" vert="horz" wrap="square" lIns="9525" tIns="9525" rIns="9525" bIns="9525" numCol="1" spcCol="1270" anchor="ctr" anchorCtr="0">
+          <a:noAutofit/>
+        </a:bodyPr>
+        <a:lstStyle/>
+        <a:p>
+          <a:pPr marL="0" lvl="0" indent="0" algn="ctr" defTabSz="666750">
+            <a:lnSpc>
+              <a:spcPct val="90000"/>
+            </a:lnSpc>
+            <a:spcBef>
+              <a:spcPct val="0"/>
+            </a:spcBef>
+            <a:spcAft>
+              <a:spcPct val="35000"/>
+            </a:spcAft>
+            <a:buNone/>
+          </a:pPr>
+          <a:r>
+            <a:rPr lang="it-IT" sz="1500" kern="1200" dirty="0"/>
+            <a:t>Login Page</a:t>
+          </a:r>
+        </a:p>
+      </dsp:txBody>
+      <dsp:txXfrm>
+        <a:off x="20392" y="1656991"/>
+        <a:ext cx="1351659" cy="655437"/>
+      </dsp:txXfrm>
+    </dsp:sp>
+    <dsp:sp modelId="{E982291D-9467-4511-B638-08547C662A15}">
+      <dsp:nvSpPr>
+        <dsp:cNvPr id="0" name=""/>
+        <dsp:cNvSpPr/>
+      </dsp:nvSpPr>
+      <dsp:spPr>
+        <a:xfrm>
+          <a:off x="1899531" y="1647746"/>
+          <a:ext cx="1392443" cy="696221"/>
+        </a:xfrm>
+        <a:prstGeom prst="roundRect">
+          <a:avLst>
+            <a:gd name="adj" fmla="val 10000"/>
+          </a:avLst>
+        </a:prstGeom>
+        <a:solidFill>
+          <a:schemeClr val="accent1">
+            <a:hueOff val="0"/>
+            <a:satOff val="0"/>
+            <a:lumOff val="0"/>
+            <a:alphaOff val="0"/>
+          </a:schemeClr>
+        </a:solidFill>
+        <a:ln w="13970" cap="flat" cmpd="sng" algn="ctr">
+          <a:solidFill>
+            <a:schemeClr val="lt1">
+              <a:hueOff val="0"/>
+              <a:satOff val="0"/>
+              <a:lumOff val="0"/>
+              <a:alphaOff val="0"/>
+            </a:schemeClr>
+          </a:solidFill>
+          <a:prstDash val="solid"/>
+        </a:ln>
+        <a:effectLst/>
+      </dsp:spPr>
+      <dsp:style>
+        <a:lnRef idx="2">
+          <a:scrgbClr r="0" g="0" b="0"/>
+        </a:lnRef>
+        <a:fillRef idx="1">
+          <a:scrgbClr r="0" g="0" b="0"/>
+        </a:fillRef>
+        <a:effectRef idx="0">
+          <a:scrgbClr r="0" g="0" b="0"/>
+        </a:effectRef>
+        <a:fontRef idx="minor">
+          <a:schemeClr val="lt1"/>
+        </a:fontRef>
+      </dsp:style>
+      <dsp:txBody>
+        <a:bodyPr spcFirstLastPara="0" vert="horz" wrap="square" lIns="9525" tIns="9525" rIns="9525" bIns="9525" numCol="1" spcCol="1270" anchor="ctr" anchorCtr="0">
+          <a:noAutofit/>
+        </a:bodyPr>
+        <a:lstStyle/>
+        <a:p>
+          <a:pPr marL="0" lvl="0" indent="0" algn="ctr" defTabSz="666750">
+            <a:lnSpc>
+              <a:spcPct val="90000"/>
+            </a:lnSpc>
+            <a:spcBef>
+              <a:spcPct val="0"/>
+            </a:spcBef>
+            <a:spcAft>
+              <a:spcPct val="35000"/>
+            </a:spcAft>
+            <a:buNone/>
+          </a:pPr>
+          <a:r>
+            <a:rPr lang="it-IT" sz="1500" kern="1200" dirty="0"/>
+            <a:t>Home page</a:t>
+          </a:r>
+        </a:p>
+      </dsp:txBody>
+      <dsp:txXfrm>
+        <a:off x="1919923" y="1668138"/>
+        <a:ext cx="1351659" cy="655437"/>
+      </dsp:txXfrm>
+    </dsp:sp>
+    <dsp:sp modelId="{FE0471D6-0E53-4FC1-B98D-17F4B7A1E61A}">
+      <dsp:nvSpPr>
+        <dsp:cNvPr id="0" name=""/>
+        <dsp:cNvSpPr/>
+      </dsp:nvSpPr>
+      <dsp:spPr>
+        <a:xfrm rot="17051861">
+          <a:off x="2683878" y="1201439"/>
+          <a:ext cx="1611423" cy="26630"/>
+        </a:xfrm>
+        <a:custGeom>
+          <a:avLst/>
+          <a:gdLst/>
+          <a:ahLst/>
+          <a:cxnLst/>
+          <a:rect l="0" t="0" r="0" b="0"/>
+          <a:pathLst>
+            <a:path>
+              <a:moveTo>
+                <a:pt x="0" y="13315"/>
+              </a:moveTo>
+              <a:lnTo>
+                <a:pt x="1611423" y="13315"/>
+              </a:lnTo>
+            </a:path>
+          </a:pathLst>
+        </a:custGeom>
+        <a:noFill/>
+        <a:ln w="13970" cap="flat" cmpd="sng" algn="ctr">
+          <a:solidFill>
+            <a:schemeClr val="accent2">
+              <a:hueOff val="0"/>
+              <a:satOff val="0"/>
+              <a:lumOff val="0"/>
+              <a:alphaOff val="0"/>
+            </a:schemeClr>
+          </a:solidFill>
+          <a:prstDash val="solid"/>
+        </a:ln>
+        <a:effectLst/>
+      </dsp:spPr>
+      <dsp:style>
+        <a:lnRef idx="2">
+          <a:scrgbClr r="0" g="0" b="0"/>
+        </a:lnRef>
+        <a:fillRef idx="0">
+          <a:scrgbClr r="0" g="0" b="0"/>
+        </a:fillRef>
+        <a:effectRef idx="0">
+          <a:scrgbClr r="0" g="0" b="0"/>
+        </a:effectRef>
+        <a:fontRef idx="minor"/>
+      </dsp:style>
+      <dsp:txBody>
+        <a:bodyPr spcFirstLastPara="0" vert="horz" wrap="square" lIns="12700" tIns="0" rIns="12700" bIns="0" numCol="1" spcCol="1270" anchor="ctr" anchorCtr="0">
+          <a:noAutofit/>
+        </a:bodyPr>
+        <a:lstStyle/>
+        <a:p>
+          <a:pPr marL="0" lvl="0" indent="0" algn="ctr" defTabSz="222250">
+            <a:lnSpc>
+              <a:spcPct val="90000"/>
+            </a:lnSpc>
+            <a:spcBef>
+              <a:spcPct val="0"/>
+            </a:spcBef>
+            <a:spcAft>
+              <a:spcPct val="35000"/>
+            </a:spcAft>
+            <a:buNone/>
+          </a:pPr>
+          <a:endParaRPr lang="it-IT" sz="500" kern="1200"/>
+        </a:p>
+      </dsp:txBody>
+      <dsp:txXfrm>
+        <a:off x="3449304" y="1174469"/>
+        <a:ext cx="80571" cy="80571"/>
+      </dsp:txXfrm>
+    </dsp:sp>
+    <dsp:sp modelId="{DF5F351E-A61B-47EF-8D93-4F8798B86F8C}">
+      <dsp:nvSpPr>
+        <dsp:cNvPr id="0" name=""/>
+        <dsp:cNvSpPr/>
+      </dsp:nvSpPr>
+      <dsp:spPr>
+        <a:xfrm>
+          <a:off x="3687205" y="85543"/>
+          <a:ext cx="1392443" cy="696221"/>
+        </a:xfrm>
+        <a:prstGeom prst="roundRect">
+          <a:avLst>
+            <a:gd name="adj" fmla="val 10000"/>
+          </a:avLst>
+        </a:prstGeom>
+        <a:solidFill>
+          <a:schemeClr val="accent2">
+            <a:hueOff val="0"/>
+            <a:satOff val="0"/>
+            <a:lumOff val="0"/>
+            <a:alphaOff val="0"/>
+          </a:schemeClr>
+        </a:solidFill>
+        <a:ln w="13970" cap="flat" cmpd="sng" algn="ctr">
+          <a:solidFill>
+            <a:schemeClr val="lt1">
+              <a:hueOff val="0"/>
+              <a:satOff val="0"/>
+              <a:lumOff val="0"/>
+              <a:alphaOff val="0"/>
+            </a:schemeClr>
+          </a:solidFill>
+          <a:prstDash val="solid"/>
+        </a:ln>
+        <a:effectLst/>
+      </dsp:spPr>
+      <dsp:style>
+        <a:lnRef idx="2">
+          <a:scrgbClr r="0" g="0" b="0"/>
+        </a:lnRef>
+        <a:fillRef idx="1">
+          <a:scrgbClr r="0" g="0" b="0"/>
+        </a:fillRef>
+        <a:effectRef idx="0">
+          <a:scrgbClr r="0" g="0" b="0"/>
+        </a:effectRef>
+        <a:fontRef idx="minor">
+          <a:schemeClr val="lt1"/>
+        </a:fontRef>
+      </dsp:style>
+      <dsp:txBody>
+        <a:bodyPr spcFirstLastPara="0" vert="horz" wrap="square" lIns="9525" tIns="9525" rIns="9525" bIns="9525" numCol="1" spcCol="1270" anchor="ctr" anchorCtr="0">
+          <a:noAutofit/>
+        </a:bodyPr>
+        <a:lstStyle/>
+        <a:p>
+          <a:pPr marL="0" lvl="0" indent="0" algn="ctr" defTabSz="666750">
+            <a:lnSpc>
+              <a:spcPct val="90000"/>
+            </a:lnSpc>
+            <a:spcBef>
+              <a:spcPct val="0"/>
+            </a:spcBef>
+            <a:spcAft>
+              <a:spcPct val="35000"/>
+            </a:spcAft>
+            <a:buNone/>
+          </a:pPr>
+          <a:r>
+            <a:rPr lang="it-IT" sz="1500" kern="1200" dirty="0"/>
+            <a:t>Heart Page</a:t>
+          </a:r>
+        </a:p>
+      </dsp:txBody>
+      <dsp:txXfrm>
+        <a:off x="3707597" y="105935"/>
+        <a:ext cx="1351659" cy="655437"/>
+      </dsp:txXfrm>
+    </dsp:sp>
+    <dsp:sp modelId="{FA45FE39-6407-4583-AAB4-3EB59B21EFAB}">
+      <dsp:nvSpPr>
+        <dsp:cNvPr id="0" name=""/>
+        <dsp:cNvSpPr/>
+      </dsp:nvSpPr>
+      <dsp:spPr>
+        <a:xfrm rot="18003985">
+          <a:off x="3084042" y="1621909"/>
+          <a:ext cx="833403" cy="26630"/>
+        </a:xfrm>
+        <a:custGeom>
+          <a:avLst/>
+          <a:gdLst/>
+          <a:ahLst/>
+          <a:cxnLst/>
+          <a:rect l="0" t="0" r="0" b="0"/>
+          <a:pathLst>
+            <a:path>
+              <a:moveTo>
+                <a:pt x="0" y="13315"/>
+              </a:moveTo>
+              <a:lnTo>
+                <a:pt x="833403" y="13315"/>
+              </a:lnTo>
+            </a:path>
+          </a:pathLst>
+        </a:custGeom>
+        <a:noFill/>
+        <a:ln w="13970" cap="flat" cmpd="sng" algn="ctr">
+          <a:solidFill>
+            <a:schemeClr val="accent2">
+              <a:hueOff val="0"/>
+              <a:satOff val="0"/>
+              <a:lumOff val="0"/>
+              <a:alphaOff val="0"/>
+            </a:schemeClr>
+          </a:solidFill>
+          <a:prstDash val="solid"/>
+        </a:ln>
+        <a:effectLst/>
+      </dsp:spPr>
+      <dsp:style>
+        <a:lnRef idx="2">
+          <a:scrgbClr r="0" g="0" b="0"/>
+        </a:lnRef>
+        <a:fillRef idx="0">
+          <a:scrgbClr r="0" g="0" b="0"/>
+        </a:fillRef>
+        <a:effectRef idx="0">
+          <a:scrgbClr r="0" g="0" b="0"/>
+        </a:effectRef>
+        <a:fontRef idx="minor"/>
+      </dsp:style>
+      <dsp:txBody>
+        <a:bodyPr spcFirstLastPara="0" vert="horz" wrap="square" lIns="12700" tIns="0" rIns="12700" bIns="0" numCol="1" spcCol="1270" anchor="ctr" anchorCtr="0">
+          <a:noAutofit/>
+        </a:bodyPr>
+        <a:lstStyle/>
+        <a:p>
+          <a:pPr marL="0" lvl="0" indent="0" algn="ctr" defTabSz="222250">
+            <a:lnSpc>
+              <a:spcPct val="90000"/>
+            </a:lnSpc>
+            <a:spcBef>
+              <a:spcPct val="0"/>
+            </a:spcBef>
+            <a:spcAft>
+              <a:spcPct val="35000"/>
+            </a:spcAft>
+            <a:buNone/>
+          </a:pPr>
+          <a:endParaRPr lang="it-IT" sz="500" kern="1200"/>
+        </a:p>
+      </dsp:txBody>
+      <dsp:txXfrm>
+        <a:off x="3479908" y="1614389"/>
+        <a:ext cx="41670" cy="41670"/>
+      </dsp:txXfrm>
+    </dsp:sp>
+    <dsp:sp modelId="{B869B81D-8267-451F-B293-126220B81920}">
+      <dsp:nvSpPr>
+        <dsp:cNvPr id="0" name=""/>
+        <dsp:cNvSpPr/>
+      </dsp:nvSpPr>
+      <dsp:spPr>
+        <a:xfrm>
+          <a:off x="3709512" y="926481"/>
+          <a:ext cx="1392443" cy="696221"/>
+        </a:xfrm>
+        <a:prstGeom prst="roundRect">
+          <a:avLst>
+            <a:gd name="adj" fmla="val 10000"/>
+          </a:avLst>
+        </a:prstGeom>
+        <a:solidFill>
+          <a:schemeClr val="accent2">
+            <a:hueOff val="0"/>
+            <a:satOff val="0"/>
+            <a:lumOff val="0"/>
+            <a:alphaOff val="0"/>
+          </a:schemeClr>
+        </a:solidFill>
+        <a:ln w="13970" cap="flat" cmpd="sng" algn="ctr">
+          <a:solidFill>
+            <a:schemeClr val="lt1">
+              <a:hueOff val="0"/>
+              <a:satOff val="0"/>
+              <a:lumOff val="0"/>
+              <a:alphaOff val="0"/>
+            </a:schemeClr>
+          </a:solidFill>
+          <a:prstDash val="solid"/>
+        </a:ln>
+        <a:effectLst/>
+      </dsp:spPr>
+      <dsp:style>
+        <a:lnRef idx="2">
+          <a:scrgbClr r="0" g="0" b="0"/>
+        </a:lnRef>
+        <a:fillRef idx="1">
+          <a:scrgbClr r="0" g="0" b="0"/>
+        </a:fillRef>
+        <a:effectRef idx="0">
+          <a:scrgbClr r="0" g="0" b="0"/>
+        </a:effectRef>
+        <a:fontRef idx="minor">
+          <a:schemeClr val="lt1"/>
+        </a:fontRef>
+      </dsp:style>
+      <dsp:txBody>
+        <a:bodyPr spcFirstLastPara="0" vert="horz" wrap="square" lIns="9525" tIns="9525" rIns="9525" bIns="9525" numCol="1" spcCol="1270" anchor="ctr" anchorCtr="0">
+          <a:noAutofit/>
+        </a:bodyPr>
+        <a:lstStyle/>
+        <a:p>
+          <a:pPr marL="0" lvl="0" indent="0" algn="ctr" defTabSz="666750">
+            <a:lnSpc>
+              <a:spcPct val="90000"/>
+            </a:lnSpc>
+            <a:spcBef>
+              <a:spcPct val="0"/>
+            </a:spcBef>
+            <a:spcAft>
+              <a:spcPct val="35000"/>
+            </a:spcAft>
+            <a:buNone/>
+          </a:pPr>
+          <a:r>
+            <a:rPr lang="it-IT" sz="1500" kern="1200" dirty="0" err="1"/>
+            <a:t>Sleep</a:t>
+          </a:r>
+          <a:r>
+            <a:rPr lang="it-IT" sz="1500" kern="1200" dirty="0"/>
+            <a:t> Page</a:t>
+          </a:r>
+        </a:p>
+      </dsp:txBody>
+      <dsp:txXfrm>
+        <a:off x="3729904" y="946873"/>
+        <a:ext cx="1351659" cy="655437"/>
+      </dsp:txXfrm>
+    </dsp:sp>
+    <dsp:sp modelId="{4DACBDAB-0261-42D4-93BF-A716D6A36959}">
+      <dsp:nvSpPr>
+        <dsp:cNvPr id="0" name=""/>
+        <dsp:cNvSpPr/>
+      </dsp:nvSpPr>
+      <dsp:spPr>
+        <a:xfrm rot="810523">
+          <a:off x="3285875" y="2034037"/>
+          <a:ext cx="440903" cy="26630"/>
+        </a:xfrm>
+        <a:custGeom>
+          <a:avLst/>
+          <a:gdLst/>
+          <a:ahLst/>
+          <a:cxnLst/>
+          <a:rect l="0" t="0" r="0" b="0"/>
+          <a:pathLst>
+            <a:path>
+              <a:moveTo>
+                <a:pt x="0" y="13315"/>
+              </a:moveTo>
+              <a:lnTo>
+                <a:pt x="440903" y="13315"/>
+              </a:lnTo>
+            </a:path>
+          </a:pathLst>
+        </a:custGeom>
+        <a:noFill/>
+        <a:ln w="13970" cap="flat" cmpd="sng" algn="ctr">
+          <a:solidFill>
+            <a:schemeClr val="accent2">
+              <a:hueOff val="0"/>
+              <a:satOff val="0"/>
+              <a:lumOff val="0"/>
+              <a:alphaOff val="0"/>
+            </a:schemeClr>
+          </a:solidFill>
+          <a:prstDash val="solid"/>
+        </a:ln>
+        <a:effectLst/>
+      </dsp:spPr>
+      <dsp:style>
+        <a:lnRef idx="2">
+          <a:scrgbClr r="0" g="0" b="0"/>
+        </a:lnRef>
+        <a:fillRef idx="0">
+          <a:scrgbClr r="0" g="0" b="0"/>
+        </a:fillRef>
+        <a:effectRef idx="0">
+          <a:scrgbClr r="0" g="0" b="0"/>
+        </a:effectRef>
+        <a:fontRef idx="minor"/>
+      </dsp:style>
+      <dsp:txBody>
+        <a:bodyPr spcFirstLastPara="0" vert="horz" wrap="square" lIns="12700" tIns="0" rIns="12700" bIns="0" numCol="1" spcCol="1270" anchor="ctr" anchorCtr="0">
+          <a:noAutofit/>
+        </a:bodyPr>
+        <a:lstStyle/>
+        <a:p>
+          <a:pPr marL="0" lvl="0" indent="0" algn="ctr" defTabSz="222250">
+            <a:lnSpc>
+              <a:spcPct val="90000"/>
+            </a:lnSpc>
+            <a:spcBef>
+              <a:spcPct val="0"/>
+            </a:spcBef>
+            <a:spcAft>
+              <a:spcPct val="35000"/>
+            </a:spcAft>
+            <a:buNone/>
+          </a:pPr>
+          <a:endParaRPr lang="it-IT" sz="500" kern="1200"/>
+        </a:p>
+      </dsp:txBody>
+      <dsp:txXfrm>
+        <a:off x="3495304" y="2036330"/>
+        <a:ext cx="22045" cy="22045"/>
+      </dsp:txXfrm>
+    </dsp:sp>
+    <dsp:sp modelId="{98444552-61F2-4BC3-AAC8-ABDC64193ED8}">
+      <dsp:nvSpPr>
+        <dsp:cNvPr id="0" name=""/>
+        <dsp:cNvSpPr/>
+      </dsp:nvSpPr>
+      <dsp:spPr>
+        <a:xfrm>
+          <a:off x="3720680" y="1750738"/>
+          <a:ext cx="1392443" cy="696221"/>
+        </a:xfrm>
+        <a:prstGeom prst="roundRect">
+          <a:avLst>
+            <a:gd name="adj" fmla="val 10000"/>
+          </a:avLst>
+        </a:prstGeom>
+        <a:solidFill>
+          <a:schemeClr val="accent2">
+            <a:hueOff val="0"/>
+            <a:satOff val="0"/>
+            <a:lumOff val="0"/>
+            <a:alphaOff val="0"/>
+          </a:schemeClr>
+        </a:solidFill>
+        <a:ln w="13970" cap="flat" cmpd="sng" algn="ctr">
+          <a:solidFill>
+            <a:schemeClr val="lt1">
+              <a:hueOff val="0"/>
+              <a:satOff val="0"/>
+              <a:lumOff val="0"/>
+              <a:alphaOff val="0"/>
+            </a:schemeClr>
+          </a:solidFill>
+          <a:prstDash val="solid"/>
+        </a:ln>
+        <a:effectLst/>
+      </dsp:spPr>
+      <dsp:style>
+        <a:lnRef idx="2">
+          <a:scrgbClr r="0" g="0" b="0"/>
+        </a:lnRef>
+        <a:fillRef idx="1">
+          <a:scrgbClr r="0" g="0" b="0"/>
+        </a:fillRef>
+        <a:effectRef idx="0">
+          <a:scrgbClr r="0" g="0" b="0"/>
+        </a:effectRef>
+        <a:fontRef idx="minor">
+          <a:schemeClr val="lt1"/>
+        </a:fontRef>
+      </dsp:style>
+      <dsp:txBody>
+        <a:bodyPr spcFirstLastPara="0" vert="horz" wrap="square" lIns="9525" tIns="9525" rIns="9525" bIns="9525" numCol="1" spcCol="1270" anchor="ctr" anchorCtr="0">
+          <a:noAutofit/>
+        </a:bodyPr>
+        <a:lstStyle/>
+        <a:p>
+          <a:pPr marL="0" lvl="0" indent="0" algn="ctr" defTabSz="666750">
+            <a:lnSpc>
+              <a:spcPct val="90000"/>
+            </a:lnSpc>
+            <a:spcBef>
+              <a:spcPct val="0"/>
+            </a:spcBef>
+            <a:spcAft>
+              <a:spcPct val="35000"/>
+            </a:spcAft>
+            <a:buNone/>
+          </a:pPr>
+          <a:r>
+            <a:rPr lang="it-IT" sz="1500" kern="1200" dirty="0"/>
+            <a:t>Activity Page</a:t>
+          </a:r>
+        </a:p>
+      </dsp:txBody>
+      <dsp:txXfrm>
+        <a:off x="3741072" y="1771130"/>
+        <a:ext cx="1351659" cy="655437"/>
+      </dsp:txXfrm>
+    </dsp:sp>
+    <dsp:sp modelId="{15E189E6-4673-4FF2-BD5A-C43D690DECAC}">
+      <dsp:nvSpPr>
+        <dsp:cNvPr id="0" name=""/>
+        <dsp:cNvSpPr/>
+      </dsp:nvSpPr>
+      <dsp:spPr>
+        <a:xfrm rot="3929217">
+          <a:off x="3005429" y="2428137"/>
+          <a:ext cx="979474" cy="26630"/>
+        </a:xfrm>
+        <a:custGeom>
+          <a:avLst/>
+          <a:gdLst/>
+          <a:ahLst/>
+          <a:cxnLst/>
+          <a:rect l="0" t="0" r="0" b="0"/>
+          <a:pathLst>
+            <a:path>
+              <a:moveTo>
+                <a:pt x="0" y="13315"/>
+              </a:moveTo>
+              <a:lnTo>
+                <a:pt x="979474" y="13315"/>
+              </a:lnTo>
+            </a:path>
+          </a:pathLst>
+        </a:custGeom>
+        <a:noFill/>
+        <a:ln w="13970" cap="flat" cmpd="sng" algn="ctr">
+          <a:solidFill>
+            <a:schemeClr val="accent2">
+              <a:hueOff val="0"/>
+              <a:satOff val="0"/>
+              <a:lumOff val="0"/>
+              <a:alphaOff val="0"/>
+            </a:schemeClr>
+          </a:solidFill>
+          <a:prstDash val="solid"/>
+        </a:ln>
+        <a:effectLst/>
+      </dsp:spPr>
+      <dsp:style>
+        <a:lnRef idx="2">
+          <a:scrgbClr r="0" g="0" b="0"/>
+        </a:lnRef>
+        <a:fillRef idx="0">
+          <a:scrgbClr r="0" g="0" b="0"/>
+        </a:fillRef>
+        <a:effectRef idx="0">
+          <a:scrgbClr r="0" g="0" b="0"/>
+        </a:effectRef>
+        <a:fontRef idx="minor"/>
+      </dsp:style>
+      <dsp:txBody>
+        <a:bodyPr spcFirstLastPara="0" vert="horz" wrap="square" lIns="12700" tIns="0" rIns="12700" bIns="0" numCol="1" spcCol="1270" anchor="ctr" anchorCtr="0">
+          <a:noAutofit/>
+        </a:bodyPr>
+        <a:lstStyle/>
+        <a:p>
+          <a:pPr marL="0" lvl="0" indent="0" algn="ctr" defTabSz="222250">
+            <a:lnSpc>
+              <a:spcPct val="90000"/>
+            </a:lnSpc>
+            <a:spcBef>
+              <a:spcPct val="0"/>
+            </a:spcBef>
+            <a:spcAft>
+              <a:spcPct val="35000"/>
+            </a:spcAft>
+            <a:buNone/>
+          </a:pPr>
+          <a:endParaRPr lang="it-IT" sz="500" kern="1200"/>
+        </a:p>
+      </dsp:txBody>
+      <dsp:txXfrm>
+        <a:off x="3470680" y="2416965"/>
+        <a:ext cx="48973" cy="48973"/>
+      </dsp:txXfrm>
+    </dsp:sp>
+    <dsp:sp modelId="{8B237A88-C289-4BDA-8C25-5C750CDAA3D2}">
+      <dsp:nvSpPr>
+        <dsp:cNvPr id="0" name=""/>
+        <dsp:cNvSpPr/>
+      </dsp:nvSpPr>
+      <dsp:spPr>
+        <a:xfrm>
+          <a:off x="3698359" y="2538937"/>
+          <a:ext cx="1392443" cy="696221"/>
+        </a:xfrm>
+        <a:prstGeom prst="roundRect">
+          <a:avLst>
+            <a:gd name="adj" fmla="val 10000"/>
+          </a:avLst>
+        </a:prstGeom>
+        <a:solidFill>
+          <a:schemeClr val="accent2">
+            <a:hueOff val="0"/>
+            <a:satOff val="0"/>
+            <a:lumOff val="0"/>
+            <a:alphaOff val="0"/>
+          </a:schemeClr>
+        </a:solidFill>
+        <a:ln w="13970" cap="flat" cmpd="sng" algn="ctr">
+          <a:solidFill>
+            <a:schemeClr val="lt1">
+              <a:hueOff val="0"/>
+              <a:satOff val="0"/>
+              <a:lumOff val="0"/>
+              <a:alphaOff val="0"/>
+            </a:schemeClr>
+          </a:solidFill>
+          <a:prstDash val="solid"/>
+        </a:ln>
+        <a:effectLst/>
+      </dsp:spPr>
+      <dsp:style>
+        <a:lnRef idx="2">
+          <a:scrgbClr r="0" g="0" b="0"/>
+        </a:lnRef>
+        <a:fillRef idx="1">
+          <a:scrgbClr r="0" g="0" b="0"/>
+        </a:fillRef>
+        <a:effectRef idx="0">
+          <a:scrgbClr r="0" g="0" b="0"/>
+        </a:effectRef>
+        <a:fontRef idx="minor">
+          <a:schemeClr val="lt1"/>
+        </a:fontRef>
+      </dsp:style>
+      <dsp:txBody>
+        <a:bodyPr spcFirstLastPara="0" vert="horz" wrap="square" lIns="9525" tIns="9525" rIns="9525" bIns="9525" numCol="1" spcCol="1270" anchor="ctr" anchorCtr="0">
+          <a:noAutofit/>
+        </a:bodyPr>
+        <a:lstStyle/>
+        <a:p>
+          <a:pPr marL="0" lvl="0" indent="0" algn="ctr" defTabSz="666750">
+            <a:lnSpc>
+              <a:spcPct val="90000"/>
+            </a:lnSpc>
+            <a:spcBef>
+              <a:spcPct val="0"/>
+            </a:spcBef>
+            <a:spcAft>
+              <a:spcPct val="35000"/>
+            </a:spcAft>
+            <a:buNone/>
+          </a:pPr>
+          <a:r>
+            <a:rPr lang="it-IT" sz="1500" kern="1200" dirty="0"/>
+            <a:t>Yoga Page</a:t>
+          </a:r>
+        </a:p>
+      </dsp:txBody>
+      <dsp:txXfrm>
+        <a:off x="3718751" y="2559329"/>
+        <a:ext cx="1351659" cy="655437"/>
+      </dsp:txXfrm>
+    </dsp:sp>
+    <dsp:sp modelId="{32F9B824-49C2-4F98-86BE-35F033690C80}">
+      <dsp:nvSpPr>
+        <dsp:cNvPr id="0" name=""/>
+        <dsp:cNvSpPr/>
+      </dsp:nvSpPr>
+      <dsp:spPr>
+        <a:xfrm rot="4922161">
+          <a:off x="2444609" y="2956704"/>
+          <a:ext cx="1967301" cy="26630"/>
+        </a:xfrm>
+        <a:custGeom>
+          <a:avLst/>
+          <a:gdLst/>
+          <a:ahLst/>
+          <a:cxnLst/>
+          <a:rect l="0" t="0" r="0" b="0"/>
+          <a:pathLst>
+            <a:path>
+              <a:moveTo>
+                <a:pt x="0" y="13315"/>
+              </a:moveTo>
+              <a:lnTo>
+                <a:pt x="1967301" y="13315"/>
+              </a:lnTo>
+            </a:path>
+          </a:pathLst>
+        </a:custGeom>
+        <a:noFill/>
+        <a:ln w="13970" cap="flat" cmpd="sng" algn="ctr">
+          <a:solidFill>
+            <a:schemeClr val="accent2">
+              <a:hueOff val="0"/>
+              <a:satOff val="0"/>
+              <a:lumOff val="0"/>
+              <a:alphaOff val="0"/>
+            </a:schemeClr>
+          </a:solidFill>
+          <a:prstDash val="solid"/>
+        </a:ln>
+        <a:effectLst/>
+      </dsp:spPr>
+      <dsp:style>
+        <a:lnRef idx="2">
+          <a:scrgbClr r="0" g="0" b="0"/>
+        </a:lnRef>
+        <a:fillRef idx="0">
+          <a:scrgbClr r="0" g="0" b="0"/>
+        </a:fillRef>
+        <a:effectRef idx="0">
+          <a:scrgbClr r="0" g="0" b="0"/>
+        </a:effectRef>
+        <a:fontRef idx="minor"/>
+      </dsp:style>
+      <dsp:txBody>
+        <a:bodyPr spcFirstLastPara="0" vert="horz" wrap="square" lIns="12700" tIns="0" rIns="12700" bIns="0" numCol="1" spcCol="1270" anchor="ctr" anchorCtr="0">
+          <a:noAutofit/>
+        </a:bodyPr>
+        <a:lstStyle/>
+        <a:p>
+          <a:pPr marL="0" lvl="0" indent="0" algn="ctr" defTabSz="311150">
+            <a:lnSpc>
+              <a:spcPct val="90000"/>
+            </a:lnSpc>
+            <a:spcBef>
+              <a:spcPct val="0"/>
+            </a:spcBef>
+            <a:spcAft>
+              <a:spcPct val="35000"/>
+            </a:spcAft>
+            <a:buNone/>
+          </a:pPr>
+          <a:endParaRPr lang="it-IT" sz="700" kern="1200"/>
+        </a:p>
+      </dsp:txBody>
+      <dsp:txXfrm>
+        <a:off x="3379077" y="2920837"/>
+        <a:ext cx="98365" cy="98365"/>
+      </dsp:txXfrm>
+    </dsp:sp>
+    <dsp:sp modelId="{6F4AB7BD-C2CF-4228-A4A5-A0312E37E89C}">
+      <dsp:nvSpPr>
+        <dsp:cNvPr id="0" name=""/>
+        <dsp:cNvSpPr/>
+      </dsp:nvSpPr>
+      <dsp:spPr>
+        <a:xfrm>
+          <a:off x="3564545" y="3596073"/>
+          <a:ext cx="1392443" cy="696221"/>
+        </a:xfrm>
+        <a:prstGeom prst="roundRect">
+          <a:avLst>
+            <a:gd name="adj" fmla="val 10000"/>
+          </a:avLst>
+        </a:prstGeom>
+        <a:solidFill>
+          <a:schemeClr val="accent2">
+            <a:hueOff val="0"/>
+            <a:satOff val="0"/>
+            <a:lumOff val="0"/>
+            <a:alphaOff val="0"/>
+          </a:schemeClr>
+        </a:solidFill>
+        <a:ln w="13970" cap="flat" cmpd="sng" algn="ctr">
+          <a:solidFill>
+            <a:schemeClr val="lt1">
+              <a:hueOff val="0"/>
+              <a:satOff val="0"/>
+              <a:lumOff val="0"/>
+              <a:alphaOff val="0"/>
+            </a:schemeClr>
+          </a:solidFill>
+          <a:prstDash val="solid"/>
+        </a:ln>
+        <a:effectLst/>
+      </dsp:spPr>
+      <dsp:style>
+        <a:lnRef idx="2">
+          <a:scrgbClr r="0" g="0" b="0"/>
+        </a:lnRef>
+        <a:fillRef idx="1">
+          <a:scrgbClr r="0" g="0" b="0"/>
+        </a:fillRef>
+        <a:effectRef idx="0">
+          <a:scrgbClr r="0" g="0" b="0"/>
+        </a:effectRef>
+        <a:fontRef idx="minor">
+          <a:schemeClr val="lt1"/>
+        </a:fontRef>
+      </dsp:style>
+      <dsp:txBody>
+        <a:bodyPr spcFirstLastPara="0" vert="horz" wrap="square" lIns="9525" tIns="9525" rIns="9525" bIns="9525" numCol="1" spcCol="1270" anchor="ctr" anchorCtr="0">
+          <a:noAutofit/>
+        </a:bodyPr>
+        <a:lstStyle/>
+        <a:p>
+          <a:pPr marL="0" lvl="0" indent="0" algn="ctr" defTabSz="666750">
+            <a:lnSpc>
+              <a:spcPct val="90000"/>
+            </a:lnSpc>
+            <a:spcBef>
+              <a:spcPct val="0"/>
+            </a:spcBef>
+            <a:spcAft>
+              <a:spcPct val="35000"/>
+            </a:spcAft>
+            <a:buNone/>
+          </a:pPr>
+          <a:r>
+            <a:rPr lang="it-IT" sz="1500" kern="1200" dirty="0"/>
+            <a:t>Bottom </a:t>
+          </a:r>
+          <a:r>
+            <a:rPr lang="it-IT" sz="1500" kern="1200" dirty="0" err="1"/>
+            <a:t>Navigation</a:t>
+          </a:r>
+          <a:r>
+            <a:rPr lang="it-IT" sz="1500" kern="1200" dirty="0"/>
+            <a:t> Bar</a:t>
+          </a:r>
+        </a:p>
+      </dsp:txBody>
+      <dsp:txXfrm>
+        <a:off x="3584937" y="3616465"/>
+        <a:ext cx="1351659" cy="655437"/>
+      </dsp:txXfrm>
+    </dsp:sp>
+    <dsp:sp modelId="{036ED208-E040-4D98-AE0C-719A5151D53A}">
+      <dsp:nvSpPr>
+        <dsp:cNvPr id="0" name=""/>
+        <dsp:cNvSpPr/>
+      </dsp:nvSpPr>
+      <dsp:spPr>
+        <a:xfrm rot="18963938">
+          <a:off x="4651578" y="3173703"/>
+          <a:ext cx="2182554" cy="26630"/>
+        </a:xfrm>
+        <a:custGeom>
+          <a:avLst/>
+          <a:gdLst/>
+          <a:ahLst/>
+          <a:cxnLst/>
+          <a:rect l="0" t="0" r="0" b="0"/>
+          <a:pathLst>
+            <a:path>
+              <a:moveTo>
+                <a:pt x="0" y="13315"/>
+              </a:moveTo>
+              <a:lnTo>
+                <a:pt x="2182554" y="13315"/>
+              </a:lnTo>
+            </a:path>
+          </a:pathLst>
+        </a:custGeom>
+        <a:noFill/>
+        <a:ln w="13970" cap="flat" cmpd="sng" algn="ctr">
+          <a:solidFill>
+            <a:schemeClr val="accent3">
+              <a:hueOff val="0"/>
+              <a:satOff val="0"/>
+              <a:lumOff val="0"/>
+              <a:alphaOff val="0"/>
+            </a:schemeClr>
+          </a:solidFill>
+          <a:prstDash val="solid"/>
+        </a:ln>
+        <a:effectLst/>
+      </dsp:spPr>
+      <dsp:style>
+        <a:lnRef idx="2">
+          <a:scrgbClr r="0" g="0" b="0"/>
+        </a:lnRef>
+        <a:fillRef idx="0">
+          <a:scrgbClr r="0" g="0" b="0"/>
+        </a:fillRef>
+        <a:effectRef idx="0">
+          <a:scrgbClr r="0" g="0" b="0"/>
+        </a:effectRef>
+        <a:fontRef idx="minor"/>
+      </dsp:style>
+      <dsp:txBody>
+        <a:bodyPr spcFirstLastPara="0" vert="horz" wrap="square" lIns="12700" tIns="0" rIns="12700" bIns="0" numCol="1" spcCol="1270" anchor="ctr" anchorCtr="0">
+          <a:noAutofit/>
+        </a:bodyPr>
+        <a:lstStyle/>
+        <a:p>
+          <a:pPr marL="0" lvl="0" indent="0" algn="ctr" defTabSz="311150">
+            <a:lnSpc>
+              <a:spcPct val="90000"/>
+            </a:lnSpc>
+            <a:spcBef>
+              <a:spcPct val="0"/>
+            </a:spcBef>
+            <a:spcAft>
+              <a:spcPct val="35000"/>
+            </a:spcAft>
+            <a:buNone/>
+          </a:pPr>
+          <a:endParaRPr lang="it-IT" sz="700" kern="1200"/>
+        </a:p>
+      </dsp:txBody>
+      <dsp:txXfrm>
+        <a:off x="5688291" y="3132454"/>
+        <a:ext cx="109127" cy="109127"/>
+      </dsp:txXfrm>
+    </dsp:sp>
+    <dsp:sp modelId="{6AC23471-1F44-4A52-87C0-AF75190E28C3}">
+      <dsp:nvSpPr>
+        <dsp:cNvPr id="0" name=""/>
+        <dsp:cNvSpPr/>
+      </dsp:nvSpPr>
+      <dsp:spPr>
+        <a:xfrm>
+          <a:off x="6528722" y="2081742"/>
+          <a:ext cx="1392443" cy="696221"/>
+        </a:xfrm>
+        <a:prstGeom prst="roundRect">
+          <a:avLst>
+            <a:gd name="adj" fmla="val 10000"/>
+          </a:avLst>
+        </a:prstGeom>
+        <a:solidFill>
+          <a:schemeClr val="accent3">
+            <a:hueOff val="0"/>
+            <a:satOff val="0"/>
+            <a:lumOff val="0"/>
+            <a:alphaOff val="0"/>
+          </a:schemeClr>
+        </a:solidFill>
+        <a:ln w="13970" cap="flat" cmpd="sng" algn="ctr">
+          <a:solidFill>
+            <a:schemeClr val="lt1">
+              <a:hueOff val="0"/>
+              <a:satOff val="0"/>
+              <a:lumOff val="0"/>
+              <a:alphaOff val="0"/>
+            </a:schemeClr>
+          </a:solidFill>
+          <a:prstDash val="solid"/>
+        </a:ln>
+        <a:effectLst/>
+      </dsp:spPr>
+      <dsp:style>
+        <a:lnRef idx="2">
+          <a:scrgbClr r="0" g="0" b="0"/>
+        </a:lnRef>
+        <a:fillRef idx="1">
+          <a:scrgbClr r="0" g="0" b="0"/>
+        </a:fillRef>
+        <a:effectRef idx="0">
+          <a:scrgbClr r="0" g="0" b="0"/>
+        </a:effectRef>
+        <a:fontRef idx="minor">
+          <a:schemeClr val="lt1"/>
+        </a:fontRef>
+      </dsp:style>
+      <dsp:txBody>
+        <a:bodyPr spcFirstLastPara="0" vert="horz" wrap="square" lIns="9525" tIns="9525" rIns="9525" bIns="9525" numCol="1" spcCol="1270" anchor="ctr" anchorCtr="0">
+          <a:noAutofit/>
+        </a:bodyPr>
+        <a:lstStyle/>
+        <a:p>
+          <a:pPr marL="0" lvl="0" indent="0" algn="ctr" defTabSz="666750">
+            <a:lnSpc>
+              <a:spcPct val="90000"/>
+            </a:lnSpc>
+            <a:spcBef>
+              <a:spcPct val="0"/>
+            </a:spcBef>
+            <a:spcAft>
+              <a:spcPct val="35000"/>
+            </a:spcAft>
+            <a:buNone/>
+          </a:pPr>
+          <a:r>
+            <a:rPr lang="it-IT" sz="1500" kern="1200" dirty="0" err="1"/>
+            <a:t>Profile</a:t>
+          </a:r>
+          <a:r>
+            <a:rPr lang="it-IT" sz="1500" kern="1200" dirty="0"/>
+            <a:t> Page</a:t>
+          </a:r>
+        </a:p>
+      </dsp:txBody>
+      <dsp:txXfrm>
+        <a:off x="6549114" y="2102134"/>
+        <a:ext cx="1351659" cy="655437"/>
+      </dsp:txXfrm>
+    </dsp:sp>
+    <dsp:sp modelId="{0D959FD1-5F77-4811-9588-963BCBDCF043}">
+      <dsp:nvSpPr>
+        <dsp:cNvPr id="0" name=""/>
+        <dsp:cNvSpPr/>
+      </dsp:nvSpPr>
+      <dsp:spPr>
+        <a:xfrm rot="18753390">
+          <a:off x="7787881" y="2113222"/>
+          <a:ext cx="823544" cy="26630"/>
+        </a:xfrm>
+        <a:custGeom>
+          <a:avLst/>
+          <a:gdLst/>
+          <a:ahLst/>
+          <a:cxnLst/>
+          <a:rect l="0" t="0" r="0" b="0"/>
+          <a:pathLst>
+            <a:path>
+              <a:moveTo>
+                <a:pt x="0" y="13315"/>
+              </a:moveTo>
+              <a:lnTo>
+                <a:pt x="823544" y="13315"/>
+              </a:lnTo>
+            </a:path>
+          </a:pathLst>
+        </a:custGeom>
+        <a:noFill/>
+        <a:ln w="13970" cap="flat" cmpd="sng" algn="ctr">
+          <a:solidFill>
+            <a:schemeClr val="accent4">
+              <a:hueOff val="0"/>
+              <a:satOff val="0"/>
+              <a:lumOff val="0"/>
+              <a:alphaOff val="0"/>
+            </a:schemeClr>
+          </a:solidFill>
+          <a:prstDash val="solid"/>
+        </a:ln>
+        <a:effectLst/>
+      </dsp:spPr>
+      <dsp:style>
+        <a:lnRef idx="2">
+          <a:scrgbClr r="0" g="0" b="0"/>
+        </a:lnRef>
+        <a:fillRef idx="0">
+          <a:scrgbClr r="0" g="0" b="0"/>
+        </a:fillRef>
+        <a:effectRef idx="0">
+          <a:scrgbClr r="0" g="0" b="0"/>
+        </a:effectRef>
+        <a:fontRef idx="minor"/>
+      </dsp:style>
+      <dsp:txBody>
+        <a:bodyPr spcFirstLastPara="0" vert="horz" wrap="square" lIns="12700" tIns="0" rIns="12700" bIns="0" numCol="1" spcCol="1270" anchor="ctr" anchorCtr="0">
+          <a:noAutofit/>
+        </a:bodyPr>
+        <a:lstStyle/>
+        <a:p>
+          <a:pPr marL="0" lvl="0" indent="0" algn="ctr" defTabSz="222250">
+            <a:lnSpc>
+              <a:spcPct val="90000"/>
+            </a:lnSpc>
+            <a:spcBef>
+              <a:spcPct val="0"/>
+            </a:spcBef>
+            <a:spcAft>
+              <a:spcPct val="35000"/>
+            </a:spcAft>
+            <a:buNone/>
+          </a:pPr>
+          <a:endParaRPr lang="it-IT" sz="500" kern="1200"/>
+        </a:p>
+      </dsp:txBody>
+      <dsp:txXfrm>
+        <a:off x="8179065" y="2105948"/>
+        <a:ext cx="41177" cy="41177"/>
+      </dsp:txXfrm>
+    </dsp:sp>
+    <dsp:sp modelId="{F856CBB8-7E4C-4FBA-8AFC-CF15AAD4974F}">
+      <dsp:nvSpPr>
+        <dsp:cNvPr id="0" name=""/>
+        <dsp:cNvSpPr/>
+      </dsp:nvSpPr>
+      <dsp:spPr>
+        <a:xfrm>
+          <a:off x="8478142" y="1475110"/>
+          <a:ext cx="1392443" cy="696221"/>
+        </a:xfrm>
+        <a:prstGeom prst="roundRect">
+          <a:avLst>
+            <a:gd name="adj" fmla="val 10000"/>
+          </a:avLst>
+        </a:prstGeom>
+        <a:solidFill>
+          <a:schemeClr val="accent4">
+            <a:hueOff val="0"/>
+            <a:satOff val="0"/>
+            <a:lumOff val="0"/>
+            <a:alphaOff val="0"/>
+          </a:schemeClr>
+        </a:solidFill>
+        <a:ln w="13970" cap="flat" cmpd="sng" algn="ctr">
+          <a:solidFill>
+            <a:schemeClr val="lt1">
+              <a:hueOff val="0"/>
+              <a:satOff val="0"/>
+              <a:lumOff val="0"/>
+              <a:alphaOff val="0"/>
+            </a:schemeClr>
+          </a:solidFill>
+          <a:prstDash val="solid"/>
+        </a:ln>
+        <a:effectLst/>
+      </dsp:spPr>
+      <dsp:style>
+        <a:lnRef idx="2">
+          <a:scrgbClr r="0" g="0" b="0"/>
+        </a:lnRef>
+        <a:fillRef idx="1">
+          <a:scrgbClr r="0" g="0" b="0"/>
+        </a:fillRef>
+        <a:effectRef idx="0">
+          <a:scrgbClr r="0" g="0" b="0"/>
+        </a:effectRef>
+        <a:fontRef idx="minor">
+          <a:schemeClr val="lt1"/>
+        </a:fontRef>
+      </dsp:style>
+      <dsp:txBody>
+        <a:bodyPr spcFirstLastPara="0" vert="horz" wrap="square" lIns="9525" tIns="9525" rIns="9525" bIns="9525" numCol="1" spcCol="1270" anchor="ctr" anchorCtr="0">
+          <a:noAutofit/>
+        </a:bodyPr>
+        <a:lstStyle/>
+        <a:p>
+          <a:pPr marL="0" lvl="0" indent="0" algn="ctr" defTabSz="666750">
+            <a:lnSpc>
+              <a:spcPct val="90000"/>
+            </a:lnSpc>
+            <a:spcBef>
+              <a:spcPct val="0"/>
+            </a:spcBef>
+            <a:spcAft>
+              <a:spcPct val="35000"/>
+            </a:spcAft>
+            <a:buNone/>
+          </a:pPr>
+          <a:r>
+            <a:rPr lang="it-IT" sz="1500" kern="1200" dirty="0" err="1"/>
+            <a:t>LogOut</a:t>
+          </a:r>
+          <a:endParaRPr lang="it-IT" sz="1500" kern="1200" dirty="0"/>
+        </a:p>
+      </dsp:txBody>
+      <dsp:txXfrm>
+        <a:off x="8498534" y="1495502"/>
+        <a:ext cx="1351659" cy="655437"/>
+      </dsp:txXfrm>
+    </dsp:sp>
+    <dsp:sp modelId="{7ECADCB6-FDD4-4F75-B163-D6946D6CE5E8}">
+      <dsp:nvSpPr>
+        <dsp:cNvPr id="0" name=""/>
+        <dsp:cNvSpPr/>
+      </dsp:nvSpPr>
+      <dsp:spPr>
+        <a:xfrm rot="3047442">
+          <a:off x="7749380" y="2778392"/>
+          <a:ext cx="934007" cy="26630"/>
+        </a:xfrm>
+        <a:custGeom>
+          <a:avLst/>
+          <a:gdLst/>
+          <a:ahLst/>
+          <a:cxnLst/>
+          <a:rect l="0" t="0" r="0" b="0"/>
+          <a:pathLst>
+            <a:path>
+              <a:moveTo>
+                <a:pt x="0" y="13315"/>
+              </a:moveTo>
+              <a:lnTo>
+                <a:pt x="934007" y="13315"/>
+              </a:lnTo>
+            </a:path>
+          </a:pathLst>
+        </a:custGeom>
+        <a:noFill/>
+        <a:ln w="13970" cap="flat" cmpd="sng" algn="ctr">
+          <a:solidFill>
+            <a:schemeClr val="accent4">
+              <a:hueOff val="0"/>
+              <a:satOff val="0"/>
+              <a:lumOff val="0"/>
+              <a:alphaOff val="0"/>
+            </a:schemeClr>
+          </a:solidFill>
+          <a:prstDash val="solid"/>
+        </a:ln>
+        <a:effectLst/>
+      </dsp:spPr>
+      <dsp:style>
+        <a:lnRef idx="2">
+          <a:scrgbClr r="0" g="0" b="0"/>
+        </a:lnRef>
+        <a:fillRef idx="0">
+          <a:scrgbClr r="0" g="0" b="0"/>
+        </a:fillRef>
+        <a:effectRef idx="0">
+          <a:scrgbClr r="0" g="0" b="0"/>
+        </a:effectRef>
+        <a:fontRef idx="minor"/>
+      </dsp:style>
+      <dsp:txBody>
+        <a:bodyPr spcFirstLastPara="0" vert="horz" wrap="square" lIns="12700" tIns="0" rIns="12700" bIns="0" numCol="1" spcCol="1270" anchor="ctr" anchorCtr="0">
+          <a:noAutofit/>
+        </a:bodyPr>
+        <a:lstStyle/>
+        <a:p>
+          <a:pPr marL="0" lvl="0" indent="0" algn="ctr" defTabSz="222250">
+            <a:lnSpc>
+              <a:spcPct val="90000"/>
+            </a:lnSpc>
+            <a:spcBef>
+              <a:spcPct val="0"/>
+            </a:spcBef>
+            <a:spcAft>
+              <a:spcPct val="35000"/>
+            </a:spcAft>
+            <a:buNone/>
+          </a:pPr>
+          <a:endParaRPr lang="it-IT" sz="500" kern="1200"/>
+        </a:p>
+      </dsp:txBody>
+      <dsp:txXfrm>
+        <a:off x="8193033" y="2768357"/>
+        <a:ext cx="46700" cy="46700"/>
+      </dsp:txXfrm>
+    </dsp:sp>
+    <dsp:sp modelId="{03E8C37B-C1FC-4898-ABC1-B94601628523}">
+      <dsp:nvSpPr>
+        <dsp:cNvPr id="0" name=""/>
+        <dsp:cNvSpPr/>
+      </dsp:nvSpPr>
+      <dsp:spPr>
+        <a:xfrm>
+          <a:off x="8511602" y="2805450"/>
+          <a:ext cx="1392443" cy="696221"/>
+        </a:xfrm>
+        <a:prstGeom prst="roundRect">
+          <a:avLst>
+            <a:gd name="adj" fmla="val 10000"/>
+          </a:avLst>
+        </a:prstGeom>
+        <a:solidFill>
+          <a:schemeClr val="accent4">
+            <a:hueOff val="0"/>
+            <a:satOff val="0"/>
+            <a:lumOff val="0"/>
+            <a:alphaOff val="0"/>
+          </a:schemeClr>
+        </a:solidFill>
+        <a:ln w="13970" cap="flat" cmpd="sng" algn="ctr">
+          <a:solidFill>
+            <a:schemeClr val="lt1">
+              <a:hueOff val="0"/>
+              <a:satOff val="0"/>
+              <a:lumOff val="0"/>
+              <a:alphaOff val="0"/>
+            </a:schemeClr>
+          </a:solidFill>
+          <a:prstDash val="solid"/>
+        </a:ln>
+        <a:effectLst/>
+      </dsp:spPr>
+      <dsp:style>
+        <a:lnRef idx="2">
+          <a:scrgbClr r="0" g="0" b="0"/>
+        </a:lnRef>
+        <a:fillRef idx="1">
+          <a:scrgbClr r="0" g="0" b="0"/>
+        </a:fillRef>
+        <a:effectRef idx="0">
+          <a:scrgbClr r="0" g="0" b="0"/>
+        </a:effectRef>
+        <a:fontRef idx="minor">
+          <a:schemeClr val="lt1"/>
+        </a:fontRef>
+      </dsp:style>
+      <dsp:txBody>
+        <a:bodyPr spcFirstLastPara="0" vert="horz" wrap="square" lIns="9525" tIns="9525" rIns="9525" bIns="9525" numCol="1" spcCol="1270" anchor="ctr" anchorCtr="0">
+          <a:noAutofit/>
+        </a:bodyPr>
+        <a:lstStyle/>
+        <a:p>
+          <a:pPr marL="0" lvl="0" indent="0" algn="ctr" defTabSz="666750">
+            <a:lnSpc>
+              <a:spcPct val="90000"/>
+            </a:lnSpc>
+            <a:spcBef>
+              <a:spcPct val="0"/>
+            </a:spcBef>
+            <a:spcAft>
+              <a:spcPct val="35000"/>
+            </a:spcAft>
+            <a:buNone/>
+          </a:pPr>
+          <a:r>
+            <a:rPr lang="it-IT" sz="1500" kern="1200" dirty="0"/>
+            <a:t>Activity Settings</a:t>
+          </a:r>
+        </a:p>
+      </dsp:txBody>
+      <dsp:txXfrm>
+        <a:off x="8531994" y="2825842"/>
+        <a:ext cx="1351659" cy="655437"/>
+      </dsp:txXfrm>
+    </dsp:sp>
+    <dsp:sp modelId="{5BB4F091-27E6-43A2-828B-A16DDF7F70FE}">
+      <dsp:nvSpPr>
+        <dsp:cNvPr id="0" name=""/>
+        <dsp:cNvSpPr/>
+      </dsp:nvSpPr>
+      <dsp:spPr>
+        <a:xfrm rot="20449795">
+          <a:off x="4910852" y="3657660"/>
+          <a:ext cx="1664006" cy="26630"/>
+        </a:xfrm>
+        <a:custGeom>
+          <a:avLst/>
+          <a:gdLst/>
+          <a:ahLst/>
+          <a:cxnLst/>
+          <a:rect l="0" t="0" r="0" b="0"/>
+          <a:pathLst>
+            <a:path>
+              <a:moveTo>
+                <a:pt x="0" y="13315"/>
+              </a:moveTo>
+              <a:lnTo>
+                <a:pt x="1664006" y="13315"/>
+              </a:lnTo>
+            </a:path>
+          </a:pathLst>
+        </a:custGeom>
+        <a:noFill/>
+        <a:ln w="13970" cap="flat" cmpd="sng" algn="ctr">
+          <a:solidFill>
+            <a:schemeClr val="accent3">
+              <a:hueOff val="0"/>
+              <a:satOff val="0"/>
+              <a:lumOff val="0"/>
+              <a:alphaOff val="0"/>
+            </a:schemeClr>
+          </a:solidFill>
+          <a:prstDash val="solid"/>
+        </a:ln>
+        <a:effectLst/>
+      </dsp:spPr>
+      <dsp:style>
+        <a:lnRef idx="2">
+          <a:scrgbClr r="0" g="0" b="0"/>
+        </a:lnRef>
+        <a:fillRef idx="0">
+          <a:scrgbClr r="0" g="0" b="0"/>
+        </a:fillRef>
+        <a:effectRef idx="0">
+          <a:scrgbClr r="0" g="0" b="0"/>
+        </a:effectRef>
+        <a:fontRef idx="minor"/>
+      </dsp:style>
+      <dsp:txBody>
+        <a:bodyPr spcFirstLastPara="0" vert="horz" wrap="square" lIns="12700" tIns="0" rIns="12700" bIns="0" numCol="1" spcCol="1270" anchor="ctr" anchorCtr="0">
+          <a:noAutofit/>
+        </a:bodyPr>
+        <a:lstStyle/>
+        <a:p>
+          <a:pPr marL="0" lvl="0" indent="0" algn="ctr" defTabSz="266700">
+            <a:lnSpc>
+              <a:spcPct val="90000"/>
+            </a:lnSpc>
+            <a:spcBef>
+              <a:spcPct val="0"/>
+            </a:spcBef>
+            <a:spcAft>
+              <a:spcPct val="35000"/>
+            </a:spcAft>
+            <a:buNone/>
+          </a:pPr>
+          <a:endParaRPr lang="it-IT" sz="600" kern="1200"/>
+        </a:p>
+      </dsp:txBody>
+      <dsp:txXfrm>
+        <a:off x="5701255" y="3629375"/>
+        <a:ext cx="83200" cy="83200"/>
+      </dsp:txXfrm>
+    </dsp:sp>
+    <dsp:sp modelId="{7CE4650C-024F-4E1D-B2DD-C4037C2B0E3B}">
+      <dsp:nvSpPr>
+        <dsp:cNvPr id="0" name=""/>
+        <dsp:cNvSpPr/>
+      </dsp:nvSpPr>
+      <dsp:spPr>
+        <a:xfrm>
+          <a:off x="6528722" y="3049657"/>
+          <a:ext cx="1392443" cy="696221"/>
+        </a:xfrm>
+        <a:prstGeom prst="roundRect">
+          <a:avLst>
+            <a:gd name="adj" fmla="val 10000"/>
+          </a:avLst>
+        </a:prstGeom>
+        <a:solidFill>
+          <a:schemeClr val="accent3">
+            <a:hueOff val="0"/>
+            <a:satOff val="0"/>
+            <a:lumOff val="0"/>
+            <a:alphaOff val="0"/>
+          </a:schemeClr>
+        </a:solidFill>
+        <a:ln w="13970" cap="flat" cmpd="sng" algn="ctr">
+          <a:solidFill>
+            <a:schemeClr val="lt1">
+              <a:hueOff val="0"/>
+              <a:satOff val="0"/>
+              <a:lumOff val="0"/>
+              <a:alphaOff val="0"/>
+            </a:schemeClr>
+          </a:solidFill>
+          <a:prstDash val="solid"/>
+        </a:ln>
+        <a:effectLst/>
+      </dsp:spPr>
+      <dsp:style>
+        <a:lnRef idx="2">
+          <a:scrgbClr r="0" g="0" b="0"/>
+        </a:lnRef>
+        <a:fillRef idx="1">
+          <a:scrgbClr r="0" g="0" b="0"/>
+        </a:fillRef>
+        <a:effectRef idx="0">
+          <a:scrgbClr r="0" g="0" b="0"/>
+        </a:effectRef>
+        <a:fontRef idx="minor">
+          <a:schemeClr val="lt1"/>
+        </a:fontRef>
+      </dsp:style>
+      <dsp:txBody>
+        <a:bodyPr spcFirstLastPara="0" vert="horz" wrap="square" lIns="9525" tIns="9525" rIns="9525" bIns="9525" numCol="1" spcCol="1270" anchor="ctr" anchorCtr="0">
+          <a:noAutofit/>
+        </a:bodyPr>
+        <a:lstStyle/>
+        <a:p>
+          <a:pPr marL="0" lvl="0" indent="0" algn="ctr" defTabSz="666750">
+            <a:lnSpc>
+              <a:spcPct val="90000"/>
+            </a:lnSpc>
+            <a:spcBef>
+              <a:spcPct val="0"/>
+            </a:spcBef>
+            <a:spcAft>
+              <a:spcPct val="35000"/>
+            </a:spcAft>
+            <a:buNone/>
+          </a:pPr>
+          <a:r>
+            <a:rPr lang="it-IT" sz="1500" kern="1200" dirty="0"/>
+            <a:t>Flower Page</a:t>
+          </a:r>
+        </a:p>
+      </dsp:txBody>
+      <dsp:txXfrm>
+        <a:off x="6549114" y="3070049"/>
+        <a:ext cx="1351659" cy="655437"/>
+      </dsp:txXfrm>
+    </dsp:sp>
+    <dsp:sp modelId="{5808CC36-A6A4-4726-A060-CED3CED6F365}">
+      <dsp:nvSpPr>
+        <dsp:cNvPr id="0" name=""/>
+        <dsp:cNvSpPr/>
+      </dsp:nvSpPr>
+      <dsp:spPr>
+        <a:xfrm rot="746182">
+          <a:off x="4938105" y="4104175"/>
+          <a:ext cx="1609499" cy="26630"/>
+        </a:xfrm>
+        <a:custGeom>
+          <a:avLst/>
+          <a:gdLst/>
+          <a:ahLst/>
+          <a:cxnLst/>
+          <a:rect l="0" t="0" r="0" b="0"/>
+          <a:pathLst>
+            <a:path>
+              <a:moveTo>
+                <a:pt x="0" y="13315"/>
+              </a:moveTo>
+              <a:lnTo>
+                <a:pt x="1609499" y="13315"/>
+              </a:lnTo>
+            </a:path>
+          </a:pathLst>
+        </a:custGeom>
+        <a:noFill/>
+        <a:ln w="13970" cap="flat" cmpd="sng" algn="ctr">
+          <a:solidFill>
+            <a:schemeClr val="accent3">
+              <a:hueOff val="0"/>
+              <a:satOff val="0"/>
+              <a:lumOff val="0"/>
+              <a:alphaOff val="0"/>
+            </a:schemeClr>
+          </a:solidFill>
+          <a:prstDash val="solid"/>
+        </a:ln>
+        <a:effectLst/>
+      </dsp:spPr>
+      <dsp:style>
+        <a:lnRef idx="2">
+          <a:scrgbClr r="0" g="0" b="0"/>
+        </a:lnRef>
+        <a:fillRef idx="0">
+          <a:scrgbClr r="0" g="0" b="0"/>
+        </a:fillRef>
+        <a:effectRef idx="0">
+          <a:scrgbClr r="0" g="0" b="0"/>
+        </a:effectRef>
+        <a:fontRef idx="minor"/>
+      </dsp:style>
+      <dsp:txBody>
+        <a:bodyPr spcFirstLastPara="0" vert="horz" wrap="square" lIns="12700" tIns="0" rIns="12700" bIns="0" numCol="1" spcCol="1270" anchor="ctr" anchorCtr="0">
+          <a:noAutofit/>
+        </a:bodyPr>
+        <a:lstStyle/>
+        <a:p>
+          <a:pPr marL="0" lvl="0" indent="0" algn="ctr" defTabSz="222250">
+            <a:lnSpc>
+              <a:spcPct val="90000"/>
+            </a:lnSpc>
+            <a:spcBef>
+              <a:spcPct val="0"/>
+            </a:spcBef>
+            <a:spcAft>
+              <a:spcPct val="35000"/>
+            </a:spcAft>
+            <a:buNone/>
+          </a:pPr>
+          <a:endParaRPr lang="it-IT" sz="500" kern="1200"/>
+        </a:p>
+      </dsp:txBody>
+      <dsp:txXfrm>
+        <a:off x="5702617" y="4077253"/>
+        <a:ext cx="80474" cy="80474"/>
+      </dsp:txXfrm>
+    </dsp:sp>
+    <dsp:sp modelId="{772ECC2A-CE42-479C-ABA6-8C07D94AD420}">
+      <dsp:nvSpPr>
+        <dsp:cNvPr id="0" name=""/>
+        <dsp:cNvSpPr/>
+      </dsp:nvSpPr>
+      <dsp:spPr>
+        <a:xfrm>
+          <a:off x="6528722" y="3942687"/>
+          <a:ext cx="1392443" cy="696221"/>
+        </a:xfrm>
+        <a:prstGeom prst="roundRect">
+          <a:avLst>
+            <a:gd name="adj" fmla="val 10000"/>
+          </a:avLst>
+        </a:prstGeom>
+        <a:solidFill>
+          <a:schemeClr val="accent3">
+            <a:hueOff val="0"/>
+            <a:satOff val="0"/>
+            <a:lumOff val="0"/>
+            <a:alphaOff val="0"/>
+          </a:schemeClr>
+        </a:solidFill>
+        <a:ln w="13970" cap="flat" cmpd="sng" algn="ctr">
+          <a:solidFill>
+            <a:schemeClr val="lt1">
+              <a:hueOff val="0"/>
+              <a:satOff val="0"/>
+              <a:lumOff val="0"/>
+              <a:alphaOff val="0"/>
+            </a:schemeClr>
+          </a:solidFill>
+          <a:prstDash val="solid"/>
+        </a:ln>
+        <a:effectLst/>
+      </dsp:spPr>
+      <dsp:style>
+        <a:lnRef idx="2">
+          <a:scrgbClr r="0" g="0" b="0"/>
+        </a:lnRef>
+        <a:fillRef idx="1">
+          <a:scrgbClr r="0" g="0" b="0"/>
+        </a:fillRef>
+        <a:effectRef idx="0">
+          <a:scrgbClr r="0" g="0" b="0"/>
+        </a:effectRef>
+        <a:fontRef idx="minor">
+          <a:schemeClr val="lt1"/>
+        </a:fontRef>
+      </dsp:style>
+      <dsp:txBody>
+        <a:bodyPr spcFirstLastPara="0" vert="horz" wrap="square" lIns="9525" tIns="9525" rIns="9525" bIns="9525" numCol="1" spcCol="1270" anchor="ctr" anchorCtr="0">
+          <a:noAutofit/>
+        </a:bodyPr>
+        <a:lstStyle/>
+        <a:p>
+          <a:pPr marL="0" lvl="0" indent="0" algn="ctr" defTabSz="666750">
+            <a:lnSpc>
+              <a:spcPct val="90000"/>
+            </a:lnSpc>
+            <a:spcBef>
+              <a:spcPct val="0"/>
+            </a:spcBef>
+            <a:spcAft>
+              <a:spcPct val="35000"/>
+            </a:spcAft>
+            <a:buNone/>
+          </a:pPr>
+          <a:r>
+            <a:rPr lang="it-IT" sz="1500" kern="1200" dirty="0" err="1"/>
+            <a:t>HomePage</a:t>
+          </a:r>
+          <a:endParaRPr lang="it-IT" sz="1500" kern="1200" dirty="0"/>
+        </a:p>
+      </dsp:txBody>
+      <dsp:txXfrm>
+        <a:off x="6549114" y="3963079"/>
+        <a:ext cx="1351659" cy="655437"/>
+      </dsp:txXfrm>
+    </dsp:sp>
+  </dsp:spTree>
+</dsp:drawing>
+</file>
+
+<file path=ppt/diagrams/layout1.xml><?xml version="1.0" encoding="utf-8"?>
+<dgm:layoutDef xmlns:dgm="http://schemas.openxmlformats.org/drawingml/2006/diagram" xmlns:a="http://schemas.openxmlformats.org/drawingml/2006/main" uniqueId="urn:microsoft.com/office/officeart/2005/8/layout/hierarchy2">
+  <dgm:title val=""/>
+  <dgm:desc val=""/>
+  <dgm:catLst>
+    <dgm:cat type="hierarchy" pri="5000"/>
+  </dgm:catLst>
+  <dgm:sampData>
+    <dgm:dataModel>
+      <dgm:ptLst>
+        <dgm:pt modelId="0" type="doc"/>
+        <dgm:pt modelId="1">
+          <dgm:prSet phldr="1"/>
+        </dgm:pt>
+        <dgm:pt modelId="2">
+          <dgm:prSet phldr="1"/>
+        </dgm:pt>
+        <dgm:pt modelId="21">
+          <dgm:prSet phldr="1"/>
+        </dgm:pt>
+        <dgm:pt modelId="22">
+          <dgm:prSet phldr="1"/>
+        </dgm:pt>
+        <dgm:pt modelId="3">
+          <dgm:prSet phldr="1"/>
+        </dgm:pt>
+        <dgm:pt modelId="31">
+          <dgm:prSet phldr="1"/>
+        </dgm:pt>
+      </dgm:ptLst>
+      <dgm:cxnLst>
+        <dgm:cxn modelId="4" srcId="0" destId="1" srcOrd="0" destOrd="0"/>
+        <dgm:cxn modelId="5" srcId="1" destId="2" srcOrd="0" destOrd="0"/>
+        <dgm:cxn modelId="6" srcId="1" destId="3" srcOrd="1" destOrd="0"/>
+        <dgm:cxn modelId="23" srcId="2" destId="21" srcOrd="0" destOrd="0"/>
+        <dgm:cxn modelId="24" srcId="2" destId="22" srcOrd="1" destOrd="0"/>
+        <dgm:cxn modelId="33" srcId="3" destId="31" srcOrd="0" destOrd="0"/>
+      </dgm:cxnLst>
+      <dgm:bg/>
+      <dgm:whole/>
+    </dgm:dataModel>
+  </dgm:sampData>
+  <dgm:styleData>
+    <dgm:dataModel>
+      <dgm:ptLst>
+        <dgm:pt modelId="0" type="doc"/>
+        <dgm:pt modelId="1"/>
+        <dgm:pt modelId="11"/>
+        <dgm:pt modelId="12"/>
+      </dgm:ptLst>
+      <dgm:cxnLst>
+        <dgm:cxn modelId="2" srcId="0" destId="1" srcOrd="0" destOrd="0"/>
+        <dgm:cxn modelId="13" srcId="1" destId="11" srcOrd="0" destOrd="0"/>
+        <dgm:cxn modelId="14" srcId="1" destId="12" srcOrd="1" destOrd="0"/>
+      </dgm:cxnLst>
+      <dgm:bg/>
+      <dgm:whole/>
+    </dgm:dataModel>
+  </dgm:styleData>
+  <dgm:clrData>
+    <dgm:dataModel>
+      <dgm:ptLst>
+        <dgm:pt modelId="0" type="doc"/>
+        <dgm:pt modelId="1"/>
+        <dgm:pt modelId="2"/>
+        <dgm:pt modelId="21"/>
+        <dgm:pt modelId="211"/>
+        <dgm:pt modelId="3"/>
+        <dgm:pt modelId="31"/>
+        <dgm:pt modelId="311"/>
+      </dgm:ptLst>
+      <dgm:cxnLst>
+        <dgm:cxn modelId="4" srcId="0" destId="1" srcOrd="0" destOrd="0"/>
+        <dgm:cxn modelId="5" srcId="1" destId="2" srcOrd="0" destOrd="0"/>
+        <dgm:cxn modelId="6" srcId="1" destId="3" srcOrd="1" destOrd="0"/>
+        <dgm:cxn modelId="23" srcId="2" destId="21" srcOrd="0" destOrd="0"/>
+        <dgm:cxn modelId="24" srcId="21" destId="211" srcOrd="0" destOrd="0"/>
+        <dgm:cxn modelId="33" srcId="3" destId="31" srcOrd="0" destOrd="0"/>
+        <dgm:cxn modelId="34" srcId="31" destId="311" srcOrd="0" destOrd="0"/>
+      </dgm:cxnLst>
+      <dgm:bg/>
+      <dgm:whole/>
+    </dgm:dataModel>
+  </dgm:clrData>
+  <dgm:layoutNode name="diagram">
+    <dgm:varLst>
+      <dgm:chPref val="1"/>
+      <dgm:dir/>
+      <dgm:animOne val="branch"/>
+      <dgm:animLvl val="lvl"/>
+      <dgm:resizeHandles val="exact"/>
+    </dgm:varLst>
+    <dgm:choose name="Name0">
+      <dgm:if name="Name1" func="var" arg="dir" op="equ" val="norm">
+        <dgm:alg type="hierChild">
+          <dgm:param type="linDir" val="fromT"/>
+          <dgm:param type="chAlign" val="l"/>
+        </dgm:alg>
+      </dgm:if>
+      <dgm:else name="Name2">
+        <dgm:alg type="hierChild">
+          <dgm:param type="linDir" val="fromT"/>
+          <dgm:param type="chAlign" val="r"/>
+        </dgm:alg>
+      </dgm:else>
+    </dgm:choose>
+    <dgm:shape xmlns:r="http://schemas.openxmlformats.org/officeDocument/2006/relationships" r:blip="">
+      <dgm:adjLst/>
+    </dgm:shape>
+    <dgm:presOf/>
+    <dgm:constrLst>
+      <dgm:constr type="h" for="des" ptType="node" refType="h"/>
+      <dgm:constr type="w" for="des" ptType="node" refType="h" refFor="des" refPtType="node" fact="2"/>
+      <dgm:constr type="sibSp" refType="h" refFor="des" refPtType="node" op="equ" fact="0.15"/>
+      <dgm:constr type="sibSp" for="des" forName="level2hierChild" refType="h" refFor="des" refPtType="node" op="equ" fact="0.15"/>
+      <dgm:constr type="sibSp" for="des" forName="level3hierChild" refType="h" refFor="des" refPtType="node" op="equ" fact="0.15"/>
+      <dgm:constr type="sp" for="des" forName="root1" refType="w" refFor="des" refPtType="node" fact="0.4"/>
+      <dgm:constr type="sp" for="des" forName="root2" refType="sp" refFor="des" refForName="root1" op="equ"/>
+      <dgm:constr type="primFontSz" for="des" ptType="node" op="equ" val="65"/>
+      <dgm:constr type="primFontSz" for="des" forName="connTx" op="equ" val="55"/>
+      <dgm:constr type="primFontSz" for="des" forName="connTx" refType="primFontSz" refFor="des" refPtType="node" op="lte" fact="0.8"/>
+    </dgm:constrLst>
+    <dgm:ruleLst/>
+    <dgm:forEach name="Name3" axis="ch">
+      <dgm:forEach name="Name4" axis="self" ptType="node">
+        <dgm:layoutNode name="root1">
+          <dgm:choose name="Name5">
+            <dgm:if name="Name6" func="var" arg="dir" op="equ" val="norm">
+              <dgm:alg type="hierRoot">
+                <dgm:param type="hierAlign" val="lCtrCh"/>
+              </dgm:alg>
+            </dgm:if>
+            <dgm:else name="Name7">
+              <dgm:alg type="hierRoot">
+                <dgm:param type="hierAlign" val="rCtrCh"/>
+              </dgm:alg>
+            </dgm:else>
+          </dgm:choose>
+          <dgm:shape xmlns:r="http://schemas.openxmlformats.org/officeDocument/2006/relationships" r:blip="">
+            <dgm:adjLst/>
+          </dgm:shape>
+          <dgm:presOf/>
+          <dgm:constrLst/>
+          <dgm:ruleLst/>
+          <dgm:layoutNode name="LevelOneTextNode" styleLbl="node0">
+            <dgm:varLst>
+              <dgm:chPref val="3"/>
+            </dgm:varLst>
+            <dgm:alg type="tx"/>
+            <dgm:shape xmlns:r="http://schemas.openxmlformats.org/officeDocument/2006/relationships" type="roundRect" r:blip="">
+              <dgm:adjLst>
+                <dgm:adj idx="1" val="0.1"/>
+              </dgm:adjLst>
+            </dgm:shape>
+            <dgm:presOf axis="self"/>
+            <dgm:constrLst>
+              <dgm:constr type="tMarg" refType="primFontSz" fact="0.05"/>
+              <dgm:constr type="bMarg" refType="primFontSz" fact="0.05"/>
+              <dgm:constr type="lMarg" refType="primFontSz" fact="0.05"/>
+              <dgm:constr type="rMarg" refType="primFontSz" fact="0.05"/>
+            </dgm:constrLst>
+            <dgm:ruleLst>
+              <dgm:rule type="primFontSz" val="5" fact="NaN" max="NaN"/>
+            </dgm:ruleLst>
+          </dgm:layoutNode>
+          <dgm:layoutNode name="level2hierChild">
+            <dgm:choose name="Name8">
+              <dgm:if name="Name9" func="var" arg="dir" op="equ" val="norm">
+                <dgm:alg type="hierChild">
+                  <dgm:param type="linDir" val="fromT"/>
+                  <dgm:param type="chAlign" val="l"/>
+                </dgm:alg>
+              </dgm:if>
+              <dgm:else name="Name10">
+                <dgm:alg type="hierChild">
+                  <dgm:param type="linDir" val="fromT"/>
+                  <dgm:param type="chAlign" val="r"/>
+                </dgm:alg>
+              </dgm:else>
+            </dgm:choose>
+            <dgm:shape xmlns:r="http://schemas.openxmlformats.org/officeDocument/2006/relationships" r:blip="">
+              <dgm:adjLst/>
+            </dgm:shape>
+            <dgm:presOf/>
+            <dgm:constrLst/>
+            <dgm:ruleLst/>
+            <dgm:forEach name="repeat" axis="ch">
+              <dgm:forEach name="Name11" axis="self" ptType="parTrans" cnt="1">
+                <dgm:layoutNode name="conn2-1">
+                  <dgm:choose name="Name12">
+                    <dgm:if name="Name13" func="var" arg="dir" op="equ" val="norm">
+                      <dgm:alg type="conn">
+                        <dgm:param type="dim" val="1D"/>
+                        <dgm:param type="begPts" val="midR"/>
+                        <dgm:param type="endPts" val="midL"/>
+                        <dgm:param type="endSty" val="noArr"/>
+                      </dgm:alg>
+                    </dgm:if>
+                    <dgm:else name="Name14">
+                      <dgm:alg type="conn">
+                        <dgm:param type="dim" val="1D"/>
+                        <dgm:param type="begPts" val="midL"/>
+                        <dgm:param type="endPts" val="midR"/>
+                        <dgm:param type="endSty" val="noArr"/>
+                      </dgm:alg>
+                    </dgm:else>
+                  </dgm:choose>
+                  <dgm:shape xmlns:r="http://schemas.openxmlformats.org/officeDocument/2006/relationships" type="conn" r:blip="">
+                    <dgm:adjLst/>
+                  </dgm:shape>
+                  <dgm:presOf axis="self"/>
+                  <dgm:constrLst>
+                    <dgm:constr type="w" val="1"/>
+                    <dgm:constr type="h" val="5"/>
+                    <dgm:constr type="connDist"/>
+                    <dgm:constr type="begPad"/>
+                    <dgm:constr type="endPad"/>
+                    <dgm:constr type="userA" for="ch" refType="connDist"/>
+                  </dgm:constrLst>
+                  <dgm:ruleLst/>
+                  <dgm:layoutNode name="connTx">
+                    <dgm:alg type="tx">
+                      <dgm:param type="autoTxRot" val="grav"/>
+                    </dgm:alg>
+                    <dgm:shape xmlns:r="http://schemas.openxmlformats.org/officeDocument/2006/relationships" type="rect" r:blip="" hideGeom="1">
+                      <dgm:adjLst/>
+                    </dgm:shape>
+                    <dgm:presOf axis="self"/>
+                    <dgm:constrLst>
+                      <dgm:constr type="userA"/>
+                      <dgm:constr type="w" refType="userA" fact="0.05"/>
+                      <dgm:constr type="h" refType="userA" fact="0.05"/>
+                      <dgm:constr type="lMarg" val="1"/>
+                      <dgm:constr type="rMarg" val="1"/>
+                      <dgm:constr type="tMarg"/>
+                      <dgm:constr type="bMarg"/>
+                    </dgm:constrLst>
+                    <dgm:ruleLst>
+                      <dgm:rule type="h" val="NaN" fact="0.25" max="NaN"/>
+                      <dgm:rule type="w" val="NaN" fact="0.8" max="NaN"/>
+                      <dgm:rule type="primFontSz" val="5" fact="NaN" max="NaN"/>
+                    </dgm:ruleLst>
+                  </dgm:layoutNode>
+                </dgm:layoutNode>
+              </dgm:forEach>
+              <dgm:forEach name="Name15" axis="self" ptType="node">
+                <dgm:layoutNode name="root2">
+                  <dgm:choose name="Name16">
+                    <dgm:if name="Name17" func="var" arg="dir" op="equ" val="norm">
+                      <dgm:alg type="hierRoot">
+                        <dgm:param type="hierAlign" val="lCtrCh"/>
+                      </dgm:alg>
+                    </dgm:if>
+                    <dgm:else name="Name18">
+                      <dgm:alg type="hierRoot">
+                        <dgm:param type="hierAlign" val="rCtrCh"/>
+                      </dgm:alg>
+                    </dgm:else>
+                  </dgm:choose>
+                  <dgm:shape xmlns:r="http://schemas.openxmlformats.org/officeDocument/2006/relationships" r:blip="">
+                    <dgm:adjLst/>
+                  </dgm:shape>
+                  <dgm:presOf/>
+                  <dgm:constrLst/>
+                  <dgm:ruleLst/>
+                  <dgm:layoutNode name="LevelTwoTextNode">
+                    <dgm:varLst>
+                      <dgm:chPref val="3"/>
+                    </dgm:varLst>
+                    <dgm:alg type="tx"/>
+                    <dgm:shape xmlns:r="http://schemas.openxmlformats.org/officeDocument/2006/relationships" type="roundRect" r:blip="">
+                      <dgm:adjLst>
+                        <dgm:adj idx="1" val="0.1"/>
+                      </dgm:adjLst>
+                    </dgm:shape>
+                    <dgm:presOf axis="self"/>
+                    <dgm:constrLst>
+                      <dgm:constr type="tMarg" refType="primFontSz" fact="0.05"/>
+                      <dgm:constr type="bMarg" refType="primFontSz" fact="0.05"/>
+                      <dgm:constr type="lMarg" refType="primFontSz" fact="0.05"/>
+                      <dgm:constr type="rMarg" refType="primFontSz" fact="0.05"/>
+                    </dgm:constrLst>
+                    <dgm:ruleLst>
+                      <dgm:rule type="primFontSz" val="5" fact="NaN" max="NaN"/>
+                    </dgm:ruleLst>
+                  </dgm:layoutNode>
+                  <dgm:layoutNode name="level3hierChild">
+                    <dgm:choose name="Name19">
+                      <dgm:if name="Name20" func="var" arg="dir" op="equ" val="norm">
+                        <dgm:alg type="hierChild">
+                          <dgm:param type="linDir" val="fromT"/>
+                          <dgm:param type="chAlign" val="l"/>
+                        </dgm:alg>
+                      </dgm:if>
+                      <dgm:else name="Name21">
+                        <dgm:alg type="hierChild">
+                          <dgm:param type="linDir" val="fromT"/>
+                          <dgm:param type="chAlign" val="r"/>
+                        </dgm:alg>
+                      </dgm:else>
+                    </dgm:choose>
+                    <dgm:shape xmlns:r="http://schemas.openxmlformats.org/officeDocument/2006/relationships" r:blip="">
+                      <dgm:adjLst/>
+                    </dgm:shape>
+                    <dgm:presOf/>
+                    <dgm:constrLst/>
+                    <dgm:ruleLst/>
+                    <dgm:forEach name="Name22" ref="repeat"/>
+                  </dgm:layoutNode>
+                </dgm:layoutNode>
+              </dgm:forEach>
+            </dgm:forEach>
+          </dgm:layoutNode>
+        </dgm:layoutNode>
+      </dgm:forEach>
+    </dgm:forEach>
+  </dgm:layoutNode>
+</dgm:layoutDef>
+</file>
+
+<file path=ppt/diagrams/quickStyle1.xml><?xml version="1.0" encoding="utf-8"?>
+<dgm:styleDef xmlns:dgm="http://schemas.openxmlformats.org/drawingml/2006/diagram" xmlns:a="http://schemas.openxmlformats.org/drawingml/2006/main" uniqueId="urn:microsoft.com/office/officeart/2005/8/quickstyle/simple1">
+  <dgm:title val=""/>
+  <dgm:desc val=""/>
+  <dgm:catLst>
+    <dgm:cat type="simple" pri="10100"/>
+  </dgm:catLst>
+  <dgm:scene3d>
+    <a:camera prst="orthographicFront"/>
+    <a:lightRig rig="threePt" dir="t"/>
+  </dgm:scene3d>
+  <dgm:styleLbl name="node0">
+    <dgm:scene3d>
+      <a:camera prst="orthographicFront"/>
+      <a:lightRig rig="threePt" dir="t"/>
+    </dgm:scene3d>
+    <dgm:sp3d/>
+    <dgm:txPr/>
+    <dgm:style>
+      <a:lnRef idx="2">
+        <a:scrgbClr r="0" g="0" b="0"/>
+      </a:lnRef>
+      <a:fillRef idx="1">
+        <a:scrgbClr r="0" g="0" b="0"/>
+      </a:fillRef>
+      <a:effectRef idx="0">
+        <a:scrgbClr r="0" g="0" b="0"/>
+      </a:effectRef>
+      <a:fontRef idx="minor">
+        <a:schemeClr val="lt1"/>
+      </a:fontRef>
+    </dgm:style>
+  </dgm:styleLbl>
+  <dgm:styleLbl name="lnNode1">
+    <dgm:scene3d>
+      <a:camera prst="orthographicFront"/>
+      <a:lightRig rig="threePt" dir="t"/>
+    </dgm:scene3d>
+    <dgm:sp3d/>
+    <dgm:txPr/>
+    <dgm:style>
+      <a:lnRef idx="2">
+        <a:scrgbClr r="0" g="0" b="0"/>
+      </a:lnRef>
+      <a:fillRef idx="1">
+        <a:scrgbClr r="0" g="0" b="0"/>
+      </a:fillRef>
+      <a:effectRef idx="0">
+        <a:scrgbClr r="0" g="0" b="0"/>
+      </a:effectRef>
+      <a:fontRef idx="minor">
+        <a:schemeClr val="lt1"/>
+      </a:fontRef>
+    </dgm:style>
+  </dgm:styleLbl>
+  <dgm:styleLbl name="vennNode1">
+    <dgm:scene3d>
+      <a:camera prst="orthographicFront"/>
+      <a:lightRig rig="threePt" dir="t"/>
+    </dgm:scene3d>
+    <dgm:sp3d/>
+    <dgm:txPr/>
+    <dgm:style>
+      <a:lnRef idx="2">
+        <a:scrgbClr r="0" g="0" b="0"/>
+      </a:lnRef>
+      <a:fillRef idx="1">
+        <a:scrgbClr r="0" g="0" b="0"/>
+      </a:fillRef>
+      <a:effectRef idx="0">
+        <a:scrgbClr r="0" g="0" b="0"/>
+      </a:effectRef>
+      <a:fontRef idx="minor">
+        <a:schemeClr val="tx1"/>
+      </a:fontRef>
+    </dgm:style>
+  </dgm:styleLbl>
+  <dgm:styleLbl name="alignNode1">
+    <dgm:scene3d>
+      <a:camera prst="orthographicFront"/>
+      <a:lightRig rig="threePt" dir="t"/>
+    </dgm:scene3d>
+    <dgm:sp3d/>
+    <dgm:txPr/>
+    <dgm:style>
+      <a:lnRef idx="2">
+        <a:scrgbClr r="0" g="0" b="0"/>
+      </a:lnRef>
+      <a:fillRef idx="1">
+        <a:scrgbClr r="0" g="0" b="0"/>
+      </a:fillRef>
+      <a:effectRef idx="0">
+        <a:scrgbClr r="0" g="0" b="0"/>
+      </a:effectRef>
+      <a:fontRef idx="minor">
+        <a:schemeClr val="lt1"/>
+      </a:fontRef>
+    </dgm:style>
+  </dgm:styleLbl>
+  <dgm:styleLbl name="node1">
+    <dgm:scene3d>
+      <a:camera prst="orthographicFront"/>
+      <a:lightRig rig="threePt" dir="t"/>
+    </dgm:scene3d>
+    <dgm:sp3d/>
+    <dgm:txPr/>
+    <dgm:style>
+      <a:lnRef idx="2">
+        <a:scrgbClr r="0" g="0" b="0"/>
+      </a:lnRef>
+      <a:fillRef idx="1">
+        <a:scrgbClr r="0" g="0" b="0"/>
+      </a:fillRef>
+      <a:effectRef idx="0">
+        <a:scrgbClr r="0" g="0" b="0"/>
+      </a:effectRef>
+      <a:fontRef idx="minor">
+        <a:schemeClr val="lt1"/>
+      </a:fontRef>
+    </dgm:style>
+  </dgm:styleLbl>
+  <dgm:styleLbl name="node2">
+    <dgm:scene3d>
+      <a:camera prst="orthographicFront"/>
+      <a:lightRig rig="threePt" dir="t"/>
+    </dgm:scene3d>
+    <dgm:sp3d/>
+    <dgm:txPr/>
+    <dgm:style>
+      <a:lnRef idx="2">
+        <a:scrgbClr r="0" g="0" b="0"/>
+      </a:lnRef>
+      <a:fillRef idx="1">
+        <a:scrgbClr r="0" g="0" b="0"/>
+      </a:fillRef>
+      <a:effectRef idx="0">
+        <a:scrgbClr r="0" g="0" b="0"/>
+      </a:effectRef>
+      <a:fontRef idx="minor">
+        <a:schemeClr val="lt1"/>
+      </a:fontRef>
+    </dgm:style>
+  </dgm:styleLbl>
+  <dgm:styleLbl name="node3">
+    <dgm:scene3d>
+      <a:camera prst="orthographicFront"/>
+      <a:lightRig rig="threePt" dir="t"/>
+    </dgm:scene3d>
+    <dgm:sp3d/>
+    <dgm:txPr/>
+    <dgm:style>
+      <a:lnRef idx="2">
+        <a:scrgbClr r="0" g="0" b="0"/>
+      </a:lnRef>
+      <a:fillRef idx="1">
+        <a:scrgbClr r="0" g="0" b="0"/>
+      </a:fillRef>
+      <a:effectRef idx="0">
+        <a:scrgbClr r="0" g="0" b="0"/>
+      </a:effectRef>
+      <a:fontRef idx="minor">
+        <a:schemeClr val="lt1"/>
+      </a:fontRef>
+    </dgm:style>
+  </dgm:styleLbl>
+  <dgm:styleLbl name="node4">
+    <dgm:scene3d>
+      <a:camera prst="orthographicFront"/>
+      <a:lightRig rig="threePt" dir="t"/>
+    </dgm:scene3d>
+    <dgm:sp3d/>
+    <dgm:txPr/>
+    <dgm:style>
+      <a:lnRef idx="2">
+        <a:scrgbClr r="0" g="0" b="0"/>
+      </a:lnRef>
+      <a:fillRef idx="1">
+        <a:scrgbClr r="0" g="0" b="0"/>
+      </a:fillRef>
+      <a:effectRef idx="0">
+        <a:scrgbClr r="0" g="0" b="0"/>
+      </a:effectRef>
+      <a:fontRef idx="minor">
+        <a:schemeClr val="lt1"/>
+      </a:fontRef>
+    </dgm:style>
+  </dgm:styleLbl>
+  <dgm:styleLbl name="fgImgPlace1">
+    <dgm:scene3d>
+      <a:camera prst="orthographicFront"/>
+      <a:lightRig rig="threePt" dir="t"/>
+    </dgm:scene3d>
+    <dgm:sp3d/>
+    <dgm:txPr/>
+    <dgm:style>
+      <a:lnRef idx="2">
+        <a:scrgbClr r="0" g="0" b="0"/>
+      </a:lnRef>
+      <a:fillRef idx="1">
+        <a:scrgbClr r="0" g="0" b="0"/>
+      </a:fillRef>
+      <a:effectRef idx="0">
+        <a:scrgbClr r="0" g="0" b="0"/>
+      </a:effectRef>
+      <a:fontRef idx="minor"/>
+    </dgm:style>
+  </dgm:styleLbl>
+  <dgm:styleLbl name="alignImgPlace1">
+    <dgm:scene3d>
+      <a:camera prst="orthographicFront"/>
+      <a:lightRig rig="threePt" dir="t"/>
+    </dgm:scene3d>
+    <dgm:sp3d/>
+    <dgm:txPr/>
+    <dgm:style>
+      <a:lnRef idx="2">
+        <a:scrgbClr r="0" g="0" b="0"/>
+      </a:lnRef>
+      <a:fillRef idx="1">
+        <a:scrgbClr r="0" g="0" b="0"/>
+      </a:fillRef>
+      <a:effectRef idx="0">
+        <a:scrgbClr r="0" g="0" b="0"/>
+      </a:effectRef>
+      <a:fontRef idx="minor"/>
+    </dgm:style>
+  </dgm:styleLbl>
+  <dgm:styleLbl name="bgImgPlace1">
+    <dgm:scene3d>
+      <a:camera prst="orthographicFront"/>
+      <a:lightRig rig="threePt" dir="t"/>
+    </dgm:scene3d>
+    <dgm:sp3d/>
+    <dgm:txPr/>
+    <dgm:style>
+      <a:lnRef idx="2">
+        <a:scrgbClr r="0" g="0" b="0"/>
+      </a:lnRef>
+      <a:fillRef idx="1">
+        <a:scrgbClr r="0" g="0" b="0"/>
+      </a:fillRef>
+      <a:effectRef idx="0">
+        <a:scrgbClr r="0" g="0" b="0"/>
+      </a:effectRef>
+      <a:fontRef idx="minor"/>
+    </dgm:style>
+  </dgm:styleLbl>
+  <dgm:styleLbl name="sibTrans2D1">
+    <dgm:scene3d>
+      <a:camera prst="orthographicFront"/>
+      <a:lightRig rig="threePt" dir="t"/>
+    </dgm:scene3d>
+    <dgm:sp3d/>
+    <dgm:txPr/>
+    <dgm:style>
+      <a:lnRef idx="0">
+        <a:scrgbClr r="0" g="0" b="0"/>
+      </a:lnRef>
+      <a:fillRef idx="1">
+        <a:scrgbClr r="0" g="0" b="0"/>
+      </a:fillRef>
+      <a:effectRef idx="0">
+        <a:scrgbClr r="0" g="0" b="0"/>
+      </a:effectRef>
+      <a:fontRef idx="minor">
+        <a:schemeClr val="lt1"/>
+      </a:fontRef>
+    </dgm:style>
+  </dgm:styleLbl>
+  <dgm:styleLbl name="fgSibTrans2D1">
+    <dgm:scene3d>
+      <a:camera prst="orthographicFront"/>
+      <a:lightRig rig="threePt" dir="t"/>
+    </dgm:scene3d>
+    <dgm:sp3d/>
+    <dgm:txPr/>
+    <dgm:style>
+      <a:lnRef idx="0">
+        <a:scrgbClr r="0" g="0" b="0"/>
+      </a:lnRef>
+      <a:fillRef idx="1">
+        <a:scrgbClr r="0" g="0" b="0"/>
+      </a:fillRef>
+      <a:effectRef idx="0">
+        <a:scrgbClr r="0" g="0" b="0"/>
+      </a:effectRef>
+      <a:fontRef idx="minor">
+        <a:schemeClr val="lt1"/>
+      </a:fontRef>
+    </dgm:style>
+  </dgm:styleLbl>
+  <dgm:styleLbl name="bgSibTrans2D1">
+    <dgm:scene3d>
+      <a:camera prst="orthographicFront"/>
+      <a:lightRig rig="threePt" dir="t"/>
+    </dgm:scene3d>
+    <dgm:sp3d/>
+    <dgm:txPr/>
+    <dgm:style>
+      <a:lnRef idx="0">
+        <a:scrgbClr r="0" g="0" b="0"/>
+      </a:lnRef>
+      <a:fillRef idx="1">
+        <a:scrgbClr r="0" g="0" b="0"/>
+      </a:fillRef>
+      <a:effectRef idx="0">
+        <a:scrgbClr r="0" g="0" b="0"/>
+      </a:effectRef>
+      <a:fontRef idx="minor">
+        <a:schemeClr val="lt1"/>
+      </a:fontRef>
+    </dgm:style>
+  </dgm:styleLbl>
+  <dgm:styleLbl name="sibTrans1D1">
+    <dgm:scene3d>
+      <a:camera prst="orthographicFront"/>
+      <a:lightRig rig="threePt" dir="t"/>
+    </dgm:scene3d>
+    <dgm:sp3d/>
+    <dgm:txPr/>
+    <dgm:style>
+      <a:lnRef idx="1">
+        <a:scrgbClr r="0" g="0" b="0"/>
+      </a:lnRef>
+      <a:fillRef idx="0">
+        <a:scrgbClr r="0" g="0" b="0"/>
+      </a:fillRef>
+      <a:effectRef idx="0">
+        <a:scrgbClr r="0" g="0" b="0"/>
+      </a:effectRef>
+      <a:fontRef idx="minor"/>
+    </dgm:style>
+  </dgm:styleLbl>
+  <dgm:styleLbl name="callout">
+    <dgm:scene3d>
+      <a:camera prst="orthographicFront"/>
+      <a:lightRig rig="threePt" dir="t"/>
+    </dgm:scene3d>
+    <dgm:sp3d/>
+    <dgm:txPr/>
+    <dgm:style>
+      <a:lnRef idx="2">
+        <a:scrgbClr r="0" g="0" b="0"/>
+      </a:lnRef>
+      <a:fillRef idx="1">
+        <a:scrgbClr r="0" g="0" b="0"/>
+      </a:fillRef>
+      <a:effectRef idx="0">
+        <a:scrgbClr r="0" g="0" b="0"/>
+      </a:effectRef>
+      <a:fontRef idx="minor"/>
+    </dgm:style>
+  </dgm:styleLbl>
+  <dgm:styleLbl name="asst0">
+    <dgm:scene3d>
+      <a:camera prst="orthographicFront"/>
+      <a:lightRig rig="threePt" dir="t"/>
+    </dgm:scene3d>
+    <dgm:sp3d/>
+    <dgm:txPr/>
+    <dgm:style>
+      <a:lnRef idx="2">
+        <a:scrgbClr r="0" g="0" b="0"/>
+      </a:lnRef>
+      <a:fillRef idx="1">
+        <a:scrgbClr r="0" g="0" b="0"/>
+      </a:fillRef>
+      <a:effectRef idx="0">
+        <a:scrgbClr r="0" g="0" b="0"/>
+      </a:effectRef>
+      <a:fontRef idx="minor">
+        <a:schemeClr val="lt1"/>
+      </a:fontRef>
+    </dgm:style>
+  </dgm:styleLbl>
+  <dgm:styleLbl name="asst1">
+    <dgm:scene3d>
+      <a:camera prst="orthographicFront"/>
+      <a:lightRig rig="threePt" dir="t"/>
+    </dgm:scene3d>
+    <dgm:sp3d/>
+    <dgm:txPr/>
+    <dgm:style>
+      <a:lnRef idx="2">
+        <a:scrgbClr r="0" g="0" b="0"/>
+      </a:lnRef>
+      <a:fillRef idx="1">
+        <a:scrgbClr r="0" g="0" b="0"/>
+      </a:fillRef>
+      <a:effectRef idx="0">
+        <a:scrgbClr r="0" g="0" b="0"/>
+      </a:effectRef>
+      <a:fontRef idx="minor">
+        <a:schemeClr val="lt1"/>
+      </a:fontRef>
+    </dgm:style>
+  </dgm:styleLbl>
+  <dgm:styleLbl name="asst2">
+    <dgm:scene3d>
+      <a:camera prst="orthographicFront"/>
+      <a:lightRig rig="threePt" dir="t"/>
+    </dgm:scene3d>
+    <dgm:sp3d/>
+    <dgm:txPr/>
+    <dgm:style>
+      <a:lnRef idx="2">
+        <a:scrgbClr r="0" g="0" b="0"/>
+      </a:lnRef>
+      <a:fillRef idx="1">
+        <a:scrgbClr r="0" g="0" b="0"/>
+      </a:fillRef>
+      <a:effectRef idx="0">
+        <a:scrgbClr r="0" g="0" b="0"/>
+      </a:effectRef>
+      <a:fontRef idx="minor">
+        <a:schemeClr val="lt1"/>
+      </a:fontRef>
+    </dgm:style>
+  </dgm:styleLbl>
+  <dgm:styleLbl name="asst3">
+    <dgm:scene3d>
+      <a:camera prst="orthographicFront"/>
+      <a:lightRig rig="threePt" dir="t"/>
+    </dgm:scene3d>
+    <dgm:sp3d/>
+    <dgm:txPr/>
+    <dgm:style>
+      <a:lnRef idx="2">
+        <a:scrgbClr r="0" g="0" b="0"/>
+      </a:lnRef>
+      <a:fillRef idx="1">
+        <a:scrgbClr r="0" g="0" b="0"/>
+      </a:fillRef>
+      <a:effectRef idx="0">
+        <a:scrgbClr r="0" g="0" b="0"/>
+      </a:effectRef>
+      <a:fontRef idx="minor">
+        <a:schemeClr val="lt1"/>
+      </a:fontRef>
+    </dgm:style>
+  </dgm:styleLbl>
+  <dgm:styleLbl name="asst4">
+    <dgm:scene3d>
+      <a:camera prst="orthographicFront"/>
+      <a:lightRig rig="threePt" dir="t"/>
+    </dgm:scene3d>
+    <dgm:sp3d/>
+    <dgm:txPr/>
+    <dgm:style>
+      <a:lnRef idx="2">
+        <a:scrgbClr r="0" g="0" b="0"/>
+      </a:lnRef>
+      <a:fillRef idx="1">
+        <a:scrgbClr r="0" g="0" b="0"/>
+      </a:fillRef>
+      <a:effectRef idx="0">
+        <a:scrgbClr r="0" g="0" b="0"/>
+      </a:effectRef>
+      <a:fontRef idx="minor">
+        <a:schemeClr val="lt1"/>
+      </a:fontRef>
+    </dgm:style>
+  </dgm:styleLbl>
+  <dgm:styleLbl name="parChTrans2D1">
+    <dgm:scene3d>
+      <a:camera prst="orthographicFront"/>
+      <a:lightRig rig="threePt" dir="t"/>
+    </dgm:scene3d>
+    <dgm:sp3d/>
+    <dgm:txPr/>
+    <dgm:style>
+      <a:lnRef idx="2">
+        <a:scrgbClr r="0" g="0" b="0"/>
+      </a:lnRef>
+      <a:fillRef idx="1">
+        <a:scrgbClr r="0" g="0" b="0"/>
+      </a:fillRef>
+      <a:effectRef idx="0">
+        <a:scrgbClr r="0" g="0" b="0"/>
+      </a:effectRef>
+      <a:fontRef idx="minor">
+        <a:schemeClr val="lt1"/>
+      </a:fontRef>
+    </dgm:style>
+  </dgm:styleLbl>
+  <dgm:styleLbl name="parChTrans2D2">
+    <dgm:scene3d>
+      <a:camera prst="orthographicFront"/>
+      <a:lightRig rig="threePt" dir="t"/>
+    </dgm:scene3d>
+    <dgm:sp3d/>
+    <dgm:txPr/>
+    <dgm:style>
+      <a:lnRef idx="2">
+        <a:scrgbClr r="0" g="0" b="0"/>
+      </a:lnRef>
+      <a:fillRef idx="1">
+        <a:scrgbClr r="0" g="0" b="0"/>
+      </a:fillRef>
+      <a:effectRef idx="0">
+        <a:scrgbClr r="0" g="0" b="0"/>
+      </a:effectRef>
+      <a:fontRef idx="minor">
+        <a:schemeClr val="lt1"/>
+      </a:fontRef>
+    </dgm:style>
+  </dgm:styleLbl>
+  <dgm:styleLbl name="parChTrans2D3">
+    <dgm:scene3d>
+      <a:camera prst="orthographicFront"/>
+      <a:lightRig rig="threePt" dir="t"/>
+    </dgm:scene3d>
+    <dgm:sp3d/>
+    <dgm:txPr/>
+    <dgm:style>
+      <a:lnRef idx="2">
+        <a:scrgbClr r="0" g="0" b="0"/>
+      </a:lnRef>
+      <a:fillRef idx="1">
+        <a:scrgbClr r="0" g="0" b="0"/>
+      </a:fillRef>
+      <a:effectRef idx="0">
+        <a:scrgbClr r="0" g="0" b="0"/>
+      </a:effectRef>
+      <a:fontRef idx="minor">
+        <a:schemeClr val="lt1"/>
+      </a:fontRef>
+    </dgm:style>
+  </dgm:styleLbl>
+  <dgm:styleLbl name="parChTrans2D4">
+    <dgm:scene3d>
+      <a:camera prst="orthographicFront"/>
+      <a:lightRig rig="threePt" dir="t"/>
+    </dgm:scene3d>
+    <dgm:sp3d/>
+    <dgm:txPr/>
+    <dgm:style>
+      <a:lnRef idx="2">
+        <a:scrgbClr r="0" g="0" b="0"/>
+      </a:lnRef>
+      <a:fillRef idx="1">
+        <a:scrgbClr r="0" g="0" b="0"/>
+      </a:fillRef>
+      <a:effectRef idx="0">
+        <a:scrgbClr r="0" g="0" b="0"/>
+      </a:effectRef>
+      <a:fontRef idx="minor">
+        <a:schemeClr val="lt1"/>
+      </a:fontRef>
+    </dgm:style>
+  </dgm:styleLbl>
+  <dgm:styleLbl name="parChTrans1D1">
+    <dgm:scene3d>
+      <a:camera prst="orthographicFront"/>
+      <a:lightRig rig="threePt" dir="t"/>
+    </dgm:scene3d>
+    <dgm:sp3d/>
+    <dgm:txPr/>
+    <dgm:style>
+      <a:lnRef idx="2">
+        <a:scrgbClr r="0" g="0" b="0"/>
+      </a:lnRef>
+      <a:fillRef idx="0">
+        <a:scrgbClr r="0" g="0" b="0"/>
+      </a:fillRef>
+      <a:effectRef idx="0">
+        <a:scrgbClr r="0" g="0" b="0"/>
+      </a:effectRef>
+      <a:fontRef idx="minor"/>
+    </dgm:style>
+  </dgm:styleLbl>
+  <dgm:styleLbl name="parChTrans1D2">
+    <dgm:scene3d>
+      <a:camera prst="orthographicFront"/>
+      <a:lightRig rig="threePt" dir="t"/>
+    </dgm:scene3d>
+    <dgm:sp3d/>
+    <dgm:txPr/>
+    <dgm:style>
+      <a:lnRef idx="2">
+        <a:scrgbClr r="0" g="0" b="0"/>
+      </a:lnRef>
+      <a:fillRef idx="0">
+        <a:scrgbClr r="0" g="0" b="0"/>
+      </a:fillRef>
+      <a:effectRef idx="0">
+        <a:scrgbClr r="0" g="0" b="0"/>
+      </a:effectRef>
+      <a:fontRef idx="minor"/>
+    </dgm:style>
+  </dgm:styleLbl>
+  <dgm:styleLbl name="parChTrans1D3">
+    <dgm:scene3d>
+      <a:camera prst="orthographicFront"/>
+      <a:lightRig rig="threePt" dir="t"/>
+    </dgm:scene3d>
+    <dgm:sp3d/>
+    <dgm:txPr/>
+    <dgm:style>
+      <a:lnRef idx="2">
+        <a:scrgbClr r="0" g="0" b="0"/>
+      </a:lnRef>
+      <a:fillRef idx="0">
+        <a:scrgbClr r="0" g="0" b="0"/>
+      </a:fillRef>
+      <a:effectRef idx="0">
+        <a:scrgbClr r="0" g="0" b="0"/>
+      </a:effectRef>
+      <a:fontRef idx="minor"/>
+    </dgm:style>
+  </dgm:styleLbl>
+  <dgm:styleLbl name="parChTrans1D4">
+    <dgm:scene3d>
+      <a:camera prst="orthographicFront"/>
+      <a:lightRig rig="threePt" dir="t"/>
+    </dgm:scene3d>
+    <dgm:sp3d/>
+    <dgm:txPr/>
+    <dgm:style>
+      <a:lnRef idx="2">
+        <a:scrgbClr r="0" g="0" b="0"/>
+      </a:lnRef>
+      <a:fillRef idx="0">
+        <a:scrgbClr r="0" g="0" b="0"/>
+      </a:fillRef>
+      <a:effectRef idx="0">
+        <a:scrgbClr r="0" g="0" b="0"/>
+      </a:effectRef>
+      <a:fontRef idx="minor"/>
+    </dgm:style>
+  </dgm:styleLbl>
+  <dgm:styleLbl name="fgAcc1">
+    <dgm:scene3d>
+      <a:camera prst="orthographicFront"/>
+      <a:lightRig rig="threePt" dir="t"/>
+    </dgm:scene3d>
+    <dgm:sp3d/>
+    <dgm:txPr/>
+    <dgm:style>
+      <a:lnRef idx="2">
+        <a:scrgbClr r="0" g="0" b="0"/>
+      </a:lnRef>
+      <a:fillRef idx="1">
+        <a:scrgbClr r="0" g="0" b="0"/>
+      </a:fillRef>
+      <a:effectRef idx="0">
+        <a:scrgbClr r="0" g="0" b="0"/>
+      </a:effectRef>
+      <a:fontRef idx="minor"/>
+    </dgm:style>
+  </dgm:styleLbl>
+  <dgm:styleLbl name="conFgAcc1">
+    <dgm:scene3d>
+      <a:camera prst="orthographicFront"/>
+      <a:lightRig rig="threePt" dir="t"/>
+    </dgm:scene3d>
+    <dgm:sp3d/>
+    <dgm:txPr/>
+    <dgm:style>
+      <a:lnRef idx="2">
+        <a:scrgbClr r="0" g="0" b="0"/>
+      </a:lnRef>
+      <a:fillRef idx="1">
+        <a:scrgbClr r="0" g="0" b="0"/>
+      </a:fillRef>
+      <a:effectRef idx="0">
+        <a:scrgbClr r="0" g="0" b="0"/>
+      </a:effectRef>
+      <a:fontRef idx="minor"/>
+    </dgm:style>
+  </dgm:styleLbl>
+  <dgm:styleLbl name="alignAcc1">
+    <dgm:scene3d>
+      <a:camera prst="orthographicFront"/>
+      <a:lightRig rig="threePt" dir="t"/>
+    </dgm:scene3d>
+    <dgm:sp3d/>
+    <dgm:txPr/>
+    <dgm:style>
+      <a:lnRef idx="2">
+        <a:scrgbClr r="0" g="0" b="0"/>
+      </a:lnRef>
+      <a:fillRef idx="1">
+        <a:scrgbClr r="0" g="0" b="0"/>
+      </a:fillRef>
+      <a:effectRef idx="0">
+        <a:scrgbClr r="0" g="0" b="0"/>
+      </a:effectRef>
+      <a:fontRef idx="minor"/>
+    </dgm:style>
+  </dgm:styleLbl>
+  <dgm:styleLbl name="trAlignAcc1">
+    <dgm:scene3d>
+      <a:camera prst="orthographicFront"/>
+      <a:lightRig rig="threePt" dir="t"/>
+    </dgm:scene3d>
+    <dgm:sp3d/>
+    <dgm:txPr/>
+    <dgm:style>
+      <a:lnRef idx="1">
+        <a:scrgbClr r="0" g="0" b="0"/>
+      </a:lnRef>
+      <a:fillRef idx="1">
+        <a:scrgbClr r="0" g="0" b="0"/>
+      </a:fillRef>
+      <a:effectRef idx="0">
+        <a:scrgbClr r="0" g="0" b="0"/>
+      </a:effectRef>
+      <a:fontRef idx="minor"/>
+    </dgm:style>
+  </dgm:styleLbl>
+  <dgm:styleLbl name="bgAcc1">
+    <dgm:scene3d>
+      <a:camera prst="orthographicFront"/>
+      <a:lightRig rig="threePt" dir="t"/>
+    </dgm:scene3d>
+    <dgm:sp3d/>
+    <dgm:txPr/>
+    <dgm:style>
+      <a:lnRef idx="2">
+        <a:scrgbClr r="0" g="0" b="0"/>
+      </a:lnRef>
+      <a:fillRef idx="1">
+        <a:scrgbClr r="0" g="0" b="0"/>
+      </a:fillRef>
+      <a:effectRef idx="0">
+        <a:scrgbClr r="0" g="0" b="0"/>
+      </a:effectRef>
+      <a:fontRef idx="minor"/>
+    </dgm:style>
+  </dgm:styleLbl>
+  <dgm:styleLbl name="solidFgAcc1">
+    <dgm:scene3d>
+      <a:camera prst="orthographicFront"/>
+      <a:lightRig rig="threePt" dir="t"/>
+    </dgm:scene3d>
+    <dgm:sp3d/>
+    <dgm:txPr/>
+    <dgm:style>
+      <a:lnRef idx="2">
+        <a:scrgbClr r="0" g="0" b="0"/>
+      </a:lnRef>
+      <a:fillRef idx="1">
+        <a:scrgbClr r="0" g="0" b="0"/>
+      </a:fillRef>
+      <a:effectRef idx="0">
+        <a:scrgbClr r="0" g="0" b="0"/>
+      </a:effectRef>
+      <a:fontRef idx="minor"/>
+    </dgm:style>
+  </dgm:styleLbl>
+  <dgm:styleLbl name="solidAlignAcc1">
+    <dgm:scene3d>
+      <a:camera prst="orthographicFront"/>
+      <a:lightRig rig="threePt" dir="t"/>
+    </dgm:scene3d>
+    <dgm:sp3d/>
+    <dgm:txPr/>
+    <dgm:style>
+      <a:lnRef idx="2">
+        <a:scrgbClr r="0" g="0" b="0"/>
+      </a:lnRef>
+      <a:fillRef idx="1">
+        <a:scrgbClr r="0" g="0" b="0"/>
+      </a:fillRef>
+      <a:effectRef idx="0">
+        <a:scrgbClr r="0" g="0" b="0"/>
+      </a:effectRef>
+      <a:fontRef idx="minor"/>
+    </dgm:style>
+  </dgm:styleLbl>
+  <dgm:styleLbl name="solidBgAcc1">
+    <dgm:scene3d>
+      <a:camera prst="orthographicFront"/>
+      <a:lightRig rig="threePt" dir="t"/>
+    </dgm:scene3d>
+    <dgm:sp3d/>
+    <dgm:txPr/>
+    <dgm:style>
+      <a:lnRef idx="2">
+        <a:scrgbClr r="0" g="0" b="0"/>
+      </a:lnRef>
+      <a:fillRef idx="1">
+        <a:scrgbClr r="0" g="0" b="0"/>
+      </a:fillRef>
+      <a:effectRef idx="0">
+        <a:scrgbClr r="0" g="0" b="0"/>
+      </a:effectRef>
+      <a:fontRef idx="minor"/>
+    </dgm:style>
+  </dgm:styleLbl>
+  <dgm:styleLbl name="fgAccFollowNode1">
+    <dgm:scene3d>
+      <a:camera prst="orthographicFront"/>
+      <a:lightRig rig="threePt" dir="t"/>
+    </dgm:scene3d>
+    <dgm:sp3d/>
+    <dgm:txPr/>
+    <dgm:style>
+      <a:lnRef idx="2">
+        <a:scrgbClr r="0" g="0" b="0"/>
+      </a:lnRef>
+      <a:fillRef idx="1">
+        <a:scrgbClr r="0" g="0" b="0"/>
+      </a:fillRef>
+      <a:effectRef idx="0">
+        <a:scrgbClr r="0" g="0" b="0"/>
+      </a:effectRef>
+      <a:fontRef idx="minor"/>
+    </dgm:style>
+  </dgm:styleLbl>
+  <dgm:styleLbl name="alignAccFollowNode1">
+    <dgm:scene3d>
+      <a:camera prst="orthographicFront"/>
+      <a:lightRig rig="threePt" dir="t"/>
+    </dgm:scene3d>
+    <dgm:sp3d/>
+    <dgm:txPr/>
+    <dgm:style>
+      <a:lnRef idx="2">
+        <a:scrgbClr r="0" g="0" b="0"/>
+      </a:lnRef>
+      <a:fillRef idx="1">
+        <a:scrgbClr r="0" g="0" b="0"/>
+      </a:fillRef>
+      <a:effectRef idx="0">
+        <a:scrgbClr r="0" g="0" b="0"/>
+      </a:effectRef>
+      <a:fontRef idx="minor"/>
+    </dgm:style>
+  </dgm:styleLbl>
+  <dgm:styleLbl name="bgAccFollowNode1">
+    <dgm:scene3d>
+      <a:camera prst="orthographicFront"/>
+      <a:lightRig rig="threePt" dir="t"/>
+    </dgm:scene3d>
+    <dgm:sp3d/>
+    <dgm:txPr/>
+    <dgm:style>
+      <a:lnRef idx="2">
+        <a:scrgbClr r="0" g="0" b="0"/>
+      </a:lnRef>
+      <a:fillRef idx="1">
+        <a:scrgbClr r="0" g="0" b="0"/>
+      </a:fillRef>
+      <a:effectRef idx="0">
+        <a:scrgbClr r="0" g="0" b="0"/>
+      </a:effectRef>
+      <a:fontRef idx="minor"/>
+    </dgm:style>
+  </dgm:styleLbl>
+  <dgm:styleLbl name="fgAcc0">
+    <dgm:scene3d>
+      <a:camera prst="orthographicFront"/>
+      <a:lightRig rig="threePt" dir="t"/>
+    </dgm:scene3d>
+    <dgm:sp3d/>
+    <dgm:txPr/>
+    <dgm:style>
+      <a:lnRef idx="2">
+        <a:scrgbClr r="0" g="0" b="0"/>
+      </a:lnRef>
+      <a:fillRef idx="1">
+        <a:scrgbClr r="0" g="0" b="0"/>
+      </a:fillRef>
+      <a:effectRef idx="0">
+        <a:scrgbClr r="0" g="0" b="0"/>
+      </a:effectRef>
+      <a:fontRef idx="minor"/>
+    </dgm:style>
+  </dgm:styleLbl>
+  <dgm:styleLbl name="fgAcc2">
+    <dgm:scene3d>
+      <a:camera prst="orthographicFront"/>
+      <a:lightRig rig="threePt" dir="t"/>
+    </dgm:scene3d>
+    <dgm:sp3d/>
+    <dgm:txPr/>
+    <dgm:style>
+      <a:lnRef idx="2">
+        <a:scrgbClr r="0" g="0" b="0"/>
+      </a:lnRef>
+      <a:fillRef idx="1">
+        <a:scrgbClr r="0" g="0" b="0"/>
+      </a:fillRef>
+      <a:effectRef idx="0">
+        <a:scrgbClr r="0" g="0" b="0"/>
+      </a:effectRef>
+      <a:fontRef idx="minor"/>
+    </dgm:style>
+  </dgm:styleLbl>
+  <dgm:styleLbl name="fgAcc3">
+    <dgm:scene3d>
+      <a:camera prst="orthographicFront"/>
+      <a:lightRig rig="threePt" dir="t"/>
+    </dgm:scene3d>
+    <dgm:sp3d/>
+    <dgm:txPr/>
+    <dgm:style>
+      <a:lnRef idx="2">
+        <a:scrgbClr r="0" g="0" b="0"/>
+      </a:lnRef>
+      <a:fillRef idx="1">
+        <a:scrgbClr r="0" g="0" b="0"/>
+      </a:fillRef>
+      <a:effectRef idx="0">
+        <a:scrgbClr r="0" g="0" b="0"/>
+      </a:effectRef>
+      <a:fontRef idx="minor"/>
+    </dgm:style>
+  </dgm:styleLbl>
+  <dgm:styleLbl name="fgAcc4">
+    <dgm:scene3d>
+      <a:camera prst="orthographicFront"/>
+      <a:lightRig rig="threePt" dir="t"/>
+    </dgm:scene3d>
+    <dgm:sp3d/>
+    <dgm:txPr/>
+    <dgm:style>
+      <a:lnRef idx="2">
+        <a:scrgbClr r="0" g="0" b="0"/>
+      </a:lnRef>
+      <a:fillRef idx="1">
+        <a:scrgbClr r="0" g="0" b="0"/>
+      </a:fillRef>
+      <a:effectRef idx="0">
+        <a:scrgbClr r="0" g="0" b="0"/>
+      </a:effectRef>
+      <a:fontRef idx="minor"/>
+    </dgm:style>
+  </dgm:styleLbl>
+  <dgm:styleLbl name="bgShp">
+    <dgm:scene3d>
+      <a:camera prst="orthographicFront"/>
+      <a:lightRig rig="threePt" dir="t"/>
+    </dgm:scene3d>
+    <dgm:sp3d/>
+    <dgm:txPr/>
+    <dgm:style>
+      <a:lnRef idx="0">
+        <a:scrgbClr r="0" g="0" b="0"/>
+      </a:lnRef>
+      <a:fillRef idx="1">
+        <a:scrgbClr r="0" g="0" b="0"/>
+      </a:fillRef>
+      <a:effectRef idx="0">
+        <a:scrgbClr r="0" g="0" b="0"/>
+      </a:effectRef>
+      <a:fontRef idx="minor"/>
+    </dgm:style>
+  </dgm:styleLbl>
+  <dgm:styleLbl name="dkBgShp">
+    <dgm:scene3d>
+      <a:camera prst="orthographicFront"/>
+      <a:lightRig rig="threePt" dir="t"/>
+    </dgm:scene3d>
+    <dgm:sp3d/>
+    <dgm:txPr/>
+    <dgm:style>
+      <a:lnRef idx="0">
+        <a:scrgbClr r="0" g="0" b="0"/>
+      </a:lnRef>
+      <a:fillRef idx="1">
+        <a:scrgbClr r="0" g="0" b="0"/>
+      </a:fillRef>
+      <a:effectRef idx="0">
+        <a:scrgbClr r="0" g="0" b="0"/>
+      </a:effectRef>
+      <a:fontRef idx="minor"/>
+    </dgm:style>
+  </dgm:styleLbl>
+  <dgm:styleLbl name="trBgShp">
+    <dgm:scene3d>
+      <a:camera prst="orthographicFront"/>
+      <a:lightRig rig="threePt" dir="t"/>
+    </dgm:scene3d>
+    <dgm:sp3d/>
+    <dgm:txPr/>
+    <dgm:style>
+      <a:lnRef idx="0">
+        <a:scrgbClr r="0" g="0" b="0"/>
+      </a:lnRef>
+      <a:fillRef idx="1">
+        <a:scrgbClr r="0" g="0" b="0"/>
+      </a:fillRef>
+      <a:effectRef idx="0">
+        <a:scrgbClr r="0" g="0" b="0"/>
+      </a:effectRef>
+      <a:fontRef idx="minor"/>
+    </dgm:style>
+  </dgm:styleLbl>
+  <dgm:styleLbl name="fgShp">
+    <dgm:scene3d>
+      <a:camera prst="orthographicFront"/>
+      <a:lightRig rig="threePt" dir="t"/>
+    </dgm:scene3d>
+    <dgm:sp3d/>
+    <dgm:txPr/>
+    <dgm:style>
+      <a:lnRef idx="2">
+        <a:scrgbClr r="0" g="0" b="0"/>
+      </a:lnRef>
+      <a:fillRef idx="1">
+        <a:scrgbClr r="0" g="0" b="0"/>
+      </a:fillRef>
+      <a:effectRef idx="0">
+        <a:scrgbClr r="0" g="0" b="0"/>
+      </a:effectRef>
+      <a:fontRef idx="minor"/>
+    </dgm:style>
+  </dgm:styleLbl>
+  <dgm:styleLbl name="revTx">
+    <dgm:scene3d>
+      <a:camera prst="orthographicFront"/>
+      <a:lightRig rig="threePt" dir="t"/>
+    </dgm:scene3d>
+    <dgm:sp3d/>
+    <dgm:txPr/>
+    <dgm:style>
+      <a:lnRef idx="0">
+        <a:scrgbClr r="0" g="0" b="0"/>
+      </a:lnRef>
+      <a:fillRef idx="0">
+        <a:scrgbClr r="0" g="0" b="0"/>
+      </a:fillRef>
+      <a:effectRef idx="0">
+        <a:scrgbClr r="0" g="0" b="0"/>
+      </a:effectRef>
+      <a:fontRef idx="minor"/>
+    </dgm:style>
+  </dgm:styleLbl>
+</dgm:styleDef>
+</file>
+
+<file path=ppt/notesMasters/notesMaster1.xml><?xml version="1.0" encoding="utf-8"?>
+<p:notesMaster xmlns:a="http://schemas.openxmlformats.org/drawingml/2006/main" xmlns:r="http://schemas.openxmlformats.org/officeDocument/2006/relationships" xmlns:p="http://schemas.openxmlformats.org/presentationml/2006/main">
+  <p:cSld>
+    <p:bg>
+      <p:bgRef idx="1001">
+        <a:schemeClr val="bg1"/>
+      </p:bgRef>
+    </p:bg>
     <p:spTree>
       <p:nvGrpSpPr>
         <p:cNvPr id="1" name=""/>
@@ -147,13 +5058,445 @@
       </p:grpSpPr>
       <p:sp>
         <p:nvSpPr>
-          <p:cNvPr id="2" name="Titolo 1">
-            <a:extLst>
-              <a:ext uri="{FF2B5EF4-FFF2-40B4-BE49-F238E27FC236}">
-                <a16:creationId xmlns:a16="http://schemas.microsoft.com/office/drawing/2014/main" id="{D405FD9E-B835-2510-B348-65BA9FABCE0D}"/>
-              </a:ext>
-            </a:extLst>
-          </p:cNvPr>
+          <p:cNvPr id="2" name="Segnaposto intestazione 1"/>
+          <p:cNvSpPr>
+            <a:spLocks noGrp="1"/>
+          </p:cNvSpPr>
+          <p:nvPr>
+            <p:ph type="hdr" sz="quarter"/>
+          </p:nvPr>
+        </p:nvSpPr>
+        <p:spPr>
+          <a:xfrm>
+            <a:off x="0" y="0"/>
+            <a:ext cx="2971800" cy="458788"/>
+          </a:xfrm>
+          <a:prstGeom prst="rect">
+            <a:avLst/>
+          </a:prstGeom>
+        </p:spPr>
+        <p:txBody>
+          <a:bodyPr vert="horz" lIns="91440" tIns="45720" rIns="91440" bIns="45720" rtlCol="0"/>
+          <a:lstStyle>
+            <a:lvl1pPr algn="l">
+              <a:defRPr sz="1200"/>
+            </a:lvl1pPr>
+          </a:lstStyle>
+          <a:p>
+            <a:endParaRPr lang="it-IT"/>
+          </a:p>
+        </p:txBody>
+      </p:sp>
+      <p:sp>
+        <p:nvSpPr>
+          <p:cNvPr id="3" name="Segnaposto data 2"/>
+          <p:cNvSpPr>
+            <a:spLocks noGrp="1"/>
+          </p:cNvSpPr>
+          <p:nvPr>
+            <p:ph type="dt" idx="1"/>
+          </p:nvPr>
+        </p:nvSpPr>
+        <p:spPr>
+          <a:xfrm>
+            <a:off x="3884613" y="0"/>
+            <a:ext cx="2971800" cy="458788"/>
+          </a:xfrm>
+          <a:prstGeom prst="rect">
+            <a:avLst/>
+          </a:prstGeom>
+        </p:spPr>
+        <p:txBody>
+          <a:bodyPr vert="horz" lIns="91440" tIns="45720" rIns="91440" bIns="45720" rtlCol="0"/>
+          <a:lstStyle>
+            <a:lvl1pPr algn="r">
+              <a:defRPr sz="1200"/>
+            </a:lvl1pPr>
+          </a:lstStyle>
+          <a:p>
+            <a:fld id="{6D5E5DC7-C283-4025-9331-829AD1B20E73}" type="datetimeFigureOut">
+              <a:rPr lang="it-IT" smtClean="0"/>
+              <a:t>09/07/2022</a:t>
+            </a:fld>
+            <a:endParaRPr lang="it-IT"/>
+          </a:p>
+        </p:txBody>
+      </p:sp>
+      <p:sp>
+        <p:nvSpPr>
+          <p:cNvPr id="4" name="Segnaposto immagine diapositiva 3"/>
+          <p:cNvSpPr>
+            <a:spLocks noGrp="1" noRot="1" noChangeAspect="1"/>
+          </p:cNvSpPr>
+          <p:nvPr>
+            <p:ph type="sldImg" idx="2"/>
+          </p:nvPr>
+        </p:nvSpPr>
+        <p:spPr>
+          <a:xfrm>
+            <a:off x="685800" y="1143000"/>
+            <a:ext cx="5486400" cy="3086100"/>
+          </a:xfrm>
+          <a:prstGeom prst="rect">
+            <a:avLst/>
+          </a:prstGeom>
+          <a:noFill/>
+          <a:ln w="12700">
+            <a:solidFill>
+              <a:prstClr val="black"/>
+            </a:solidFill>
+          </a:ln>
+        </p:spPr>
+        <p:txBody>
+          <a:bodyPr vert="horz" lIns="91440" tIns="45720" rIns="91440" bIns="45720" rtlCol="0" anchor="ctr"/>
+          <a:lstStyle/>
+          <a:p>
+            <a:endParaRPr lang="it-IT"/>
+          </a:p>
+        </p:txBody>
+      </p:sp>
+      <p:sp>
+        <p:nvSpPr>
+          <p:cNvPr id="5" name="Segnaposto note 4"/>
+          <p:cNvSpPr>
+            <a:spLocks noGrp="1"/>
+          </p:cNvSpPr>
+          <p:nvPr>
+            <p:ph type="body" sz="quarter" idx="3"/>
+          </p:nvPr>
+        </p:nvSpPr>
+        <p:spPr>
+          <a:xfrm>
+            <a:off x="685800" y="4400550"/>
+            <a:ext cx="5486400" cy="3600450"/>
+          </a:xfrm>
+          <a:prstGeom prst="rect">
+            <a:avLst/>
+          </a:prstGeom>
+        </p:spPr>
+        <p:txBody>
+          <a:bodyPr vert="horz" lIns="91440" tIns="45720" rIns="91440" bIns="45720" rtlCol="0"/>
+          <a:lstStyle/>
+          <a:p>
+            <a:pPr lvl="0"/>
+            <a:r>
+              <a:rPr lang="it-IT"/>
+              <a:t>Fare clic per modificare gli stili del testo dello schema</a:t>
+            </a:r>
+          </a:p>
+          <a:p>
+            <a:pPr lvl="1"/>
+            <a:r>
+              <a:rPr lang="it-IT"/>
+              <a:t>Secondo livello</a:t>
+            </a:r>
+          </a:p>
+          <a:p>
+            <a:pPr lvl="2"/>
+            <a:r>
+              <a:rPr lang="it-IT"/>
+              <a:t>Terzo livello</a:t>
+            </a:r>
+          </a:p>
+          <a:p>
+            <a:pPr lvl="3"/>
+            <a:r>
+              <a:rPr lang="it-IT"/>
+              <a:t>Quarto livello</a:t>
+            </a:r>
+          </a:p>
+          <a:p>
+            <a:pPr lvl="4"/>
+            <a:r>
+              <a:rPr lang="it-IT"/>
+              <a:t>Quinto livello</a:t>
+            </a:r>
+          </a:p>
+        </p:txBody>
+      </p:sp>
+      <p:sp>
+        <p:nvSpPr>
+          <p:cNvPr id="6" name="Segnaposto piè di pagina 5"/>
+          <p:cNvSpPr>
+            <a:spLocks noGrp="1"/>
+          </p:cNvSpPr>
+          <p:nvPr>
+            <p:ph type="ftr" sz="quarter" idx="4"/>
+          </p:nvPr>
+        </p:nvSpPr>
+        <p:spPr>
+          <a:xfrm>
+            <a:off x="0" y="8685213"/>
+            <a:ext cx="2971800" cy="458787"/>
+          </a:xfrm>
+          <a:prstGeom prst="rect">
+            <a:avLst/>
+          </a:prstGeom>
+        </p:spPr>
+        <p:txBody>
+          <a:bodyPr vert="horz" lIns="91440" tIns="45720" rIns="91440" bIns="45720" rtlCol="0" anchor="b"/>
+          <a:lstStyle>
+            <a:lvl1pPr algn="l">
+              <a:defRPr sz="1200"/>
+            </a:lvl1pPr>
+          </a:lstStyle>
+          <a:p>
+            <a:endParaRPr lang="it-IT"/>
+          </a:p>
+        </p:txBody>
+      </p:sp>
+      <p:sp>
+        <p:nvSpPr>
+          <p:cNvPr id="7" name="Segnaposto numero diapositiva 6"/>
+          <p:cNvSpPr>
+            <a:spLocks noGrp="1"/>
+          </p:cNvSpPr>
+          <p:nvPr>
+            <p:ph type="sldNum" sz="quarter" idx="5"/>
+          </p:nvPr>
+        </p:nvSpPr>
+        <p:spPr>
+          <a:xfrm>
+            <a:off x="3884613" y="8685213"/>
+            <a:ext cx="2971800" cy="458787"/>
+          </a:xfrm>
+          <a:prstGeom prst="rect">
+            <a:avLst/>
+          </a:prstGeom>
+        </p:spPr>
+        <p:txBody>
+          <a:bodyPr vert="horz" lIns="91440" tIns="45720" rIns="91440" bIns="45720" rtlCol="0" anchor="b"/>
+          <a:lstStyle>
+            <a:lvl1pPr algn="r">
+              <a:defRPr sz="1200"/>
+            </a:lvl1pPr>
+          </a:lstStyle>
+          <a:p>
+            <a:fld id="{D1F9FE7D-6EA9-4BC2-978A-DBC8583422B9}" type="slidenum">
+              <a:rPr lang="it-IT" smtClean="0"/>
+              <a:t>‹N›</a:t>
+            </a:fld>
+            <a:endParaRPr lang="it-IT"/>
+          </a:p>
+        </p:txBody>
+      </p:sp>
+    </p:spTree>
+    <p:extLst>
+      <p:ext uri="{BB962C8B-B14F-4D97-AF65-F5344CB8AC3E}">
+        <p14:creationId xmlns:p14="http://schemas.microsoft.com/office/powerpoint/2010/main" val="1718683014"/>
+      </p:ext>
+    </p:extLst>
+  </p:cSld>
+  <p:clrMap bg1="lt1" tx1="dk1" bg2="lt2" tx2="dk2" accent1="accent1" accent2="accent2" accent3="accent3" accent4="accent4" accent5="accent5" accent6="accent6" hlink="hlink" folHlink="folHlink"/>
+  <p:notesStyle>
+    <a:lvl1pPr marL="0" algn="l" defTabSz="914400" rtl="0" eaLnBrk="1" latinLnBrk="0" hangingPunct="1">
+      <a:defRPr sz="1200" kern="1200">
+        <a:solidFill>
+          <a:schemeClr val="tx1"/>
+        </a:solidFill>
+        <a:latin typeface="+mn-lt"/>
+        <a:ea typeface="+mn-ea"/>
+        <a:cs typeface="+mn-cs"/>
+      </a:defRPr>
+    </a:lvl1pPr>
+    <a:lvl2pPr marL="457200" algn="l" defTabSz="914400" rtl="0" eaLnBrk="1" latinLnBrk="0" hangingPunct="1">
+      <a:defRPr sz="1200" kern="1200">
+        <a:solidFill>
+          <a:schemeClr val="tx1"/>
+        </a:solidFill>
+        <a:latin typeface="+mn-lt"/>
+        <a:ea typeface="+mn-ea"/>
+        <a:cs typeface="+mn-cs"/>
+      </a:defRPr>
+    </a:lvl2pPr>
+    <a:lvl3pPr marL="914400" algn="l" defTabSz="914400" rtl="0" eaLnBrk="1" latinLnBrk="0" hangingPunct="1">
+      <a:defRPr sz="1200" kern="1200">
+        <a:solidFill>
+          <a:schemeClr val="tx1"/>
+        </a:solidFill>
+        <a:latin typeface="+mn-lt"/>
+        <a:ea typeface="+mn-ea"/>
+        <a:cs typeface="+mn-cs"/>
+      </a:defRPr>
+    </a:lvl3pPr>
+    <a:lvl4pPr marL="1371600" algn="l" defTabSz="914400" rtl="0" eaLnBrk="1" latinLnBrk="0" hangingPunct="1">
+      <a:defRPr sz="1200" kern="1200">
+        <a:solidFill>
+          <a:schemeClr val="tx1"/>
+        </a:solidFill>
+        <a:latin typeface="+mn-lt"/>
+        <a:ea typeface="+mn-ea"/>
+        <a:cs typeface="+mn-cs"/>
+      </a:defRPr>
+    </a:lvl4pPr>
+    <a:lvl5pPr marL="1828800" algn="l" defTabSz="914400" rtl="0" eaLnBrk="1" latinLnBrk="0" hangingPunct="1">
+      <a:defRPr sz="1200" kern="1200">
+        <a:solidFill>
+          <a:schemeClr val="tx1"/>
+        </a:solidFill>
+        <a:latin typeface="+mn-lt"/>
+        <a:ea typeface="+mn-ea"/>
+        <a:cs typeface="+mn-cs"/>
+      </a:defRPr>
+    </a:lvl5pPr>
+    <a:lvl6pPr marL="2286000" algn="l" defTabSz="914400" rtl="0" eaLnBrk="1" latinLnBrk="0" hangingPunct="1">
+      <a:defRPr sz="1200" kern="1200">
+        <a:solidFill>
+          <a:schemeClr val="tx1"/>
+        </a:solidFill>
+        <a:latin typeface="+mn-lt"/>
+        <a:ea typeface="+mn-ea"/>
+        <a:cs typeface="+mn-cs"/>
+      </a:defRPr>
+    </a:lvl6pPr>
+    <a:lvl7pPr marL="2743200" algn="l" defTabSz="914400" rtl="0" eaLnBrk="1" latinLnBrk="0" hangingPunct="1">
+      <a:defRPr sz="1200" kern="1200">
+        <a:solidFill>
+          <a:schemeClr val="tx1"/>
+        </a:solidFill>
+        <a:latin typeface="+mn-lt"/>
+        <a:ea typeface="+mn-ea"/>
+        <a:cs typeface="+mn-cs"/>
+      </a:defRPr>
+    </a:lvl7pPr>
+    <a:lvl8pPr marL="3200400" algn="l" defTabSz="914400" rtl="0" eaLnBrk="1" latinLnBrk="0" hangingPunct="1">
+      <a:defRPr sz="1200" kern="1200">
+        <a:solidFill>
+          <a:schemeClr val="tx1"/>
+        </a:solidFill>
+        <a:latin typeface="+mn-lt"/>
+        <a:ea typeface="+mn-ea"/>
+        <a:cs typeface="+mn-cs"/>
+      </a:defRPr>
+    </a:lvl8pPr>
+    <a:lvl9pPr marL="3657600" algn="l" defTabSz="914400" rtl="0" eaLnBrk="1" latinLnBrk="0" hangingPunct="1">
+      <a:defRPr sz="1200" kern="1200">
+        <a:solidFill>
+          <a:schemeClr val="tx1"/>
+        </a:solidFill>
+        <a:latin typeface="+mn-lt"/>
+        <a:ea typeface="+mn-ea"/>
+        <a:cs typeface="+mn-cs"/>
+      </a:defRPr>
+    </a:lvl9pPr>
+  </p:notesStyle>
+</p:notesMaster>
+</file>
+
+<file path=ppt/notesSlides/notesSlide1.xml><?xml version="1.0" encoding="utf-8"?>
+<p:notes xmlns:a="http://schemas.openxmlformats.org/drawingml/2006/main" xmlns:r="http://schemas.openxmlformats.org/officeDocument/2006/relationships" xmlns:p="http://schemas.openxmlformats.org/presentationml/2006/main">
+  <p:cSld>
+    <p:spTree>
+      <p:nvGrpSpPr>
+        <p:cNvPr id="1" name=""/>
+        <p:cNvGrpSpPr/>
+        <p:nvPr/>
+      </p:nvGrpSpPr>
+      <p:grpSpPr>
+        <a:xfrm>
+          <a:off x="0" y="0"/>
+          <a:ext cx="0" cy="0"/>
+          <a:chOff x="0" y="0"/>
+          <a:chExt cx="0" cy="0"/>
+        </a:xfrm>
+      </p:grpSpPr>
+      <p:sp>
+        <p:nvSpPr>
+          <p:cNvPr id="2" name="Segnaposto immagine diapositiva 1"/>
+          <p:cNvSpPr>
+            <a:spLocks noGrp="1" noRot="1" noChangeAspect="1"/>
+          </p:cNvSpPr>
+          <p:nvPr>
+            <p:ph type="sldImg"/>
+          </p:nvPr>
+        </p:nvSpPr>
+        <p:spPr/>
+      </p:sp>
+      <p:sp>
+        <p:nvSpPr>
+          <p:cNvPr id="3" name="Segnaposto note 2"/>
+          <p:cNvSpPr>
+            <a:spLocks noGrp="1"/>
+          </p:cNvSpPr>
+          <p:nvPr>
+            <p:ph type="body" idx="1"/>
+          </p:nvPr>
+        </p:nvSpPr>
+        <p:spPr/>
+        <p:txBody>
+          <a:bodyPr/>
+          <a:lstStyle/>
+          <a:p>
+            <a:endParaRPr lang="it-IT" dirty="0"/>
+          </a:p>
+        </p:txBody>
+      </p:sp>
+      <p:sp>
+        <p:nvSpPr>
+          <p:cNvPr id="4" name="Segnaposto numero diapositiva 3"/>
+          <p:cNvSpPr>
+            <a:spLocks noGrp="1"/>
+          </p:cNvSpPr>
+          <p:nvPr>
+            <p:ph type="sldNum" sz="quarter" idx="5"/>
+          </p:nvPr>
+        </p:nvSpPr>
+        <p:spPr/>
+        <p:txBody>
+          <a:bodyPr/>
+          <a:lstStyle/>
+          <a:p>
+            <a:fld id="{D1F9FE7D-6EA9-4BC2-978A-DBC8583422B9}" type="slidenum">
+              <a:rPr lang="it-IT" smtClean="0"/>
+              <a:t>1</a:t>
+            </a:fld>
+            <a:endParaRPr lang="it-IT"/>
+          </a:p>
+        </p:txBody>
+      </p:sp>
+    </p:spTree>
+    <p:extLst>
+      <p:ext uri="{BB962C8B-B14F-4D97-AF65-F5344CB8AC3E}">
+        <p14:creationId xmlns:p14="http://schemas.microsoft.com/office/powerpoint/2010/main" val="590367048"/>
+      </p:ext>
+    </p:extLst>
+  </p:cSld>
+  <p:clrMapOvr>
+    <a:masterClrMapping/>
+  </p:clrMapOvr>
+</p:notes>
+</file>
+
+<file path=ppt/slideLayouts/slideLayout1.xml><?xml version="1.0" encoding="utf-8"?>
+<p:sldLayout xmlns:a="http://schemas.openxmlformats.org/drawingml/2006/main" xmlns:r="http://schemas.openxmlformats.org/officeDocument/2006/relationships" xmlns:p="http://schemas.openxmlformats.org/presentationml/2006/main" showMasterSp="0" type="title" preserve="1">
+  <p:cSld name="Diapositiva titolo">
+    <p:bg>
+      <p:bgPr>
+        <a:solidFill>
+          <a:schemeClr val="bg2">
+            <a:lumMod val="75000"/>
+          </a:schemeClr>
+        </a:solidFill>
+        <a:effectLst/>
+      </p:bgPr>
+    </p:bg>
+    <p:spTree>
+      <p:nvGrpSpPr>
+        <p:cNvPr id="1" name=""/>
+        <p:cNvGrpSpPr/>
+        <p:nvPr/>
+      </p:nvGrpSpPr>
+      <p:grpSpPr>
+        <a:xfrm>
+          <a:off x="0" y="0"/>
+          <a:ext cx="0" cy="0"/>
+          <a:chOff x="0" y="0"/>
+          <a:chExt cx="0" cy="0"/>
+        </a:xfrm>
+      </p:grpSpPr>
+      <p:sp>
+        <p:nvSpPr>
+          <p:cNvPr id="2" name="Title 1"/>
           <p:cNvSpPr>
             <a:spLocks noGrp="1"/>
           </p:cNvSpPr>
@@ -163,15 +5506,24 @@
         </p:nvSpPr>
         <p:spPr>
           <a:xfrm>
-            <a:off x="1524000" y="1122363"/>
-            <a:ext cx="9144000" cy="2387600"/>
+            <a:off x="1261872" y="758952"/>
+            <a:ext cx="9418320" cy="4041648"/>
           </a:xfrm>
         </p:spPr>
         <p:txBody>
-          <a:bodyPr anchor="b"/>
+          <a:bodyPr anchor="b">
+            <a:normAutofit/>
+          </a:bodyPr>
           <a:lstStyle>
-            <a:lvl1pPr algn="ctr">
-              <a:defRPr sz="6000"/>
+            <a:lvl1pPr algn="l">
+              <a:lnSpc>
+                <a:spcPct val="85000"/>
+              </a:lnSpc>
+              <a:defRPr sz="7200" baseline="0">
+                <a:solidFill>
+                  <a:schemeClr val="tx1"/>
+                </a:solidFill>
+              </a:defRPr>
             </a:lvl1pPr>
           </a:lstStyle>
           <a:p>
@@ -179,19 +5531,13 @@
               <a:rPr lang="it-IT"/>
               <a:t>Fare clic per modificare lo stile del titolo dello schema</a:t>
             </a:r>
-            <a:endParaRPr lang="en-GB"/>
+            <a:endParaRPr lang="en-US" dirty="0"/>
           </a:p>
         </p:txBody>
       </p:sp>
       <p:sp>
         <p:nvSpPr>
-          <p:cNvPr id="3" name="Sottotitolo 2">
-            <a:extLst>
-              <a:ext uri="{FF2B5EF4-FFF2-40B4-BE49-F238E27FC236}">
-                <a16:creationId xmlns:a16="http://schemas.microsoft.com/office/drawing/2014/main" id="{5D60B866-DE0A-2703-814F-7F070A3BD64A}"/>
-              </a:ext>
-            </a:extLst>
-          </p:cNvPr>
+          <p:cNvPr id="3" name="Subtitle 2"/>
           <p:cNvSpPr>
             <a:spLocks noGrp="1"/>
           </p:cNvSpPr>
@@ -201,48 +5547,56 @@
         </p:nvSpPr>
         <p:spPr>
           <a:xfrm>
-            <a:off x="1524000" y="3602038"/>
-            <a:ext cx="9144000" cy="1655762"/>
+            <a:off x="1261872" y="4800600"/>
+            <a:ext cx="9418320" cy="1691640"/>
           </a:xfrm>
         </p:spPr>
         <p:txBody>
-          <a:bodyPr/>
+          <a:bodyPr>
+            <a:normAutofit/>
+          </a:bodyPr>
           <a:lstStyle>
-            <a:lvl1pPr marL="0" indent="0" algn="ctr">
+            <a:lvl1pPr marL="0" indent="0" algn="l">
               <a:buNone/>
-              <a:defRPr sz="2400"/>
+              <a:defRPr sz="2200" baseline="0">
+                <a:solidFill>
+                  <a:schemeClr val="tx1">
+                    <a:lumMod val="75000"/>
+                  </a:schemeClr>
+                </a:solidFill>
+              </a:defRPr>
             </a:lvl1pPr>
             <a:lvl2pPr marL="457200" indent="0" algn="ctr">
               <a:buNone/>
-              <a:defRPr sz="2000"/>
+              <a:defRPr sz="2200"/>
             </a:lvl2pPr>
             <a:lvl3pPr marL="914400" indent="0" algn="ctr">
               <a:buNone/>
-              <a:defRPr sz="1800"/>
+              <a:defRPr sz="2200"/>
             </a:lvl3pPr>
             <a:lvl4pPr marL="1371600" indent="0" algn="ctr">
               <a:buNone/>
-              <a:defRPr sz="1600"/>
+              <a:defRPr sz="2000"/>
             </a:lvl4pPr>
             <a:lvl5pPr marL="1828800" indent="0" algn="ctr">
               <a:buNone/>
-              <a:defRPr sz="1600"/>
+              <a:defRPr sz="2000"/>
             </a:lvl5pPr>
             <a:lvl6pPr marL="2286000" indent="0" algn="ctr">
               <a:buNone/>
-              <a:defRPr sz="1600"/>
+              <a:defRPr sz="2000"/>
             </a:lvl6pPr>
             <a:lvl7pPr marL="2743200" indent="0" algn="ctr">
               <a:buNone/>
-              <a:defRPr sz="1600"/>
+              <a:defRPr sz="2000"/>
             </a:lvl7pPr>
             <a:lvl8pPr marL="3200400" indent="0" algn="ctr">
               <a:buNone/>
-              <a:defRPr sz="1600"/>
+              <a:defRPr sz="2000"/>
             </a:lvl8pPr>
             <a:lvl9pPr marL="3657600" indent="0" algn="ctr">
               <a:buNone/>
-              <a:defRPr sz="1600"/>
+              <a:defRPr sz="2000"/>
             </a:lvl9pPr>
           </a:lstStyle>
           <a:p>
@@ -250,19 +5604,13 @@
               <a:rPr lang="it-IT"/>
               <a:t>Fare clic per modificare lo stile del sottotitolo dello schema</a:t>
             </a:r>
-            <a:endParaRPr lang="en-GB"/>
+            <a:endParaRPr lang="en-US" dirty="0"/>
           </a:p>
         </p:txBody>
       </p:sp>
       <p:sp>
         <p:nvSpPr>
-          <p:cNvPr id="4" name="Segnaposto data 3">
-            <a:extLst>
-              <a:ext uri="{FF2B5EF4-FFF2-40B4-BE49-F238E27FC236}">
-                <a16:creationId xmlns:a16="http://schemas.microsoft.com/office/drawing/2014/main" id="{1564A138-BB7F-8AFA-6559-4EAF645721AC}"/>
-              </a:ext>
-            </a:extLst>
-          </p:cNvPr>
+          <p:cNvPr id="4" name="Date Placeholder 3"/>
           <p:cNvSpPr>
             <a:spLocks noGrp="1"/>
           </p:cNvSpPr>
@@ -273,7 +5621,17 @@
         <p:spPr/>
         <p:txBody>
           <a:bodyPr/>
-          <a:lstStyle/>
+          <a:lstStyle>
+            <a:lvl1pPr>
+              <a:defRPr>
+                <a:solidFill>
+                  <a:schemeClr val="tx1">
+                    <a:lumMod val="50000"/>
+                  </a:schemeClr>
+                </a:solidFill>
+              </a:defRPr>
+            </a:lvl1pPr>
+          </a:lstStyle>
           <a:p>
             <a:fld id="{E32783F9-8828-43B1-A8C0-F06DC9B21865}" type="datetimeFigureOut">
               <a:rPr lang="en-GB" smtClean="0"/>
@@ -285,13 +5643,7 @@
       </p:sp>
       <p:sp>
         <p:nvSpPr>
-          <p:cNvPr id="5" name="Segnaposto piè di pagina 4">
-            <a:extLst>
-              <a:ext uri="{FF2B5EF4-FFF2-40B4-BE49-F238E27FC236}">
-                <a16:creationId xmlns:a16="http://schemas.microsoft.com/office/drawing/2014/main" id="{D5A8E7DE-FA82-CC6A-5343-E3E6ED3BB3C4}"/>
-              </a:ext>
-            </a:extLst>
-          </p:cNvPr>
+          <p:cNvPr id="5" name="Footer Placeholder 4"/>
           <p:cNvSpPr>
             <a:spLocks noGrp="1"/>
           </p:cNvSpPr>
@@ -302,7 +5654,17 @@
         <p:spPr/>
         <p:txBody>
           <a:bodyPr/>
-          <a:lstStyle/>
+          <a:lstStyle>
+            <a:lvl1pPr>
+              <a:defRPr>
+                <a:solidFill>
+                  <a:schemeClr val="tx1">
+                    <a:lumMod val="65000"/>
+                  </a:schemeClr>
+                </a:solidFill>
+              </a:defRPr>
+            </a:lvl1pPr>
+          </a:lstStyle>
           <a:p>
             <a:endParaRPr lang="en-GB"/>
           </a:p>
@@ -310,13 +5672,7 @@
       </p:sp>
       <p:sp>
         <p:nvSpPr>
-          <p:cNvPr id="6" name="Segnaposto numero diapositiva 5">
-            <a:extLst>
-              <a:ext uri="{FF2B5EF4-FFF2-40B4-BE49-F238E27FC236}">
-                <a16:creationId xmlns:a16="http://schemas.microsoft.com/office/drawing/2014/main" id="{EC615DAC-270D-D199-607B-391FB1369218}"/>
-              </a:ext>
-            </a:extLst>
-          </p:cNvPr>
+          <p:cNvPr id="6" name="Slide Number Placeholder 5"/>
           <p:cNvSpPr>
             <a:spLocks noGrp="1"/>
           </p:cNvSpPr>
@@ -327,7 +5683,17 @@
         <p:spPr/>
         <p:txBody>
           <a:bodyPr/>
-          <a:lstStyle/>
+          <a:lstStyle>
+            <a:lvl1pPr>
+              <a:defRPr>
+                <a:solidFill>
+                  <a:schemeClr val="tx1">
+                    <a:lumMod val="65000"/>
+                  </a:schemeClr>
+                </a:solidFill>
+              </a:defRPr>
+            </a:lvl1pPr>
+          </a:lstStyle>
           <a:p>
             <a:fld id="{8F475715-4F96-4B07-A658-F5F8EBA3CE3E}" type="slidenum">
               <a:rPr lang="en-GB" smtClean="0"/>
@@ -337,15 +5703,53 @@
           </a:p>
         </p:txBody>
       </p:sp>
+      <p:sp>
+        <p:nvSpPr>
+          <p:cNvPr id="7" name="Rectangle 6"/>
+          <p:cNvSpPr/>
+          <p:nvPr/>
+        </p:nvSpPr>
+        <p:spPr>
+          <a:xfrm>
+            <a:off x="0" y="0"/>
+            <a:ext cx="457200" cy="6858000"/>
+          </a:xfrm>
+          <a:prstGeom prst="rect">
+            <a:avLst/>
+          </a:prstGeom>
+          <a:solidFill>
+            <a:schemeClr val="accent1"/>
+          </a:solidFill>
+          <a:ln>
+            <a:noFill/>
+          </a:ln>
+        </p:spPr>
+        <p:style>
+          <a:lnRef idx="2">
+            <a:schemeClr val="accent1">
+              <a:shade val="50000"/>
+            </a:schemeClr>
+          </a:lnRef>
+          <a:fillRef idx="1">
+            <a:schemeClr val="accent1"/>
+          </a:fillRef>
+          <a:effectRef idx="0">
+            <a:schemeClr val="accent1"/>
+          </a:effectRef>
+          <a:fontRef idx="minor">
+            <a:schemeClr val="lt1"/>
+          </a:fontRef>
+        </p:style>
+      </p:sp>
     </p:spTree>
     <p:extLst>
       <p:ext uri="{BB962C8B-B14F-4D97-AF65-F5344CB8AC3E}">
-        <p14:creationId xmlns:p14="http://schemas.microsoft.com/office/powerpoint/2010/main" val="3976656748"/>
+        <p14:creationId xmlns:p14="http://schemas.microsoft.com/office/powerpoint/2010/main" val="3854661479"/>
       </p:ext>
     </p:extLst>
   </p:cSld>
   <p:clrMapOvr>
-    <a:masterClrMapping/>
+    <a:overrideClrMapping bg1="dk1" tx1="lt1" bg2="dk2" tx2="lt2" accent1="accent1" accent2="accent2" accent3="accent3" accent4="accent4" accent5="accent5" accent6="accent6" hlink="hlink" folHlink="folHlink"/>
   </p:clrMapOvr>
 </p:sldLayout>
 </file>
@@ -369,13 +5773,7 @@
       </p:grpSpPr>
       <p:sp>
         <p:nvSpPr>
-          <p:cNvPr id="2" name="Titolo 1">
-            <a:extLst>
-              <a:ext uri="{FF2B5EF4-FFF2-40B4-BE49-F238E27FC236}">
-                <a16:creationId xmlns:a16="http://schemas.microsoft.com/office/drawing/2014/main" id="{3E8D5FEF-7B4A-51C5-44EE-254958418514}"/>
-              </a:ext>
-            </a:extLst>
-          </p:cNvPr>
+          <p:cNvPr id="2" name="Title 1"/>
           <p:cNvSpPr>
             <a:spLocks noGrp="1"/>
           </p:cNvSpPr>
@@ -392,19 +5790,13 @@
               <a:rPr lang="it-IT"/>
               <a:t>Fare clic per modificare lo stile del titolo dello schema</a:t>
             </a:r>
-            <a:endParaRPr lang="en-GB"/>
+            <a:endParaRPr lang="en-US" dirty="0"/>
           </a:p>
         </p:txBody>
       </p:sp>
       <p:sp>
         <p:nvSpPr>
-          <p:cNvPr id="3" name="Segnaposto testo verticale 2">
-            <a:extLst>
-              <a:ext uri="{FF2B5EF4-FFF2-40B4-BE49-F238E27FC236}">
-                <a16:creationId xmlns:a16="http://schemas.microsoft.com/office/drawing/2014/main" id="{F020C61C-1D5D-BF7E-19FA-3C158B1F6A06}"/>
-              </a:ext>
-            </a:extLst>
-          </p:cNvPr>
+          <p:cNvPr id="3" name="Vertical Text Placeholder 2"/>
           <p:cNvSpPr>
             <a:spLocks noGrp="1"/>
           </p:cNvSpPr>
@@ -450,19 +5842,13 @@
               <a:rPr lang="it-IT"/>
               <a:t>Quinto livello</a:t>
             </a:r>
-            <a:endParaRPr lang="en-GB"/>
+            <a:endParaRPr lang="en-US" dirty="0"/>
           </a:p>
         </p:txBody>
       </p:sp>
       <p:sp>
         <p:nvSpPr>
-          <p:cNvPr id="4" name="Segnaposto data 3">
-            <a:extLst>
-              <a:ext uri="{FF2B5EF4-FFF2-40B4-BE49-F238E27FC236}">
-                <a16:creationId xmlns:a16="http://schemas.microsoft.com/office/drawing/2014/main" id="{EEBE2305-6D1D-C256-AE0E-6086016DF215}"/>
-              </a:ext>
-            </a:extLst>
-          </p:cNvPr>
+          <p:cNvPr id="4" name="Date Placeholder 3"/>
           <p:cNvSpPr>
             <a:spLocks noGrp="1"/>
           </p:cNvSpPr>
@@ -485,13 +5871,7 @@
       </p:sp>
       <p:sp>
         <p:nvSpPr>
-          <p:cNvPr id="5" name="Segnaposto piè di pagina 4">
-            <a:extLst>
-              <a:ext uri="{FF2B5EF4-FFF2-40B4-BE49-F238E27FC236}">
-                <a16:creationId xmlns:a16="http://schemas.microsoft.com/office/drawing/2014/main" id="{7F3A0137-20FA-8AA6-2971-FC871A610D9B}"/>
-              </a:ext>
-            </a:extLst>
-          </p:cNvPr>
+          <p:cNvPr id="5" name="Footer Placeholder 4"/>
           <p:cNvSpPr>
             <a:spLocks noGrp="1"/>
           </p:cNvSpPr>
@@ -510,13 +5890,7 @@
       </p:sp>
       <p:sp>
         <p:nvSpPr>
-          <p:cNvPr id="6" name="Segnaposto numero diapositiva 5">
-            <a:extLst>
-              <a:ext uri="{FF2B5EF4-FFF2-40B4-BE49-F238E27FC236}">
-                <a16:creationId xmlns:a16="http://schemas.microsoft.com/office/drawing/2014/main" id="{4D498DD0-04D1-CA0C-0A17-8D13A924DAF9}"/>
-              </a:ext>
-            </a:extLst>
-          </p:cNvPr>
+          <p:cNvPr id="6" name="Slide Number Placeholder 5"/>
           <p:cNvSpPr>
             <a:spLocks noGrp="1"/>
           </p:cNvSpPr>
@@ -540,7 +5914,7 @@
     </p:spTree>
     <p:extLst>
       <p:ext uri="{BB962C8B-B14F-4D97-AF65-F5344CB8AC3E}">
-        <p14:creationId xmlns:p14="http://schemas.microsoft.com/office/powerpoint/2010/main" val="3091016173"/>
+        <p14:creationId xmlns:p14="http://schemas.microsoft.com/office/powerpoint/2010/main" val="2254633510"/>
       </p:ext>
     </p:extLst>
   </p:cSld>
@@ -569,13 +5943,7 @@
       </p:grpSpPr>
       <p:sp>
         <p:nvSpPr>
-          <p:cNvPr id="2" name="Titolo verticale 1">
-            <a:extLst>
-              <a:ext uri="{FF2B5EF4-FFF2-40B4-BE49-F238E27FC236}">
-                <a16:creationId xmlns:a16="http://schemas.microsoft.com/office/drawing/2014/main" id="{ECFBAF76-4F15-CDF7-40F0-BF3D928F1858}"/>
-              </a:ext>
-            </a:extLst>
-          </p:cNvPr>
+          <p:cNvPr id="2" name="Vertical Title 1"/>
           <p:cNvSpPr>
             <a:spLocks noGrp="1"/>
           </p:cNvSpPr>
@@ -585,8 +5953,8 @@
         </p:nvSpPr>
         <p:spPr>
           <a:xfrm>
-            <a:off x="8724900" y="365125"/>
-            <a:ext cx="2628900" cy="5811838"/>
+            <a:off x="8648700" y="381000"/>
+            <a:ext cx="2476500" cy="5897562"/>
           </a:xfrm>
         </p:spPr>
         <p:txBody>
@@ -597,19 +5965,13 @@
               <a:rPr lang="it-IT"/>
               <a:t>Fare clic per modificare lo stile del titolo dello schema</a:t>
             </a:r>
-            <a:endParaRPr lang="en-GB"/>
+            <a:endParaRPr lang="en-US" dirty="0"/>
           </a:p>
         </p:txBody>
       </p:sp>
       <p:sp>
         <p:nvSpPr>
-          <p:cNvPr id="3" name="Segnaposto testo verticale 2">
-            <a:extLst>
-              <a:ext uri="{FF2B5EF4-FFF2-40B4-BE49-F238E27FC236}">
-                <a16:creationId xmlns:a16="http://schemas.microsoft.com/office/drawing/2014/main" id="{8F7AA1DD-F4DC-6279-5F38-3B3842A4C938}"/>
-              </a:ext>
-            </a:extLst>
-          </p:cNvPr>
+          <p:cNvPr id="3" name="Vertical Text Placeholder 2"/>
           <p:cNvSpPr>
             <a:spLocks noGrp="1"/>
           </p:cNvSpPr>
@@ -619,8 +5981,8 @@
         </p:nvSpPr>
         <p:spPr>
           <a:xfrm>
-            <a:off x="838200" y="365125"/>
-            <a:ext cx="7734300" cy="5811838"/>
+            <a:off x="762000" y="381000"/>
+            <a:ext cx="7734300" cy="5897562"/>
           </a:xfrm>
         </p:spPr>
         <p:txBody>
@@ -660,19 +6022,13 @@
               <a:rPr lang="it-IT"/>
               <a:t>Quinto livello</a:t>
             </a:r>
-            <a:endParaRPr lang="en-GB"/>
+            <a:endParaRPr lang="en-US" dirty="0"/>
           </a:p>
         </p:txBody>
       </p:sp>
       <p:sp>
         <p:nvSpPr>
-          <p:cNvPr id="4" name="Segnaposto data 3">
-            <a:extLst>
-              <a:ext uri="{FF2B5EF4-FFF2-40B4-BE49-F238E27FC236}">
-                <a16:creationId xmlns:a16="http://schemas.microsoft.com/office/drawing/2014/main" id="{F71359CF-B491-64FE-D17E-34320E926400}"/>
-              </a:ext>
-            </a:extLst>
-          </p:cNvPr>
+          <p:cNvPr id="4" name="Date Placeholder 3"/>
           <p:cNvSpPr>
             <a:spLocks noGrp="1"/>
           </p:cNvSpPr>
@@ -695,13 +6051,7 @@
       </p:sp>
       <p:sp>
         <p:nvSpPr>
-          <p:cNvPr id="5" name="Segnaposto piè di pagina 4">
-            <a:extLst>
-              <a:ext uri="{FF2B5EF4-FFF2-40B4-BE49-F238E27FC236}">
-                <a16:creationId xmlns:a16="http://schemas.microsoft.com/office/drawing/2014/main" id="{434A0925-40A4-2FB3-E7A2-142543488E1D}"/>
-              </a:ext>
-            </a:extLst>
-          </p:cNvPr>
+          <p:cNvPr id="5" name="Footer Placeholder 4"/>
           <p:cNvSpPr>
             <a:spLocks noGrp="1"/>
           </p:cNvSpPr>
@@ -720,13 +6070,7 @@
       </p:sp>
       <p:sp>
         <p:nvSpPr>
-          <p:cNvPr id="6" name="Segnaposto numero diapositiva 5">
-            <a:extLst>
-              <a:ext uri="{FF2B5EF4-FFF2-40B4-BE49-F238E27FC236}">
-                <a16:creationId xmlns:a16="http://schemas.microsoft.com/office/drawing/2014/main" id="{7DE36138-DCF9-AB5D-5711-23648C3D086E}"/>
-              </a:ext>
-            </a:extLst>
-          </p:cNvPr>
+          <p:cNvPr id="6" name="Slide Number Placeholder 5"/>
           <p:cNvSpPr>
             <a:spLocks noGrp="1"/>
           </p:cNvSpPr>
@@ -750,7 +6094,7 @@
     </p:spTree>
     <p:extLst>
       <p:ext uri="{BB962C8B-B14F-4D97-AF65-F5344CB8AC3E}">
-        <p14:creationId xmlns:p14="http://schemas.microsoft.com/office/powerpoint/2010/main" val="4075929555"/>
+        <p14:creationId xmlns:p14="http://schemas.microsoft.com/office/powerpoint/2010/main" val="3157732763"/>
       </p:ext>
     </p:extLst>
   </p:cSld>
@@ -779,13 +6123,7 @@
       </p:grpSpPr>
       <p:sp>
         <p:nvSpPr>
-          <p:cNvPr id="2" name="Titolo 1">
-            <a:extLst>
-              <a:ext uri="{FF2B5EF4-FFF2-40B4-BE49-F238E27FC236}">
-                <a16:creationId xmlns:a16="http://schemas.microsoft.com/office/drawing/2014/main" id="{8857FE51-CF7D-EF7C-74FB-B742F31BB20C}"/>
-              </a:ext>
-            </a:extLst>
-          </p:cNvPr>
+          <p:cNvPr id="2" name="Title 1"/>
           <p:cNvSpPr>
             <a:spLocks noGrp="1"/>
           </p:cNvSpPr>
@@ -802,19 +6140,13 @@
               <a:rPr lang="it-IT"/>
               <a:t>Fare clic per modificare lo stile del titolo dello schema</a:t>
             </a:r>
-            <a:endParaRPr lang="en-GB"/>
+            <a:endParaRPr lang="en-US" dirty="0"/>
           </a:p>
         </p:txBody>
       </p:sp>
       <p:sp>
         <p:nvSpPr>
-          <p:cNvPr id="3" name="Segnaposto contenuto 2">
-            <a:extLst>
-              <a:ext uri="{FF2B5EF4-FFF2-40B4-BE49-F238E27FC236}">
-                <a16:creationId xmlns:a16="http://schemas.microsoft.com/office/drawing/2014/main" id="{E941B595-444D-40B9-7CB0-89AF1D79AD8A}"/>
-              </a:ext>
-            </a:extLst>
-          </p:cNvPr>
+          <p:cNvPr id="3" name="Content Placeholder 2"/>
           <p:cNvSpPr>
             <a:spLocks noGrp="1"/>
           </p:cNvSpPr>
@@ -860,19 +6192,13 @@
               <a:rPr lang="it-IT"/>
               <a:t>Quinto livello</a:t>
             </a:r>
-            <a:endParaRPr lang="en-GB"/>
+            <a:endParaRPr lang="en-US" dirty="0"/>
           </a:p>
         </p:txBody>
       </p:sp>
       <p:sp>
         <p:nvSpPr>
-          <p:cNvPr id="4" name="Segnaposto data 3">
-            <a:extLst>
-              <a:ext uri="{FF2B5EF4-FFF2-40B4-BE49-F238E27FC236}">
-                <a16:creationId xmlns:a16="http://schemas.microsoft.com/office/drawing/2014/main" id="{198146AE-2FED-64BE-8777-D88576293943}"/>
-              </a:ext>
-            </a:extLst>
-          </p:cNvPr>
+          <p:cNvPr id="4" name="Date Placeholder 3"/>
           <p:cNvSpPr>
             <a:spLocks noGrp="1"/>
           </p:cNvSpPr>
@@ -895,13 +6221,7 @@
       </p:sp>
       <p:sp>
         <p:nvSpPr>
-          <p:cNvPr id="5" name="Segnaposto piè di pagina 4">
-            <a:extLst>
-              <a:ext uri="{FF2B5EF4-FFF2-40B4-BE49-F238E27FC236}">
-                <a16:creationId xmlns:a16="http://schemas.microsoft.com/office/drawing/2014/main" id="{189DD4AB-B3F3-A410-816E-FC3300AC6413}"/>
-              </a:ext>
-            </a:extLst>
-          </p:cNvPr>
+          <p:cNvPr id="5" name="Footer Placeholder 4"/>
           <p:cNvSpPr>
             <a:spLocks noGrp="1"/>
           </p:cNvSpPr>
@@ -920,13 +6240,7 @@
       </p:sp>
       <p:sp>
         <p:nvSpPr>
-          <p:cNvPr id="6" name="Segnaposto numero diapositiva 5">
-            <a:extLst>
-              <a:ext uri="{FF2B5EF4-FFF2-40B4-BE49-F238E27FC236}">
-                <a16:creationId xmlns:a16="http://schemas.microsoft.com/office/drawing/2014/main" id="{0DBEEDAD-6E78-9C4D-287F-750519340C1B}"/>
-              </a:ext>
-            </a:extLst>
-          </p:cNvPr>
+          <p:cNvPr id="6" name="Slide Number Placeholder 5"/>
           <p:cNvSpPr>
             <a:spLocks noGrp="1"/>
           </p:cNvSpPr>
@@ -950,7 +6264,7 @@
     </p:spTree>
     <p:extLst>
       <p:ext uri="{BB962C8B-B14F-4D97-AF65-F5344CB8AC3E}">
-        <p14:creationId xmlns:p14="http://schemas.microsoft.com/office/powerpoint/2010/main" val="1827359726"/>
+        <p14:creationId xmlns:p14="http://schemas.microsoft.com/office/powerpoint/2010/main" val="1952655498"/>
       </p:ext>
     </p:extLst>
   </p:cSld>
@@ -979,13 +6293,7 @@
       </p:grpSpPr>
       <p:sp>
         <p:nvSpPr>
-          <p:cNvPr id="2" name="Titolo 1">
-            <a:extLst>
-              <a:ext uri="{FF2B5EF4-FFF2-40B4-BE49-F238E27FC236}">
-                <a16:creationId xmlns:a16="http://schemas.microsoft.com/office/drawing/2014/main" id="{3F3B9068-C8D8-8F39-E7EB-CE150D4AA591}"/>
-              </a:ext>
-            </a:extLst>
-          </p:cNvPr>
+          <p:cNvPr id="2" name="Title 1"/>
           <p:cNvSpPr>
             <a:spLocks noGrp="1"/>
           </p:cNvSpPr>
@@ -995,15 +6303,20 @@
         </p:nvSpPr>
         <p:spPr>
           <a:xfrm>
-            <a:off x="831850" y="1709738"/>
-            <a:ext cx="10515600" cy="2852737"/>
+            <a:off x="1261872" y="758952"/>
+            <a:ext cx="9418320" cy="4041648"/>
           </a:xfrm>
         </p:spPr>
         <p:txBody>
-          <a:bodyPr anchor="b"/>
+          <a:bodyPr anchor="b">
+            <a:normAutofit/>
+          </a:bodyPr>
           <a:lstStyle>
             <a:lvl1pPr>
-              <a:defRPr sz="6000"/>
+              <a:lnSpc>
+                <a:spcPct val="85000"/>
+              </a:lnSpc>
+              <a:defRPr sz="7200" b="0"/>
             </a:lvl1pPr>
           </a:lstStyle>
           <a:p>
@@ -1011,19 +6324,13 @@
               <a:rPr lang="it-IT"/>
               <a:t>Fare clic per modificare lo stile del titolo dello schema</a:t>
             </a:r>
-            <a:endParaRPr lang="en-GB"/>
+            <a:endParaRPr lang="en-US" dirty="0"/>
           </a:p>
         </p:txBody>
       </p:sp>
       <p:sp>
         <p:nvSpPr>
-          <p:cNvPr id="3" name="Segnaposto testo 2">
-            <a:extLst>
-              <a:ext uri="{FF2B5EF4-FFF2-40B4-BE49-F238E27FC236}">
-                <a16:creationId xmlns:a16="http://schemas.microsoft.com/office/drawing/2014/main" id="{E26CA370-0758-FC8E-888D-05FA7B259820}"/>
-              </a:ext>
-            </a:extLst>
-          </p:cNvPr>
+          <p:cNvPr id="3" name="Text Placeholder 2"/>
           <p:cNvSpPr>
             <a:spLocks noGrp="1"/>
           </p:cNvSpPr>
@@ -1033,26 +6340,29 @@
         </p:nvSpPr>
         <p:spPr>
           <a:xfrm>
-            <a:off x="831850" y="4589463"/>
-            <a:ext cx="10515600" cy="1500187"/>
+            <a:off x="1261872" y="4800600"/>
+            <a:ext cx="9418320" cy="1691640"/>
           </a:xfrm>
         </p:spPr>
         <p:txBody>
-          <a:bodyPr/>
+          <a:bodyPr anchor="t">
+            <a:normAutofit/>
+          </a:bodyPr>
           <a:lstStyle>
             <a:lvl1pPr marL="0" indent="0">
               <a:buNone/>
-              <a:defRPr sz="2400">
+              <a:defRPr sz="2200">
                 <a:solidFill>
                   <a:schemeClr val="tx1">
-                    <a:tint val="75000"/>
+                    <a:lumMod val="65000"/>
+                    <a:lumOff val="35000"/>
                   </a:schemeClr>
                 </a:solidFill>
               </a:defRPr>
             </a:lvl1pPr>
             <a:lvl2pPr marL="457200" indent="0">
               <a:buNone/>
-              <a:defRPr sz="2000">
+              <a:defRPr sz="1800">
                 <a:solidFill>
                   <a:schemeClr val="tx1">
                     <a:tint val="75000"/>
@@ -1062,7 +6372,7 @@
             </a:lvl2pPr>
             <a:lvl3pPr marL="914400" indent="0">
               <a:buNone/>
-              <a:defRPr sz="1800">
+              <a:defRPr sz="1600">
                 <a:solidFill>
                   <a:schemeClr val="tx1">
                     <a:tint val="75000"/>
@@ -1072,7 +6382,7 @@
             </a:lvl3pPr>
             <a:lvl4pPr marL="1371600" indent="0">
               <a:buNone/>
-              <a:defRPr sz="1600">
+              <a:defRPr sz="1400">
                 <a:solidFill>
                   <a:schemeClr val="tx1">
                     <a:tint val="75000"/>
@@ -1082,7 +6392,7 @@
             </a:lvl4pPr>
             <a:lvl5pPr marL="1828800" indent="0">
               <a:buNone/>
-              <a:defRPr sz="1600">
+              <a:defRPr sz="1400">
                 <a:solidFill>
                   <a:schemeClr val="tx1">
                     <a:tint val="75000"/>
@@ -1092,7 +6402,7 @@
             </a:lvl5pPr>
             <a:lvl6pPr marL="2286000" indent="0">
               <a:buNone/>
-              <a:defRPr sz="1600">
+              <a:defRPr sz="1400">
                 <a:solidFill>
                   <a:schemeClr val="tx1">
                     <a:tint val="75000"/>
@@ -1102,7 +6412,7 @@
             </a:lvl6pPr>
             <a:lvl7pPr marL="2743200" indent="0">
               <a:buNone/>
-              <a:defRPr sz="1600">
+              <a:defRPr sz="1400">
                 <a:solidFill>
                   <a:schemeClr val="tx1">
                     <a:tint val="75000"/>
@@ -1112,7 +6422,7 @@
             </a:lvl7pPr>
             <a:lvl8pPr marL="3200400" indent="0">
               <a:buNone/>
-              <a:defRPr sz="1600">
+              <a:defRPr sz="1400">
                 <a:solidFill>
                   <a:schemeClr val="tx1">
                     <a:tint val="75000"/>
@@ -1122,7 +6432,7 @@
             </a:lvl8pPr>
             <a:lvl9pPr marL="3657600" indent="0">
               <a:buNone/>
-              <a:defRPr sz="1600">
+              <a:defRPr sz="1400">
                 <a:solidFill>
                   <a:schemeClr val="tx1">
                     <a:tint val="75000"/>
@@ -1142,13 +6452,7 @@
       </p:sp>
       <p:sp>
         <p:nvSpPr>
-          <p:cNvPr id="4" name="Segnaposto data 3">
-            <a:extLst>
-              <a:ext uri="{FF2B5EF4-FFF2-40B4-BE49-F238E27FC236}">
-                <a16:creationId xmlns:a16="http://schemas.microsoft.com/office/drawing/2014/main" id="{201A5F60-1D2F-5E92-610E-BFA9CBEF78E3}"/>
-              </a:ext>
-            </a:extLst>
-          </p:cNvPr>
+          <p:cNvPr id="4" name="Date Placeholder 3"/>
           <p:cNvSpPr>
             <a:spLocks noGrp="1"/>
           </p:cNvSpPr>
@@ -1171,13 +6475,7 @@
       </p:sp>
       <p:sp>
         <p:nvSpPr>
-          <p:cNvPr id="5" name="Segnaposto piè di pagina 4">
-            <a:extLst>
-              <a:ext uri="{FF2B5EF4-FFF2-40B4-BE49-F238E27FC236}">
-                <a16:creationId xmlns:a16="http://schemas.microsoft.com/office/drawing/2014/main" id="{03517019-8B8A-69F5-A918-9B1EE438EC37}"/>
-              </a:ext>
-            </a:extLst>
-          </p:cNvPr>
+          <p:cNvPr id="5" name="Footer Placeholder 4"/>
           <p:cNvSpPr>
             <a:spLocks noGrp="1"/>
           </p:cNvSpPr>
@@ -1196,13 +6494,7 @@
       </p:sp>
       <p:sp>
         <p:nvSpPr>
-          <p:cNvPr id="6" name="Segnaposto numero diapositiva 5">
-            <a:extLst>
-              <a:ext uri="{FF2B5EF4-FFF2-40B4-BE49-F238E27FC236}">
-                <a16:creationId xmlns:a16="http://schemas.microsoft.com/office/drawing/2014/main" id="{BFEBBE6B-1EC2-3FF7-C042-D38EA549F290}"/>
-              </a:ext>
-            </a:extLst>
-          </p:cNvPr>
+          <p:cNvPr id="6" name="Slide Number Placeholder 5"/>
           <p:cNvSpPr>
             <a:spLocks noGrp="1"/>
           </p:cNvSpPr>
@@ -1223,10 +6515,48 @@
           </a:p>
         </p:txBody>
       </p:sp>
+      <p:sp>
+        <p:nvSpPr>
+          <p:cNvPr id="7" name="Rectangle 6"/>
+          <p:cNvSpPr/>
+          <p:nvPr/>
+        </p:nvSpPr>
+        <p:spPr>
+          <a:xfrm>
+            <a:off x="0" y="0"/>
+            <a:ext cx="457200" cy="6858000"/>
+          </a:xfrm>
+          <a:prstGeom prst="rect">
+            <a:avLst/>
+          </a:prstGeom>
+          <a:solidFill>
+            <a:schemeClr val="accent1"/>
+          </a:solidFill>
+          <a:ln>
+            <a:noFill/>
+          </a:ln>
+        </p:spPr>
+        <p:style>
+          <a:lnRef idx="2">
+            <a:schemeClr val="accent1">
+              <a:shade val="50000"/>
+            </a:schemeClr>
+          </a:lnRef>
+          <a:fillRef idx="1">
+            <a:schemeClr val="accent1"/>
+          </a:fillRef>
+          <a:effectRef idx="0">
+            <a:schemeClr val="accent1"/>
+          </a:effectRef>
+          <a:fontRef idx="minor">
+            <a:schemeClr val="lt1"/>
+          </a:fontRef>
+        </p:style>
+      </p:sp>
     </p:spTree>
     <p:extLst>
       <p:ext uri="{BB962C8B-B14F-4D97-AF65-F5344CB8AC3E}">
-        <p14:creationId xmlns:p14="http://schemas.microsoft.com/office/powerpoint/2010/main" val="1442736530"/>
+        <p14:creationId xmlns:p14="http://schemas.microsoft.com/office/powerpoint/2010/main" val="88524861"/>
       </p:ext>
     </p:extLst>
   </p:cSld>
@@ -1255,13 +6585,7 @@
       </p:grpSpPr>
       <p:sp>
         <p:nvSpPr>
-          <p:cNvPr id="2" name="Titolo 1">
-            <a:extLst>
-              <a:ext uri="{FF2B5EF4-FFF2-40B4-BE49-F238E27FC236}">
-                <a16:creationId xmlns:a16="http://schemas.microsoft.com/office/drawing/2014/main" id="{64C2A2E3-CC10-AC16-17A6-B5E01B3D2667}"/>
-              </a:ext>
-            </a:extLst>
-          </p:cNvPr>
+          <p:cNvPr id="2" name="Title 1"/>
           <p:cNvSpPr>
             <a:spLocks noGrp="1"/>
           </p:cNvSpPr>
@@ -1278,19 +6602,13 @@
               <a:rPr lang="it-IT"/>
               <a:t>Fare clic per modificare lo stile del titolo dello schema</a:t>
             </a:r>
-            <a:endParaRPr lang="en-GB"/>
+            <a:endParaRPr lang="en-US" dirty="0"/>
           </a:p>
         </p:txBody>
       </p:sp>
       <p:sp>
         <p:nvSpPr>
-          <p:cNvPr id="3" name="Segnaposto contenuto 2">
-            <a:extLst>
-              <a:ext uri="{FF2B5EF4-FFF2-40B4-BE49-F238E27FC236}">
-                <a16:creationId xmlns:a16="http://schemas.microsoft.com/office/drawing/2014/main" id="{096C9EB5-A908-4641-1A07-09912D73F152}"/>
-              </a:ext>
-            </a:extLst>
-          </p:cNvPr>
+          <p:cNvPr id="3" name="Content Placeholder 2"/>
           <p:cNvSpPr>
             <a:spLocks noGrp="1"/>
           </p:cNvSpPr>
@@ -1300,13 +6618,41 @@
         </p:nvSpPr>
         <p:spPr>
           <a:xfrm>
-            <a:off x="838200" y="1825625"/>
-            <a:ext cx="5181600" cy="4351338"/>
+            <a:off x="1261872" y="1828800"/>
+            <a:ext cx="4480560" cy="4351337"/>
           </a:xfrm>
         </p:spPr>
         <p:txBody>
           <a:bodyPr/>
-          <a:lstStyle/>
+          <a:lstStyle>
+            <a:lvl1pPr>
+              <a:defRPr sz="1800"/>
+            </a:lvl1pPr>
+            <a:lvl2pPr>
+              <a:defRPr sz="1600"/>
+            </a:lvl2pPr>
+            <a:lvl3pPr>
+              <a:defRPr sz="1400"/>
+            </a:lvl3pPr>
+            <a:lvl4pPr>
+              <a:defRPr sz="1400"/>
+            </a:lvl4pPr>
+            <a:lvl5pPr>
+              <a:defRPr sz="1400"/>
+            </a:lvl5pPr>
+            <a:lvl6pPr>
+              <a:defRPr sz="1400"/>
+            </a:lvl6pPr>
+            <a:lvl7pPr>
+              <a:defRPr sz="1400"/>
+            </a:lvl7pPr>
+            <a:lvl8pPr>
+              <a:defRPr sz="1400"/>
+            </a:lvl8pPr>
+            <a:lvl9pPr>
+              <a:defRPr sz="1400"/>
+            </a:lvl9pPr>
+          </a:lstStyle>
           <a:p>
             <a:pPr lvl="0"/>
             <a:r>
@@ -1341,19 +6687,13 @@
               <a:rPr lang="it-IT"/>
               <a:t>Quinto livello</a:t>
             </a:r>
-            <a:endParaRPr lang="en-GB"/>
+            <a:endParaRPr lang="en-US" dirty="0"/>
           </a:p>
         </p:txBody>
       </p:sp>
       <p:sp>
         <p:nvSpPr>
-          <p:cNvPr id="4" name="Segnaposto contenuto 3">
-            <a:extLst>
-              <a:ext uri="{FF2B5EF4-FFF2-40B4-BE49-F238E27FC236}">
-                <a16:creationId xmlns:a16="http://schemas.microsoft.com/office/drawing/2014/main" id="{05846916-8E3C-5DB5-7C70-7C81941774F4}"/>
-              </a:ext>
-            </a:extLst>
-          </p:cNvPr>
+          <p:cNvPr id="4" name="Content Placeholder 3"/>
           <p:cNvSpPr>
             <a:spLocks noGrp="1"/>
           </p:cNvSpPr>
@@ -1363,13 +6703,41 @@
         </p:nvSpPr>
         <p:spPr>
           <a:xfrm>
-            <a:off x="6172200" y="1825625"/>
-            <a:ext cx="5181600" cy="4351338"/>
+            <a:off x="6126480" y="1828800"/>
+            <a:ext cx="4480560" cy="4351337"/>
           </a:xfrm>
         </p:spPr>
         <p:txBody>
           <a:bodyPr/>
-          <a:lstStyle/>
+          <a:lstStyle>
+            <a:lvl1pPr>
+              <a:defRPr sz="1800"/>
+            </a:lvl1pPr>
+            <a:lvl2pPr>
+              <a:defRPr sz="1600"/>
+            </a:lvl2pPr>
+            <a:lvl3pPr>
+              <a:defRPr sz="1400"/>
+            </a:lvl3pPr>
+            <a:lvl4pPr>
+              <a:defRPr sz="1400"/>
+            </a:lvl4pPr>
+            <a:lvl5pPr>
+              <a:defRPr sz="1400"/>
+            </a:lvl5pPr>
+            <a:lvl6pPr>
+              <a:defRPr sz="1400"/>
+            </a:lvl6pPr>
+            <a:lvl7pPr>
+              <a:defRPr sz="1400"/>
+            </a:lvl7pPr>
+            <a:lvl8pPr>
+              <a:defRPr sz="1400"/>
+            </a:lvl8pPr>
+            <a:lvl9pPr>
+              <a:defRPr sz="1400"/>
+            </a:lvl9pPr>
+          </a:lstStyle>
           <a:p>
             <a:pPr lvl="0"/>
             <a:r>
@@ -1404,19 +6772,13 @@
               <a:rPr lang="it-IT"/>
               <a:t>Quinto livello</a:t>
             </a:r>
-            <a:endParaRPr lang="en-GB"/>
+            <a:endParaRPr lang="en-US" dirty="0"/>
           </a:p>
         </p:txBody>
       </p:sp>
       <p:sp>
         <p:nvSpPr>
-          <p:cNvPr id="5" name="Segnaposto data 4">
-            <a:extLst>
-              <a:ext uri="{FF2B5EF4-FFF2-40B4-BE49-F238E27FC236}">
-                <a16:creationId xmlns:a16="http://schemas.microsoft.com/office/drawing/2014/main" id="{A66429F2-DA84-F0C7-113D-E45F82069849}"/>
-              </a:ext>
-            </a:extLst>
-          </p:cNvPr>
+          <p:cNvPr id="5" name="Date Placeholder 4"/>
           <p:cNvSpPr>
             <a:spLocks noGrp="1"/>
           </p:cNvSpPr>
@@ -1439,13 +6801,7 @@
       </p:sp>
       <p:sp>
         <p:nvSpPr>
-          <p:cNvPr id="6" name="Segnaposto piè di pagina 5">
-            <a:extLst>
-              <a:ext uri="{FF2B5EF4-FFF2-40B4-BE49-F238E27FC236}">
-                <a16:creationId xmlns:a16="http://schemas.microsoft.com/office/drawing/2014/main" id="{433696BA-4EDD-0734-3301-26A2F6780C89}"/>
-              </a:ext>
-            </a:extLst>
-          </p:cNvPr>
+          <p:cNvPr id="6" name="Footer Placeholder 5"/>
           <p:cNvSpPr>
             <a:spLocks noGrp="1"/>
           </p:cNvSpPr>
@@ -1464,13 +6820,7 @@
       </p:sp>
       <p:sp>
         <p:nvSpPr>
-          <p:cNvPr id="7" name="Segnaposto numero diapositiva 6">
-            <a:extLst>
-              <a:ext uri="{FF2B5EF4-FFF2-40B4-BE49-F238E27FC236}">
-                <a16:creationId xmlns:a16="http://schemas.microsoft.com/office/drawing/2014/main" id="{8A8D9F5B-4C84-9B1A-70BD-1810062D413F}"/>
-              </a:ext>
-            </a:extLst>
-          </p:cNvPr>
+          <p:cNvPr id="7" name="Slide Number Placeholder 6"/>
           <p:cNvSpPr>
             <a:spLocks noGrp="1"/>
           </p:cNvSpPr>
@@ -1494,7 +6844,7 @@
     </p:spTree>
     <p:extLst>
       <p:ext uri="{BB962C8B-B14F-4D97-AF65-F5344CB8AC3E}">
-        <p14:creationId xmlns:p14="http://schemas.microsoft.com/office/powerpoint/2010/main" val="2406135580"/>
+        <p14:creationId xmlns:p14="http://schemas.microsoft.com/office/powerpoint/2010/main" val="2007033195"/>
       </p:ext>
     </p:extLst>
   </p:cSld>
@@ -1523,13 +6873,7 @@
       </p:grpSpPr>
       <p:sp>
         <p:nvSpPr>
-          <p:cNvPr id="2" name="Titolo 1">
-            <a:extLst>
-              <a:ext uri="{FF2B5EF4-FFF2-40B4-BE49-F238E27FC236}">
-                <a16:creationId xmlns:a16="http://schemas.microsoft.com/office/drawing/2014/main" id="{473B0CF4-E13A-F3DD-A1EF-38B160105CCB}"/>
-              </a:ext>
-            </a:extLst>
-          </p:cNvPr>
+          <p:cNvPr id="10" name="Title 9"/>
           <p:cNvSpPr>
             <a:spLocks noGrp="1"/>
           </p:cNvSpPr>
@@ -1537,12 +6881,7 @@
             <p:ph type="title"/>
           </p:nvPr>
         </p:nvSpPr>
-        <p:spPr>
-          <a:xfrm>
-            <a:off x="839788" y="365125"/>
-            <a:ext cx="10515600" cy="1325563"/>
-          </a:xfrm>
-        </p:spPr>
+        <p:spPr/>
         <p:txBody>
           <a:bodyPr/>
           <a:lstStyle/>
@@ -1551,19 +6890,13 @@
               <a:rPr lang="it-IT"/>
               <a:t>Fare clic per modificare lo stile del titolo dello schema</a:t>
             </a:r>
-            <a:endParaRPr lang="en-GB"/>
+            <a:endParaRPr lang="en-US" dirty="0"/>
           </a:p>
         </p:txBody>
       </p:sp>
       <p:sp>
         <p:nvSpPr>
-          <p:cNvPr id="3" name="Segnaposto testo 2">
-            <a:extLst>
-              <a:ext uri="{FF2B5EF4-FFF2-40B4-BE49-F238E27FC236}">
-                <a16:creationId xmlns:a16="http://schemas.microsoft.com/office/drawing/2014/main" id="{6E66FA42-4D8B-A69B-E42D-69F14EDF311C}"/>
-              </a:ext>
-            </a:extLst>
-          </p:cNvPr>
+          <p:cNvPr id="3" name="Text Placeholder 2"/>
           <p:cNvSpPr>
             <a:spLocks noGrp="1"/>
           </p:cNvSpPr>
@@ -1573,16 +6906,25 @@
         </p:nvSpPr>
         <p:spPr>
           <a:xfrm>
-            <a:off x="839788" y="1681163"/>
-            <a:ext cx="5157787" cy="823912"/>
+            <a:off x="1261872" y="1713655"/>
+            <a:ext cx="4480560" cy="731520"/>
           </a:xfrm>
         </p:spPr>
         <p:txBody>
-          <a:bodyPr anchor="b"/>
+          <a:bodyPr anchor="b">
+            <a:normAutofit/>
+          </a:bodyPr>
           <a:lstStyle>
             <a:lvl1pPr marL="0" indent="0">
+              <a:spcBef>
+                <a:spcPts val="0"/>
+              </a:spcBef>
               <a:buNone/>
-              <a:defRPr sz="2400" b="1"/>
+              <a:defRPr sz="2000" b="0">
+                <a:solidFill>
+                  <a:schemeClr val="tx2"/>
+                </a:solidFill>
+              </a:defRPr>
             </a:lvl1pPr>
             <a:lvl2pPr marL="457200" indent="0">
               <a:buNone/>
@@ -1628,13 +6970,7 @@
       </p:sp>
       <p:sp>
         <p:nvSpPr>
-          <p:cNvPr id="4" name="Segnaposto contenuto 3">
-            <a:extLst>
-              <a:ext uri="{FF2B5EF4-FFF2-40B4-BE49-F238E27FC236}">
-                <a16:creationId xmlns:a16="http://schemas.microsoft.com/office/drawing/2014/main" id="{A054235E-6136-A2C3-80B1-EB76F95BFFFF}"/>
-              </a:ext>
-            </a:extLst>
-          </p:cNvPr>
+          <p:cNvPr id="4" name="Content Placeholder 3"/>
           <p:cNvSpPr>
             <a:spLocks noGrp="1"/>
           </p:cNvSpPr>
@@ -1644,13 +6980,41 @@
         </p:nvSpPr>
         <p:spPr>
           <a:xfrm>
-            <a:off x="839788" y="2505075"/>
-            <a:ext cx="5157787" cy="3684588"/>
+            <a:off x="1261872" y="2507550"/>
+            <a:ext cx="4480560" cy="3664650"/>
           </a:xfrm>
         </p:spPr>
         <p:txBody>
           <a:bodyPr/>
-          <a:lstStyle/>
+          <a:lstStyle>
+            <a:lvl1pPr>
+              <a:defRPr sz="1800"/>
+            </a:lvl1pPr>
+            <a:lvl2pPr>
+              <a:defRPr sz="1600"/>
+            </a:lvl2pPr>
+            <a:lvl3pPr>
+              <a:defRPr sz="1400"/>
+            </a:lvl3pPr>
+            <a:lvl4pPr>
+              <a:defRPr sz="1400"/>
+            </a:lvl4pPr>
+            <a:lvl5pPr>
+              <a:defRPr sz="1400"/>
+            </a:lvl5pPr>
+            <a:lvl6pPr>
+              <a:defRPr sz="1400"/>
+            </a:lvl6pPr>
+            <a:lvl7pPr>
+              <a:defRPr sz="1400"/>
+            </a:lvl7pPr>
+            <a:lvl8pPr>
+              <a:defRPr sz="1400"/>
+            </a:lvl8pPr>
+            <a:lvl9pPr>
+              <a:defRPr sz="1400"/>
+            </a:lvl9pPr>
+          </a:lstStyle>
           <a:p>
             <a:pPr lvl="0"/>
             <a:r>
@@ -1685,19 +7049,13 @@
               <a:rPr lang="it-IT"/>
               <a:t>Quinto livello</a:t>
             </a:r>
-            <a:endParaRPr lang="en-GB"/>
+            <a:endParaRPr lang="en-US" dirty="0"/>
           </a:p>
         </p:txBody>
       </p:sp>
       <p:sp>
         <p:nvSpPr>
-          <p:cNvPr id="5" name="Segnaposto testo 4">
-            <a:extLst>
-              <a:ext uri="{FF2B5EF4-FFF2-40B4-BE49-F238E27FC236}">
-                <a16:creationId xmlns:a16="http://schemas.microsoft.com/office/drawing/2014/main" id="{86BF8670-2437-18D1-1889-7CFF1AFAC356}"/>
-              </a:ext>
-            </a:extLst>
-          </p:cNvPr>
+          <p:cNvPr id="5" name="Text Placeholder 4"/>
           <p:cNvSpPr>
             <a:spLocks noGrp="1"/>
           </p:cNvSpPr>
@@ -1707,16 +7065,31 @@
         </p:nvSpPr>
         <p:spPr>
           <a:xfrm>
-            <a:off x="6172200" y="1681163"/>
-            <a:ext cx="5183188" cy="823912"/>
+            <a:off x="6126480" y="1713655"/>
+            <a:ext cx="4480560" cy="731520"/>
           </a:xfrm>
         </p:spPr>
         <p:txBody>
-          <a:bodyPr anchor="b"/>
+          <a:bodyPr anchor="b">
+            <a:normAutofit/>
+          </a:bodyPr>
           <a:lstStyle>
             <a:lvl1pPr marL="0" indent="0">
+              <a:lnSpc>
+                <a:spcPct val="95000"/>
+              </a:lnSpc>
+              <a:spcBef>
+                <a:spcPts val="0"/>
+              </a:spcBef>
               <a:buNone/>
-              <a:defRPr sz="2400" b="1"/>
+              <a:defRPr lang="en-US" sz="2000" b="0" kern="1200" dirty="0">
+                <a:solidFill>
+                  <a:schemeClr val="tx2"/>
+                </a:solidFill>
+                <a:latin typeface="+mn-lt"/>
+                <a:ea typeface="+mn-ea"/>
+                <a:cs typeface="+mn-cs"/>
+              </a:defRPr>
             </a:lvl1pPr>
             <a:lvl2pPr marL="457200" indent="0">
               <a:buNone/>
@@ -1752,7 +7125,16 @@
             </a:lvl9pPr>
           </a:lstStyle>
           <a:p>
-            <a:pPr lvl="0"/>
+            <a:pPr marL="0" lvl="0" indent="0" algn="l" defTabSz="914400" rtl="0" eaLnBrk="1" latinLnBrk="0" hangingPunct="1">
+              <a:lnSpc>
+                <a:spcPct val="90000"/>
+              </a:lnSpc>
+              <a:spcBef>
+                <a:spcPts val="2000"/>
+              </a:spcBef>
+              <a:buFontTx/>
+              <a:buNone/>
+            </a:pPr>
             <a:r>
               <a:rPr lang="it-IT"/>
               <a:t>Fare clic per modificare gli stili del testo dello schema</a:t>
@@ -1762,13 +7144,7 @@
       </p:sp>
       <p:sp>
         <p:nvSpPr>
-          <p:cNvPr id="6" name="Segnaposto contenuto 5">
-            <a:extLst>
-              <a:ext uri="{FF2B5EF4-FFF2-40B4-BE49-F238E27FC236}">
-                <a16:creationId xmlns:a16="http://schemas.microsoft.com/office/drawing/2014/main" id="{F5C17E84-6BA7-C6D9-EC71-B62FDEBB8FC1}"/>
-              </a:ext>
-            </a:extLst>
-          </p:cNvPr>
+          <p:cNvPr id="6" name="Content Placeholder 5"/>
           <p:cNvSpPr>
             <a:spLocks noGrp="1"/>
           </p:cNvSpPr>
@@ -1778,13 +7154,41 @@
         </p:nvSpPr>
         <p:spPr>
           <a:xfrm>
-            <a:off x="6172200" y="2505075"/>
-            <a:ext cx="5183188" cy="3684588"/>
+            <a:off x="6126480" y="2507550"/>
+            <a:ext cx="4480560" cy="3664650"/>
           </a:xfrm>
         </p:spPr>
         <p:txBody>
           <a:bodyPr/>
-          <a:lstStyle/>
+          <a:lstStyle>
+            <a:lvl1pPr>
+              <a:defRPr sz="1800"/>
+            </a:lvl1pPr>
+            <a:lvl2pPr>
+              <a:defRPr sz="1600"/>
+            </a:lvl2pPr>
+            <a:lvl3pPr>
+              <a:defRPr sz="1400"/>
+            </a:lvl3pPr>
+            <a:lvl4pPr>
+              <a:defRPr sz="1400"/>
+            </a:lvl4pPr>
+            <a:lvl5pPr>
+              <a:defRPr sz="1400"/>
+            </a:lvl5pPr>
+            <a:lvl6pPr>
+              <a:defRPr sz="1400"/>
+            </a:lvl6pPr>
+            <a:lvl7pPr>
+              <a:defRPr sz="1400"/>
+            </a:lvl7pPr>
+            <a:lvl8pPr>
+              <a:defRPr sz="1400"/>
+            </a:lvl8pPr>
+            <a:lvl9pPr>
+              <a:defRPr sz="1400"/>
+            </a:lvl9pPr>
+          </a:lstStyle>
           <a:p>
             <a:pPr lvl="0"/>
             <a:r>
@@ -1819,19 +7223,13 @@
               <a:rPr lang="it-IT"/>
               <a:t>Quinto livello</a:t>
             </a:r>
-            <a:endParaRPr lang="en-GB"/>
+            <a:endParaRPr lang="en-US" dirty="0"/>
           </a:p>
         </p:txBody>
       </p:sp>
       <p:sp>
         <p:nvSpPr>
-          <p:cNvPr id="7" name="Segnaposto data 6">
-            <a:extLst>
-              <a:ext uri="{FF2B5EF4-FFF2-40B4-BE49-F238E27FC236}">
-                <a16:creationId xmlns:a16="http://schemas.microsoft.com/office/drawing/2014/main" id="{FF24B7D3-20A4-7C98-84F3-D7A9B43EF382}"/>
-              </a:ext>
-            </a:extLst>
-          </p:cNvPr>
+          <p:cNvPr id="7" name="Date Placeholder 6"/>
           <p:cNvSpPr>
             <a:spLocks noGrp="1"/>
           </p:cNvSpPr>
@@ -1854,13 +7252,7 @@
       </p:sp>
       <p:sp>
         <p:nvSpPr>
-          <p:cNvPr id="8" name="Segnaposto piè di pagina 7">
-            <a:extLst>
-              <a:ext uri="{FF2B5EF4-FFF2-40B4-BE49-F238E27FC236}">
-                <a16:creationId xmlns:a16="http://schemas.microsoft.com/office/drawing/2014/main" id="{58256C80-421D-EBC8-7460-F882007AF06F}"/>
-              </a:ext>
-            </a:extLst>
-          </p:cNvPr>
+          <p:cNvPr id="8" name="Footer Placeholder 7"/>
           <p:cNvSpPr>
             <a:spLocks noGrp="1"/>
           </p:cNvSpPr>
@@ -1879,13 +7271,7 @@
       </p:sp>
       <p:sp>
         <p:nvSpPr>
-          <p:cNvPr id="9" name="Segnaposto numero diapositiva 8">
-            <a:extLst>
-              <a:ext uri="{FF2B5EF4-FFF2-40B4-BE49-F238E27FC236}">
-                <a16:creationId xmlns:a16="http://schemas.microsoft.com/office/drawing/2014/main" id="{EAC0EFA3-12C9-F78D-85DC-76EE46AFFB17}"/>
-              </a:ext>
-            </a:extLst>
-          </p:cNvPr>
+          <p:cNvPr id="9" name="Slide Number Placeholder 8"/>
           <p:cNvSpPr>
             <a:spLocks noGrp="1"/>
           </p:cNvSpPr>
@@ -1909,7 +7295,7 @@
     </p:spTree>
     <p:extLst>
       <p:ext uri="{BB962C8B-B14F-4D97-AF65-F5344CB8AC3E}">
-        <p14:creationId xmlns:p14="http://schemas.microsoft.com/office/powerpoint/2010/main" val="1613919611"/>
+        <p14:creationId xmlns:p14="http://schemas.microsoft.com/office/powerpoint/2010/main" val="1805431070"/>
       </p:ext>
     </p:extLst>
   </p:cSld>
@@ -1938,13 +7324,7 @@
       </p:grpSpPr>
       <p:sp>
         <p:nvSpPr>
-          <p:cNvPr id="2" name="Titolo 1">
-            <a:extLst>
-              <a:ext uri="{FF2B5EF4-FFF2-40B4-BE49-F238E27FC236}">
-                <a16:creationId xmlns:a16="http://schemas.microsoft.com/office/drawing/2014/main" id="{C74C1E9D-2637-F2C3-7D27-C9788629D89C}"/>
-              </a:ext>
-            </a:extLst>
-          </p:cNvPr>
+          <p:cNvPr id="6" name="Title 5"/>
           <p:cNvSpPr>
             <a:spLocks noGrp="1"/>
           </p:cNvSpPr>
@@ -1961,19 +7341,13 @@
               <a:rPr lang="it-IT"/>
               <a:t>Fare clic per modificare lo stile del titolo dello schema</a:t>
             </a:r>
-            <a:endParaRPr lang="en-GB"/>
+            <a:endParaRPr lang="en-US" dirty="0"/>
           </a:p>
         </p:txBody>
       </p:sp>
       <p:sp>
         <p:nvSpPr>
-          <p:cNvPr id="3" name="Segnaposto data 2">
-            <a:extLst>
-              <a:ext uri="{FF2B5EF4-FFF2-40B4-BE49-F238E27FC236}">
-                <a16:creationId xmlns:a16="http://schemas.microsoft.com/office/drawing/2014/main" id="{FD83C03A-D1CE-714D-55B5-F8815335EEDD}"/>
-              </a:ext>
-            </a:extLst>
-          </p:cNvPr>
+          <p:cNvPr id="3" name="Date Placeholder 2"/>
           <p:cNvSpPr>
             <a:spLocks noGrp="1"/>
           </p:cNvSpPr>
@@ -1996,13 +7370,7 @@
       </p:sp>
       <p:sp>
         <p:nvSpPr>
-          <p:cNvPr id="4" name="Segnaposto piè di pagina 3">
-            <a:extLst>
-              <a:ext uri="{FF2B5EF4-FFF2-40B4-BE49-F238E27FC236}">
-                <a16:creationId xmlns:a16="http://schemas.microsoft.com/office/drawing/2014/main" id="{F1B1D819-9CB8-685F-7AD5-B7ECF2F936A5}"/>
-              </a:ext>
-            </a:extLst>
-          </p:cNvPr>
+          <p:cNvPr id="4" name="Footer Placeholder 3"/>
           <p:cNvSpPr>
             <a:spLocks noGrp="1"/>
           </p:cNvSpPr>
@@ -2021,13 +7389,7 @@
       </p:sp>
       <p:sp>
         <p:nvSpPr>
-          <p:cNvPr id="5" name="Segnaposto numero diapositiva 4">
-            <a:extLst>
-              <a:ext uri="{FF2B5EF4-FFF2-40B4-BE49-F238E27FC236}">
-                <a16:creationId xmlns:a16="http://schemas.microsoft.com/office/drawing/2014/main" id="{9EE2506B-A809-80CD-53B8-54F44700CB75}"/>
-              </a:ext>
-            </a:extLst>
-          </p:cNvPr>
+          <p:cNvPr id="5" name="Slide Number Placeholder 4"/>
           <p:cNvSpPr>
             <a:spLocks noGrp="1"/>
           </p:cNvSpPr>
@@ -2051,7 +7413,7 @@
     </p:spTree>
     <p:extLst>
       <p:ext uri="{BB962C8B-B14F-4D97-AF65-F5344CB8AC3E}">
-        <p14:creationId xmlns:p14="http://schemas.microsoft.com/office/powerpoint/2010/main" val="1899219627"/>
+        <p14:creationId xmlns:p14="http://schemas.microsoft.com/office/powerpoint/2010/main" val="3610064808"/>
       </p:ext>
     </p:extLst>
   </p:cSld>
@@ -2080,13 +7442,7 @@
       </p:grpSpPr>
       <p:sp>
         <p:nvSpPr>
-          <p:cNvPr id="2" name="Segnaposto data 1">
-            <a:extLst>
-              <a:ext uri="{FF2B5EF4-FFF2-40B4-BE49-F238E27FC236}">
-                <a16:creationId xmlns:a16="http://schemas.microsoft.com/office/drawing/2014/main" id="{B333F21E-83FC-4FE3-53F4-C2E774E53500}"/>
-              </a:ext>
-            </a:extLst>
-          </p:cNvPr>
+          <p:cNvPr id="2" name="Date Placeholder 1"/>
           <p:cNvSpPr>
             <a:spLocks noGrp="1"/>
           </p:cNvSpPr>
@@ -2109,13 +7465,7 @@
       </p:sp>
       <p:sp>
         <p:nvSpPr>
-          <p:cNvPr id="3" name="Segnaposto piè di pagina 2">
-            <a:extLst>
-              <a:ext uri="{FF2B5EF4-FFF2-40B4-BE49-F238E27FC236}">
-                <a16:creationId xmlns:a16="http://schemas.microsoft.com/office/drawing/2014/main" id="{CB73A84E-7F5D-2429-E623-C555CDA05134}"/>
-              </a:ext>
-            </a:extLst>
-          </p:cNvPr>
+          <p:cNvPr id="3" name="Footer Placeholder 2"/>
           <p:cNvSpPr>
             <a:spLocks noGrp="1"/>
           </p:cNvSpPr>
@@ -2134,13 +7484,7 @@
       </p:sp>
       <p:sp>
         <p:nvSpPr>
-          <p:cNvPr id="4" name="Segnaposto numero diapositiva 3">
-            <a:extLst>
-              <a:ext uri="{FF2B5EF4-FFF2-40B4-BE49-F238E27FC236}">
-                <a16:creationId xmlns:a16="http://schemas.microsoft.com/office/drawing/2014/main" id="{B6CF4C92-1E2B-082E-CC04-DD87D104C946}"/>
-              </a:ext>
-            </a:extLst>
-          </p:cNvPr>
+          <p:cNvPr id="4" name="Slide Number Placeholder 3"/>
           <p:cNvSpPr>
             <a:spLocks noGrp="1"/>
           </p:cNvSpPr>
@@ -2164,7 +7508,7 @@
     </p:spTree>
     <p:extLst>
       <p:ext uri="{BB962C8B-B14F-4D97-AF65-F5344CB8AC3E}">
-        <p14:creationId xmlns:p14="http://schemas.microsoft.com/office/powerpoint/2010/main" val="1063165067"/>
+        <p14:creationId xmlns:p14="http://schemas.microsoft.com/office/powerpoint/2010/main" val="197526859"/>
       </p:ext>
     </p:extLst>
   </p:cSld>
@@ -2193,13 +7537,7 @@
       </p:grpSpPr>
       <p:sp>
         <p:nvSpPr>
-          <p:cNvPr id="2" name="Titolo 1">
-            <a:extLst>
-              <a:ext uri="{FF2B5EF4-FFF2-40B4-BE49-F238E27FC236}">
-                <a16:creationId xmlns:a16="http://schemas.microsoft.com/office/drawing/2014/main" id="{46BF7455-9015-66B6-4D5E-6EEF4305AFEB}"/>
-              </a:ext>
-            </a:extLst>
-          </p:cNvPr>
+          <p:cNvPr id="2" name="Title 1"/>
           <p:cNvSpPr>
             <a:spLocks noGrp="1"/>
           </p:cNvSpPr>
@@ -2209,15 +7547,17 @@
         </p:nvSpPr>
         <p:spPr>
           <a:xfrm>
-            <a:off x="839788" y="457200"/>
-            <a:ext cx="3932237" cy="1600200"/>
+            <a:off x="841248" y="457200"/>
+            <a:ext cx="3200400" cy="1600197"/>
           </a:xfrm>
         </p:spPr>
         <p:txBody>
-          <a:bodyPr anchor="b"/>
+          <a:bodyPr anchor="b">
+            <a:normAutofit/>
+          </a:bodyPr>
           <a:lstStyle>
             <a:lvl1pPr>
-              <a:defRPr sz="3200"/>
+              <a:defRPr sz="3200" b="0" baseline="0"/>
             </a:lvl1pPr>
           </a:lstStyle>
           <a:p>
@@ -2225,19 +7565,13 @@
               <a:rPr lang="it-IT"/>
               <a:t>Fare clic per modificare lo stile del titolo dello schema</a:t>
             </a:r>
-            <a:endParaRPr lang="en-GB"/>
+            <a:endParaRPr lang="en-US" dirty="0"/>
           </a:p>
         </p:txBody>
       </p:sp>
       <p:sp>
         <p:nvSpPr>
-          <p:cNvPr id="3" name="Segnaposto contenuto 2">
-            <a:extLst>
-              <a:ext uri="{FF2B5EF4-FFF2-40B4-BE49-F238E27FC236}">
-                <a16:creationId xmlns:a16="http://schemas.microsoft.com/office/drawing/2014/main" id="{0F9CF3D3-44FB-9768-7EFA-2988B6B8F0C6}"/>
-              </a:ext>
-            </a:extLst>
-          </p:cNvPr>
+          <p:cNvPr id="3" name="Content Placeholder 2"/>
           <p:cNvSpPr>
             <a:spLocks noGrp="1"/>
           </p:cNvSpPr>
@@ -2247,39 +7581,39 @@
         </p:nvSpPr>
         <p:spPr>
           <a:xfrm>
-            <a:off x="5183188" y="987425"/>
-            <a:ext cx="6172200" cy="4873625"/>
+            <a:off x="4504267" y="685800"/>
+            <a:ext cx="6079066" cy="5486400"/>
           </a:xfrm>
         </p:spPr>
         <p:txBody>
           <a:bodyPr/>
           <a:lstStyle>
             <a:lvl1pPr>
-              <a:defRPr sz="3200"/>
+              <a:defRPr sz="2000"/>
             </a:lvl1pPr>
             <a:lvl2pPr>
-              <a:defRPr sz="2800"/>
+              <a:defRPr sz="1800"/>
             </a:lvl2pPr>
             <a:lvl3pPr>
-              <a:defRPr sz="2400"/>
+              <a:defRPr sz="1600"/>
             </a:lvl3pPr>
             <a:lvl4pPr>
-              <a:defRPr sz="2000"/>
+              <a:defRPr sz="1400"/>
             </a:lvl4pPr>
             <a:lvl5pPr>
-              <a:defRPr sz="2000"/>
+              <a:defRPr sz="1400"/>
             </a:lvl5pPr>
             <a:lvl6pPr>
-              <a:defRPr sz="2000"/>
+              <a:defRPr sz="1400"/>
             </a:lvl6pPr>
             <a:lvl7pPr>
-              <a:defRPr sz="2000"/>
+              <a:defRPr sz="1400"/>
             </a:lvl7pPr>
             <a:lvl8pPr>
-              <a:defRPr sz="2000"/>
+              <a:defRPr sz="1400"/>
             </a:lvl8pPr>
             <a:lvl9pPr>
-              <a:defRPr sz="2000"/>
+              <a:defRPr sz="1400"/>
             </a:lvl9pPr>
           </a:lstStyle>
           <a:p>
@@ -2316,19 +7650,13 @@
               <a:rPr lang="it-IT"/>
               <a:t>Quinto livello</a:t>
             </a:r>
-            <a:endParaRPr lang="en-GB"/>
+            <a:endParaRPr lang="en-US" dirty="0"/>
           </a:p>
         </p:txBody>
       </p:sp>
       <p:sp>
         <p:nvSpPr>
-          <p:cNvPr id="4" name="Segnaposto testo 3">
-            <a:extLst>
-              <a:ext uri="{FF2B5EF4-FFF2-40B4-BE49-F238E27FC236}">
-                <a16:creationId xmlns:a16="http://schemas.microsoft.com/office/drawing/2014/main" id="{857430C2-EF1B-2909-A434-B8C02994F3B6}"/>
-              </a:ext>
-            </a:extLst>
-          </p:cNvPr>
+          <p:cNvPr id="4" name="Text Placeholder 3"/>
           <p:cNvSpPr>
             <a:spLocks noGrp="1"/>
           </p:cNvSpPr>
@@ -2338,48 +7666,56 @@
         </p:nvSpPr>
         <p:spPr>
           <a:xfrm>
-            <a:off x="839788" y="2057400"/>
-            <a:ext cx="3932237" cy="3811588"/>
+            <a:off x="841248" y="2099734"/>
+            <a:ext cx="3200400" cy="3810001"/>
           </a:xfrm>
         </p:spPr>
         <p:txBody>
-          <a:bodyPr/>
+          <a:bodyPr>
+            <a:normAutofit/>
+          </a:bodyPr>
           <a:lstStyle>
             <a:lvl1pPr marL="0" indent="0">
+              <a:lnSpc>
+                <a:spcPct val="114000"/>
+              </a:lnSpc>
+              <a:spcBef>
+                <a:spcPts val="800"/>
+              </a:spcBef>
               <a:buNone/>
-              <a:defRPr sz="1600"/>
+              <a:defRPr sz="1300"/>
             </a:lvl1pPr>
             <a:lvl2pPr marL="457200" indent="0">
               <a:buNone/>
-              <a:defRPr sz="1400"/>
+              <a:defRPr sz="1200"/>
             </a:lvl2pPr>
             <a:lvl3pPr marL="914400" indent="0">
               <a:buNone/>
-              <a:defRPr sz="1200"/>
+              <a:defRPr sz="1000"/>
             </a:lvl3pPr>
             <a:lvl4pPr marL="1371600" indent="0">
               <a:buNone/>
-              <a:defRPr sz="1000"/>
+              <a:defRPr sz="900"/>
             </a:lvl4pPr>
             <a:lvl5pPr marL="1828800" indent="0">
               <a:buNone/>
-              <a:defRPr sz="1000"/>
+              <a:defRPr sz="900"/>
             </a:lvl5pPr>
             <a:lvl6pPr marL="2286000" indent="0">
               <a:buNone/>
-              <a:defRPr sz="1000"/>
+              <a:defRPr sz="900"/>
             </a:lvl6pPr>
             <a:lvl7pPr marL="2743200" indent="0">
               <a:buNone/>
-              <a:defRPr sz="1000"/>
+              <a:defRPr sz="900"/>
             </a:lvl7pPr>
             <a:lvl8pPr marL="3200400" indent="0">
               <a:buNone/>
-              <a:defRPr sz="1000"/>
+              <a:defRPr sz="900"/>
             </a:lvl8pPr>
             <a:lvl9pPr marL="3657600" indent="0">
               <a:buNone/>
-              <a:defRPr sz="1000"/>
+              <a:defRPr sz="900"/>
             </a:lvl9pPr>
           </a:lstStyle>
           <a:p>
@@ -2393,13 +7729,7 @@
       </p:sp>
       <p:sp>
         <p:nvSpPr>
-          <p:cNvPr id="5" name="Segnaposto data 4">
-            <a:extLst>
-              <a:ext uri="{FF2B5EF4-FFF2-40B4-BE49-F238E27FC236}">
-                <a16:creationId xmlns:a16="http://schemas.microsoft.com/office/drawing/2014/main" id="{B3FF324A-7A77-7884-44B6-4E79B11F243E}"/>
-              </a:ext>
-            </a:extLst>
-          </p:cNvPr>
+          <p:cNvPr id="5" name="Date Placeholder 4"/>
           <p:cNvSpPr>
             <a:spLocks noGrp="1"/>
           </p:cNvSpPr>
@@ -2422,13 +7752,7 @@
       </p:sp>
       <p:sp>
         <p:nvSpPr>
-          <p:cNvPr id="6" name="Segnaposto piè di pagina 5">
-            <a:extLst>
-              <a:ext uri="{FF2B5EF4-FFF2-40B4-BE49-F238E27FC236}">
-                <a16:creationId xmlns:a16="http://schemas.microsoft.com/office/drawing/2014/main" id="{12965C0E-45ED-6D00-C8C6-B14F3DDD7893}"/>
-              </a:ext>
-            </a:extLst>
-          </p:cNvPr>
+          <p:cNvPr id="6" name="Footer Placeholder 5"/>
           <p:cNvSpPr>
             <a:spLocks noGrp="1"/>
           </p:cNvSpPr>
@@ -2447,13 +7771,7 @@
       </p:sp>
       <p:sp>
         <p:nvSpPr>
-          <p:cNvPr id="7" name="Segnaposto numero diapositiva 6">
-            <a:extLst>
-              <a:ext uri="{FF2B5EF4-FFF2-40B4-BE49-F238E27FC236}">
-                <a16:creationId xmlns:a16="http://schemas.microsoft.com/office/drawing/2014/main" id="{7645F17D-E1FA-12E3-F05E-21F1772C1552}"/>
-              </a:ext>
-            </a:extLst>
-          </p:cNvPr>
+          <p:cNvPr id="7" name="Slide Number Placeholder 6"/>
           <p:cNvSpPr>
             <a:spLocks noGrp="1"/>
           </p:cNvSpPr>
@@ -2477,7 +7795,7 @@
     </p:spTree>
     <p:extLst>
       <p:ext uri="{BB962C8B-B14F-4D97-AF65-F5344CB8AC3E}">
-        <p14:creationId xmlns:p14="http://schemas.microsoft.com/office/powerpoint/2010/main" val="4033833534"/>
+        <p14:creationId xmlns:p14="http://schemas.microsoft.com/office/powerpoint/2010/main" val="4207378683"/>
       </p:ext>
     </p:extLst>
   </p:cSld>
@@ -2506,13 +7824,45 @@
       </p:grpSpPr>
       <p:sp>
         <p:nvSpPr>
-          <p:cNvPr id="2" name="Titolo 1">
-            <a:extLst>
-              <a:ext uri="{FF2B5EF4-FFF2-40B4-BE49-F238E27FC236}">
-                <a16:creationId xmlns:a16="http://schemas.microsoft.com/office/drawing/2014/main" id="{601FFFD7-2A88-044A-0F12-FEFD345CEB8A}"/>
-              </a:ext>
-            </a:extLst>
-          </p:cNvPr>
+          <p:cNvPr id="8" name="Rectangle 7"/>
+          <p:cNvSpPr/>
+          <p:nvPr/>
+        </p:nvSpPr>
+        <p:spPr>
+          <a:xfrm>
+            <a:off x="0" y="5105400"/>
+            <a:ext cx="11292840" cy="1752600"/>
+          </a:xfrm>
+          <a:prstGeom prst="rect">
+            <a:avLst/>
+          </a:prstGeom>
+          <a:solidFill>
+            <a:srgbClr val="000000"/>
+          </a:solidFill>
+          <a:ln>
+            <a:noFill/>
+          </a:ln>
+        </p:spPr>
+        <p:style>
+          <a:lnRef idx="2">
+            <a:schemeClr val="accent1">
+              <a:shade val="50000"/>
+            </a:schemeClr>
+          </a:lnRef>
+          <a:fillRef idx="1">
+            <a:schemeClr val="accent1"/>
+          </a:fillRef>
+          <a:effectRef idx="0">
+            <a:schemeClr val="accent1"/>
+          </a:effectRef>
+          <a:fontRef idx="minor">
+            <a:schemeClr val="lt1"/>
+          </a:fontRef>
+        </p:style>
+      </p:sp>
+      <p:sp>
+        <p:nvSpPr>
+          <p:cNvPr id="2" name="Title 1"/>
           <p:cNvSpPr>
             <a:spLocks noGrp="1"/>
           </p:cNvSpPr>
@@ -2522,15 +7872,21 @@
         </p:nvSpPr>
         <p:spPr>
           <a:xfrm>
-            <a:off x="839788" y="457200"/>
-            <a:ext cx="3932237" cy="1600200"/>
+            <a:off x="914400" y="5257800"/>
+            <a:ext cx="9982200" cy="914400"/>
           </a:xfrm>
         </p:spPr>
         <p:txBody>
-          <a:bodyPr anchor="b"/>
+          <a:bodyPr anchor="b">
+            <a:normAutofit/>
+          </a:bodyPr>
           <a:lstStyle>
             <a:lvl1pPr>
-              <a:defRPr sz="3200"/>
+              <a:defRPr sz="2800" b="0">
+                <a:solidFill>
+                  <a:schemeClr val="bg1"/>
+                </a:solidFill>
+              </a:defRPr>
             </a:lvl1pPr>
           </a:lstStyle>
           <a:p>
@@ -2538,21 +7894,15 @@
               <a:rPr lang="it-IT"/>
               <a:t>Fare clic per modificare lo stile del titolo dello schema</a:t>
             </a:r>
-            <a:endParaRPr lang="en-GB"/>
+            <a:endParaRPr lang="en-US" dirty="0"/>
           </a:p>
         </p:txBody>
       </p:sp>
       <p:sp>
         <p:nvSpPr>
-          <p:cNvPr id="3" name="Segnaposto immagine 2">
-            <a:extLst>
-              <a:ext uri="{FF2B5EF4-FFF2-40B4-BE49-F238E27FC236}">
-                <a16:creationId xmlns:a16="http://schemas.microsoft.com/office/drawing/2014/main" id="{8C58A567-9F32-D5EB-7A27-DB75FE412EC8}"/>
-              </a:ext>
-            </a:extLst>
-          </p:cNvPr>
+          <p:cNvPr id="3" name="Picture Placeholder 2"/>
           <p:cNvSpPr>
-            <a:spLocks noGrp="1"/>
+            <a:spLocks noGrp="1" noChangeAspect="1"/>
           </p:cNvSpPr>
           <p:nvPr>
             <p:ph type="pic" idx="1"/>
@@ -2560,16 +7910,23 @@
         </p:nvSpPr>
         <p:spPr>
           <a:xfrm>
-            <a:off x="5183188" y="987425"/>
-            <a:ext cx="6172200" cy="4873625"/>
+            <a:off x="0" y="0"/>
+            <a:ext cx="11292840" cy="5128923"/>
           </a:xfrm>
+          <a:solidFill>
+            <a:schemeClr val="accent1"/>
+          </a:solidFill>
         </p:spPr>
         <p:txBody>
-          <a:bodyPr/>
+          <a:bodyPr anchor="t"/>
           <a:lstStyle>
             <a:lvl1pPr marL="0" indent="0">
               <a:buNone/>
-              <a:defRPr sz="3200"/>
+              <a:defRPr sz="3200">
+                <a:solidFill>
+                  <a:schemeClr val="bg1"/>
+                </a:solidFill>
+              </a:defRPr>
             </a:lvl1pPr>
             <a:lvl2pPr marL="457200" indent="0">
               <a:buNone/>
@@ -2605,19 +7962,17 @@
             </a:lvl9pPr>
           </a:lstStyle>
           <a:p>
-            <a:endParaRPr lang="en-GB"/>
+            <a:r>
+              <a:rPr lang="it-IT"/>
+              <a:t>Fare clic sull'icona per inserire un'immagine</a:t>
+            </a:r>
+            <a:endParaRPr lang="en-US" dirty="0"/>
           </a:p>
         </p:txBody>
       </p:sp>
       <p:sp>
         <p:nvSpPr>
-          <p:cNvPr id="4" name="Segnaposto testo 3">
-            <a:extLst>
-              <a:ext uri="{FF2B5EF4-FFF2-40B4-BE49-F238E27FC236}">
-                <a16:creationId xmlns:a16="http://schemas.microsoft.com/office/drawing/2014/main" id="{FB6B1B02-9135-9014-7BF4-788500BA0262}"/>
-              </a:ext>
-            </a:extLst>
-          </p:cNvPr>
+          <p:cNvPr id="4" name="Text Placeholder 3"/>
           <p:cNvSpPr>
             <a:spLocks noGrp="1"/>
           </p:cNvSpPr>
@@ -2627,48 +7982,62 @@
         </p:nvSpPr>
         <p:spPr>
           <a:xfrm>
-            <a:off x="839788" y="2057400"/>
-            <a:ext cx="3932237" cy="3811588"/>
+            <a:off x="914400" y="6108589"/>
+            <a:ext cx="9982200" cy="597011"/>
           </a:xfrm>
         </p:spPr>
         <p:txBody>
-          <a:bodyPr/>
+          <a:bodyPr>
+            <a:normAutofit/>
+          </a:bodyPr>
           <a:lstStyle>
             <a:lvl1pPr marL="0" indent="0">
+              <a:lnSpc>
+                <a:spcPct val="100000"/>
+              </a:lnSpc>
+              <a:spcBef>
+                <a:spcPts val="800"/>
+              </a:spcBef>
               <a:buNone/>
-              <a:defRPr sz="1600"/>
+              <a:defRPr sz="1300">
+                <a:solidFill>
+                  <a:schemeClr val="bg1">
+                    <a:lumMod val="85000"/>
+                  </a:schemeClr>
+                </a:solidFill>
+              </a:defRPr>
             </a:lvl1pPr>
             <a:lvl2pPr marL="457200" indent="0">
               <a:buNone/>
-              <a:defRPr sz="1400"/>
+              <a:defRPr sz="1200"/>
             </a:lvl2pPr>
             <a:lvl3pPr marL="914400" indent="0">
               <a:buNone/>
-              <a:defRPr sz="1200"/>
+              <a:defRPr sz="1000"/>
             </a:lvl3pPr>
             <a:lvl4pPr marL="1371600" indent="0">
               <a:buNone/>
-              <a:defRPr sz="1000"/>
+              <a:defRPr sz="900"/>
             </a:lvl4pPr>
             <a:lvl5pPr marL="1828800" indent="0">
               <a:buNone/>
-              <a:defRPr sz="1000"/>
+              <a:defRPr sz="900"/>
             </a:lvl5pPr>
             <a:lvl6pPr marL="2286000" indent="0">
               <a:buNone/>
-              <a:defRPr sz="1000"/>
+              <a:defRPr sz="900"/>
             </a:lvl6pPr>
             <a:lvl7pPr marL="2743200" indent="0">
               <a:buNone/>
-              <a:defRPr sz="1000"/>
+              <a:defRPr sz="900"/>
             </a:lvl7pPr>
             <a:lvl8pPr marL="3200400" indent="0">
               <a:buNone/>
-              <a:defRPr sz="1000"/>
+              <a:defRPr sz="900"/>
             </a:lvl8pPr>
             <a:lvl9pPr marL="3657600" indent="0">
               <a:buNone/>
-              <a:defRPr sz="1000"/>
+              <a:defRPr sz="900"/>
             </a:lvl9pPr>
           </a:lstStyle>
           <a:p>
@@ -2682,13 +8051,7 @@
       </p:sp>
       <p:sp>
         <p:nvSpPr>
-          <p:cNvPr id="5" name="Segnaposto data 4">
-            <a:extLst>
-              <a:ext uri="{FF2B5EF4-FFF2-40B4-BE49-F238E27FC236}">
-                <a16:creationId xmlns:a16="http://schemas.microsoft.com/office/drawing/2014/main" id="{7EA335BA-BCCB-0690-99D1-84F2EBA3DF49}"/>
-              </a:ext>
-            </a:extLst>
-          </p:cNvPr>
+          <p:cNvPr id="5" name="Date Placeholder 4"/>
           <p:cNvSpPr>
             <a:spLocks noGrp="1"/>
           </p:cNvSpPr>
@@ -2711,13 +8074,7 @@
       </p:sp>
       <p:sp>
         <p:nvSpPr>
-          <p:cNvPr id="6" name="Segnaposto piè di pagina 5">
-            <a:extLst>
-              <a:ext uri="{FF2B5EF4-FFF2-40B4-BE49-F238E27FC236}">
-                <a16:creationId xmlns:a16="http://schemas.microsoft.com/office/drawing/2014/main" id="{4CCF1223-EFE7-32D6-29AD-D48E250FD14E}"/>
-              </a:ext>
-            </a:extLst>
-          </p:cNvPr>
+          <p:cNvPr id="6" name="Footer Placeholder 5"/>
           <p:cNvSpPr>
             <a:spLocks noGrp="1"/>
           </p:cNvSpPr>
@@ -2730,19 +8087,13 @@
           <a:bodyPr/>
           <a:lstStyle/>
           <a:p>
-            <a:endParaRPr lang="en-GB"/>
+            <a:endParaRPr lang="en-US" dirty="0"/>
           </a:p>
         </p:txBody>
       </p:sp>
       <p:sp>
         <p:nvSpPr>
-          <p:cNvPr id="7" name="Segnaposto numero diapositiva 6">
-            <a:extLst>
-              <a:ext uri="{FF2B5EF4-FFF2-40B4-BE49-F238E27FC236}">
-                <a16:creationId xmlns:a16="http://schemas.microsoft.com/office/drawing/2014/main" id="{12FED899-26C2-4C01-EE22-1512DF57771B}"/>
-              </a:ext>
-            </a:extLst>
-          </p:cNvPr>
+          <p:cNvPr id="7" name="Slide Number Placeholder 6"/>
           <p:cNvSpPr>
             <a:spLocks noGrp="1"/>
           </p:cNvSpPr>
@@ -2766,7 +8117,7 @@
     </p:spTree>
     <p:extLst>
       <p:ext uri="{BB962C8B-B14F-4D97-AF65-F5344CB8AC3E}">
-        <p14:creationId xmlns:p14="http://schemas.microsoft.com/office/powerpoint/2010/main" val="332148349"/>
+        <p14:creationId xmlns:p14="http://schemas.microsoft.com/office/powerpoint/2010/main" val="3723381404"/>
       </p:ext>
     </p:extLst>
   </p:cSld>
@@ -2800,13 +8151,47 @@
       </p:grpSpPr>
       <p:sp>
         <p:nvSpPr>
-          <p:cNvPr id="2" name="Segnaposto titolo 1">
-            <a:extLst>
-              <a:ext uri="{FF2B5EF4-FFF2-40B4-BE49-F238E27FC236}">
-                <a16:creationId xmlns:a16="http://schemas.microsoft.com/office/drawing/2014/main" id="{457F6FFB-E90F-D6F7-1643-38AAD8ED69B5}"/>
-              </a:ext>
-            </a:extLst>
-          </p:cNvPr>
+          <p:cNvPr id="7" name="Rectangle 6"/>
+          <p:cNvSpPr/>
+          <p:nvPr/>
+        </p:nvSpPr>
+        <p:spPr>
+          <a:xfrm>
+            <a:off x="11292840" y="0"/>
+            <a:ext cx="914400" cy="6858000"/>
+          </a:xfrm>
+          <a:prstGeom prst="rect">
+            <a:avLst/>
+          </a:prstGeom>
+          <a:solidFill>
+            <a:schemeClr val="tx2">
+              <a:lumMod val="75000"/>
+            </a:schemeClr>
+          </a:solidFill>
+          <a:ln>
+            <a:noFill/>
+          </a:ln>
+        </p:spPr>
+        <p:style>
+          <a:lnRef idx="2">
+            <a:schemeClr val="accent1">
+              <a:shade val="50000"/>
+            </a:schemeClr>
+          </a:lnRef>
+          <a:fillRef idx="1">
+            <a:schemeClr val="accent1"/>
+          </a:fillRef>
+          <a:effectRef idx="0">
+            <a:schemeClr val="accent1"/>
+          </a:effectRef>
+          <a:fontRef idx="minor">
+            <a:schemeClr val="lt1"/>
+          </a:fontRef>
+        </p:style>
+      </p:sp>
+      <p:sp>
+        <p:nvSpPr>
+          <p:cNvPr id="2" name="Title Placeholder 1"/>
           <p:cNvSpPr>
             <a:spLocks noGrp="1"/>
           </p:cNvSpPr>
@@ -2816,15 +8201,15 @@
         </p:nvSpPr>
         <p:spPr>
           <a:xfrm>
-            <a:off x="838200" y="365125"/>
-            <a:ext cx="10515600" cy="1325563"/>
+            <a:off x="1261872" y="365760"/>
+            <a:ext cx="9692640" cy="1325562"/>
           </a:xfrm>
           <a:prstGeom prst="rect">
             <a:avLst/>
           </a:prstGeom>
         </p:spPr>
         <p:txBody>
-          <a:bodyPr vert="horz" lIns="91440" tIns="45720" rIns="91440" bIns="45720" rtlCol="0" anchor="ctr">
+          <a:bodyPr vert="horz" lIns="91440" tIns="45720" rIns="91440" bIns="45720" rtlCol="0" anchor="b">
             <a:normAutofit/>
           </a:bodyPr>
           <a:lstStyle/>
@@ -2833,19 +8218,13 @@
               <a:rPr lang="it-IT"/>
               <a:t>Fare clic per modificare lo stile del titolo dello schema</a:t>
             </a:r>
-            <a:endParaRPr lang="en-GB"/>
+            <a:endParaRPr lang="en-US" dirty="0"/>
           </a:p>
         </p:txBody>
       </p:sp>
       <p:sp>
         <p:nvSpPr>
-          <p:cNvPr id="3" name="Segnaposto testo 2">
-            <a:extLst>
-              <a:ext uri="{FF2B5EF4-FFF2-40B4-BE49-F238E27FC236}">
-                <a16:creationId xmlns:a16="http://schemas.microsoft.com/office/drawing/2014/main" id="{A8D6AAFD-416D-630E-ADBF-0D85FA4728A7}"/>
-              </a:ext>
-            </a:extLst>
-          </p:cNvPr>
+          <p:cNvPr id="3" name="Text Placeholder 2"/>
           <p:cNvSpPr>
             <a:spLocks noGrp="1"/>
           </p:cNvSpPr>
@@ -2855,8 +8234,8 @@
         </p:nvSpPr>
         <p:spPr>
           <a:xfrm>
-            <a:off x="838200" y="1825625"/>
-            <a:ext cx="10515600" cy="4351338"/>
+            <a:off x="1261872" y="1828800"/>
+            <a:ext cx="8595360" cy="4351337"/>
           </a:xfrm>
           <a:prstGeom prst="rect">
             <a:avLst/>
@@ -2901,19 +8280,13 @@
               <a:rPr lang="it-IT"/>
               <a:t>Quinto livello</a:t>
             </a:r>
-            <a:endParaRPr lang="en-GB"/>
+            <a:endParaRPr lang="en-US" dirty="0"/>
           </a:p>
         </p:txBody>
       </p:sp>
       <p:sp>
         <p:nvSpPr>
-          <p:cNvPr id="4" name="Segnaposto data 3">
-            <a:extLst>
-              <a:ext uri="{FF2B5EF4-FFF2-40B4-BE49-F238E27FC236}">
-                <a16:creationId xmlns:a16="http://schemas.microsoft.com/office/drawing/2014/main" id="{FAAB7827-40D5-106F-297D-2956AA5D1223}"/>
-              </a:ext>
-            </a:extLst>
-          </p:cNvPr>
+          <p:cNvPr id="4" name="Date Placeholder 3"/>
           <p:cNvSpPr>
             <a:spLocks noGrp="1"/>
           </p:cNvSpPr>
@@ -2922,9 +8295,51 @@
           </p:nvPr>
         </p:nvSpPr>
         <p:spPr>
-          <a:xfrm>
-            <a:off x="838200" y="6356350"/>
-            <a:ext cx="2743200" cy="365125"/>
+          <a:xfrm rot="16200000">
+            <a:off x="10797542" y="998537"/>
+            <a:ext cx="1904999" cy="365125"/>
+          </a:xfrm>
+          <a:prstGeom prst="rect">
+            <a:avLst/>
+          </a:prstGeom>
+        </p:spPr>
+        <p:txBody>
+          <a:bodyPr vert="horz" lIns="91440" tIns="45720" rIns="91440" bIns="45720" rtlCol="0" anchor="ctr"/>
+          <a:lstStyle>
+            <a:lvl1pPr algn="r">
+              <a:defRPr sz="1050" b="0">
+                <a:solidFill>
+                  <a:schemeClr val="tx2">
+                    <a:lumMod val="20000"/>
+                    <a:lumOff val="80000"/>
+                  </a:schemeClr>
+                </a:solidFill>
+              </a:defRPr>
+            </a:lvl1pPr>
+          </a:lstStyle>
+          <a:p>
+            <a:fld id="{E32783F9-8828-43B1-A8C0-F06DC9B21865}" type="datetimeFigureOut">
+              <a:rPr lang="en-GB" smtClean="0"/>
+              <a:t>09/07/2022</a:t>
+            </a:fld>
+            <a:endParaRPr lang="en-GB"/>
+          </a:p>
+        </p:txBody>
+      </p:sp>
+      <p:sp>
+        <p:nvSpPr>
+          <p:cNvPr id="5" name="Footer Placeholder 4"/>
+          <p:cNvSpPr>
+            <a:spLocks noGrp="1"/>
+          </p:cNvSpPr>
+          <p:nvPr>
+            <p:ph type="ftr" sz="quarter" idx="3"/>
+          </p:nvPr>
+        </p:nvSpPr>
+        <p:spPr>
+          <a:xfrm rot="16200000">
+            <a:off x="9959341" y="4046537"/>
+            <a:ext cx="3581400" cy="365125"/>
           </a:xfrm>
           <a:prstGeom prst="rect">
             <a:avLst/>
@@ -2934,76 +8349,24 @@
           <a:bodyPr vert="horz" lIns="91440" tIns="45720" rIns="91440" bIns="45720" rtlCol="0" anchor="ctr"/>
           <a:lstStyle>
             <a:lvl1pPr algn="l">
-              <a:defRPr sz="1200">
+              <a:defRPr sz="1050">
                 <a:solidFill>
-                  <a:schemeClr val="tx1">
-                    <a:tint val="75000"/>
+                  <a:schemeClr val="tx2">
+                    <a:lumMod val="20000"/>
+                    <a:lumOff val="80000"/>
                   </a:schemeClr>
                 </a:solidFill>
               </a:defRPr>
             </a:lvl1pPr>
           </a:lstStyle>
           <a:p>
-            <a:fld id="{E32783F9-8828-43B1-A8C0-F06DC9B21865}" type="datetimeFigureOut">
-              <a:rPr lang="en-GB" smtClean="0"/>
-              <a:t>09/07/2022</a:t>
-            </a:fld>
             <a:endParaRPr lang="en-GB"/>
           </a:p>
         </p:txBody>
       </p:sp>
       <p:sp>
         <p:nvSpPr>
-          <p:cNvPr id="5" name="Segnaposto piè di pagina 4">
-            <a:extLst>
-              <a:ext uri="{FF2B5EF4-FFF2-40B4-BE49-F238E27FC236}">
-                <a16:creationId xmlns:a16="http://schemas.microsoft.com/office/drawing/2014/main" id="{C92755C1-38BE-B5BE-A483-617D24C0E603}"/>
-              </a:ext>
-            </a:extLst>
-          </p:cNvPr>
-          <p:cNvSpPr>
-            <a:spLocks noGrp="1"/>
-          </p:cNvSpPr>
-          <p:nvPr>
-            <p:ph type="ftr" sz="quarter" idx="3"/>
-          </p:nvPr>
-        </p:nvSpPr>
-        <p:spPr>
-          <a:xfrm>
-            <a:off x="4038600" y="6356350"/>
-            <a:ext cx="4114800" cy="365125"/>
-          </a:xfrm>
-          <a:prstGeom prst="rect">
-            <a:avLst/>
-          </a:prstGeom>
-        </p:spPr>
-        <p:txBody>
-          <a:bodyPr vert="horz" lIns="91440" tIns="45720" rIns="91440" bIns="45720" rtlCol="0" anchor="ctr"/>
-          <a:lstStyle>
-            <a:lvl1pPr algn="ctr">
-              <a:defRPr sz="1200">
-                <a:solidFill>
-                  <a:schemeClr val="tx1">
-                    <a:tint val="75000"/>
-                  </a:schemeClr>
-                </a:solidFill>
-              </a:defRPr>
-            </a:lvl1pPr>
-          </a:lstStyle>
-          <a:p>
-            <a:endParaRPr lang="en-GB"/>
-          </a:p>
-        </p:txBody>
-      </p:sp>
-      <p:sp>
-        <p:nvSpPr>
-          <p:cNvPr id="6" name="Segnaposto numero diapositiva 5">
-            <a:extLst>
-              <a:ext uri="{FF2B5EF4-FFF2-40B4-BE49-F238E27FC236}">
-                <a16:creationId xmlns:a16="http://schemas.microsoft.com/office/drawing/2014/main" id="{05338745-FBAA-E472-7687-362317BD3B9C}"/>
-              </a:ext>
-            </a:extLst>
-          </p:cNvPr>
+          <p:cNvPr id="6" name="Slide Number Placeholder 5"/>
           <p:cNvSpPr>
             <a:spLocks noGrp="1"/>
           </p:cNvSpPr>
@@ -3013,21 +8376,24 @@
         </p:nvSpPr>
         <p:spPr>
           <a:xfrm>
-            <a:off x="8610600" y="6356350"/>
-            <a:ext cx="2743200" cy="365125"/>
+            <a:off x="11292840" y="6172200"/>
+            <a:ext cx="914400" cy="593725"/>
           </a:xfrm>
           <a:prstGeom prst="rect">
             <a:avLst/>
           </a:prstGeom>
         </p:spPr>
         <p:txBody>
-          <a:bodyPr vert="horz" lIns="91440" tIns="45720" rIns="91440" bIns="45720" rtlCol="0" anchor="ctr"/>
+          <a:bodyPr vert="horz" lIns="45720" tIns="45720" rIns="45720" bIns="45720" rtlCol="0" anchor="ctr">
+            <a:normAutofit/>
+          </a:bodyPr>
           <a:lstStyle>
-            <a:lvl1pPr algn="r">
-              <a:defRPr sz="1200">
+            <a:lvl1pPr algn="ctr">
+              <a:defRPr sz="3600">
                 <a:solidFill>
-                  <a:schemeClr val="tx1">
-                    <a:tint val="75000"/>
+                  <a:schemeClr val="tx2">
+                    <a:lumMod val="60000"/>
+                    <a:lumOff val="40000"/>
                   </a:schemeClr>
                 </a:solidFill>
               </a:defRPr>
@@ -3045,23 +8411,23 @@
     </p:spTree>
     <p:extLst>
       <p:ext uri="{BB962C8B-B14F-4D97-AF65-F5344CB8AC3E}">
-        <p14:creationId xmlns:p14="http://schemas.microsoft.com/office/powerpoint/2010/main" val="247717896"/>
+        <p14:creationId xmlns:p14="http://schemas.microsoft.com/office/powerpoint/2010/main" val="3370183937"/>
       </p:ext>
     </p:extLst>
   </p:cSld>
   <p:clrMap bg1="lt1" tx1="dk1" bg2="lt2" tx2="dk2" accent1="accent1" accent2="accent2" accent3="accent3" accent4="accent4" accent5="accent5" accent6="accent6" hlink="hlink" folHlink="folHlink"/>
   <p:sldLayoutIdLst>
-    <p:sldLayoutId id="2147483649" r:id="rId1"/>
-    <p:sldLayoutId id="2147483650" r:id="rId2"/>
-    <p:sldLayoutId id="2147483651" r:id="rId3"/>
-    <p:sldLayoutId id="2147483652" r:id="rId4"/>
-    <p:sldLayoutId id="2147483653" r:id="rId5"/>
-    <p:sldLayoutId id="2147483654" r:id="rId6"/>
-    <p:sldLayoutId id="2147483655" r:id="rId7"/>
-    <p:sldLayoutId id="2147483656" r:id="rId8"/>
-    <p:sldLayoutId id="2147483657" r:id="rId9"/>
-    <p:sldLayoutId id="2147483658" r:id="rId10"/>
-    <p:sldLayoutId id="2147483659" r:id="rId11"/>
+    <p:sldLayoutId id="2147483740" r:id="rId1"/>
+    <p:sldLayoutId id="2147483741" r:id="rId2"/>
+    <p:sldLayoutId id="2147483742" r:id="rId3"/>
+    <p:sldLayoutId id="2147483743" r:id="rId4"/>
+    <p:sldLayoutId id="2147483744" r:id="rId5"/>
+    <p:sldLayoutId id="2147483745" r:id="rId6"/>
+    <p:sldLayoutId id="2147483746" r:id="rId7"/>
+    <p:sldLayoutId id="2147483747" r:id="rId8"/>
+    <p:sldLayoutId id="2147483748" r:id="rId9"/>
+    <p:sldLayoutId id="2147483749" r:id="rId10"/>
+    <p:sldLayoutId id="2147483750" r:id="rId11"/>
   </p:sldLayoutIdLst>
   <p:txStyles>
     <p:titleStyle>
@@ -3073,7 +8439,7 @@
           <a:spcPct val="0"/>
         </a:spcBef>
         <a:buNone/>
-        <a:defRPr sz="4400" kern="1200">
+        <a:defRPr sz="4400" kern="1200" spc="-50" baseline="0">
           <a:solidFill>
             <a:schemeClr val="tx1"/>
           </a:solidFill>
@@ -3084,16 +8450,23 @@
       </a:lvl1pPr>
     </p:titleStyle>
     <p:bodyStyle>
-      <a:lvl1pPr marL="228600" indent="-228600" algn="l" defTabSz="914400" rtl="0" eaLnBrk="1" latinLnBrk="0" hangingPunct="1">
+      <a:lvl1pPr marL="182880" indent="-182880" algn="l" defTabSz="914400" rtl="0" eaLnBrk="1" latinLnBrk="0" hangingPunct="1">
         <a:lnSpc>
-          <a:spcPct val="90000"/>
+          <a:spcPct val="95000"/>
         </a:lnSpc>
         <a:spcBef>
-          <a:spcPts val="1000"/>
+          <a:spcPts val="1400"/>
         </a:spcBef>
-        <a:buFont typeface="Arial" panose="020B0604020202020204" pitchFamily="34" charset="0"/>
+        <a:spcAft>
+          <a:spcPts val="200"/>
+        </a:spcAft>
+        <a:buClr>
+          <a:schemeClr val="accent1"/>
+        </a:buClr>
+        <a:buSzPct val="80000"/>
+        <a:buFont typeface="Arial" pitchFamily="34" charset="0"/>
         <a:buChar char="•"/>
-        <a:defRPr sz="2800" kern="1200">
+        <a:defRPr sz="1800" kern="1200" spc="10" baseline="0">
           <a:solidFill>
             <a:schemeClr val="tx1"/>
           </a:solidFill>
@@ -3102,144 +8475,216 @@
           <a:cs typeface="+mn-cs"/>
         </a:defRPr>
       </a:lvl1pPr>
-      <a:lvl2pPr marL="685800" indent="-228600" algn="l" defTabSz="914400" rtl="0" eaLnBrk="1" latinLnBrk="0" hangingPunct="1">
+      <a:lvl2pPr marL="457200" indent="-182880" algn="l" defTabSz="914400" rtl="0" eaLnBrk="1" latinLnBrk="0" hangingPunct="1">
         <a:lnSpc>
           <a:spcPct val="90000"/>
         </a:lnSpc>
         <a:spcBef>
-          <a:spcPts val="500"/>
+          <a:spcPts val="300"/>
         </a:spcBef>
-        <a:buFont typeface="Arial" panose="020B0604020202020204" pitchFamily="34" charset="0"/>
-        <a:buChar char="•"/>
-        <a:defRPr sz="2400" kern="1200">
+        <a:spcAft>
+          <a:spcPts val="300"/>
+        </a:spcAft>
+        <a:buClr>
+          <a:schemeClr val="accent1"/>
+        </a:buClr>
+        <a:buFont typeface="Wingdings 2" pitchFamily="18" charset="2"/>
+        <a:buChar char=""/>
+        <a:defRPr sz="1600" kern="1200">
           <a:solidFill>
-            <a:schemeClr val="tx1"/>
+            <a:schemeClr val="tx1">
+              <a:lumMod val="85000"/>
+              <a:lumOff val="15000"/>
+            </a:schemeClr>
           </a:solidFill>
           <a:latin typeface="+mn-lt"/>
           <a:ea typeface="+mn-ea"/>
           <a:cs typeface="+mn-cs"/>
         </a:defRPr>
       </a:lvl2pPr>
-      <a:lvl3pPr marL="1143000" indent="-228600" algn="l" defTabSz="914400" rtl="0" eaLnBrk="1" latinLnBrk="0" hangingPunct="1">
+      <a:lvl3pPr marL="731520" indent="-182880" algn="l" defTabSz="914400" rtl="0" eaLnBrk="1" latinLnBrk="0" hangingPunct="1">
         <a:lnSpc>
           <a:spcPct val="90000"/>
         </a:lnSpc>
         <a:spcBef>
-          <a:spcPts val="500"/>
+          <a:spcPts val="300"/>
         </a:spcBef>
-        <a:buFont typeface="Arial" panose="020B0604020202020204" pitchFamily="34" charset="0"/>
-        <a:buChar char="•"/>
-        <a:defRPr sz="2000" kern="1200">
+        <a:spcAft>
+          <a:spcPts val="300"/>
+        </a:spcAft>
+        <a:buClr>
+          <a:schemeClr val="accent1"/>
+        </a:buClr>
+        <a:buFont typeface="Wingdings 2" pitchFamily="18" charset="2"/>
+        <a:buChar char=""/>
+        <a:defRPr sz="1400" kern="1200">
           <a:solidFill>
-            <a:schemeClr val="tx1"/>
+            <a:schemeClr val="tx1">
+              <a:lumMod val="85000"/>
+              <a:lumOff val="15000"/>
+            </a:schemeClr>
           </a:solidFill>
           <a:latin typeface="+mn-lt"/>
           <a:ea typeface="+mn-ea"/>
           <a:cs typeface="+mn-cs"/>
         </a:defRPr>
       </a:lvl3pPr>
-      <a:lvl4pPr marL="1600200" indent="-228600" algn="l" defTabSz="914400" rtl="0" eaLnBrk="1" latinLnBrk="0" hangingPunct="1">
+      <a:lvl4pPr marL="1005840" indent="-182880" algn="l" defTabSz="914400" rtl="0" eaLnBrk="1" latinLnBrk="0" hangingPunct="1">
         <a:lnSpc>
           <a:spcPct val="90000"/>
         </a:lnSpc>
         <a:spcBef>
-          <a:spcPts val="500"/>
+          <a:spcPts val="300"/>
         </a:spcBef>
-        <a:buFont typeface="Arial" panose="020B0604020202020204" pitchFamily="34" charset="0"/>
-        <a:buChar char="•"/>
-        <a:defRPr sz="1800" kern="1200">
+        <a:spcAft>
+          <a:spcPts val="300"/>
+        </a:spcAft>
+        <a:buClr>
+          <a:schemeClr val="accent1"/>
+        </a:buClr>
+        <a:buFont typeface="Wingdings 2" pitchFamily="18" charset="2"/>
+        <a:buChar char=""/>
+        <a:defRPr sz="1400" kern="1200">
           <a:solidFill>
-            <a:schemeClr val="tx1"/>
+            <a:schemeClr val="tx1">
+              <a:lumMod val="85000"/>
+              <a:lumOff val="15000"/>
+            </a:schemeClr>
           </a:solidFill>
           <a:latin typeface="+mn-lt"/>
           <a:ea typeface="+mn-ea"/>
           <a:cs typeface="+mn-cs"/>
         </a:defRPr>
       </a:lvl4pPr>
-      <a:lvl5pPr marL="2057400" indent="-228600" algn="l" defTabSz="914400" rtl="0" eaLnBrk="1" latinLnBrk="0" hangingPunct="1">
+      <a:lvl5pPr marL="1280160" indent="-182880" algn="l" defTabSz="914400" rtl="0" eaLnBrk="1" latinLnBrk="0" hangingPunct="1">
         <a:lnSpc>
           <a:spcPct val="90000"/>
         </a:lnSpc>
         <a:spcBef>
-          <a:spcPts val="500"/>
+          <a:spcPts val="300"/>
         </a:spcBef>
-        <a:buFont typeface="Arial" panose="020B0604020202020204" pitchFamily="34" charset="0"/>
-        <a:buChar char="•"/>
-        <a:defRPr sz="1800" kern="1200">
+        <a:spcAft>
+          <a:spcPts val="300"/>
+        </a:spcAft>
+        <a:buClr>
+          <a:schemeClr val="accent1"/>
+        </a:buClr>
+        <a:buFont typeface="Wingdings 2" pitchFamily="18" charset="2"/>
+        <a:buChar char=""/>
+        <a:defRPr sz="1400" kern="1200">
           <a:solidFill>
-            <a:schemeClr val="tx1"/>
+            <a:schemeClr val="tx1">
+              <a:lumMod val="85000"/>
+              <a:lumOff val="15000"/>
+            </a:schemeClr>
           </a:solidFill>
           <a:latin typeface="+mn-lt"/>
           <a:ea typeface="+mn-ea"/>
           <a:cs typeface="+mn-cs"/>
         </a:defRPr>
       </a:lvl5pPr>
-      <a:lvl6pPr marL="2514600" indent="-228600" algn="l" defTabSz="914400" rtl="0" eaLnBrk="1" latinLnBrk="0" hangingPunct="1">
+      <a:lvl6pPr marL="1600000" indent="-228600" algn="l" defTabSz="914400" rtl="0" eaLnBrk="1" latinLnBrk="0" hangingPunct="1">
         <a:lnSpc>
           <a:spcPct val="90000"/>
         </a:lnSpc>
         <a:spcBef>
-          <a:spcPts val="500"/>
+          <a:spcPts val="300"/>
         </a:spcBef>
-        <a:buFont typeface="Arial" panose="020B0604020202020204" pitchFamily="34" charset="0"/>
-        <a:buChar char="•"/>
-        <a:defRPr sz="1800" kern="1200">
+        <a:spcAft>
+          <a:spcPts val="300"/>
+        </a:spcAft>
+        <a:buClr>
+          <a:schemeClr val="accent1"/>
+        </a:buClr>
+        <a:buFont typeface="Wingdings 2" pitchFamily="18" charset="2"/>
+        <a:buChar char=""/>
+        <a:defRPr sz="1400" kern="1200">
           <a:solidFill>
-            <a:schemeClr val="tx1"/>
+            <a:schemeClr val="tx1">
+              <a:lumMod val="85000"/>
+              <a:lumOff val="15000"/>
+            </a:schemeClr>
           </a:solidFill>
           <a:latin typeface="+mn-lt"/>
           <a:ea typeface="+mn-ea"/>
           <a:cs typeface="+mn-cs"/>
         </a:defRPr>
       </a:lvl6pPr>
-      <a:lvl7pPr marL="2971800" indent="-228600" algn="l" defTabSz="914400" rtl="0" eaLnBrk="1" latinLnBrk="0" hangingPunct="1">
+      <a:lvl7pPr marL="1900000" indent="-228600" algn="l" defTabSz="914400" rtl="0" eaLnBrk="1" latinLnBrk="0" hangingPunct="1">
         <a:lnSpc>
           <a:spcPct val="90000"/>
         </a:lnSpc>
         <a:spcBef>
-          <a:spcPts val="500"/>
+          <a:spcPts val="300"/>
         </a:spcBef>
-        <a:buFont typeface="Arial" panose="020B0604020202020204" pitchFamily="34" charset="0"/>
-        <a:buChar char="•"/>
-        <a:defRPr sz="1800" kern="1200">
+        <a:spcAft>
+          <a:spcPts val="300"/>
+        </a:spcAft>
+        <a:buClr>
+          <a:schemeClr val="accent1"/>
+        </a:buClr>
+        <a:buFont typeface="Wingdings 2" pitchFamily="18" charset="2"/>
+        <a:buChar char=""/>
+        <a:defRPr sz="1400" kern="1200">
           <a:solidFill>
-            <a:schemeClr val="tx1"/>
+            <a:schemeClr val="tx1">
+              <a:lumMod val="85000"/>
+              <a:lumOff val="15000"/>
+            </a:schemeClr>
           </a:solidFill>
           <a:latin typeface="+mn-lt"/>
           <a:ea typeface="+mn-ea"/>
           <a:cs typeface="+mn-cs"/>
         </a:defRPr>
       </a:lvl7pPr>
-      <a:lvl8pPr marL="3429000" indent="-228600" algn="l" defTabSz="914400" rtl="0" eaLnBrk="1" latinLnBrk="0" hangingPunct="1">
+      <a:lvl8pPr marL="2200000" indent="-228600" algn="l" defTabSz="914400" rtl="0" eaLnBrk="1" latinLnBrk="0" hangingPunct="1">
         <a:lnSpc>
           <a:spcPct val="90000"/>
         </a:lnSpc>
         <a:spcBef>
-          <a:spcPts val="500"/>
+          <a:spcPts val="300"/>
         </a:spcBef>
-        <a:buFont typeface="Arial" panose="020B0604020202020204" pitchFamily="34" charset="0"/>
-        <a:buChar char="•"/>
-        <a:defRPr sz="1800" kern="1200">
+        <a:spcAft>
+          <a:spcPts val="300"/>
+        </a:spcAft>
+        <a:buClr>
+          <a:schemeClr val="accent1"/>
+        </a:buClr>
+        <a:buFont typeface="Wingdings 2" pitchFamily="18" charset="2"/>
+        <a:buChar char=""/>
+        <a:defRPr sz="1400" kern="1200">
           <a:solidFill>
-            <a:schemeClr val="tx1"/>
+            <a:schemeClr val="tx1">
+              <a:lumMod val="85000"/>
+              <a:lumOff val="15000"/>
+            </a:schemeClr>
           </a:solidFill>
           <a:latin typeface="+mn-lt"/>
           <a:ea typeface="+mn-ea"/>
           <a:cs typeface="+mn-cs"/>
         </a:defRPr>
       </a:lvl8pPr>
-      <a:lvl9pPr marL="3886200" indent="-228600" algn="l" defTabSz="914400" rtl="0" eaLnBrk="1" latinLnBrk="0" hangingPunct="1">
+      <a:lvl9pPr marL="2500000" indent="-228600" algn="l" defTabSz="914400" rtl="0" eaLnBrk="1" latinLnBrk="0" hangingPunct="1">
         <a:lnSpc>
           <a:spcPct val="90000"/>
         </a:lnSpc>
         <a:spcBef>
-          <a:spcPts val="500"/>
+          <a:spcPts val="300"/>
         </a:spcBef>
-        <a:buFont typeface="Arial" panose="020B0604020202020204" pitchFamily="34" charset="0"/>
-        <a:buChar char="•"/>
-        <a:defRPr sz="1800" kern="1200">
+        <a:spcAft>
+          <a:spcPts val="300"/>
+        </a:spcAft>
+        <a:buClr>
+          <a:schemeClr val="accent1"/>
+        </a:buClr>
+        <a:buFont typeface="Wingdings 2" pitchFamily="18" charset="2"/>
+        <a:buChar char=""/>
+        <a:defRPr sz="1400" kern="1200">
           <a:solidFill>
-            <a:schemeClr val="tx1"/>
+            <a:schemeClr val="tx1">
+              <a:lumMod val="85000"/>
+              <a:lumOff val="15000"/>
+            </a:schemeClr>
           </a:solidFill>
           <a:latin typeface="+mn-lt"/>
           <a:ea typeface="+mn-ea"/>
@@ -3343,6 +8788,11 @@
       </a:lvl9pPr>
     </p:otherStyle>
   </p:txStyles>
+  <p:extLst>
+    <p:ext uri="{27BBF7A9-308A-43DC-89C8-2F10F3537804}">
+      <p15:sldGuideLst xmlns:p15="http://schemas.microsoft.com/office/powerpoint/2012/main"/>
+    </p:ext>
+  </p:extLst>
 </p:sldMaster>
 </file>
 
@@ -3363,44 +8813,78 @@
           <a:chExt cx="0" cy="0"/>
         </a:xfrm>
       </p:grpSpPr>
-      <p:sp>
-        <p:nvSpPr>
-          <p:cNvPr id="2" name="Titolo 1">
+      <p:pic>
+        <p:nvPicPr>
+          <p:cNvPr id="9" name="Immagine 8">
             <a:extLst>
               <a:ext uri="{FF2B5EF4-FFF2-40B4-BE49-F238E27FC236}">
-                <a16:creationId xmlns:a16="http://schemas.microsoft.com/office/drawing/2014/main" id="{821F8E26-B4AB-BF41-AC18-6A111CECABE6}"/>
+                <a16:creationId xmlns:a16="http://schemas.microsoft.com/office/drawing/2014/main" id="{11FF19EA-9FD1-0ED6-2D88-A028A524BB87}"/>
               </a:ext>
             </a:extLst>
           </p:cNvPr>
-          <p:cNvSpPr>
-            <a:spLocks noGrp="1"/>
-          </p:cNvSpPr>
-          <p:nvPr>
-            <p:ph type="ctrTitle"/>
-          </p:nvPr>
-        </p:nvSpPr>
+          <p:cNvPicPr>
+            <a:picLocks noChangeAspect="1"/>
+          </p:cNvPicPr>
+          <p:nvPr/>
+        </p:nvPicPr>
+        <p:blipFill>
+          <a:blip r:embed="rId3">
+            <a:extLst>
+              <a:ext uri="{28A0092B-C50C-407E-A947-70E740481C1C}">
+                <a14:useLocalDpi xmlns:a14="http://schemas.microsoft.com/office/drawing/2010/main" val="0"/>
+              </a:ext>
+            </a:extLst>
+          </a:blip>
+          <a:stretch>
+            <a:fillRect/>
+          </a:stretch>
+        </p:blipFill>
         <p:spPr>
           <a:xfrm>
-            <a:off x="1524000" y="1519237"/>
-            <a:ext cx="9144000" cy="995363"/>
+            <a:off x="6095999" y="0"/>
+            <a:ext cx="6096001" cy="6858000"/>
           </a:xfrm>
+          <a:prstGeom prst="rect">
+            <a:avLst/>
+          </a:prstGeom>
         </p:spPr>
-        <p:txBody>
-          <a:bodyPr/>
-          <a:lstStyle/>
-          <a:p>
-            <a:r>
-              <a:rPr lang="it-IT" b="1" dirty="0" err="1">
-                <a:latin typeface="+mn-lt"/>
-              </a:rPr>
-              <a:t>ChillApp</a:t>
-            </a:r>
-            <a:endParaRPr lang="en-GB" b="1" dirty="0">
-              <a:latin typeface="+mn-lt"/>
-            </a:endParaRPr>
-          </a:p>
-        </p:txBody>
-      </p:sp>
+      </p:pic>
+      <p:pic>
+        <p:nvPicPr>
+          <p:cNvPr id="6" name="Immagine 5">
+            <a:extLst>
+              <a:ext uri="{FF2B5EF4-FFF2-40B4-BE49-F238E27FC236}">
+                <a16:creationId xmlns:a16="http://schemas.microsoft.com/office/drawing/2014/main" id="{C9054B54-115D-63EA-3DD4-AECFF76BF865}"/>
+              </a:ext>
+            </a:extLst>
+          </p:cNvPr>
+          <p:cNvPicPr>
+            <a:picLocks noChangeAspect="1"/>
+          </p:cNvPicPr>
+          <p:nvPr/>
+        </p:nvPicPr>
+        <p:blipFill>
+          <a:blip r:embed="rId4">
+            <a:extLst>
+              <a:ext uri="{28A0092B-C50C-407E-A947-70E740481C1C}">
+                <a14:useLocalDpi xmlns:a14="http://schemas.microsoft.com/office/drawing/2010/main" val="0"/>
+              </a:ext>
+            </a:extLst>
+          </a:blip>
+          <a:stretch>
+            <a:fillRect/>
+          </a:stretch>
+        </p:blipFill>
+        <p:spPr>
+          <a:xfrm>
+            <a:off x="-1" y="0"/>
+            <a:ext cx="6096001" cy="6858000"/>
+          </a:xfrm>
+          <a:prstGeom prst="rect">
+            <a:avLst/>
+          </a:prstGeom>
+        </p:spPr>
+      </p:pic>
       <p:sp>
         <p:nvSpPr>
           <p:cNvPr id="3" name="Sottotitolo 2">
@@ -3419,46 +8903,97 @@
         </p:nvSpPr>
         <p:spPr>
           <a:xfrm>
-            <a:off x="1524000" y="4510882"/>
-            <a:ext cx="9144000" cy="1655762"/>
+            <a:off x="1523998" y="5202237"/>
+            <a:ext cx="9144000" cy="1321225"/>
           </a:xfrm>
         </p:spPr>
         <p:txBody>
           <a:bodyPr>
-            <a:normAutofit/>
+            <a:normAutofit lnSpcReduction="10000"/>
           </a:bodyPr>
           <a:lstStyle/>
           <a:p>
-            <a:r>
-              <a:rPr lang="it-IT" sz="2000" dirty="0"/>
-              <a:t>Maria Lorena Morelli, Lorenzo Cester</a:t>
-            </a:r>
-          </a:p>
-          <a:p>
-            <a:r>
-              <a:rPr lang="it-IT" sz="2000" dirty="0"/>
-              <a:t>Course of </a:t>
-            </a:r>
-            <a:r>
-              <a:rPr lang="it-IT" sz="2000" dirty="0" err="1"/>
+            <a:pPr algn="just"/>
+            <a:r>
+              <a:rPr lang="it-IT" sz="2000" b="1" dirty="0">
+                <a:solidFill>
+                  <a:schemeClr val="bg1"/>
+                </a:solidFill>
+                <a:latin typeface="Times New Roman" panose="02020603050405020304" pitchFamily="18" charset="0"/>
+                <a:cs typeface="Times New Roman" panose="02020603050405020304" pitchFamily="18" charset="0"/>
+              </a:rPr>
+              <a:t>                                   Maria Lorena Morelli, Lorenzo Cester</a:t>
+            </a:r>
+          </a:p>
+          <a:p>
+            <a:pPr algn="just"/>
+            <a:r>
+              <a:rPr lang="it-IT" sz="2000" b="1" dirty="0">
+                <a:solidFill>
+                  <a:schemeClr val="bg1"/>
+                </a:solidFill>
+                <a:latin typeface="Times New Roman" panose="02020603050405020304" pitchFamily="18" charset="0"/>
+                <a:cs typeface="Times New Roman" panose="02020603050405020304" pitchFamily="18" charset="0"/>
+              </a:rPr>
+              <a:t>   Course of </a:t>
+            </a:r>
+            <a:r>
+              <a:rPr lang="it-IT" sz="2000" b="1" dirty="0" err="1">
+                <a:solidFill>
+                  <a:schemeClr val="bg1"/>
+                </a:solidFill>
+                <a:latin typeface="Times New Roman" panose="02020603050405020304" pitchFamily="18" charset="0"/>
+                <a:cs typeface="Times New Roman" panose="02020603050405020304" pitchFamily="18" charset="0"/>
+              </a:rPr>
               <a:t>Biomedical</a:t>
             </a:r>
             <a:r>
-              <a:rPr lang="it-IT" sz="2000" dirty="0"/>
+              <a:rPr lang="it-IT" sz="2000" b="1" dirty="0">
+                <a:solidFill>
+                  <a:schemeClr val="bg1"/>
+                </a:solidFill>
+                <a:latin typeface="Times New Roman" panose="02020603050405020304" pitchFamily="18" charset="0"/>
+                <a:cs typeface="Times New Roman" panose="02020603050405020304" pitchFamily="18" charset="0"/>
+              </a:rPr>
               <a:t> Wearable Technologies for Healthcare and </a:t>
             </a:r>
             <a:r>
-              <a:rPr lang="it-IT" sz="2000" dirty="0" err="1"/>
+              <a:rPr lang="it-IT" sz="2000" b="1" dirty="0" err="1">
+                <a:solidFill>
+                  <a:schemeClr val="bg1"/>
+                </a:solidFill>
+                <a:latin typeface="Times New Roman" panose="02020603050405020304" pitchFamily="18" charset="0"/>
+                <a:cs typeface="Times New Roman" panose="02020603050405020304" pitchFamily="18" charset="0"/>
+              </a:rPr>
               <a:t>Wellbeing</a:t>
             </a:r>
-            <a:endParaRPr lang="it-IT" sz="2000" dirty="0"/>
-          </a:p>
-          <a:p>
-            <a:r>
-              <a:rPr lang="it-IT" sz="2000" dirty="0"/>
-              <a:t>A.Y. 2021-2022</a:t>
-            </a:r>
-            <a:endParaRPr lang="en-GB" sz="2000" dirty="0"/>
+            <a:endParaRPr lang="it-IT" sz="2000" b="1" dirty="0">
+              <a:solidFill>
+                <a:schemeClr val="bg1"/>
+              </a:solidFill>
+              <a:latin typeface="Times New Roman" panose="02020603050405020304" pitchFamily="18" charset="0"/>
+              <a:cs typeface="Times New Roman" panose="02020603050405020304" pitchFamily="18" charset="0"/>
+            </a:endParaRPr>
+          </a:p>
+          <a:p>
+            <a:pPr algn="just"/>
+            <a:r>
+              <a:rPr lang="it-IT" sz="2000" b="1" dirty="0">
+                <a:solidFill>
+                  <a:schemeClr val="bg1"/>
+                </a:solidFill>
+                <a:latin typeface="Times New Roman" panose="02020603050405020304" pitchFamily="18" charset="0"/>
+                <a:cs typeface="Times New Roman" panose="02020603050405020304" pitchFamily="18" charset="0"/>
+              </a:rPr>
+              <a:t>                                                       A.Y. 2021-2022</a:t>
+            </a:r>
+            <a:endParaRPr lang="en-GB" sz="2000" b="1" dirty="0">
+              <a:solidFill>
+                <a:schemeClr val="bg1"/>
+              </a:solidFill>
+              <a:latin typeface="Times New Roman" panose="02020603050405020304" pitchFamily="18" charset="0"/>
+              <a:cs typeface="Times New Roman" panose="02020603050405020304" pitchFamily="18" charset="0"/>
+            </a:endParaRPr>
           </a:p>
         </p:txBody>
       </p:sp>
@@ -3477,7 +9012,7 @@
           <p:nvPr/>
         </p:nvPicPr>
         <p:blipFill>
-          <a:blip r:embed="rId2">
+          <a:blip r:embed="rId5">
             <a:extLst>
               <a:ext uri="{28A0092B-C50C-407E-A947-70E740481C1C}">
                 <a14:useLocalDpi xmlns:a14="http://schemas.microsoft.com/office/drawing/2010/main" val="0"/>
@@ -3498,6 +9033,69 @@
           </a:prstGeom>
         </p:spPr>
       </p:pic>
+      <p:sp>
+        <p:nvSpPr>
+          <p:cNvPr id="10" name="CasellaDiTesto 9">
+            <a:extLst>
+              <a:ext uri="{FF2B5EF4-FFF2-40B4-BE49-F238E27FC236}">
+                <a16:creationId xmlns:a16="http://schemas.microsoft.com/office/drawing/2014/main" id="{6C250C9E-902B-53C0-7847-2853EAE8E236}"/>
+              </a:ext>
+            </a:extLst>
+          </p:cNvPr>
+          <p:cNvSpPr txBox="1"/>
+          <p:nvPr/>
+        </p:nvSpPr>
+        <p:spPr>
+          <a:xfrm>
+            <a:off x="4746702" y="1161852"/>
+            <a:ext cx="2698597" cy="1015663"/>
+          </a:xfrm>
+          <a:prstGeom prst="rect">
+            <a:avLst/>
+          </a:prstGeom>
+          <a:noFill/>
+        </p:spPr>
+        <p:txBody>
+          <a:bodyPr wrap="square" rtlCol="0">
+            <a:spAutoFit/>
+          </a:bodyPr>
+          <a:lstStyle/>
+          <a:p>
+            <a:r>
+              <a:rPr lang="it-IT" sz="6000" dirty="0">
+                <a:solidFill>
+                  <a:schemeClr val="bg1"/>
+                </a:solidFill>
+                <a:effectLst>
+                  <a:outerShdw blurRad="38100" dist="38100" dir="2700000" algn="tl">
+                    <a:srgbClr val="000000">
+                      <a:alpha val="43137"/>
+                    </a:srgbClr>
+                  </a:outerShdw>
+                </a:effectLst>
+                <a:latin typeface="Pristina" panose="03060402040406080204" pitchFamily="66" charset="0"/>
+              </a:rPr>
+              <a:t>Chill</a:t>
+            </a:r>
+            <a:r>
+              <a:rPr lang="it-IT" sz="6000" dirty="0">
+                <a:solidFill>
+                  <a:schemeClr val="bg1"/>
+                </a:solidFill>
+                <a:effectLst>
+                  <a:outerShdw blurRad="38100" dist="38100" dir="2700000" algn="tl">
+                    <a:srgbClr val="000000">
+                      <a:alpha val="43137"/>
+                    </a:srgbClr>
+                  </a:outerShdw>
+                </a:effectLst>
+                <a:latin typeface="Baskerville Old Face" panose="02020602080505020303" pitchFamily="18" charset="0"/>
+              </a:rPr>
+              <a:t>App</a:t>
+            </a:r>
+          </a:p>
+        </p:txBody>
+      </p:sp>
     </p:spTree>
     <p:extLst>
       <p:ext uri="{BB962C8B-B14F-4D97-AF65-F5344CB8AC3E}">
@@ -3893,7 +9491,7 @@
         <p:spPr/>
         <p:txBody>
           <a:bodyPr>
-            <a:normAutofit/>
+            <a:normAutofit fontScale="85000" lnSpcReduction="20000"/>
           </a:bodyPr>
           <a:lstStyle/>
           <a:p>
@@ -4466,7 +10064,7 @@
         <p:spPr/>
         <p:txBody>
           <a:bodyPr>
-            <a:normAutofit/>
+            <a:normAutofit fontScale="92500"/>
           </a:bodyPr>
           <a:lstStyle/>
           <a:p>
@@ -4969,7 +10567,9 @@
         </p:nvSpPr>
         <p:spPr/>
         <p:txBody>
-          <a:bodyPr/>
+          <a:bodyPr>
+            <a:normAutofit/>
+          </a:bodyPr>
           <a:lstStyle/>
           <a:p>
             <a:r>
@@ -5172,7 +10772,7 @@
         <p:spPr/>
         <p:txBody>
           <a:bodyPr>
-            <a:normAutofit lnSpcReduction="10000"/>
+            <a:normAutofit fontScale="85000" lnSpcReduction="20000"/>
           </a:bodyPr>
           <a:lstStyle/>
           <a:p>
@@ -5468,16 +11068,29 @@
             <p:ph type="title"/>
           </p:nvPr>
         </p:nvSpPr>
-        <p:spPr/>
+        <p:spPr>
+          <a:xfrm>
+            <a:off x="4541334" y="379142"/>
+            <a:ext cx="3109332" cy="887800"/>
+          </a:xfrm>
+        </p:spPr>
         <p:txBody>
-          <a:bodyPr/>
+          <a:bodyPr>
+            <a:normAutofit/>
+          </a:bodyPr>
           <a:lstStyle/>
           <a:p>
             <a:r>
-              <a:rPr lang="it-IT" dirty="0"/>
+              <a:rPr lang="it-IT" dirty="0">
+                <a:latin typeface="Times New Roman" panose="02020603050405020304" pitchFamily="18" charset="0"/>
+                <a:cs typeface="Times New Roman" panose="02020603050405020304" pitchFamily="18" charset="0"/>
+              </a:rPr>
               <a:t>Background</a:t>
             </a:r>
-            <a:endParaRPr lang="en-GB" dirty="0"/>
+            <a:endParaRPr lang="en-GB" dirty="0">
+              <a:latin typeface="Times New Roman" panose="02020603050405020304" pitchFamily="18" charset="0"/>
+              <a:cs typeface="Times New Roman" panose="02020603050405020304" pitchFamily="18" charset="0"/>
+            </a:endParaRPr>
           </a:p>
         </p:txBody>
       </p:sp>
@@ -5499,10 +11112,57 @@
         </p:nvSpPr>
         <p:spPr/>
         <p:txBody>
-          <a:bodyPr/>
+          <a:bodyPr>
+            <a:normAutofit/>
+          </a:bodyPr>
           <a:lstStyle/>
           <a:p>
-            <a:endParaRPr lang="en-GB"/>
+            <a:pPr algn="just"/>
+            <a:r>
+              <a:rPr lang="en-US" sz="2400" dirty="0">
+                <a:latin typeface="Times New Roman" panose="02020603050405020304" pitchFamily="18" charset="0"/>
+                <a:cs typeface="Times New Roman" panose="02020603050405020304" pitchFamily="18" charset="0"/>
+              </a:rPr>
+              <a:t>Yoga plus regular care was effective in reducing symptoms of depression compared with regular care alone. Further investigation is warranted regarding potential benefits in anxiety. Individualized yoga may be particularly beneficial in mental health care in the broader community. [de </a:t>
+            </a:r>
+            <a:r>
+              <a:rPr lang="en-US" sz="2400" dirty="0" err="1">
+                <a:latin typeface="Times New Roman" panose="02020603050405020304" pitchFamily="18" charset="0"/>
+                <a:cs typeface="Times New Roman" panose="02020603050405020304" pitchFamily="18" charset="0"/>
+              </a:rPr>
+              <a:t>Manincor</a:t>
+            </a:r>
+            <a:r>
+              <a:rPr lang="en-US" sz="2400" dirty="0">
+                <a:latin typeface="Times New Roman" panose="02020603050405020304" pitchFamily="18" charset="0"/>
+                <a:cs typeface="Times New Roman" panose="02020603050405020304" pitchFamily="18" charset="0"/>
+              </a:rPr>
+              <a:t>, Michael, et al.]</a:t>
+            </a:r>
+          </a:p>
+          <a:p>
+            <a:pPr algn="just"/>
+            <a:r>
+              <a:rPr lang="en-US" sz="2400" dirty="0">
+                <a:latin typeface="Times New Roman" panose="02020603050405020304" pitchFamily="18" charset="0"/>
+                <a:cs typeface="Times New Roman" panose="02020603050405020304" pitchFamily="18" charset="0"/>
+              </a:rPr>
+              <a:t>Physical activity and yoga practice have been shown to elicit improvements in anxiety and depression symptoms conducting to a better social, physical, and affective well-being optimizing the pharmacological treatment duration and the risk of pharmacological adverse side effects. [</a:t>
+            </a:r>
+            <a:r>
+              <a:rPr lang="en-US" sz="2400" dirty="0" err="1">
+                <a:latin typeface="Times New Roman" panose="02020603050405020304" pitchFamily="18" charset="0"/>
+                <a:cs typeface="Times New Roman" panose="02020603050405020304" pitchFamily="18" charset="0"/>
+              </a:rPr>
+              <a:t>D'Alessio</a:t>
+            </a:r>
+            <a:r>
+              <a:rPr lang="en-US" sz="2400" dirty="0">
+                <a:latin typeface="Times New Roman" panose="02020603050405020304" pitchFamily="18" charset="0"/>
+                <a:cs typeface="Times New Roman" panose="02020603050405020304" pitchFamily="18" charset="0"/>
+              </a:rPr>
+              <a:t>, Luciana, et al.]</a:t>
+            </a:r>
           </a:p>
         </p:txBody>
       </p:sp>
@@ -5736,23 +11396,17 @@
             <p:ph type="title"/>
           </p:nvPr>
         </p:nvSpPr>
-        <p:spPr/>
+        <p:spPr>
+          <a:xfrm>
+            <a:off x="459174" y="239752"/>
+            <a:ext cx="9692640" cy="758283"/>
+          </a:xfrm>
+        </p:spPr>
         <p:txBody>
           <a:bodyPr/>
           <a:lstStyle/>
           <a:p>
             <a:r>
-              <a:rPr lang="it-IT" dirty="0"/>
-              <a:t>Core app </a:t>
-            </a:r>
-            <a:r>
-              <a:rPr lang="it-IT" dirty="0" err="1"/>
-              <a:t>functionalities</a:t>
-            </a:r>
-            <a:br>
-              <a:rPr lang="it-IT" dirty="0"/>
-            </a:br>
-            <a:r>
               <a:rPr lang="it-IT" sz="3600" dirty="0"/>
               <a:t>Screen </a:t>
             </a:r>
@@ -5760,35 +11414,83 @@
               <a:rPr lang="it-IT" sz="3600" dirty="0" err="1"/>
               <a:t>Map</a:t>
             </a:r>
+            <a:r>
+              <a:rPr lang="it-IT" sz="3600" dirty="0"/>
+              <a:t> of the app</a:t>
+            </a:r>
             <a:endParaRPr lang="en-GB" sz="3600" dirty="0"/>
           </a:p>
         </p:txBody>
       </p:sp>
-      <p:sp>
-        <p:nvSpPr>
-          <p:cNvPr id="3" name="Segnaposto contenuto 2">
+      <p:graphicFrame>
+        <p:nvGraphicFramePr>
+          <p:cNvPr id="15" name="Segnaposto contenuto 14">
             <a:extLst>
               <a:ext uri="{FF2B5EF4-FFF2-40B4-BE49-F238E27FC236}">
-                <a16:creationId xmlns:a16="http://schemas.microsoft.com/office/drawing/2014/main" id="{B332BAC9-C992-9510-2E66-AD236880AD89}"/>
+                <a16:creationId xmlns:a16="http://schemas.microsoft.com/office/drawing/2014/main" id="{0CE70568-070A-E3DE-736C-4D43A2D80A65}"/>
               </a:ext>
             </a:extLst>
           </p:cNvPr>
-          <p:cNvSpPr>
-            <a:spLocks noGrp="1"/>
-          </p:cNvSpPr>
+          <p:cNvGraphicFramePr>
+            <a:graphicFrameLocks noGrp="1"/>
+          </p:cNvGraphicFramePr>
           <p:nvPr>
             <p:ph idx="1"/>
+            <p:extLst>
+              <p:ext uri="{D42A27DB-BD31-4B8C-83A1-F6EECF244321}">
+                <p14:modId xmlns:p14="http://schemas.microsoft.com/office/powerpoint/2010/main" val="2421044919"/>
+              </p:ext>
+            </p:extLst>
           </p:nvPr>
-        </p:nvSpPr>
-        <p:spPr/>
-        <p:txBody>
-          <a:bodyPr/>
-          <a:lstStyle/>
-          <a:p>
-            <a:endParaRPr lang="en-GB"/>
-          </a:p>
-        </p:txBody>
-      </p:sp>
+        </p:nvGraphicFramePr>
+        <p:xfrm>
+          <a:off x="459174" y="1605776"/>
+          <a:ext cx="10470954" cy="4705814"/>
+        </p:xfrm>
+        <a:graphic>
+          <a:graphicData uri="http://schemas.openxmlformats.org/drawingml/2006/diagram">
+            <dgm:relIds xmlns:dgm="http://schemas.openxmlformats.org/drawingml/2006/diagram" xmlns:r="http://schemas.openxmlformats.org/officeDocument/2006/relationships" r:dm="rId2" r:lo="rId3" r:qs="rId4" r:cs="rId5"/>
+          </a:graphicData>
+        </a:graphic>
+      </p:graphicFrame>
+      <p:cxnSp>
+        <p:nvCxnSpPr>
+          <p:cNvPr id="17" name="Connettore diritto 16">
+            <a:extLst>
+              <a:ext uri="{FF2B5EF4-FFF2-40B4-BE49-F238E27FC236}">
+                <a16:creationId xmlns:a16="http://schemas.microsoft.com/office/drawing/2014/main" id="{79FC9C59-B27F-EFCD-3BAB-2F122D5526CE}"/>
+              </a:ext>
+            </a:extLst>
+          </p:cNvPr>
+          <p:cNvCxnSpPr>
+            <a:cxnSpLocks/>
+          </p:cNvCxnSpPr>
+          <p:nvPr/>
+        </p:nvCxnSpPr>
+        <p:spPr>
+          <a:xfrm>
+            <a:off x="1839951" y="3579541"/>
+            <a:ext cx="524108" cy="0"/>
+          </a:xfrm>
+          <a:prstGeom prst="line">
+            <a:avLst/>
+          </a:prstGeom>
+        </p:spPr>
+        <p:style>
+          <a:lnRef idx="1">
+            <a:schemeClr val="accent1"/>
+          </a:lnRef>
+          <a:fillRef idx="0">
+            <a:schemeClr val="accent1"/>
+          </a:fillRef>
+          <a:effectRef idx="0">
+            <a:schemeClr val="accent1"/>
+          </a:effectRef>
+          <a:fontRef idx="minor">
+            <a:schemeClr val="tx1"/>
+          </a:fontRef>
+        </p:style>
+      </p:cxnSp>
     </p:spTree>
     <p:extLst>
       <p:ext uri="{BB962C8B-B14F-4D97-AF65-F5344CB8AC3E}">
@@ -5799,6 +11501,185 @@
   <p:clrMapOvr>
     <a:masterClrMapping/>
   </p:clrMapOvr>
+  <p:timing>
+    <p:tnLst>
+      <p:par>
+        <p:cTn id="1" dur="indefinite" restart="never" nodeType="tmRoot">
+          <p:childTnLst>
+            <p:seq concurrent="1" nextAc="seek">
+              <p:cTn id="2" dur="indefinite" nodeType="mainSeq">
+                <p:childTnLst>
+                  <p:par>
+                    <p:cTn id="3" fill="hold">
+                      <p:stCondLst>
+                        <p:cond delay="indefinite"/>
+                      </p:stCondLst>
+                      <p:childTnLst>
+                        <p:par>
+                          <p:cTn id="4" fill="hold">
+                            <p:stCondLst>
+                              <p:cond delay="0"/>
+                            </p:stCondLst>
+                            <p:childTnLst>
+                              <p:par>
+                                <p:cTn id="5" presetID="2" presetClass="entr" presetSubtype="4" fill="hold" grpId="0" nodeType="clickEffect">
+                                  <p:stCondLst>
+                                    <p:cond delay="0"/>
+                                  </p:stCondLst>
+                                  <p:childTnLst>
+                                    <p:set>
+                                      <p:cBhvr>
+                                        <p:cTn id="6" dur="1" fill="hold">
+                                          <p:stCondLst>
+                                            <p:cond delay="0"/>
+                                          </p:stCondLst>
+                                        </p:cTn>
+                                        <p:tgtEl>
+                                          <p:spTgt spid="15"/>
+                                        </p:tgtEl>
+                                        <p:attrNameLst>
+                                          <p:attrName>style.visibility</p:attrName>
+                                        </p:attrNameLst>
+                                      </p:cBhvr>
+                                      <p:to>
+                                        <p:strVal val="visible"/>
+                                      </p:to>
+                                    </p:set>
+                                    <p:anim calcmode="lin" valueType="num">
+                                      <p:cBhvr additive="base">
+                                        <p:cTn id="7" dur="500" fill="hold"/>
+                                        <p:tgtEl>
+                                          <p:spTgt spid="15"/>
+                                        </p:tgtEl>
+                                        <p:attrNameLst>
+                                          <p:attrName>ppt_x</p:attrName>
+                                        </p:attrNameLst>
+                                      </p:cBhvr>
+                                      <p:tavLst>
+                                        <p:tav tm="0">
+                                          <p:val>
+                                            <p:strVal val="#ppt_x"/>
+                                          </p:val>
+                                        </p:tav>
+                                        <p:tav tm="100000">
+                                          <p:val>
+                                            <p:strVal val="#ppt_x"/>
+                                          </p:val>
+                                        </p:tav>
+                                      </p:tavLst>
+                                    </p:anim>
+                                    <p:anim calcmode="lin" valueType="num">
+                                      <p:cBhvr additive="base">
+                                        <p:cTn id="8" dur="500" fill="hold"/>
+                                        <p:tgtEl>
+                                          <p:spTgt spid="15"/>
+                                        </p:tgtEl>
+                                        <p:attrNameLst>
+                                          <p:attrName>ppt_y</p:attrName>
+                                        </p:attrNameLst>
+                                      </p:cBhvr>
+                                      <p:tavLst>
+                                        <p:tav tm="0">
+                                          <p:val>
+                                            <p:strVal val="1+#ppt_h/2"/>
+                                          </p:val>
+                                        </p:tav>
+                                        <p:tav tm="100000">
+                                          <p:val>
+                                            <p:strVal val="#ppt_y"/>
+                                          </p:val>
+                                        </p:tav>
+                                      </p:tavLst>
+                                    </p:anim>
+                                  </p:childTnLst>
+                                </p:cTn>
+                              </p:par>
+                            </p:childTnLst>
+                          </p:cTn>
+                        </p:par>
+                      </p:childTnLst>
+                    </p:cTn>
+                  </p:par>
+                  <p:par>
+                    <p:cTn id="9" fill="hold">
+                      <p:stCondLst>
+                        <p:cond delay="indefinite"/>
+                      </p:stCondLst>
+                      <p:childTnLst>
+                        <p:par>
+                          <p:cTn id="10" fill="hold">
+                            <p:stCondLst>
+                              <p:cond delay="0"/>
+                            </p:stCondLst>
+                            <p:childTnLst>
+                              <p:par>
+                                <p:cTn id="11" presetID="10" presetClass="entr" presetSubtype="0" fill="hold" nodeType="clickEffect">
+                                  <p:stCondLst>
+                                    <p:cond delay="0"/>
+                                  </p:stCondLst>
+                                  <p:childTnLst>
+                                    <p:set>
+                                      <p:cBhvr>
+                                        <p:cTn id="12" dur="1" fill="hold">
+                                          <p:stCondLst>
+                                            <p:cond delay="0"/>
+                                          </p:stCondLst>
+                                        </p:cTn>
+                                        <p:tgtEl>
+                                          <p:spTgt spid="17"/>
+                                        </p:tgtEl>
+                                        <p:attrNameLst>
+                                          <p:attrName>style.visibility</p:attrName>
+                                        </p:attrNameLst>
+                                      </p:cBhvr>
+                                      <p:to>
+                                        <p:strVal val="visible"/>
+                                      </p:to>
+                                    </p:set>
+                                    <p:animEffect transition="in" filter="fade">
+                                      <p:cBhvr>
+                                        <p:cTn id="13" dur="500"/>
+                                        <p:tgtEl>
+                                          <p:spTgt spid="17"/>
+                                        </p:tgtEl>
+                                      </p:cBhvr>
+                                    </p:animEffect>
+                                  </p:childTnLst>
+                                </p:cTn>
+                              </p:par>
+                            </p:childTnLst>
+                          </p:cTn>
+                        </p:par>
+                      </p:childTnLst>
+                    </p:cTn>
+                  </p:par>
+                </p:childTnLst>
+              </p:cTn>
+              <p:prevCondLst>
+                <p:cond evt="onPrev" delay="0">
+                  <p:tgtEl>
+                    <p:sldTgt/>
+                  </p:tgtEl>
+                </p:cond>
+              </p:prevCondLst>
+              <p:nextCondLst>
+                <p:cond evt="onNext" delay="0">
+                  <p:tgtEl>
+                    <p:sldTgt/>
+                  </p:tgtEl>
+                </p:cond>
+              </p:nextCondLst>
+            </p:seq>
+          </p:childTnLst>
+        </p:cTn>
+      </p:par>
+    </p:tnLst>
+    <p:bldLst>
+      <p:bldGraphic spid="15" grpId="0">
+        <p:bldAsOne/>
+      </p:bldGraphic>
+    </p:bldLst>
+  </p:timing>
 </p:sld>
 </file>
 
@@ -5842,7 +11723,9 @@
           </a:xfrm>
         </p:spPr>
         <p:txBody>
-          <a:bodyPr/>
+          <a:bodyPr>
+            <a:normAutofit/>
+          </a:bodyPr>
           <a:lstStyle/>
           <a:p>
             <a:r>
@@ -6229,7 +12112,7 @@
         <p:spPr/>
         <p:txBody>
           <a:bodyPr>
-            <a:normAutofit/>
+            <a:normAutofit lnSpcReduction="10000"/>
           </a:bodyPr>
           <a:lstStyle/>
           <a:p>
@@ -6671,7 +12554,7 @@
         <p:spPr/>
         <p:txBody>
           <a:bodyPr>
-            <a:normAutofit/>
+            <a:normAutofit fontScale="92500" lnSpcReduction="20000"/>
           </a:bodyPr>
           <a:lstStyle/>
           <a:p>
@@ -6939,6 +12822,259 @@
 </file>
 
 <file path=ppt/theme/theme1.xml><?xml version="1.0" encoding="utf-8"?>
+<a:theme xmlns:a="http://schemas.openxmlformats.org/drawingml/2006/main" name="Vista">
+  <a:themeElements>
+    <a:clrScheme name="Vista">
+      <a:dk1>
+        <a:srgbClr val="000000"/>
+      </a:dk1>
+      <a:lt1>
+        <a:srgbClr val="FFFFFF"/>
+      </a:lt1>
+      <a:dk2>
+        <a:srgbClr val="46464A"/>
+      </a:dk2>
+      <a:lt2>
+        <a:srgbClr val="D6D3CC"/>
+      </a:lt2>
+      <a:accent1>
+        <a:srgbClr val="6F6F74"/>
+      </a:accent1>
+      <a:accent2>
+        <a:srgbClr val="92A9B9"/>
+      </a:accent2>
+      <a:accent3>
+        <a:srgbClr val="A7B789"/>
+      </a:accent3>
+      <a:accent4>
+        <a:srgbClr val="B9A489"/>
+      </a:accent4>
+      <a:accent5>
+        <a:srgbClr val="8D6374"/>
+      </a:accent5>
+      <a:accent6>
+        <a:srgbClr val="9B7362"/>
+      </a:accent6>
+      <a:hlink>
+        <a:srgbClr val="67AABF"/>
+      </a:hlink>
+      <a:folHlink>
+        <a:srgbClr val="ABAFA5"/>
+      </a:folHlink>
+    </a:clrScheme>
+    <a:fontScheme name="Vista">
+      <a:majorFont>
+        <a:latin typeface="Century Schoolbook" panose="02040604050505020304"/>
+        <a:ea typeface=""/>
+        <a:cs typeface=""/>
+        <a:font script="Jpan" typeface="ＭＳ ゴシック"/>
+        <a:font script="Hang" typeface="맑은 고딕"/>
+        <a:font script="Hans" typeface="宋体"/>
+        <a:font script="Hant" typeface="新細明體"/>
+        <a:font script="Arab" typeface="Tahoma"/>
+        <a:font script="Hebr" typeface="Gisha"/>
+        <a:font script="Thai" typeface="DilleniaUPC"/>
+        <a:font script="Ethi" typeface="Nyala"/>
+        <a:font script="Beng" typeface="Vrinda"/>
+        <a:font script="Gujr" typeface="Shruti"/>
+        <a:font script="Khmr" typeface="DaunPenh"/>
+        <a:font script="Knda" typeface="Tunga"/>
+        <a:font script="Guru" typeface="Raavi"/>
+        <a:font script="Cans" typeface="Euphemia"/>
+        <a:font script="Cher" typeface="Plantagenet Cherokee"/>
+        <a:font script="Yiii" typeface="Microsoft Yi Baiti"/>
+        <a:font script="Tibt" typeface="Microsoft Himalaya"/>
+        <a:font script="Thaa" typeface="MV Boli"/>
+        <a:font script="Deva" typeface="Mangal"/>
+        <a:font script="Telu" typeface="Gautami"/>
+        <a:font script="Taml" typeface="Latha"/>
+        <a:font script="Syrc" typeface="Estrangelo Edessa"/>
+        <a:font script="Orya" typeface="Kalinga"/>
+        <a:font script="Mlym" typeface="Kartika"/>
+        <a:font script="Laoo" typeface="DokChampa"/>
+        <a:font script="Sinh" typeface="Iskoola Pota"/>
+        <a:font script="Mong" typeface="Mongolian Baiti"/>
+        <a:font script="Viet" typeface="Tahoma"/>
+        <a:font script="Uigh" typeface="Microsoft Uighur"/>
+        <a:font script="Geor" typeface="Sylfaen"/>
+      </a:majorFont>
+      <a:minorFont>
+        <a:latin typeface="Century Schoolbook" panose="02040604050505020304"/>
+        <a:ea typeface=""/>
+        <a:cs typeface=""/>
+        <a:font script="Jpan" typeface="ＭＳ ゴシック"/>
+        <a:font script="Hang" typeface="맑은 고딕"/>
+        <a:font script="Hans" typeface="宋体"/>
+        <a:font script="Hant" typeface="新細明體"/>
+        <a:font script="Arab" typeface="Tahoma"/>
+        <a:font script="Hebr" typeface="Gisha"/>
+        <a:font script="Thai" typeface="DilleniaUPC"/>
+        <a:font script="Ethi" typeface="Nyala"/>
+        <a:font script="Beng" typeface="Vrinda"/>
+        <a:font script="Gujr" typeface="Shruti"/>
+        <a:font script="Khmr" typeface="DaunPenh"/>
+        <a:font script="Knda" typeface="Tunga"/>
+        <a:font script="Guru" typeface="Raavi"/>
+        <a:font script="Cans" typeface="Euphemia"/>
+        <a:font script="Cher" typeface="Plantagenet Cherokee"/>
+        <a:font script="Yiii" typeface="Microsoft Yi Baiti"/>
+        <a:font script="Tibt" typeface="Microsoft Himalaya"/>
+        <a:font script="Thaa" typeface="MV Boli"/>
+        <a:font script="Deva" typeface="Mangal"/>
+        <a:font script="Telu" typeface="Gautami"/>
+        <a:font script="Taml" typeface="Latha"/>
+        <a:font script="Syrc" typeface="Estrangelo Edessa"/>
+        <a:font script="Orya" typeface="Kalinga"/>
+        <a:font script="Mlym" typeface="Kartika"/>
+        <a:font script="Laoo" typeface="DokChampa"/>
+        <a:font script="Sinh" typeface="Iskoola Pota"/>
+        <a:font script="Mong" typeface="Mongolian Baiti"/>
+        <a:font script="Viet" typeface="Verdana"/>
+        <a:font script="Uigh" typeface="Microsoft Uighur"/>
+        <a:font script="Geor" typeface="Sylfaen"/>
+      </a:minorFont>
+    </a:fontScheme>
+    <a:fmtScheme name="Vista">
+      <a:fillStyleLst>
+        <a:solidFill>
+          <a:schemeClr val="phClr"/>
+        </a:solidFill>
+        <a:solidFill>
+          <a:schemeClr val="phClr">
+            <a:tint val="60000"/>
+            <a:satMod val="120000"/>
+          </a:schemeClr>
+        </a:solidFill>
+        <a:solidFill>
+          <a:schemeClr val="phClr">
+            <a:shade val="75000"/>
+            <a:satMod val="160000"/>
+          </a:schemeClr>
+        </a:solidFill>
+      </a:fillStyleLst>
+      <a:lnStyleLst>
+        <a:ln w="9525" cap="flat" cmpd="sng" algn="ctr">
+          <a:solidFill>
+            <a:schemeClr val="phClr"/>
+          </a:solidFill>
+          <a:prstDash val="solid"/>
+        </a:ln>
+        <a:ln w="13970" cap="flat" cmpd="sng" algn="ctr">
+          <a:solidFill>
+            <a:schemeClr val="phClr"/>
+          </a:solidFill>
+          <a:prstDash val="solid"/>
+        </a:ln>
+        <a:ln w="17145" cap="flat" cmpd="sng" algn="ctr">
+          <a:solidFill>
+            <a:schemeClr val="phClr">
+              <a:shade val="95000"/>
+              <a:alpha val="95000"/>
+              <a:satMod val="150000"/>
+            </a:schemeClr>
+          </a:solidFill>
+          <a:prstDash val="solid"/>
+        </a:ln>
+      </a:lnStyleLst>
+      <a:effectStyleLst>
+        <a:effectStyle>
+          <a:effectLst/>
+        </a:effectStyle>
+        <a:effectStyle>
+          <a:effectLst>
+            <a:outerShdw blurRad="50800" dist="15240" dir="5400000" algn="tl" rotWithShape="0">
+              <a:srgbClr val="000000">
+                <a:alpha val="75000"/>
+              </a:srgbClr>
+            </a:outerShdw>
+          </a:effectLst>
+          <a:scene3d>
+            <a:camera prst="orthographicFront">
+              <a:rot lat="0" lon="0" rev="0"/>
+            </a:camera>
+            <a:lightRig rig="brightRoom" dir="tl"/>
+          </a:scene3d>
+          <a:sp3d contourW="9525" prstMaterial="flat">
+            <a:bevelT w="0" h="0" prst="coolSlant"/>
+            <a:contourClr>
+              <a:schemeClr val="phClr">
+                <a:shade val="35000"/>
+                <a:satMod val="130000"/>
+              </a:schemeClr>
+            </a:contourClr>
+          </a:sp3d>
+        </a:effectStyle>
+        <a:effectStyle>
+          <a:effectLst>
+            <a:outerShdw blurRad="76200" dist="25400" dir="5400000" algn="tl" rotWithShape="0">
+              <a:srgbClr val="000000">
+                <a:alpha val="55000"/>
+              </a:srgbClr>
+            </a:outerShdw>
+          </a:effectLst>
+          <a:scene3d>
+            <a:camera prst="orthographicFront">
+              <a:rot lat="0" lon="0" rev="0"/>
+            </a:camera>
+            <a:lightRig rig="brightRoom" dir="tl"/>
+          </a:scene3d>
+          <a:sp3d contourW="19050" prstMaterial="flat">
+            <a:bevelT w="0" h="0" prst="coolSlant"/>
+            <a:contourClr>
+              <a:schemeClr val="phClr">
+                <a:shade val="25000"/>
+                <a:satMod val="140000"/>
+              </a:schemeClr>
+            </a:contourClr>
+          </a:sp3d>
+        </a:effectStyle>
+      </a:effectStyleLst>
+      <a:bgFillStyleLst>
+        <a:solidFill>
+          <a:schemeClr val="phClr"/>
+        </a:solidFill>
+        <a:solidFill>
+          <a:schemeClr val="phClr">
+            <a:tint val="95000"/>
+            <a:satMod val="170000"/>
+          </a:schemeClr>
+        </a:solidFill>
+        <a:gradFill rotWithShape="1">
+          <a:gsLst>
+            <a:gs pos="0">
+              <a:schemeClr val="phClr">
+                <a:tint val="94000"/>
+                <a:shade val="98000"/>
+                <a:satMod val="130000"/>
+                <a:lumMod val="102000"/>
+              </a:schemeClr>
+            </a:gs>
+            <a:gs pos="100000">
+              <a:schemeClr val="phClr">
+                <a:tint val="98000"/>
+                <a:shade val="78000"/>
+                <a:satMod val="140000"/>
+              </a:schemeClr>
+            </a:gs>
+          </a:gsLst>
+          <a:path path="circle">
+            <a:fillToRect l="100000" t="100000" r="100000" b="100000"/>
+          </a:path>
+        </a:gradFill>
+      </a:bgFillStyleLst>
+    </a:fmtScheme>
+  </a:themeElements>
+  <a:objectDefaults/>
+  <a:extraClrSchemeLst/>
+  <a:extLst>
+    <a:ext uri="{05A4C25C-085E-4340-85A3-A5531E510DB2}">
+      <thm15:themeFamily xmlns:thm15="http://schemas.microsoft.com/office/thememl/2012/main" name="View" id="{BA0EB5A6-F2D4-4F82-977B-64ADEE4A2A69}" vid="{3969A8A2-35DB-4E3B-8885-16FD20568674}"/>
+    </a:ext>
+  </a:extLst>
+</a:theme>
+</file>
+
+<file path=ppt/theme/theme2.xml><?xml version="1.0" encoding="utf-8"?>
 <a:theme xmlns:a="http://schemas.openxmlformats.org/drawingml/2006/main" name="Tema di Office">
   <a:themeElements>
     <a:clrScheme name="Office">
